--- a/SLIDE ĐỒ ÁN TỐT NGHIỆP.pptx
+++ b/SLIDE ĐỒ ÁN TỐT NGHIỆP.pptx
@@ -5,10 +5,10 @@
     <p:sldMasterId id="2147483648" r:id="rId1"/>
   </p:sldMasterIdLst>
   <p:notesMasterIdLst>
-    <p:notesMasterId r:id="rId9"/>
+    <p:notesMasterId r:id="rId15"/>
   </p:notesMasterIdLst>
   <p:handoutMasterIdLst>
-    <p:handoutMasterId r:id="rId10"/>
+    <p:handoutMasterId r:id="rId16"/>
   </p:handoutMasterIdLst>
   <p:sldIdLst>
     <p:sldId id="256" r:id="rId2"/>
@@ -16,8 +16,14 @@
     <p:sldId id="258" r:id="rId4"/>
     <p:sldId id="262" r:id="rId5"/>
     <p:sldId id="259" r:id="rId6"/>
-    <p:sldId id="263" r:id="rId7"/>
-    <p:sldId id="260" r:id="rId8"/>
+    <p:sldId id="264" r:id="rId7"/>
+    <p:sldId id="265" r:id="rId8"/>
+    <p:sldId id="266" r:id="rId9"/>
+    <p:sldId id="267" r:id="rId10"/>
+    <p:sldId id="263" r:id="rId11"/>
+    <p:sldId id="268" r:id="rId12"/>
+    <p:sldId id="269" r:id="rId13"/>
+    <p:sldId id="260" r:id="rId14"/>
   </p:sldIdLst>
   <p:sldSz cx="9144000" cy="6858000" type="screen4x3"/>
   <p:notesSz cx="6858000" cy="9144000"/>
@@ -205,7 +211,7 @@
           <a:p>
             <a:fld id="{F3B3D6D5-6E26-4E92-9442-E78C0B8103E6}" type="datetimeFigureOut">
               <a:rPr lang="en-US" smtClean="0"/>
-              <a:t>5/10/2018</a:t>
+              <a:t>6/7/2018</a:t>
             </a:fld>
             <a:endParaRPr lang="en-US"/>
           </a:p>
@@ -379,7 +385,7 @@
           <a:p>
             <a:fld id="{E891C6CE-094C-492D-8A66-5863DB4924C7}" type="datetimeFigureOut">
               <a:rPr lang="en-US" smtClean="0"/>
-              <a:t>5/10/2018</a:t>
+              <a:t>6/7/2018</a:t>
             </a:fld>
             <a:endParaRPr lang="en-US"/>
           </a:p>
@@ -740,7 +746,7 @@
           <a:p>
             <a:fld id="{7AAE7F12-AD10-4B04-8C13-A90A84B01E95}" type="datetime1">
               <a:rPr lang="en-US" smtClean="0"/>
-              <a:t>5/10/2018</a:t>
+              <a:t>6/7/2018</a:t>
             </a:fld>
             <a:endParaRPr lang="en-US"/>
           </a:p>
@@ -796,6 +802,465 @@
     <p:extLst>
       <p:ext uri="{BB962C8B-B14F-4D97-AF65-F5344CB8AC3E}">
         <p14:creationId xmlns:p14="http://schemas.microsoft.com/office/powerpoint/2010/main" val="2033506112"/>
+      </p:ext>
+    </p:extLst>
+  </p:cSld>
+  <p:clrMapOvr>
+    <a:masterClrMapping/>
+  </p:clrMapOvr>
+</p:notes>
+</file>
+
+<file path=ppt/notesSlides/notesSlide10.xml><?xml version="1.0" encoding="utf-8"?>
+<p:notes xmlns:a="http://schemas.openxmlformats.org/drawingml/2006/main" xmlns:r="http://schemas.openxmlformats.org/officeDocument/2006/relationships" xmlns:p="http://schemas.openxmlformats.org/presentationml/2006/main">
+  <p:cSld>
+    <p:spTree>
+      <p:nvGrpSpPr>
+        <p:cNvPr id="1" name=""/>
+        <p:cNvGrpSpPr/>
+        <p:nvPr/>
+      </p:nvGrpSpPr>
+      <p:grpSpPr>
+        <a:xfrm>
+          <a:off x="0" y="0"/>
+          <a:ext cx="0" cy="0"/>
+          <a:chOff x="0" y="0"/>
+          <a:chExt cx="0" cy="0"/>
+        </a:xfrm>
+      </p:grpSpPr>
+      <p:sp>
+        <p:nvSpPr>
+          <p:cNvPr id="2" name="Slide Image Placeholder 1"/>
+          <p:cNvSpPr>
+            <a:spLocks noGrp="1" noRot="1" noChangeAspect="1"/>
+          </p:cNvSpPr>
+          <p:nvPr>
+            <p:ph type="sldImg"/>
+          </p:nvPr>
+        </p:nvSpPr>
+        <p:spPr/>
+      </p:sp>
+      <p:sp>
+        <p:nvSpPr>
+          <p:cNvPr id="3" name="Notes Placeholder 2"/>
+          <p:cNvSpPr>
+            <a:spLocks noGrp="1"/>
+          </p:cNvSpPr>
+          <p:nvPr>
+            <p:ph type="body" idx="1"/>
+          </p:nvPr>
+        </p:nvSpPr>
+        <p:spPr/>
+        <p:txBody>
+          <a:bodyPr/>
+          <a:lstStyle/>
+          <a:p>
+            <a:endParaRPr lang="en-US" dirty="0"/>
+          </a:p>
+        </p:txBody>
+      </p:sp>
+      <p:sp>
+        <p:nvSpPr>
+          <p:cNvPr id="4" name="Slide Number Placeholder 3"/>
+          <p:cNvSpPr>
+            <a:spLocks noGrp="1"/>
+          </p:cNvSpPr>
+          <p:nvPr>
+            <p:ph type="sldNum" sz="quarter" idx="10"/>
+          </p:nvPr>
+        </p:nvSpPr>
+        <p:spPr/>
+        <p:txBody>
+          <a:bodyPr/>
+          <a:lstStyle/>
+          <a:p>
+            <a:fld id="{B496AA6E-12F2-4AD7-A79B-9CBC8622702A}" type="slidenum">
+              <a:rPr lang="en-US" smtClean="0"/>
+              <a:t>11</a:t>
+            </a:fld>
+            <a:endParaRPr lang="en-US"/>
+          </a:p>
+        </p:txBody>
+      </p:sp>
+      <p:sp>
+        <p:nvSpPr>
+          <p:cNvPr id="5" name="Date Placeholder 4"/>
+          <p:cNvSpPr>
+            <a:spLocks noGrp="1"/>
+          </p:cNvSpPr>
+          <p:nvPr>
+            <p:ph type="dt" idx="11"/>
+          </p:nvPr>
+        </p:nvSpPr>
+        <p:spPr/>
+        <p:txBody>
+          <a:bodyPr/>
+          <a:lstStyle/>
+          <a:p>
+            <a:fld id="{24259DB3-502C-44B5-8A56-0862EEAC82E1}" type="datetime1">
+              <a:rPr lang="en-US" smtClean="0"/>
+              <a:t>6/7/2018</a:t>
+            </a:fld>
+            <a:endParaRPr lang="en-US"/>
+          </a:p>
+        </p:txBody>
+      </p:sp>
+      <p:sp>
+        <p:nvSpPr>
+          <p:cNvPr id="6" name="Footer Placeholder 5"/>
+          <p:cNvSpPr>
+            <a:spLocks noGrp="1"/>
+          </p:cNvSpPr>
+          <p:nvPr>
+            <p:ph type="ftr" sz="quarter" idx="12"/>
+          </p:nvPr>
+        </p:nvSpPr>
+        <p:spPr/>
+        <p:txBody>
+          <a:bodyPr/>
+          <a:lstStyle/>
+          <a:p>
+            <a:r>
+              <a:rPr lang="vi-VN" smtClean="0"/>
+              <a:t>Nguyễn Công Sơn _ INPG12 _ K58</a:t>
+            </a:r>
+            <a:endParaRPr lang="en-US"/>
+          </a:p>
+        </p:txBody>
+      </p:sp>
+      <p:sp>
+        <p:nvSpPr>
+          <p:cNvPr id="7" name="Header Placeholder 6"/>
+          <p:cNvSpPr>
+            <a:spLocks noGrp="1"/>
+          </p:cNvSpPr>
+          <p:nvPr>
+            <p:ph type="hdr" sz="quarter" idx="13"/>
+          </p:nvPr>
+        </p:nvSpPr>
+        <p:spPr/>
+        <p:txBody>
+          <a:bodyPr/>
+          <a:lstStyle/>
+          <a:p>
+            <a:r>
+              <a:rPr lang="en-US" smtClean="0"/>
+              <a:t>ĐỒ ÁN TỐT NGHIỆP ĐẠI HỌC</a:t>
+            </a:r>
+            <a:endParaRPr lang="en-US"/>
+          </a:p>
+        </p:txBody>
+      </p:sp>
+    </p:spTree>
+    <p:extLst>
+      <p:ext uri="{BB962C8B-B14F-4D97-AF65-F5344CB8AC3E}">
+        <p14:creationId xmlns:p14="http://schemas.microsoft.com/office/powerpoint/2010/main" val="832469303"/>
+      </p:ext>
+    </p:extLst>
+  </p:cSld>
+  <p:clrMapOvr>
+    <a:masterClrMapping/>
+  </p:clrMapOvr>
+</p:notes>
+</file>
+
+<file path=ppt/notesSlides/notesSlide11.xml><?xml version="1.0" encoding="utf-8"?>
+<p:notes xmlns:a="http://schemas.openxmlformats.org/drawingml/2006/main" xmlns:r="http://schemas.openxmlformats.org/officeDocument/2006/relationships" xmlns:p="http://schemas.openxmlformats.org/presentationml/2006/main">
+  <p:cSld>
+    <p:spTree>
+      <p:nvGrpSpPr>
+        <p:cNvPr id="1" name=""/>
+        <p:cNvGrpSpPr/>
+        <p:nvPr/>
+      </p:nvGrpSpPr>
+      <p:grpSpPr>
+        <a:xfrm>
+          <a:off x="0" y="0"/>
+          <a:ext cx="0" cy="0"/>
+          <a:chOff x="0" y="0"/>
+          <a:chExt cx="0" cy="0"/>
+        </a:xfrm>
+      </p:grpSpPr>
+      <p:sp>
+        <p:nvSpPr>
+          <p:cNvPr id="2" name="Slide Image Placeholder 1"/>
+          <p:cNvSpPr>
+            <a:spLocks noGrp="1" noRot="1" noChangeAspect="1"/>
+          </p:cNvSpPr>
+          <p:nvPr>
+            <p:ph type="sldImg"/>
+          </p:nvPr>
+        </p:nvSpPr>
+        <p:spPr/>
+      </p:sp>
+      <p:sp>
+        <p:nvSpPr>
+          <p:cNvPr id="3" name="Notes Placeholder 2"/>
+          <p:cNvSpPr>
+            <a:spLocks noGrp="1"/>
+          </p:cNvSpPr>
+          <p:nvPr>
+            <p:ph type="body" idx="1"/>
+          </p:nvPr>
+        </p:nvSpPr>
+        <p:spPr/>
+        <p:txBody>
+          <a:bodyPr/>
+          <a:lstStyle/>
+          <a:p>
+            <a:endParaRPr lang="en-US" dirty="0"/>
+          </a:p>
+        </p:txBody>
+      </p:sp>
+      <p:sp>
+        <p:nvSpPr>
+          <p:cNvPr id="4" name="Slide Number Placeholder 3"/>
+          <p:cNvSpPr>
+            <a:spLocks noGrp="1"/>
+          </p:cNvSpPr>
+          <p:nvPr>
+            <p:ph type="sldNum" sz="quarter" idx="10"/>
+          </p:nvPr>
+        </p:nvSpPr>
+        <p:spPr/>
+        <p:txBody>
+          <a:bodyPr/>
+          <a:lstStyle/>
+          <a:p>
+            <a:fld id="{B496AA6E-12F2-4AD7-A79B-9CBC8622702A}" type="slidenum">
+              <a:rPr lang="en-US" smtClean="0"/>
+              <a:t>12</a:t>
+            </a:fld>
+            <a:endParaRPr lang="en-US"/>
+          </a:p>
+        </p:txBody>
+      </p:sp>
+      <p:sp>
+        <p:nvSpPr>
+          <p:cNvPr id="5" name="Date Placeholder 4"/>
+          <p:cNvSpPr>
+            <a:spLocks noGrp="1"/>
+          </p:cNvSpPr>
+          <p:nvPr>
+            <p:ph type="dt" idx="11"/>
+          </p:nvPr>
+        </p:nvSpPr>
+        <p:spPr/>
+        <p:txBody>
+          <a:bodyPr/>
+          <a:lstStyle/>
+          <a:p>
+            <a:fld id="{24259DB3-502C-44B5-8A56-0862EEAC82E1}" type="datetime1">
+              <a:rPr lang="en-US" smtClean="0"/>
+              <a:t>6/7/2018</a:t>
+            </a:fld>
+            <a:endParaRPr lang="en-US"/>
+          </a:p>
+        </p:txBody>
+      </p:sp>
+      <p:sp>
+        <p:nvSpPr>
+          <p:cNvPr id="6" name="Footer Placeholder 5"/>
+          <p:cNvSpPr>
+            <a:spLocks noGrp="1"/>
+          </p:cNvSpPr>
+          <p:nvPr>
+            <p:ph type="ftr" sz="quarter" idx="12"/>
+          </p:nvPr>
+        </p:nvSpPr>
+        <p:spPr/>
+        <p:txBody>
+          <a:bodyPr/>
+          <a:lstStyle/>
+          <a:p>
+            <a:r>
+              <a:rPr lang="vi-VN" smtClean="0"/>
+              <a:t>Nguyễn Công Sơn _ INPG12 _ K58</a:t>
+            </a:r>
+            <a:endParaRPr lang="en-US"/>
+          </a:p>
+        </p:txBody>
+      </p:sp>
+      <p:sp>
+        <p:nvSpPr>
+          <p:cNvPr id="7" name="Header Placeholder 6"/>
+          <p:cNvSpPr>
+            <a:spLocks noGrp="1"/>
+          </p:cNvSpPr>
+          <p:nvPr>
+            <p:ph type="hdr" sz="quarter" idx="13"/>
+          </p:nvPr>
+        </p:nvSpPr>
+        <p:spPr/>
+        <p:txBody>
+          <a:bodyPr/>
+          <a:lstStyle/>
+          <a:p>
+            <a:r>
+              <a:rPr lang="en-US" smtClean="0"/>
+              <a:t>ĐỒ ÁN TỐT NGHIỆP ĐẠI HỌC</a:t>
+            </a:r>
+            <a:endParaRPr lang="en-US"/>
+          </a:p>
+        </p:txBody>
+      </p:sp>
+    </p:spTree>
+    <p:extLst>
+      <p:ext uri="{BB962C8B-B14F-4D97-AF65-F5344CB8AC3E}">
+        <p14:creationId xmlns:p14="http://schemas.microsoft.com/office/powerpoint/2010/main" val="832469303"/>
+      </p:ext>
+    </p:extLst>
+  </p:cSld>
+  <p:clrMapOvr>
+    <a:masterClrMapping/>
+  </p:clrMapOvr>
+</p:notes>
+</file>
+
+<file path=ppt/notesSlides/notesSlide12.xml><?xml version="1.0" encoding="utf-8"?>
+<p:notes xmlns:a="http://schemas.openxmlformats.org/drawingml/2006/main" xmlns:r="http://schemas.openxmlformats.org/officeDocument/2006/relationships" xmlns:p="http://schemas.openxmlformats.org/presentationml/2006/main">
+  <p:cSld>
+    <p:spTree>
+      <p:nvGrpSpPr>
+        <p:cNvPr id="1" name=""/>
+        <p:cNvGrpSpPr/>
+        <p:nvPr/>
+      </p:nvGrpSpPr>
+      <p:grpSpPr>
+        <a:xfrm>
+          <a:off x="0" y="0"/>
+          <a:ext cx="0" cy="0"/>
+          <a:chOff x="0" y="0"/>
+          <a:chExt cx="0" cy="0"/>
+        </a:xfrm>
+      </p:grpSpPr>
+      <p:sp>
+        <p:nvSpPr>
+          <p:cNvPr id="2" name="Slide Image Placeholder 1"/>
+          <p:cNvSpPr>
+            <a:spLocks noGrp="1" noRot="1" noChangeAspect="1"/>
+          </p:cNvSpPr>
+          <p:nvPr>
+            <p:ph type="sldImg"/>
+          </p:nvPr>
+        </p:nvSpPr>
+        <p:spPr/>
+      </p:sp>
+      <p:sp>
+        <p:nvSpPr>
+          <p:cNvPr id="3" name="Notes Placeholder 2"/>
+          <p:cNvSpPr>
+            <a:spLocks noGrp="1"/>
+          </p:cNvSpPr>
+          <p:nvPr>
+            <p:ph type="body" idx="1"/>
+          </p:nvPr>
+        </p:nvSpPr>
+        <p:spPr/>
+        <p:txBody>
+          <a:bodyPr/>
+          <a:lstStyle/>
+          <a:p>
+            <a:endParaRPr lang="en-US" dirty="0"/>
+          </a:p>
+        </p:txBody>
+      </p:sp>
+      <p:sp>
+        <p:nvSpPr>
+          <p:cNvPr id="4" name="Slide Number Placeholder 3"/>
+          <p:cNvSpPr>
+            <a:spLocks noGrp="1"/>
+          </p:cNvSpPr>
+          <p:nvPr>
+            <p:ph type="sldNum" sz="quarter" idx="10"/>
+          </p:nvPr>
+        </p:nvSpPr>
+        <p:spPr/>
+        <p:txBody>
+          <a:bodyPr/>
+          <a:lstStyle/>
+          <a:p>
+            <a:fld id="{B496AA6E-12F2-4AD7-A79B-9CBC8622702A}" type="slidenum">
+              <a:rPr lang="en-US" smtClean="0"/>
+              <a:t>13</a:t>
+            </a:fld>
+            <a:endParaRPr lang="en-US"/>
+          </a:p>
+        </p:txBody>
+      </p:sp>
+      <p:sp>
+        <p:nvSpPr>
+          <p:cNvPr id="5" name="Date Placeholder 4"/>
+          <p:cNvSpPr>
+            <a:spLocks noGrp="1"/>
+          </p:cNvSpPr>
+          <p:nvPr>
+            <p:ph type="dt" idx="11"/>
+          </p:nvPr>
+        </p:nvSpPr>
+        <p:spPr/>
+        <p:txBody>
+          <a:bodyPr/>
+          <a:lstStyle/>
+          <a:p>
+            <a:fld id="{24259DB3-502C-44B5-8A56-0862EEAC82E1}" type="datetime1">
+              <a:rPr lang="en-US" smtClean="0"/>
+              <a:t>6/7/2018</a:t>
+            </a:fld>
+            <a:endParaRPr lang="en-US"/>
+          </a:p>
+        </p:txBody>
+      </p:sp>
+      <p:sp>
+        <p:nvSpPr>
+          <p:cNvPr id="6" name="Footer Placeholder 5"/>
+          <p:cNvSpPr>
+            <a:spLocks noGrp="1"/>
+          </p:cNvSpPr>
+          <p:nvPr>
+            <p:ph type="ftr" sz="quarter" idx="12"/>
+          </p:nvPr>
+        </p:nvSpPr>
+        <p:spPr/>
+        <p:txBody>
+          <a:bodyPr/>
+          <a:lstStyle/>
+          <a:p>
+            <a:r>
+              <a:rPr lang="vi-VN" smtClean="0"/>
+              <a:t>Nguyễn Công Sơn _ INPG12 _ K58</a:t>
+            </a:r>
+            <a:endParaRPr lang="en-US"/>
+          </a:p>
+        </p:txBody>
+      </p:sp>
+      <p:sp>
+        <p:nvSpPr>
+          <p:cNvPr id="7" name="Header Placeholder 6"/>
+          <p:cNvSpPr>
+            <a:spLocks noGrp="1"/>
+          </p:cNvSpPr>
+          <p:nvPr>
+            <p:ph type="hdr" sz="quarter" idx="13"/>
+          </p:nvPr>
+        </p:nvSpPr>
+        <p:spPr/>
+        <p:txBody>
+          <a:bodyPr/>
+          <a:lstStyle/>
+          <a:p>
+            <a:r>
+              <a:rPr lang="en-US" smtClean="0"/>
+              <a:t>ĐỒ ÁN TỐT NGHIỆP ĐẠI HỌC</a:t>
+            </a:r>
+            <a:endParaRPr lang="en-US"/>
+          </a:p>
+        </p:txBody>
+      </p:sp>
+    </p:spTree>
+    <p:extLst>
+      <p:ext uri="{BB962C8B-B14F-4D97-AF65-F5344CB8AC3E}">
+        <p14:creationId xmlns:p14="http://schemas.microsoft.com/office/powerpoint/2010/main" val="832469303"/>
       </p:ext>
     </p:extLst>
   </p:cSld>
@@ -893,7 +1358,7 @@
           <a:p>
             <a:fld id="{24259DB3-502C-44B5-8A56-0862EEAC82E1}" type="datetime1">
               <a:rPr lang="en-US" smtClean="0"/>
-              <a:t>5/10/2018</a:t>
+              <a:t>6/7/2018</a:t>
             </a:fld>
             <a:endParaRPr lang="en-US"/>
           </a:p>
@@ -1046,7 +1511,7 @@
           <a:p>
             <a:fld id="{24259DB3-502C-44B5-8A56-0862EEAC82E1}" type="datetime1">
               <a:rPr lang="en-US" smtClean="0"/>
-              <a:t>5/10/2018</a:t>
+              <a:t>6/7/2018</a:t>
             </a:fld>
             <a:endParaRPr lang="en-US"/>
           </a:p>
@@ -1199,7 +1664,7 @@
           <a:p>
             <a:fld id="{24259DB3-502C-44B5-8A56-0862EEAC82E1}" type="datetime1">
               <a:rPr lang="en-US" smtClean="0"/>
-              <a:t>5/10/2018</a:t>
+              <a:t>6/7/2018</a:t>
             </a:fld>
             <a:endParaRPr lang="en-US"/>
           </a:p>
@@ -1352,7 +1817,7 @@
           <a:p>
             <a:fld id="{24259DB3-502C-44B5-8A56-0862EEAC82E1}" type="datetime1">
               <a:rPr lang="en-US" smtClean="0"/>
-              <a:t>5/10/2018</a:t>
+              <a:t>6/7/2018</a:t>
             </a:fld>
             <a:endParaRPr lang="en-US"/>
           </a:p>
@@ -1505,7 +1970,466 @@
           <a:p>
             <a:fld id="{24259DB3-502C-44B5-8A56-0862EEAC82E1}" type="datetime1">
               <a:rPr lang="en-US" smtClean="0"/>
-              <a:t>5/10/2018</a:t>
+              <a:t>6/7/2018</a:t>
+            </a:fld>
+            <a:endParaRPr lang="en-US"/>
+          </a:p>
+        </p:txBody>
+      </p:sp>
+      <p:sp>
+        <p:nvSpPr>
+          <p:cNvPr id="6" name="Footer Placeholder 5"/>
+          <p:cNvSpPr>
+            <a:spLocks noGrp="1"/>
+          </p:cNvSpPr>
+          <p:nvPr>
+            <p:ph type="ftr" sz="quarter" idx="12"/>
+          </p:nvPr>
+        </p:nvSpPr>
+        <p:spPr/>
+        <p:txBody>
+          <a:bodyPr/>
+          <a:lstStyle/>
+          <a:p>
+            <a:r>
+              <a:rPr lang="vi-VN" smtClean="0"/>
+              <a:t>Nguyễn Công Sơn _ INPG12 _ K58</a:t>
+            </a:r>
+            <a:endParaRPr lang="en-US"/>
+          </a:p>
+        </p:txBody>
+      </p:sp>
+      <p:sp>
+        <p:nvSpPr>
+          <p:cNvPr id="7" name="Header Placeholder 6"/>
+          <p:cNvSpPr>
+            <a:spLocks noGrp="1"/>
+          </p:cNvSpPr>
+          <p:nvPr>
+            <p:ph type="hdr" sz="quarter" idx="13"/>
+          </p:nvPr>
+        </p:nvSpPr>
+        <p:spPr/>
+        <p:txBody>
+          <a:bodyPr/>
+          <a:lstStyle/>
+          <a:p>
+            <a:r>
+              <a:rPr lang="en-US" smtClean="0"/>
+              <a:t>ĐỒ ÁN TỐT NGHIỆP ĐẠI HỌC</a:t>
+            </a:r>
+            <a:endParaRPr lang="en-US"/>
+          </a:p>
+        </p:txBody>
+      </p:sp>
+    </p:spTree>
+    <p:extLst>
+      <p:ext uri="{BB962C8B-B14F-4D97-AF65-F5344CB8AC3E}">
+        <p14:creationId xmlns:p14="http://schemas.microsoft.com/office/powerpoint/2010/main" val="832469303"/>
+      </p:ext>
+    </p:extLst>
+  </p:cSld>
+  <p:clrMapOvr>
+    <a:masterClrMapping/>
+  </p:clrMapOvr>
+</p:notes>
+</file>
+
+<file path=ppt/notesSlides/notesSlide7.xml><?xml version="1.0" encoding="utf-8"?>
+<p:notes xmlns:a="http://schemas.openxmlformats.org/drawingml/2006/main" xmlns:r="http://schemas.openxmlformats.org/officeDocument/2006/relationships" xmlns:p="http://schemas.openxmlformats.org/presentationml/2006/main">
+  <p:cSld>
+    <p:spTree>
+      <p:nvGrpSpPr>
+        <p:cNvPr id="1" name=""/>
+        <p:cNvGrpSpPr/>
+        <p:nvPr/>
+      </p:nvGrpSpPr>
+      <p:grpSpPr>
+        <a:xfrm>
+          <a:off x="0" y="0"/>
+          <a:ext cx="0" cy="0"/>
+          <a:chOff x="0" y="0"/>
+          <a:chExt cx="0" cy="0"/>
+        </a:xfrm>
+      </p:grpSpPr>
+      <p:sp>
+        <p:nvSpPr>
+          <p:cNvPr id="2" name="Slide Image Placeholder 1"/>
+          <p:cNvSpPr>
+            <a:spLocks noGrp="1" noRot="1" noChangeAspect="1"/>
+          </p:cNvSpPr>
+          <p:nvPr>
+            <p:ph type="sldImg"/>
+          </p:nvPr>
+        </p:nvSpPr>
+        <p:spPr/>
+      </p:sp>
+      <p:sp>
+        <p:nvSpPr>
+          <p:cNvPr id="3" name="Notes Placeholder 2"/>
+          <p:cNvSpPr>
+            <a:spLocks noGrp="1"/>
+          </p:cNvSpPr>
+          <p:nvPr>
+            <p:ph type="body" idx="1"/>
+          </p:nvPr>
+        </p:nvSpPr>
+        <p:spPr/>
+        <p:txBody>
+          <a:bodyPr/>
+          <a:lstStyle/>
+          <a:p>
+            <a:endParaRPr lang="en-US" dirty="0"/>
+          </a:p>
+        </p:txBody>
+      </p:sp>
+      <p:sp>
+        <p:nvSpPr>
+          <p:cNvPr id="4" name="Slide Number Placeholder 3"/>
+          <p:cNvSpPr>
+            <a:spLocks noGrp="1"/>
+          </p:cNvSpPr>
+          <p:nvPr>
+            <p:ph type="sldNum" sz="quarter" idx="10"/>
+          </p:nvPr>
+        </p:nvSpPr>
+        <p:spPr/>
+        <p:txBody>
+          <a:bodyPr/>
+          <a:lstStyle/>
+          <a:p>
+            <a:fld id="{B496AA6E-12F2-4AD7-A79B-9CBC8622702A}" type="slidenum">
+              <a:rPr lang="en-US" smtClean="0"/>
+              <a:t>8</a:t>
+            </a:fld>
+            <a:endParaRPr lang="en-US"/>
+          </a:p>
+        </p:txBody>
+      </p:sp>
+      <p:sp>
+        <p:nvSpPr>
+          <p:cNvPr id="5" name="Date Placeholder 4"/>
+          <p:cNvSpPr>
+            <a:spLocks noGrp="1"/>
+          </p:cNvSpPr>
+          <p:nvPr>
+            <p:ph type="dt" idx="11"/>
+          </p:nvPr>
+        </p:nvSpPr>
+        <p:spPr/>
+        <p:txBody>
+          <a:bodyPr/>
+          <a:lstStyle/>
+          <a:p>
+            <a:fld id="{24259DB3-502C-44B5-8A56-0862EEAC82E1}" type="datetime1">
+              <a:rPr lang="en-US" smtClean="0"/>
+              <a:t>6/7/2018</a:t>
+            </a:fld>
+            <a:endParaRPr lang="en-US"/>
+          </a:p>
+        </p:txBody>
+      </p:sp>
+      <p:sp>
+        <p:nvSpPr>
+          <p:cNvPr id="6" name="Footer Placeholder 5"/>
+          <p:cNvSpPr>
+            <a:spLocks noGrp="1"/>
+          </p:cNvSpPr>
+          <p:nvPr>
+            <p:ph type="ftr" sz="quarter" idx="12"/>
+          </p:nvPr>
+        </p:nvSpPr>
+        <p:spPr/>
+        <p:txBody>
+          <a:bodyPr/>
+          <a:lstStyle/>
+          <a:p>
+            <a:r>
+              <a:rPr lang="vi-VN" smtClean="0"/>
+              <a:t>Nguyễn Công Sơn _ INPG12 _ K58</a:t>
+            </a:r>
+            <a:endParaRPr lang="en-US"/>
+          </a:p>
+        </p:txBody>
+      </p:sp>
+      <p:sp>
+        <p:nvSpPr>
+          <p:cNvPr id="7" name="Header Placeholder 6"/>
+          <p:cNvSpPr>
+            <a:spLocks noGrp="1"/>
+          </p:cNvSpPr>
+          <p:nvPr>
+            <p:ph type="hdr" sz="quarter" idx="13"/>
+          </p:nvPr>
+        </p:nvSpPr>
+        <p:spPr/>
+        <p:txBody>
+          <a:bodyPr/>
+          <a:lstStyle/>
+          <a:p>
+            <a:r>
+              <a:rPr lang="en-US" smtClean="0"/>
+              <a:t>ĐỒ ÁN TỐT NGHIỆP ĐẠI HỌC</a:t>
+            </a:r>
+            <a:endParaRPr lang="en-US"/>
+          </a:p>
+        </p:txBody>
+      </p:sp>
+    </p:spTree>
+    <p:extLst>
+      <p:ext uri="{BB962C8B-B14F-4D97-AF65-F5344CB8AC3E}">
+        <p14:creationId xmlns:p14="http://schemas.microsoft.com/office/powerpoint/2010/main" val="832469303"/>
+      </p:ext>
+    </p:extLst>
+  </p:cSld>
+  <p:clrMapOvr>
+    <a:masterClrMapping/>
+  </p:clrMapOvr>
+</p:notes>
+</file>
+
+<file path=ppt/notesSlides/notesSlide8.xml><?xml version="1.0" encoding="utf-8"?>
+<p:notes xmlns:a="http://schemas.openxmlformats.org/drawingml/2006/main" xmlns:r="http://schemas.openxmlformats.org/officeDocument/2006/relationships" xmlns:p="http://schemas.openxmlformats.org/presentationml/2006/main">
+  <p:cSld>
+    <p:spTree>
+      <p:nvGrpSpPr>
+        <p:cNvPr id="1" name=""/>
+        <p:cNvGrpSpPr/>
+        <p:nvPr/>
+      </p:nvGrpSpPr>
+      <p:grpSpPr>
+        <a:xfrm>
+          <a:off x="0" y="0"/>
+          <a:ext cx="0" cy="0"/>
+          <a:chOff x="0" y="0"/>
+          <a:chExt cx="0" cy="0"/>
+        </a:xfrm>
+      </p:grpSpPr>
+      <p:sp>
+        <p:nvSpPr>
+          <p:cNvPr id="2" name="Slide Image Placeholder 1"/>
+          <p:cNvSpPr>
+            <a:spLocks noGrp="1" noRot="1" noChangeAspect="1"/>
+          </p:cNvSpPr>
+          <p:nvPr>
+            <p:ph type="sldImg"/>
+          </p:nvPr>
+        </p:nvSpPr>
+        <p:spPr/>
+      </p:sp>
+      <p:sp>
+        <p:nvSpPr>
+          <p:cNvPr id="3" name="Notes Placeholder 2"/>
+          <p:cNvSpPr>
+            <a:spLocks noGrp="1"/>
+          </p:cNvSpPr>
+          <p:nvPr>
+            <p:ph type="body" idx="1"/>
+          </p:nvPr>
+        </p:nvSpPr>
+        <p:spPr/>
+        <p:txBody>
+          <a:bodyPr/>
+          <a:lstStyle/>
+          <a:p>
+            <a:endParaRPr lang="en-US" dirty="0"/>
+          </a:p>
+        </p:txBody>
+      </p:sp>
+      <p:sp>
+        <p:nvSpPr>
+          <p:cNvPr id="4" name="Slide Number Placeholder 3"/>
+          <p:cNvSpPr>
+            <a:spLocks noGrp="1"/>
+          </p:cNvSpPr>
+          <p:nvPr>
+            <p:ph type="sldNum" sz="quarter" idx="10"/>
+          </p:nvPr>
+        </p:nvSpPr>
+        <p:spPr/>
+        <p:txBody>
+          <a:bodyPr/>
+          <a:lstStyle/>
+          <a:p>
+            <a:fld id="{B496AA6E-12F2-4AD7-A79B-9CBC8622702A}" type="slidenum">
+              <a:rPr lang="en-US" smtClean="0"/>
+              <a:t>9</a:t>
+            </a:fld>
+            <a:endParaRPr lang="en-US"/>
+          </a:p>
+        </p:txBody>
+      </p:sp>
+      <p:sp>
+        <p:nvSpPr>
+          <p:cNvPr id="5" name="Date Placeholder 4"/>
+          <p:cNvSpPr>
+            <a:spLocks noGrp="1"/>
+          </p:cNvSpPr>
+          <p:nvPr>
+            <p:ph type="dt" idx="11"/>
+          </p:nvPr>
+        </p:nvSpPr>
+        <p:spPr/>
+        <p:txBody>
+          <a:bodyPr/>
+          <a:lstStyle/>
+          <a:p>
+            <a:fld id="{24259DB3-502C-44B5-8A56-0862EEAC82E1}" type="datetime1">
+              <a:rPr lang="en-US" smtClean="0"/>
+              <a:t>6/7/2018</a:t>
+            </a:fld>
+            <a:endParaRPr lang="en-US"/>
+          </a:p>
+        </p:txBody>
+      </p:sp>
+      <p:sp>
+        <p:nvSpPr>
+          <p:cNvPr id="6" name="Footer Placeholder 5"/>
+          <p:cNvSpPr>
+            <a:spLocks noGrp="1"/>
+          </p:cNvSpPr>
+          <p:nvPr>
+            <p:ph type="ftr" sz="quarter" idx="12"/>
+          </p:nvPr>
+        </p:nvSpPr>
+        <p:spPr/>
+        <p:txBody>
+          <a:bodyPr/>
+          <a:lstStyle/>
+          <a:p>
+            <a:r>
+              <a:rPr lang="vi-VN" smtClean="0"/>
+              <a:t>Nguyễn Công Sơn _ INPG12 _ K58</a:t>
+            </a:r>
+            <a:endParaRPr lang="en-US"/>
+          </a:p>
+        </p:txBody>
+      </p:sp>
+      <p:sp>
+        <p:nvSpPr>
+          <p:cNvPr id="7" name="Header Placeholder 6"/>
+          <p:cNvSpPr>
+            <a:spLocks noGrp="1"/>
+          </p:cNvSpPr>
+          <p:nvPr>
+            <p:ph type="hdr" sz="quarter" idx="13"/>
+          </p:nvPr>
+        </p:nvSpPr>
+        <p:spPr/>
+        <p:txBody>
+          <a:bodyPr/>
+          <a:lstStyle/>
+          <a:p>
+            <a:r>
+              <a:rPr lang="en-US" smtClean="0"/>
+              <a:t>ĐỒ ÁN TỐT NGHIỆP ĐẠI HỌC</a:t>
+            </a:r>
+            <a:endParaRPr lang="en-US"/>
+          </a:p>
+        </p:txBody>
+      </p:sp>
+    </p:spTree>
+    <p:extLst>
+      <p:ext uri="{BB962C8B-B14F-4D97-AF65-F5344CB8AC3E}">
+        <p14:creationId xmlns:p14="http://schemas.microsoft.com/office/powerpoint/2010/main" val="832469303"/>
+      </p:ext>
+    </p:extLst>
+  </p:cSld>
+  <p:clrMapOvr>
+    <a:masterClrMapping/>
+  </p:clrMapOvr>
+</p:notes>
+</file>
+
+<file path=ppt/notesSlides/notesSlide9.xml><?xml version="1.0" encoding="utf-8"?>
+<p:notes xmlns:a="http://schemas.openxmlformats.org/drawingml/2006/main" xmlns:r="http://schemas.openxmlformats.org/officeDocument/2006/relationships" xmlns:p="http://schemas.openxmlformats.org/presentationml/2006/main">
+  <p:cSld>
+    <p:spTree>
+      <p:nvGrpSpPr>
+        <p:cNvPr id="1" name=""/>
+        <p:cNvGrpSpPr/>
+        <p:nvPr/>
+      </p:nvGrpSpPr>
+      <p:grpSpPr>
+        <a:xfrm>
+          <a:off x="0" y="0"/>
+          <a:ext cx="0" cy="0"/>
+          <a:chOff x="0" y="0"/>
+          <a:chExt cx="0" cy="0"/>
+        </a:xfrm>
+      </p:grpSpPr>
+      <p:sp>
+        <p:nvSpPr>
+          <p:cNvPr id="2" name="Slide Image Placeholder 1"/>
+          <p:cNvSpPr>
+            <a:spLocks noGrp="1" noRot="1" noChangeAspect="1"/>
+          </p:cNvSpPr>
+          <p:nvPr>
+            <p:ph type="sldImg"/>
+          </p:nvPr>
+        </p:nvSpPr>
+        <p:spPr/>
+      </p:sp>
+      <p:sp>
+        <p:nvSpPr>
+          <p:cNvPr id="3" name="Notes Placeholder 2"/>
+          <p:cNvSpPr>
+            <a:spLocks noGrp="1"/>
+          </p:cNvSpPr>
+          <p:nvPr>
+            <p:ph type="body" idx="1"/>
+          </p:nvPr>
+        </p:nvSpPr>
+        <p:spPr/>
+        <p:txBody>
+          <a:bodyPr/>
+          <a:lstStyle/>
+          <a:p>
+            <a:endParaRPr lang="en-US" dirty="0"/>
+          </a:p>
+        </p:txBody>
+      </p:sp>
+      <p:sp>
+        <p:nvSpPr>
+          <p:cNvPr id="4" name="Slide Number Placeholder 3"/>
+          <p:cNvSpPr>
+            <a:spLocks noGrp="1"/>
+          </p:cNvSpPr>
+          <p:nvPr>
+            <p:ph type="sldNum" sz="quarter" idx="10"/>
+          </p:nvPr>
+        </p:nvSpPr>
+        <p:spPr/>
+        <p:txBody>
+          <a:bodyPr/>
+          <a:lstStyle/>
+          <a:p>
+            <a:fld id="{B496AA6E-12F2-4AD7-A79B-9CBC8622702A}" type="slidenum">
+              <a:rPr lang="en-US" smtClean="0"/>
+              <a:t>10</a:t>
+            </a:fld>
+            <a:endParaRPr lang="en-US"/>
+          </a:p>
+        </p:txBody>
+      </p:sp>
+      <p:sp>
+        <p:nvSpPr>
+          <p:cNvPr id="5" name="Date Placeholder 4"/>
+          <p:cNvSpPr>
+            <a:spLocks noGrp="1"/>
+          </p:cNvSpPr>
+          <p:nvPr>
+            <p:ph type="dt" idx="11"/>
+          </p:nvPr>
+        </p:nvSpPr>
+        <p:spPr/>
+        <p:txBody>
+          <a:bodyPr/>
+          <a:lstStyle/>
+          <a:p>
+            <a:fld id="{24259DB3-502C-44B5-8A56-0862EEAC82E1}" type="datetime1">
+              <a:rPr lang="en-US" smtClean="0"/>
+              <a:t>6/7/2018</a:t>
             </a:fld>
             <a:endParaRPr lang="en-US"/>
           </a:p>
@@ -1751,7 +2675,7 @@
           <a:p>
             <a:fld id="{2A5049FB-B29B-4B75-AF8C-8F5DEBA6C75C}" type="datetimeFigureOut">
               <a:rPr lang="en-US" smtClean="0"/>
-              <a:t>5/10/2018</a:t>
+              <a:t>6/7/2018</a:t>
             </a:fld>
             <a:endParaRPr lang="en-US"/>
           </a:p>
@@ -1921,7 +2845,7 @@
           <a:p>
             <a:fld id="{2A5049FB-B29B-4B75-AF8C-8F5DEBA6C75C}" type="datetimeFigureOut">
               <a:rPr lang="en-US" smtClean="0"/>
-              <a:t>5/10/2018</a:t>
+              <a:t>6/7/2018</a:t>
             </a:fld>
             <a:endParaRPr lang="en-US"/>
           </a:p>
@@ -2101,7 +3025,7 @@
           <a:p>
             <a:fld id="{2A5049FB-B29B-4B75-AF8C-8F5DEBA6C75C}" type="datetimeFigureOut">
               <a:rPr lang="en-US" smtClean="0"/>
-              <a:t>5/10/2018</a:t>
+              <a:t>6/7/2018</a:t>
             </a:fld>
             <a:endParaRPr lang="en-US"/>
           </a:p>
@@ -2271,7 +3195,7 @@
           <a:p>
             <a:fld id="{2A5049FB-B29B-4B75-AF8C-8F5DEBA6C75C}" type="datetimeFigureOut">
               <a:rPr lang="en-US" smtClean="0"/>
-              <a:t>5/10/2018</a:t>
+              <a:t>6/7/2018</a:t>
             </a:fld>
             <a:endParaRPr lang="en-US"/>
           </a:p>
@@ -2517,7 +3441,7 @@
           <a:p>
             <a:fld id="{2A5049FB-B29B-4B75-AF8C-8F5DEBA6C75C}" type="datetimeFigureOut">
               <a:rPr lang="en-US" smtClean="0"/>
-              <a:t>5/10/2018</a:t>
+              <a:t>6/7/2018</a:t>
             </a:fld>
             <a:endParaRPr lang="en-US"/>
           </a:p>
@@ -2805,7 +3729,7 @@
           <a:p>
             <a:fld id="{2A5049FB-B29B-4B75-AF8C-8F5DEBA6C75C}" type="datetimeFigureOut">
               <a:rPr lang="en-US" smtClean="0"/>
-              <a:t>5/10/2018</a:t>
+              <a:t>6/7/2018</a:t>
             </a:fld>
             <a:endParaRPr lang="en-US"/>
           </a:p>
@@ -3227,7 +4151,7 @@
           <a:p>
             <a:fld id="{2A5049FB-B29B-4B75-AF8C-8F5DEBA6C75C}" type="datetimeFigureOut">
               <a:rPr lang="en-US" smtClean="0"/>
-              <a:t>5/10/2018</a:t>
+              <a:t>6/7/2018</a:t>
             </a:fld>
             <a:endParaRPr lang="en-US"/>
           </a:p>
@@ -3345,7 +4269,7 @@
           <a:p>
             <a:fld id="{2A5049FB-B29B-4B75-AF8C-8F5DEBA6C75C}" type="datetimeFigureOut">
               <a:rPr lang="en-US" smtClean="0"/>
-              <a:t>5/10/2018</a:t>
+              <a:t>6/7/2018</a:t>
             </a:fld>
             <a:endParaRPr lang="en-US"/>
           </a:p>
@@ -3440,7 +4364,7 @@
           <a:p>
             <a:fld id="{2A5049FB-B29B-4B75-AF8C-8F5DEBA6C75C}" type="datetimeFigureOut">
               <a:rPr lang="en-US" smtClean="0"/>
-              <a:t>5/10/2018</a:t>
+              <a:t>6/7/2018</a:t>
             </a:fld>
             <a:endParaRPr lang="en-US"/>
           </a:p>
@@ -3717,7 +4641,7 @@
           <a:p>
             <a:fld id="{2A5049FB-B29B-4B75-AF8C-8F5DEBA6C75C}" type="datetimeFigureOut">
               <a:rPr lang="en-US" smtClean="0"/>
-              <a:t>5/10/2018</a:t>
+              <a:t>6/7/2018</a:t>
             </a:fld>
             <a:endParaRPr lang="en-US"/>
           </a:p>
@@ -3970,7 +4894,7 @@
           <a:p>
             <a:fld id="{2A5049FB-B29B-4B75-AF8C-8F5DEBA6C75C}" type="datetimeFigureOut">
               <a:rPr lang="en-US" smtClean="0"/>
-              <a:t>5/10/2018</a:t>
+              <a:t>6/7/2018</a:t>
             </a:fld>
             <a:endParaRPr lang="en-US"/>
           </a:p>
@@ -4192,7 +5116,7 @@
           <a:p>
             <a:fld id="{2A5049FB-B29B-4B75-AF8C-8F5DEBA6C75C}" type="datetimeFigureOut">
               <a:rPr lang="en-US" smtClean="0"/>
-              <a:t>5/10/2018</a:t>
+              <a:t>6/7/2018</a:t>
             </a:fld>
             <a:endParaRPr lang="en-US"/>
           </a:p>
@@ -5029,6 +5953,1023 @@
 </p:sld>
 </file>
 
+<file path=ppt/slides/slide10.xml><?xml version="1.0" encoding="utf-8"?>
+<p:sld xmlns:a="http://schemas.openxmlformats.org/drawingml/2006/main" xmlns:r="http://schemas.openxmlformats.org/officeDocument/2006/relationships" xmlns:p="http://schemas.openxmlformats.org/presentationml/2006/main">
+  <p:cSld>
+    <p:bg>
+      <p:bgPr>
+        <a:blipFill dpi="0" rotWithShape="1">
+          <a:blip r:embed="rId3">
+            <a:lum/>
+          </a:blip>
+          <a:srcRect/>
+          <a:stretch>
+            <a:fillRect/>
+          </a:stretch>
+        </a:blipFill>
+        <a:effectLst/>
+      </p:bgPr>
+    </p:bg>
+    <p:spTree>
+      <p:nvGrpSpPr>
+        <p:cNvPr id="1" name=""/>
+        <p:cNvGrpSpPr/>
+        <p:nvPr/>
+      </p:nvGrpSpPr>
+      <p:grpSpPr>
+        <a:xfrm>
+          <a:off x="0" y="0"/>
+          <a:ext cx="0" cy="0"/>
+          <a:chOff x="0" y="0"/>
+          <a:chExt cx="0" cy="0"/>
+        </a:xfrm>
+      </p:grpSpPr>
+      <p:sp>
+        <p:nvSpPr>
+          <p:cNvPr id="2" name="Title 1"/>
+          <p:cNvSpPr>
+            <a:spLocks noGrp="1"/>
+          </p:cNvSpPr>
+          <p:nvPr>
+            <p:ph type="title"/>
+          </p:nvPr>
+        </p:nvSpPr>
+        <p:spPr>
+          <a:xfrm>
+            <a:off x="1219200" y="76200"/>
+            <a:ext cx="7848600" cy="838200"/>
+          </a:xfrm>
+        </p:spPr>
+        <p:txBody>
+          <a:bodyPr>
+            <a:normAutofit/>
+          </a:bodyPr>
+          <a:lstStyle/>
+          <a:p>
+            <a:pPr algn="l"/>
+            <a:r>
+              <a:rPr lang="en-US" sz="3600" b="1" dirty="0" smtClean="0">
+                <a:latin typeface="Times New Roman" pitchFamily="18" charset="0"/>
+                <a:cs typeface="Times New Roman" pitchFamily="18" charset="0"/>
+              </a:rPr>
+              <a:t>4. </a:t>
+            </a:r>
+            <a:r>
+              <a:rPr lang="en-US" sz="3600" b="1" dirty="0" err="1" smtClean="0">
+                <a:latin typeface="Times New Roman" pitchFamily="18" charset="0"/>
+                <a:cs typeface="Times New Roman" pitchFamily="18" charset="0"/>
+              </a:rPr>
+              <a:t>Cài</a:t>
+            </a:r>
+            <a:r>
+              <a:rPr lang="en-US" sz="3600" b="1" dirty="0" smtClean="0">
+                <a:latin typeface="Times New Roman" pitchFamily="18" charset="0"/>
+                <a:cs typeface="Times New Roman" pitchFamily="18" charset="0"/>
+              </a:rPr>
+              <a:t> </a:t>
+            </a:r>
+            <a:r>
+              <a:rPr lang="en-US" sz="3600" b="1" dirty="0" err="1" smtClean="0">
+                <a:latin typeface="Times New Roman" pitchFamily="18" charset="0"/>
+                <a:cs typeface="Times New Roman" pitchFamily="18" charset="0"/>
+              </a:rPr>
+              <a:t>đặt</a:t>
+            </a:r>
+            <a:r>
+              <a:rPr lang="en-US" sz="3600" b="1" dirty="0" smtClean="0">
+                <a:latin typeface="Times New Roman" pitchFamily="18" charset="0"/>
+                <a:cs typeface="Times New Roman" pitchFamily="18" charset="0"/>
+              </a:rPr>
+              <a:t> </a:t>
+            </a:r>
+            <a:r>
+              <a:rPr lang="en-US" sz="3600" b="1" dirty="0" err="1" smtClean="0">
+                <a:latin typeface="Times New Roman" pitchFamily="18" charset="0"/>
+                <a:cs typeface="Times New Roman" pitchFamily="18" charset="0"/>
+              </a:rPr>
+              <a:t>thực</a:t>
+            </a:r>
+            <a:r>
+              <a:rPr lang="en-US" sz="3600" b="1" dirty="0" smtClean="0">
+                <a:latin typeface="Times New Roman" pitchFamily="18" charset="0"/>
+                <a:cs typeface="Times New Roman" pitchFamily="18" charset="0"/>
+              </a:rPr>
+              <a:t> </a:t>
+            </a:r>
+            <a:r>
+              <a:rPr lang="en-US" sz="3600" b="1" dirty="0" err="1" smtClean="0">
+                <a:latin typeface="Times New Roman" pitchFamily="18" charset="0"/>
+                <a:cs typeface="Times New Roman" pitchFamily="18" charset="0"/>
+              </a:rPr>
+              <a:t>nghiệm</a:t>
+            </a:r>
+            <a:endParaRPr lang="en-US" sz="3600" b="1" dirty="0">
+              <a:latin typeface="Times New Roman" pitchFamily="18" charset="0"/>
+              <a:cs typeface="Times New Roman" pitchFamily="18" charset="0"/>
+            </a:endParaRPr>
+          </a:p>
+        </p:txBody>
+      </p:sp>
+      <p:sp>
+        <p:nvSpPr>
+          <p:cNvPr id="3" name="Content Placeholder 2"/>
+          <p:cNvSpPr>
+            <a:spLocks noGrp="1"/>
+          </p:cNvSpPr>
+          <p:nvPr>
+            <p:ph idx="1"/>
+          </p:nvPr>
+        </p:nvSpPr>
+        <p:spPr>
+          <a:xfrm>
+            <a:off x="1219200" y="1295400"/>
+            <a:ext cx="7848600" cy="5181600"/>
+          </a:xfrm>
+        </p:spPr>
+        <p:txBody>
+          <a:bodyPr>
+            <a:normAutofit/>
+          </a:bodyPr>
+          <a:lstStyle/>
+          <a:p>
+            <a:pPr marL="0" indent="0">
+              <a:buNone/>
+            </a:pPr>
+            <a:r>
+              <a:rPr lang="en-US" sz="2800" dirty="0" smtClean="0">
+                <a:latin typeface="Times New Roman" pitchFamily="18" charset="0"/>
+                <a:cs typeface="Times New Roman" pitchFamily="18" charset="0"/>
+              </a:rPr>
+              <a:t>4.1. </a:t>
+            </a:r>
+            <a:r>
+              <a:rPr lang="en-US" sz="2800" dirty="0" err="1" smtClean="0">
+                <a:latin typeface="Times New Roman" pitchFamily="18" charset="0"/>
+                <a:cs typeface="Times New Roman" pitchFamily="18" charset="0"/>
+              </a:rPr>
+              <a:t>Công</a:t>
+            </a:r>
+            <a:r>
+              <a:rPr lang="en-US" sz="2800" dirty="0" smtClean="0">
+                <a:latin typeface="Times New Roman" pitchFamily="18" charset="0"/>
+                <a:cs typeface="Times New Roman" pitchFamily="18" charset="0"/>
+              </a:rPr>
+              <a:t> </a:t>
+            </a:r>
+            <a:r>
+              <a:rPr lang="en-US" sz="2800" dirty="0" err="1" smtClean="0">
+                <a:latin typeface="Times New Roman" pitchFamily="18" charset="0"/>
+                <a:cs typeface="Times New Roman" pitchFamily="18" charset="0"/>
+              </a:rPr>
+              <a:t>cụ</a:t>
+            </a:r>
+            <a:r>
+              <a:rPr lang="en-US" sz="2800" dirty="0" smtClean="0">
+                <a:latin typeface="Times New Roman" pitchFamily="18" charset="0"/>
+                <a:cs typeface="Times New Roman" pitchFamily="18" charset="0"/>
+              </a:rPr>
+              <a:t> </a:t>
+            </a:r>
+            <a:r>
+              <a:rPr lang="en-US" sz="2800" dirty="0" err="1" smtClean="0">
+                <a:latin typeface="Times New Roman" pitchFamily="18" charset="0"/>
+                <a:cs typeface="Times New Roman" pitchFamily="18" charset="0"/>
+              </a:rPr>
+              <a:t>lập</a:t>
+            </a:r>
+            <a:r>
+              <a:rPr lang="en-US" sz="2800" dirty="0" smtClean="0">
+                <a:latin typeface="Times New Roman" pitchFamily="18" charset="0"/>
+                <a:cs typeface="Times New Roman" pitchFamily="18" charset="0"/>
+              </a:rPr>
+              <a:t> </a:t>
+            </a:r>
+            <a:r>
+              <a:rPr lang="en-US" sz="2800" dirty="0" err="1" smtClean="0">
+                <a:latin typeface="Times New Roman" pitchFamily="18" charset="0"/>
+                <a:cs typeface="Times New Roman" pitchFamily="18" charset="0"/>
+              </a:rPr>
+              <a:t>trình</a:t>
+            </a:r>
+            <a:endParaRPr lang="en-US" sz="2800" dirty="0" smtClean="0">
+              <a:latin typeface="Times New Roman" pitchFamily="18" charset="0"/>
+              <a:cs typeface="Times New Roman" pitchFamily="18" charset="0"/>
+            </a:endParaRPr>
+          </a:p>
+          <a:p>
+            <a:pPr marL="0" indent="0">
+              <a:buNone/>
+            </a:pPr>
+            <a:r>
+              <a:rPr lang="en-US" sz="2800" dirty="0" smtClean="0">
+                <a:latin typeface="Times New Roman" pitchFamily="18" charset="0"/>
+                <a:cs typeface="Times New Roman" pitchFamily="18" charset="0"/>
+              </a:rPr>
+              <a:t>4.2. Struts 2 Framework</a:t>
+            </a:r>
+          </a:p>
+          <a:p>
+            <a:pPr marL="0" indent="0">
+              <a:buNone/>
+            </a:pPr>
+            <a:r>
+              <a:rPr lang="en-US" sz="2800" dirty="0" smtClean="0">
+                <a:latin typeface="Times New Roman" pitchFamily="18" charset="0"/>
+                <a:cs typeface="Times New Roman" pitchFamily="18" charset="0"/>
+              </a:rPr>
+              <a:t>4.3. Hibernate Framework</a:t>
+            </a:r>
+          </a:p>
+          <a:p>
+            <a:pPr marL="0" indent="0">
+              <a:buNone/>
+            </a:pPr>
+            <a:r>
+              <a:rPr lang="en-US" sz="2800" dirty="0" smtClean="0">
+                <a:latin typeface="Times New Roman" pitchFamily="18" charset="0"/>
+                <a:cs typeface="Times New Roman" pitchFamily="18" charset="0"/>
+              </a:rPr>
+              <a:t>4.4. Apache POI</a:t>
+            </a:r>
+          </a:p>
+          <a:p>
+            <a:pPr marL="0" indent="0">
+              <a:buNone/>
+            </a:pPr>
+            <a:r>
+              <a:rPr lang="en-US" sz="2800" dirty="0" smtClean="0">
+                <a:latin typeface="Times New Roman" pitchFamily="18" charset="0"/>
+                <a:cs typeface="Times New Roman" pitchFamily="18" charset="0"/>
+              </a:rPr>
+              <a:t>4.5 </a:t>
+            </a:r>
+            <a:r>
+              <a:rPr lang="en-US" sz="2800" dirty="0" err="1" smtClean="0">
+                <a:latin typeface="Times New Roman" pitchFamily="18" charset="0"/>
+                <a:cs typeface="Times New Roman" pitchFamily="18" charset="0"/>
+              </a:rPr>
+              <a:t>Kế</a:t>
+            </a:r>
+            <a:r>
+              <a:rPr lang="en-US" sz="2800" dirty="0" smtClean="0">
+                <a:latin typeface="Times New Roman" pitchFamily="18" charset="0"/>
+                <a:cs typeface="Times New Roman" pitchFamily="18" charset="0"/>
+              </a:rPr>
+              <a:t> </a:t>
+            </a:r>
+            <a:r>
+              <a:rPr lang="en-US" sz="2800" dirty="0" err="1" smtClean="0">
+                <a:latin typeface="Times New Roman" pitchFamily="18" charset="0"/>
+                <a:cs typeface="Times New Roman" pitchFamily="18" charset="0"/>
+              </a:rPr>
+              <a:t>quả</a:t>
+            </a:r>
+            <a:r>
+              <a:rPr lang="en-US" sz="2800" dirty="0" smtClean="0">
+                <a:latin typeface="Times New Roman" pitchFamily="18" charset="0"/>
+                <a:cs typeface="Times New Roman" pitchFamily="18" charset="0"/>
+              </a:rPr>
+              <a:t> </a:t>
+            </a:r>
+            <a:r>
+              <a:rPr lang="en-US" sz="2800" dirty="0" err="1" smtClean="0">
+                <a:latin typeface="Times New Roman" pitchFamily="18" charset="0"/>
+                <a:cs typeface="Times New Roman" pitchFamily="18" charset="0"/>
+              </a:rPr>
+              <a:t>chương</a:t>
+            </a:r>
+            <a:r>
+              <a:rPr lang="en-US" sz="2800" dirty="0" smtClean="0">
+                <a:latin typeface="Times New Roman" pitchFamily="18" charset="0"/>
+                <a:cs typeface="Times New Roman" pitchFamily="18" charset="0"/>
+              </a:rPr>
+              <a:t> </a:t>
+            </a:r>
+            <a:r>
+              <a:rPr lang="en-US" sz="2800" dirty="0" err="1" smtClean="0">
+                <a:latin typeface="Times New Roman" pitchFamily="18" charset="0"/>
+                <a:cs typeface="Times New Roman" pitchFamily="18" charset="0"/>
+              </a:rPr>
+              <a:t>trình</a:t>
+            </a:r>
+            <a:endParaRPr lang="en-US" sz="2800" dirty="0" smtClean="0">
+              <a:latin typeface="Times New Roman" pitchFamily="18" charset="0"/>
+              <a:cs typeface="Times New Roman" pitchFamily="18" charset="0"/>
+            </a:endParaRPr>
+          </a:p>
+        </p:txBody>
+      </p:sp>
+      <p:sp>
+        <p:nvSpPr>
+          <p:cNvPr id="7" name="Date Placeholder 6"/>
+          <p:cNvSpPr>
+            <a:spLocks noGrp="1"/>
+          </p:cNvSpPr>
+          <p:nvPr>
+            <p:ph type="dt" sz="half" idx="10"/>
+          </p:nvPr>
+        </p:nvSpPr>
+        <p:spPr>
+          <a:xfrm>
+            <a:off x="1143000" y="6492875"/>
+            <a:ext cx="2133600" cy="365125"/>
+          </a:xfrm>
+        </p:spPr>
+        <p:txBody>
+          <a:bodyPr/>
+          <a:lstStyle/>
+          <a:p>
+            <a:fld id="{3805247F-6ACC-47F2-B107-A401F66D3D80}" type="datetime1">
+              <a:rPr lang="en-US" smtClean="0"/>
+              <a:t>6/7/2018</a:t>
+            </a:fld>
+            <a:endParaRPr lang="en-US" dirty="0"/>
+          </a:p>
+        </p:txBody>
+      </p:sp>
+      <p:sp>
+        <p:nvSpPr>
+          <p:cNvPr id="8" name="Footer Placeholder 7"/>
+          <p:cNvSpPr>
+            <a:spLocks noGrp="1"/>
+          </p:cNvSpPr>
+          <p:nvPr>
+            <p:ph type="ftr" sz="quarter" idx="11"/>
+          </p:nvPr>
+        </p:nvSpPr>
+        <p:spPr>
+          <a:xfrm>
+            <a:off x="3124200" y="6479020"/>
+            <a:ext cx="2895600" cy="365125"/>
+          </a:xfrm>
+        </p:spPr>
+        <p:txBody>
+          <a:bodyPr/>
+          <a:lstStyle/>
+          <a:p>
+            <a:r>
+              <a:rPr lang="vi-VN" dirty="0" smtClean="0"/>
+              <a:t>Nguyễn Công Sơn _ INPG12 _ K58</a:t>
+            </a:r>
+            <a:endParaRPr lang="en-US" dirty="0"/>
+          </a:p>
+        </p:txBody>
+      </p:sp>
+      <p:sp>
+        <p:nvSpPr>
+          <p:cNvPr id="9" name="Slide Number Placeholder 8"/>
+          <p:cNvSpPr>
+            <a:spLocks noGrp="1"/>
+          </p:cNvSpPr>
+          <p:nvPr>
+            <p:ph type="sldNum" sz="quarter" idx="12"/>
+          </p:nvPr>
+        </p:nvSpPr>
+        <p:spPr>
+          <a:xfrm>
+            <a:off x="6553200" y="6492875"/>
+            <a:ext cx="2133600" cy="365125"/>
+          </a:xfrm>
+        </p:spPr>
+        <p:txBody>
+          <a:bodyPr/>
+          <a:lstStyle/>
+          <a:p>
+            <a:fld id="{1815C771-616B-4028-867A-3CFF73E32554}" type="slidenum">
+              <a:rPr lang="en-US" smtClean="0"/>
+              <a:t>10</a:t>
+            </a:fld>
+            <a:endParaRPr lang="en-US" dirty="0"/>
+          </a:p>
+        </p:txBody>
+      </p:sp>
+    </p:spTree>
+    <p:extLst>
+      <p:ext uri="{BB962C8B-B14F-4D97-AF65-F5344CB8AC3E}">
+        <p14:creationId xmlns:p14="http://schemas.microsoft.com/office/powerpoint/2010/main" val="2401868772"/>
+      </p:ext>
+    </p:extLst>
+  </p:cSld>
+  <p:clrMapOvr>
+    <a:masterClrMapping/>
+  </p:clrMapOvr>
+  <p:timing>
+    <p:tnLst>
+      <p:par>
+        <p:cTn id="1" dur="indefinite" restart="never" nodeType="tmRoot"/>
+      </p:par>
+    </p:tnLst>
+  </p:timing>
+</p:sld>
+</file>
+
+<file path=ppt/slides/slide11.xml><?xml version="1.0" encoding="utf-8"?>
+<p:sld xmlns:a="http://schemas.openxmlformats.org/drawingml/2006/main" xmlns:r="http://schemas.openxmlformats.org/officeDocument/2006/relationships" xmlns:p="http://schemas.openxmlformats.org/presentationml/2006/main">
+  <p:cSld>
+    <p:bg>
+      <p:bgPr>
+        <a:blipFill dpi="0" rotWithShape="1">
+          <a:blip r:embed="rId3">
+            <a:lum/>
+          </a:blip>
+          <a:srcRect/>
+          <a:stretch>
+            <a:fillRect/>
+          </a:stretch>
+        </a:blipFill>
+        <a:effectLst/>
+      </p:bgPr>
+    </p:bg>
+    <p:spTree>
+      <p:nvGrpSpPr>
+        <p:cNvPr id="1" name=""/>
+        <p:cNvGrpSpPr/>
+        <p:nvPr/>
+      </p:nvGrpSpPr>
+      <p:grpSpPr>
+        <a:xfrm>
+          <a:off x="0" y="0"/>
+          <a:ext cx="0" cy="0"/>
+          <a:chOff x="0" y="0"/>
+          <a:chExt cx="0" cy="0"/>
+        </a:xfrm>
+      </p:grpSpPr>
+      <p:sp>
+        <p:nvSpPr>
+          <p:cNvPr id="2" name="Title 1"/>
+          <p:cNvSpPr>
+            <a:spLocks noGrp="1"/>
+          </p:cNvSpPr>
+          <p:nvPr>
+            <p:ph type="title"/>
+          </p:nvPr>
+        </p:nvSpPr>
+        <p:spPr>
+          <a:xfrm>
+            <a:off x="1219200" y="76200"/>
+            <a:ext cx="7848600" cy="838200"/>
+          </a:xfrm>
+        </p:spPr>
+        <p:txBody>
+          <a:bodyPr>
+            <a:normAutofit/>
+          </a:bodyPr>
+          <a:lstStyle/>
+          <a:p>
+            <a:pPr algn="l"/>
+            <a:r>
+              <a:rPr lang="en-US" sz="3600" b="1" dirty="0" smtClean="0">
+                <a:latin typeface="Times New Roman" pitchFamily="18" charset="0"/>
+                <a:cs typeface="Times New Roman" pitchFamily="18" charset="0"/>
+              </a:rPr>
+              <a:t>KẾT LUẬN</a:t>
+            </a:r>
+            <a:endParaRPr lang="en-US" sz="3600" b="1" dirty="0">
+              <a:latin typeface="Times New Roman" pitchFamily="18" charset="0"/>
+              <a:cs typeface="Times New Roman" pitchFamily="18" charset="0"/>
+            </a:endParaRPr>
+          </a:p>
+        </p:txBody>
+      </p:sp>
+      <p:sp>
+        <p:nvSpPr>
+          <p:cNvPr id="3" name="Content Placeholder 2"/>
+          <p:cNvSpPr>
+            <a:spLocks noGrp="1"/>
+          </p:cNvSpPr>
+          <p:nvPr>
+            <p:ph idx="1"/>
+          </p:nvPr>
+        </p:nvSpPr>
+        <p:spPr>
+          <a:xfrm>
+            <a:off x="1219200" y="1295400"/>
+            <a:ext cx="7848600" cy="5181600"/>
+          </a:xfrm>
+        </p:spPr>
+        <p:txBody>
+          <a:bodyPr>
+            <a:normAutofit/>
+          </a:bodyPr>
+          <a:lstStyle/>
+          <a:p>
+            <a:pPr marL="0" indent="0">
+              <a:buNone/>
+            </a:pPr>
+            <a:r>
+              <a:rPr lang="en-US" sz="2800" smtClean="0">
+                <a:latin typeface="Times New Roman" pitchFamily="18" charset="0"/>
+                <a:cs typeface="Times New Roman" pitchFamily="18" charset="0"/>
+              </a:rPr>
+              <a:t>- C</a:t>
+            </a:r>
+            <a:endParaRPr lang="en-US" sz="2800" dirty="0" smtClean="0">
+              <a:latin typeface="Times New Roman" pitchFamily="18" charset="0"/>
+              <a:cs typeface="Times New Roman" pitchFamily="18" charset="0"/>
+            </a:endParaRPr>
+          </a:p>
+        </p:txBody>
+      </p:sp>
+      <p:sp>
+        <p:nvSpPr>
+          <p:cNvPr id="7" name="Date Placeholder 6"/>
+          <p:cNvSpPr>
+            <a:spLocks noGrp="1"/>
+          </p:cNvSpPr>
+          <p:nvPr>
+            <p:ph type="dt" sz="half" idx="10"/>
+          </p:nvPr>
+        </p:nvSpPr>
+        <p:spPr>
+          <a:xfrm>
+            <a:off x="1143000" y="6492875"/>
+            <a:ext cx="2133600" cy="365125"/>
+          </a:xfrm>
+        </p:spPr>
+        <p:txBody>
+          <a:bodyPr/>
+          <a:lstStyle/>
+          <a:p>
+            <a:fld id="{3805247F-6ACC-47F2-B107-A401F66D3D80}" type="datetime1">
+              <a:rPr lang="en-US" smtClean="0"/>
+              <a:t>6/7/2018</a:t>
+            </a:fld>
+            <a:endParaRPr lang="en-US" dirty="0"/>
+          </a:p>
+        </p:txBody>
+      </p:sp>
+      <p:sp>
+        <p:nvSpPr>
+          <p:cNvPr id="8" name="Footer Placeholder 7"/>
+          <p:cNvSpPr>
+            <a:spLocks noGrp="1"/>
+          </p:cNvSpPr>
+          <p:nvPr>
+            <p:ph type="ftr" sz="quarter" idx="11"/>
+          </p:nvPr>
+        </p:nvSpPr>
+        <p:spPr>
+          <a:xfrm>
+            <a:off x="3124200" y="6479020"/>
+            <a:ext cx="2895600" cy="365125"/>
+          </a:xfrm>
+        </p:spPr>
+        <p:txBody>
+          <a:bodyPr/>
+          <a:lstStyle/>
+          <a:p>
+            <a:r>
+              <a:rPr lang="vi-VN" dirty="0" smtClean="0"/>
+              <a:t>Nguyễn Công Sơn _ INPG12 _ K58</a:t>
+            </a:r>
+            <a:endParaRPr lang="en-US" dirty="0"/>
+          </a:p>
+        </p:txBody>
+      </p:sp>
+      <p:sp>
+        <p:nvSpPr>
+          <p:cNvPr id="9" name="Slide Number Placeholder 8"/>
+          <p:cNvSpPr>
+            <a:spLocks noGrp="1"/>
+          </p:cNvSpPr>
+          <p:nvPr>
+            <p:ph type="sldNum" sz="quarter" idx="12"/>
+          </p:nvPr>
+        </p:nvSpPr>
+        <p:spPr>
+          <a:xfrm>
+            <a:off x="6553200" y="6492875"/>
+            <a:ext cx="2133600" cy="365125"/>
+          </a:xfrm>
+        </p:spPr>
+        <p:txBody>
+          <a:bodyPr/>
+          <a:lstStyle/>
+          <a:p>
+            <a:fld id="{1815C771-616B-4028-867A-3CFF73E32554}" type="slidenum">
+              <a:rPr lang="en-US" smtClean="0"/>
+              <a:t>11</a:t>
+            </a:fld>
+            <a:endParaRPr lang="en-US" dirty="0"/>
+          </a:p>
+        </p:txBody>
+      </p:sp>
+    </p:spTree>
+    <p:extLst>
+      <p:ext uri="{BB962C8B-B14F-4D97-AF65-F5344CB8AC3E}">
+        <p14:creationId xmlns:p14="http://schemas.microsoft.com/office/powerpoint/2010/main" val="3379053331"/>
+      </p:ext>
+    </p:extLst>
+  </p:cSld>
+  <p:clrMapOvr>
+    <a:masterClrMapping/>
+  </p:clrMapOvr>
+  <p:timing>
+    <p:tnLst>
+      <p:par>
+        <p:cTn id="1" dur="indefinite" restart="never" nodeType="tmRoot"/>
+      </p:par>
+    </p:tnLst>
+  </p:timing>
+</p:sld>
+</file>
+
+<file path=ppt/slides/slide12.xml><?xml version="1.0" encoding="utf-8"?>
+<p:sld xmlns:a="http://schemas.openxmlformats.org/drawingml/2006/main" xmlns:r="http://schemas.openxmlformats.org/officeDocument/2006/relationships" xmlns:p="http://schemas.openxmlformats.org/presentationml/2006/main">
+  <p:cSld>
+    <p:bg>
+      <p:bgPr>
+        <a:blipFill dpi="0" rotWithShape="1">
+          <a:blip r:embed="rId3">
+            <a:lum/>
+          </a:blip>
+          <a:srcRect/>
+          <a:stretch>
+            <a:fillRect/>
+          </a:stretch>
+        </a:blipFill>
+        <a:effectLst/>
+      </p:bgPr>
+    </p:bg>
+    <p:spTree>
+      <p:nvGrpSpPr>
+        <p:cNvPr id="1" name=""/>
+        <p:cNvGrpSpPr/>
+        <p:nvPr/>
+      </p:nvGrpSpPr>
+      <p:grpSpPr>
+        <a:xfrm>
+          <a:off x="0" y="0"/>
+          <a:ext cx="0" cy="0"/>
+          <a:chOff x="0" y="0"/>
+          <a:chExt cx="0" cy="0"/>
+        </a:xfrm>
+      </p:grpSpPr>
+      <p:sp>
+        <p:nvSpPr>
+          <p:cNvPr id="2" name="Title 1"/>
+          <p:cNvSpPr>
+            <a:spLocks noGrp="1"/>
+          </p:cNvSpPr>
+          <p:nvPr>
+            <p:ph type="title"/>
+          </p:nvPr>
+        </p:nvSpPr>
+        <p:spPr>
+          <a:xfrm>
+            <a:off x="1219200" y="76200"/>
+            <a:ext cx="7848600" cy="838200"/>
+          </a:xfrm>
+        </p:spPr>
+        <p:txBody>
+          <a:bodyPr>
+            <a:normAutofit/>
+          </a:bodyPr>
+          <a:lstStyle/>
+          <a:p>
+            <a:pPr algn="l"/>
+            <a:r>
+              <a:rPr lang="en-US" sz="3600" b="1" dirty="0" smtClean="0">
+                <a:latin typeface="Times New Roman" pitchFamily="18" charset="0"/>
+                <a:cs typeface="Times New Roman" pitchFamily="18" charset="0"/>
+              </a:rPr>
+              <a:t>TÀI LIỆU THAM KHẢO</a:t>
+            </a:r>
+            <a:endParaRPr lang="en-US" sz="3600" b="1" dirty="0">
+              <a:latin typeface="Times New Roman" pitchFamily="18" charset="0"/>
+              <a:cs typeface="Times New Roman" pitchFamily="18" charset="0"/>
+            </a:endParaRPr>
+          </a:p>
+        </p:txBody>
+      </p:sp>
+      <p:sp>
+        <p:nvSpPr>
+          <p:cNvPr id="3" name="Content Placeholder 2"/>
+          <p:cNvSpPr>
+            <a:spLocks noGrp="1"/>
+          </p:cNvSpPr>
+          <p:nvPr>
+            <p:ph idx="1"/>
+          </p:nvPr>
+        </p:nvSpPr>
+        <p:spPr>
+          <a:xfrm>
+            <a:off x="1219200" y="1295400"/>
+            <a:ext cx="7848600" cy="5181600"/>
+          </a:xfrm>
+        </p:spPr>
+        <p:txBody>
+          <a:bodyPr>
+            <a:normAutofit/>
+          </a:bodyPr>
+          <a:lstStyle/>
+          <a:p>
+            <a:pPr marL="0" indent="0">
+              <a:buNone/>
+            </a:pPr>
+            <a:endParaRPr lang="en-US" sz="2800" dirty="0" smtClean="0">
+              <a:latin typeface="Times New Roman" pitchFamily="18" charset="0"/>
+              <a:cs typeface="Times New Roman" pitchFamily="18" charset="0"/>
+            </a:endParaRPr>
+          </a:p>
+        </p:txBody>
+      </p:sp>
+      <p:sp>
+        <p:nvSpPr>
+          <p:cNvPr id="7" name="Date Placeholder 6"/>
+          <p:cNvSpPr>
+            <a:spLocks noGrp="1"/>
+          </p:cNvSpPr>
+          <p:nvPr>
+            <p:ph type="dt" sz="half" idx="10"/>
+          </p:nvPr>
+        </p:nvSpPr>
+        <p:spPr>
+          <a:xfrm>
+            <a:off x="1143000" y="6492875"/>
+            <a:ext cx="2133600" cy="365125"/>
+          </a:xfrm>
+        </p:spPr>
+        <p:txBody>
+          <a:bodyPr/>
+          <a:lstStyle/>
+          <a:p>
+            <a:fld id="{3805247F-6ACC-47F2-B107-A401F66D3D80}" type="datetime1">
+              <a:rPr lang="en-US" smtClean="0"/>
+              <a:t>6/7/2018</a:t>
+            </a:fld>
+            <a:endParaRPr lang="en-US" dirty="0"/>
+          </a:p>
+        </p:txBody>
+      </p:sp>
+      <p:sp>
+        <p:nvSpPr>
+          <p:cNvPr id="8" name="Footer Placeholder 7"/>
+          <p:cNvSpPr>
+            <a:spLocks noGrp="1"/>
+          </p:cNvSpPr>
+          <p:nvPr>
+            <p:ph type="ftr" sz="quarter" idx="11"/>
+          </p:nvPr>
+        </p:nvSpPr>
+        <p:spPr>
+          <a:xfrm>
+            <a:off x="3124200" y="6479020"/>
+            <a:ext cx="2895600" cy="365125"/>
+          </a:xfrm>
+        </p:spPr>
+        <p:txBody>
+          <a:bodyPr/>
+          <a:lstStyle/>
+          <a:p>
+            <a:r>
+              <a:rPr lang="vi-VN" dirty="0" smtClean="0"/>
+              <a:t>Nguyễn Công Sơn _ INPG12 _ K58</a:t>
+            </a:r>
+            <a:endParaRPr lang="en-US" dirty="0"/>
+          </a:p>
+        </p:txBody>
+      </p:sp>
+      <p:sp>
+        <p:nvSpPr>
+          <p:cNvPr id="9" name="Slide Number Placeholder 8"/>
+          <p:cNvSpPr>
+            <a:spLocks noGrp="1"/>
+          </p:cNvSpPr>
+          <p:nvPr>
+            <p:ph type="sldNum" sz="quarter" idx="12"/>
+          </p:nvPr>
+        </p:nvSpPr>
+        <p:spPr>
+          <a:xfrm>
+            <a:off x="6553200" y="6492875"/>
+            <a:ext cx="2133600" cy="365125"/>
+          </a:xfrm>
+        </p:spPr>
+        <p:txBody>
+          <a:bodyPr/>
+          <a:lstStyle/>
+          <a:p>
+            <a:fld id="{1815C771-616B-4028-867A-3CFF73E32554}" type="slidenum">
+              <a:rPr lang="en-US" smtClean="0"/>
+              <a:t>12</a:t>
+            </a:fld>
+            <a:endParaRPr lang="en-US" dirty="0"/>
+          </a:p>
+        </p:txBody>
+      </p:sp>
+    </p:spTree>
+    <p:extLst>
+      <p:ext uri="{BB962C8B-B14F-4D97-AF65-F5344CB8AC3E}">
+        <p14:creationId xmlns:p14="http://schemas.microsoft.com/office/powerpoint/2010/main" val="825785582"/>
+      </p:ext>
+    </p:extLst>
+  </p:cSld>
+  <p:clrMapOvr>
+    <a:masterClrMapping/>
+  </p:clrMapOvr>
+  <p:timing>
+    <p:tnLst>
+      <p:par>
+        <p:cTn id="1" dur="indefinite" restart="never" nodeType="tmRoot"/>
+      </p:par>
+    </p:tnLst>
+  </p:timing>
+</p:sld>
+</file>
+
+<file path=ppt/slides/slide13.xml><?xml version="1.0" encoding="utf-8"?>
+<p:sld xmlns:a="http://schemas.openxmlformats.org/drawingml/2006/main" xmlns:r="http://schemas.openxmlformats.org/officeDocument/2006/relationships" xmlns:p="http://schemas.openxmlformats.org/presentationml/2006/main">
+  <p:cSld>
+    <p:bg>
+      <p:bgPr>
+        <a:blipFill dpi="0" rotWithShape="1">
+          <a:blip r:embed="rId3">
+            <a:lum/>
+          </a:blip>
+          <a:srcRect/>
+          <a:stretch>
+            <a:fillRect/>
+          </a:stretch>
+        </a:blipFill>
+        <a:effectLst/>
+      </p:bgPr>
+    </p:bg>
+    <p:spTree>
+      <p:nvGrpSpPr>
+        <p:cNvPr id="1" name=""/>
+        <p:cNvGrpSpPr/>
+        <p:nvPr/>
+      </p:nvGrpSpPr>
+      <p:grpSpPr>
+        <a:xfrm>
+          <a:off x="0" y="0"/>
+          <a:ext cx="0" cy="0"/>
+          <a:chOff x="0" y="0"/>
+          <a:chExt cx="0" cy="0"/>
+        </a:xfrm>
+      </p:grpSpPr>
+      <p:sp>
+        <p:nvSpPr>
+          <p:cNvPr id="2" name="Title 1"/>
+          <p:cNvSpPr>
+            <a:spLocks noGrp="1"/>
+          </p:cNvSpPr>
+          <p:nvPr>
+            <p:ph type="title"/>
+          </p:nvPr>
+        </p:nvSpPr>
+        <p:spPr>
+          <a:xfrm>
+            <a:off x="1219200" y="76200"/>
+            <a:ext cx="7848600" cy="838200"/>
+          </a:xfrm>
+        </p:spPr>
+        <p:txBody>
+          <a:bodyPr>
+            <a:normAutofit/>
+          </a:bodyPr>
+          <a:lstStyle/>
+          <a:p>
+            <a:pPr algn="l"/>
+            <a:endParaRPr lang="en-US" sz="3600" b="1" dirty="0">
+              <a:latin typeface="Times New Roman" pitchFamily="18" charset="0"/>
+              <a:cs typeface="Times New Roman" pitchFamily="18" charset="0"/>
+            </a:endParaRPr>
+          </a:p>
+        </p:txBody>
+      </p:sp>
+      <p:sp>
+        <p:nvSpPr>
+          <p:cNvPr id="3" name="Content Placeholder 2"/>
+          <p:cNvSpPr>
+            <a:spLocks noGrp="1"/>
+          </p:cNvSpPr>
+          <p:nvPr>
+            <p:ph idx="1"/>
+          </p:nvPr>
+        </p:nvSpPr>
+        <p:spPr>
+          <a:xfrm>
+            <a:off x="1219200" y="1295400"/>
+            <a:ext cx="7848600" cy="5181600"/>
+          </a:xfrm>
+        </p:spPr>
+        <p:txBody>
+          <a:bodyPr/>
+          <a:lstStyle/>
+          <a:p>
+            <a:endParaRPr lang="en-US" dirty="0">
+              <a:latin typeface="Times New Roman" pitchFamily="18" charset="0"/>
+              <a:cs typeface="Times New Roman" pitchFamily="18" charset="0"/>
+            </a:endParaRPr>
+          </a:p>
+        </p:txBody>
+      </p:sp>
+      <p:sp>
+        <p:nvSpPr>
+          <p:cNvPr id="7" name="Date Placeholder 6"/>
+          <p:cNvSpPr>
+            <a:spLocks noGrp="1"/>
+          </p:cNvSpPr>
+          <p:nvPr>
+            <p:ph type="dt" sz="half" idx="10"/>
+          </p:nvPr>
+        </p:nvSpPr>
+        <p:spPr>
+          <a:xfrm>
+            <a:off x="1143000" y="6492875"/>
+            <a:ext cx="2133600" cy="365125"/>
+          </a:xfrm>
+        </p:spPr>
+        <p:txBody>
+          <a:bodyPr/>
+          <a:lstStyle/>
+          <a:p>
+            <a:fld id="{3805247F-6ACC-47F2-B107-A401F66D3D80}" type="datetime1">
+              <a:rPr lang="en-US" smtClean="0"/>
+              <a:t>6/7/2018</a:t>
+            </a:fld>
+            <a:endParaRPr lang="en-US" dirty="0"/>
+          </a:p>
+        </p:txBody>
+      </p:sp>
+      <p:sp>
+        <p:nvSpPr>
+          <p:cNvPr id="8" name="Footer Placeholder 7"/>
+          <p:cNvSpPr>
+            <a:spLocks noGrp="1"/>
+          </p:cNvSpPr>
+          <p:nvPr>
+            <p:ph type="ftr" sz="quarter" idx="11"/>
+          </p:nvPr>
+        </p:nvSpPr>
+        <p:spPr>
+          <a:xfrm>
+            <a:off x="3124200" y="6479020"/>
+            <a:ext cx="2895600" cy="365125"/>
+          </a:xfrm>
+        </p:spPr>
+        <p:txBody>
+          <a:bodyPr/>
+          <a:lstStyle/>
+          <a:p>
+            <a:r>
+              <a:rPr lang="vi-VN" dirty="0" smtClean="0"/>
+              <a:t>Nguyễn Công Sơn _ INPG12 _ K58</a:t>
+            </a:r>
+            <a:endParaRPr lang="en-US" dirty="0"/>
+          </a:p>
+        </p:txBody>
+      </p:sp>
+      <p:sp>
+        <p:nvSpPr>
+          <p:cNvPr id="9" name="Slide Number Placeholder 8"/>
+          <p:cNvSpPr>
+            <a:spLocks noGrp="1"/>
+          </p:cNvSpPr>
+          <p:nvPr>
+            <p:ph type="sldNum" sz="quarter" idx="12"/>
+          </p:nvPr>
+        </p:nvSpPr>
+        <p:spPr>
+          <a:xfrm>
+            <a:off x="6553200" y="6492875"/>
+            <a:ext cx="2133600" cy="365125"/>
+          </a:xfrm>
+        </p:spPr>
+        <p:txBody>
+          <a:bodyPr/>
+          <a:lstStyle/>
+          <a:p>
+            <a:fld id="{1815C771-616B-4028-867A-3CFF73E32554}" type="slidenum">
+              <a:rPr lang="en-US" smtClean="0"/>
+              <a:t>13</a:t>
+            </a:fld>
+            <a:endParaRPr lang="en-US" dirty="0"/>
+          </a:p>
+        </p:txBody>
+      </p:sp>
+    </p:spTree>
+    <p:extLst>
+      <p:ext uri="{BB962C8B-B14F-4D97-AF65-F5344CB8AC3E}">
+        <p14:creationId xmlns:p14="http://schemas.microsoft.com/office/powerpoint/2010/main" val="408134462"/>
+      </p:ext>
+    </p:extLst>
+  </p:cSld>
+  <p:clrMapOvr>
+    <a:masterClrMapping/>
+  </p:clrMapOvr>
+  <p:timing>
+    <p:tnLst>
+      <p:par>
+        <p:cTn id="1" dur="indefinite" restart="never" nodeType="tmRoot"/>
+      </p:par>
+    </p:tnLst>
+  </p:timing>
+</p:sld>
+</file>
+
 <file path=ppt/slides/slide2.xml><?xml version="1.0" encoding="utf-8"?>
 <p:sld xmlns:a="http://schemas.openxmlformats.org/drawingml/2006/main" xmlns:r="http://schemas.openxmlformats.org/officeDocument/2006/relationships" xmlns:p="http://schemas.openxmlformats.org/presentationml/2006/main">
   <p:cSld>
@@ -5252,46 +7193,6 @@
                 <a:latin typeface="Times New Roman" pitchFamily="18" charset="0"/>
                 <a:cs typeface="Times New Roman" pitchFamily="18" charset="0"/>
               </a:rPr>
-              <a:t>thiết</a:t>
-            </a:r>
-            <a:r>
-              <a:rPr lang="en-US" dirty="0" smtClean="0">
-                <a:solidFill>
-                  <a:schemeClr val="tx1"/>
-                </a:solidFill>
-                <a:latin typeface="Times New Roman" pitchFamily="18" charset="0"/>
-                <a:cs typeface="Times New Roman" pitchFamily="18" charset="0"/>
-              </a:rPr>
-              <a:t> </a:t>
-            </a:r>
-            <a:r>
-              <a:rPr lang="en-US" dirty="0" err="1" smtClean="0">
-                <a:solidFill>
-                  <a:schemeClr val="tx1"/>
-                </a:solidFill>
-                <a:latin typeface="Times New Roman" pitchFamily="18" charset="0"/>
-                <a:cs typeface="Times New Roman" pitchFamily="18" charset="0"/>
-              </a:rPr>
-              <a:t>kế</a:t>
-            </a:r>
-            <a:r>
-              <a:rPr lang="en-US" dirty="0" smtClean="0">
-                <a:solidFill>
-                  <a:schemeClr val="tx1"/>
-                </a:solidFill>
-                <a:latin typeface="Times New Roman" pitchFamily="18" charset="0"/>
-                <a:cs typeface="Times New Roman" pitchFamily="18" charset="0"/>
-              </a:rPr>
-              <a:t> </a:t>
-            </a:r>
-            <a:r>
-              <a:rPr lang="en-US" dirty="0" err="1" smtClean="0">
-                <a:solidFill>
-                  <a:schemeClr val="tx1"/>
-                </a:solidFill>
-                <a:latin typeface="Times New Roman" pitchFamily="18" charset="0"/>
-                <a:cs typeface="Times New Roman" pitchFamily="18" charset="0"/>
-              </a:rPr>
               <a:t>hệ</a:t>
             </a:r>
             <a:r>
@@ -5646,7 +7547,7 @@
           <a:p>
             <a:fld id="{ACD66DB6-D463-4DB0-B083-26A8364A4CAD}" type="datetime1">
               <a:rPr lang="en-US" smtClean="0"/>
-              <a:t>5/10/2018</a:t>
+              <a:t>6/7/2018</a:t>
             </a:fld>
             <a:endParaRPr lang="en-US" dirty="0"/>
           </a:p>
@@ -6251,10 +8152,983 @@
           </a:xfrm>
         </p:spPr>
         <p:txBody>
-          <a:bodyPr/>
-          <a:lstStyle/>
-          <a:p>
-            <a:endParaRPr lang="en-US" dirty="0">
+          <a:bodyPr>
+            <a:normAutofit/>
+          </a:bodyPr>
+          <a:lstStyle/>
+          <a:p>
+            <a:r>
+              <a:rPr lang="en-US" sz="2800" dirty="0" err="1" smtClean="0">
+                <a:latin typeface="Times New Roman" pitchFamily="18" charset="0"/>
+                <a:cs typeface="Times New Roman" pitchFamily="18" charset="0"/>
+              </a:rPr>
+              <a:t>Sinh</a:t>
+            </a:r>
+            <a:r>
+              <a:rPr lang="en-US" sz="2800" dirty="0" smtClean="0">
+                <a:latin typeface="Times New Roman" pitchFamily="18" charset="0"/>
+                <a:cs typeface="Times New Roman" pitchFamily="18" charset="0"/>
+              </a:rPr>
+              <a:t> </a:t>
+            </a:r>
+            <a:r>
+              <a:rPr lang="en-US" sz="2800" dirty="0" err="1" smtClean="0">
+                <a:latin typeface="Times New Roman" pitchFamily="18" charset="0"/>
+                <a:cs typeface="Times New Roman" pitchFamily="18" charset="0"/>
+              </a:rPr>
+              <a:t>viên</a:t>
+            </a:r>
+            <a:endParaRPr lang="en-US" sz="2800" dirty="0" smtClean="0">
+              <a:latin typeface="Times New Roman" pitchFamily="18" charset="0"/>
+              <a:cs typeface="Times New Roman" pitchFamily="18" charset="0"/>
+            </a:endParaRPr>
+          </a:p>
+          <a:p>
+            <a:pPr lvl="1"/>
+            <a:r>
+              <a:rPr lang="en-US" sz="2400" dirty="0">
+                <a:latin typeface="Times New Roman" pitchFamily="18" charset="0"/>
+                <a:cs typeface="Times New Roman" pitchFamily="18" charset="0"/>
+              </a:rPr>
+              <a:t> </a:t>
+            </a:r>
+            <a:r>
+              <a:rPr lang="en-US" sz="2400" dirty="0" err="1" smtClean="0">
+                <a:latin typeface="Times New Roman" pitchFamily="18" charset="0"/>
+                <a:cs typeface="Times New Roman" pitchFamily="18" charset="0"/>
+              </a:rPr>
+              <a:t>Đăng</a:t>
+            </a:r>
+            <a:r>
+              <a:rPr lang="en-US" sz="2400" dirty="0" smtClean="0">
+                <a:latin typeface="Times New Roman" pitchFamily="18" charset="0"/>
+                <a:cs typeface="Times New Roman" pitchFamily="18" charset="0"/>
+              </a:rPr>
+              <a:t> </a:t>
+            </a:r>
+            <a:r>
+              <a:rPr lang="en-US" sz="2400" dirty="0" err="1" smtClean="0">
+                <a:latin typeface="Times New Roman" pitchFamily="18" charset="0"/>
+                <a:cs typeface="Times New Roman" pitchFamily="18" charset="0"/>
+              </a:rPr>
+              <a:t>ký</a:t>
+            </a:r>
+            <a:r>
+              <a:rPr lang="en-US" sz="2400" dirty="0" smtClean="0">
+                <a:latin typeface="Times New Roman" pitchFamily="18" charset="0"/>
+                <a:cs typeface="Times New Roman" pitchFamily="18" charset="0"/>
+              </a:rPr>
+              <a:t> </a:t>
+            </a:r>
+            <a:r>
+              <a:rPr lang="en-US" sz="2400" dirty="0" err="1" smtClean="0">
+                <a:latin typeface="Times New Roman" pitchFamily="18" charset="0"/>
+                <a:cs typeface="Times New Roman" pitchFamily="18" charset="0"/>
+              </a:rPr>
+              <a:t>học</a:t>
+            </a:r>
+            <a:r>
+              <a:rPr lang="en-US" sz="2400" dirty="0" smtClean="0">
+                <a:latin typeface="Times New Roman" pitchFamily="18" charset="0"/>
+                <a:cs typeface="Times New Roman" pitchFamily="18" charset="0"/>
+              </a:rPr>
+              <a:t> </a:t>
+            </a:r>
+            <a:r>
+              <a:rPr lang="en-US" sz="2400" dirty="0" err="1" smtClean="0">
+                <a:latin typeface="Times New Roman" pitchFamily="18" charset="0"/>
+                <a:cs typeface="Times New Roman" pitchFamily="18" charset="0"/>
+              </a:rPr>
+              <a:t>phần</a:t>
+            </a:r>
+            <a:r>
+              <a:rPr lang="en-US" sz="2400" dirty="0" smtClean="0">
+                <a:latin typeface="Times New Roman" pitchFamily="18" charset="0"/>
+                <a:cs typeface="Times New Roman" pitchFamily="18" charset="0"/>
+              </a:rPr>
+              <a:t> </a:t>
+            </a:r>
+            <a:r>
+              <a:rPr lang="en-US" sz="2400" dirty="0" err="1" smtClean="0">
+                <a:latin typeface="Times New Roman" pitchFamily="18" charset="0"/>
+                <a:cs typeface="Times New Roman" pitchFamily="18" charset="0"/>
+              </a:rPr>
+              <a:t>thực</a:t>
+            </a:r>
+            <a:r>
+              <a:rPr lang="en-US" sz="2400" dirty="0" smtClean="0">
+                <a:latin typeface="Times New Roman" pitchFamily="18" charset="0"/>
+                <a:cs typeface="Times New Roman" pitchFamily="18" charset="0"/>
+              </a:rPr>
+              <a:t> </a:t>
+            </a:r>
+            <a:r>
+              <a:rPr lang="en-US" sz="2400" dirty="0" err="1" smtClean="0">
+                <a:latin typeface="Times New Roman" pitchFamily="18" charset="0"/>
+                <a:cs typeface="Times New Roman" pitchFamily="18" charset="0"/>
+              </a:rPr>
+              <a:t>tập</a:t>
+            </a:r>
+            <a:r>
+              <a:rPr lang="en-US" sz="2400" dirty="0" smtClean="0">
+                <a:latin typeface="Times New Roman" pitchFamily="18" charset="0"/>
+                <a:cs typeface="Times New Roman" pitchFamily="18" charset="0"/>
+              </a:rPr>
+              <a:t> </a:t>
+            </a:r>
+            <a:r>
+              <a:rPr lang="en-US" sz="2400" dirty="0" err="1" smtClean="0">
+                <a:latin typeface="Times New Roman" pitchFamily="18" charset="0"/>
+                <a:cs typeface="Times New Roman" pitchFamily="18" charset="0"/>
+              </a:rPr>
+              <a:t>kỹ</a:t>
+            </a:r>
+            <a:r>
+              <a:rPr lang="en-US" sz="2400" dirty="0" smtClean="0">
+                <a:latin typeface="Times New Roman" pitchFamily="18" charset="0"/>
+                <a:cs typeface="Times New Roman" pitchFamily="18" charset="0"/>
+              </a:rPr>
+              <a:t> </a:t>
+            </a:r>
+            <a:r>
+              <a:rPr lang="en-US" sz="2400" dirty="0" err="1" smtClean="0">
+                <a:latin typeface="Times New Roman" pitchFamily="18" charset="0"/>
+                <a:cs typeface="Times New Roman" pitchFamily="18" charset="0"/>
+              </a:rPr>
+              <a:t>thuật</a:t>
+            </a:r>
+            <a:endParaRPr lang="en-US" sz="2400" dirty="0" smtClean="0">
+              <a:latin typeface="Times New Roman" pitchFamily="18" charset="0"/>
+              <a:cs typeface="Times New Roman" pitchFamily="18" charset="0"/>
+            </a:endParaRPr>
+          </a:p>
+          <a:p>
+            <a:pPr lvl="1"/>
+            <a:r>
+              <a:rPr lang="en-US" sz="2400" dirty="0" err="1" smtClean="0">
+                <a:latin typeface="Times New Roman" pitchFamily="18" charset="0"/>
+                <a:cs typeface="Times New Roman" pitchFamily="18" charset="0"/>
+              </a:rPr>
+              <a:t>Trải</a:t>
+            </a:r>
+            <a:r>
+              <a:rPr lang="en-US" sz="2400" dirty="0" smtClean="0">
+                <a:latin typeface="Times New Roman" pitchFamily="18" charset="0"/>
+                <a:cs typeface="Times New Roman" pitchFamily="18" charset="0"/>
+              </a:rPr>
+              <a:t> </a:t>
+            </a:r>
+            <a:r>
+              <a:rPr lang="en-US" sz="2400" dirty="0" err="1" smtClean="0">
+                <a:latin typeface="Times New Roman" pitchFamily="18" charset="0"/>
+                <a:cs typeface="Times New Roman" pitchFamily="18" charset="0"/>
+              </a:rPr>
+              <a:t>nghiệm</a:t>
+            </a:r>
+            <a:r>
+              <a:rPr lang="en-US" sz="2400" dirty="0" smtClean="0">
+                <a:latin typeface="Times New Roman" pitchFamily="18" charset="0"/>
+                <a:cs typeface="Times New Roman" pitchFamily="18" charset="0"/>
+              </a:rPr>
+              <a:t> </a:t>
+            </a:r>
+            <a:r>
+              <a:rPr lang="en-US" sz="2400" dirty="0" err="1" smtClean="0">
+                <a:latin typeface="Times New Roman" pitchFamily="18" charset="0"/>
+                <a:cs typeface="Times New Roman" pitchFamily="18" charset="0"/>
+              </a:rPr>
+              <a:t>phong</a:t>
+            </a:r>
+            <a:r>
+              <a:rPr lang="en-US" sz="2400" dirty="0" smtClean="0">
+                <a:latin typeface="Times New Roman" pitchFamily="18" charset="0"/>
+                <a:cs typeface="Times New Roman" pitchFamily="18" charset="0"/>
+              </a:rPr>
+              <a:t> </a:t>
+            </a:r>
+            <a:r>
+              <a:rPr lang="en-US" sz="2400" dirty="0" err="1" smtClean="0">
+                <a:latin typeface="Times New Roman" pitchFamily="18" charset="0"/>
+                <a:cs typeface="Times New Roman" pitchFamily="18" charset="0"/>
+              </a:rPr>
+              <a:t>cách</a:t>
+            </a:r>
+            <a:r>
+              <a:rPr lang="en-US" sz="2400" dirty="0" smtClean="0">
+                <a:latin typeface="Times New Roman" pitchFamily="18" charset="0"/>
+                <a:cs typeface="Times New Roman" pitchFamily="18" charset="0"/>
+              </a:rPr>
+              <a:t> </a:t>
+            </a:r>
+            <a:r>
+              <a:rPr lang="en-US" sz="2400" dirty="0" err="1" smtClean="0">
+                <a:latin typeface="Times New Roman" pitchFamily="18" charset="0"/>
+                <a:cs typeface="Times New Roman" pitchFamily="18" charset="0"/>
+              </a:rPr>
+              <a:t>làm</a:t>
+            </a:r>
+            <a:r>
+              <a:rPr lang="en-US" sz="2400" dirty="0" smtClean="0">
+                <a:latin typeface="Times New Roman" pitchFamily="18" charset="0"/>
+                <a:cs typeface="Times New Roman" pitchFamily="18" charset="0"/>
+              </a:rPr>
+              <a:t> </a:t>
+            </a:r>
+            <a:r>
+              <a:rPr lang="en-US" sz="2400" dirty="0" err="1" smtClean="0">
+                <a:latin typeface="Times New Roman" pitchFamily="18" charset="0"/>
+                <a:cs typeface="Times New Roman" pitchFamily="18" charset="0"/>
+              </a:rPr>
+              <a:t>việc</a:t>
+            </a:r>
+            <a:r>
+              <a:rPr lang="en-US" sz="2400" dirty="0" smtClean="0">
+                <a:latin typeface="Times New Roman" pitchFamily="18" charset="0"/>
+                <a:cs typeface="Times New Roman" pitchFamily="18" charset="0"/>
+              </a:rPr>
+              <a:t> </a:t>
+            </a:r>
+            <a:r>
+              <a:rPr lang="en-US" sz="2400" dirty="0" err="1" smtClean="0">
+                <a:latin typeface="Times New Roman" pitchFamily="18" charset="0"/>
+                <a:cs typeface="Times New Roman" pitchFamily="18" charset="0"/>
+              </a:rPr>
+              <a:t>tại</a:t>
+            </a:r>
+            <a:r>
+              <a:rPr lang="en-US" sz="2400" dirty="0" smtClean="0">
+                <a:latin typeface="Times New Roman" pitchFamily="18" charset="0"/>
+                <a:cs typeface="Times New Roman" pitchFamily="18" charset="0"/>
+              </a:rPr>
+              <a:t> </a:t>
+            </a:r>
+            <a:r>
+              <a:rPr lang="en-US" sz="2400" dirty="0" err="1" smtClean="0">
+                <a:latin typeface="Times New Roman" pitchFamily="18" charset="0"/>
+                <a:cs typeface="Times New Roman" pitchFamily="18" charset="0"/>
+              </a:rPr>
+              <a:t>công</a:t>
+            </a:r>
+            <a:r>
+              <a:rPr lang="en-US" sz="2400" dirty="0" smtClean="0">
+                <a:latin typeface="Times New Roman" pitchFamily="18" charset="0"/>
+                <a:cs typeface="Times New Roman" pitchFamily="18" charset="0"/>
+              </a:rPr>
+              <a:t> </a:t>
+            </a:r>
+            <a:r>
+              <a:rPr lang="en-US" sz="2400" dirty="0" err="1" smtClean="0">
+                <a:latin typeface="Times New Roman" pitchFamily="18" charset="0"/>
+                <a:cs typeface="Times New Roman" pitchFamily="18" charset="0"/>
+              </a:rPr>
+              <a:t>ty</a:t>
+            </a:r>
+            <a:endParaRPr lang="en-US" sz="2400" dirty="0" smtClean="0">
+              <a:latin typeface="Times New Roman" pitchFamily="18" charset="0"/>
+              <a:cs typeface="Times New Roman" pitchFamily="18" charset="0"/>
+            </a:endParaRPr>
+          </a:p>
+          <a:p>
+            <a:pPr lvl="1"/>
+            <a:r>
+              <a:rPr lang="en-US" sz="2400" dirty="0" err="1" smtClean="0">
+                <a:latin typeface="Times New Roman" pitchFamily="18" charset="0"/>
+                <a:cs typeface="Times New Roman" pitchFamily="18" charset="0"/>
+              </a:rPr>
+              <a:t>Tham</a:t>
+            </a:r>
+            <a:r>
+              <a:rPr lang="en-US" sz="2400" dirty="0" smtClean="0">
+                <a:latin typeface="Times New Roman" pitchFamily="18" charset="0"/>
+                <a:cs typeface="Times New Roman" pitchFamily="18" charset="0"/>
+              </a:rPr>
+              <a:t> </a:t>
+            </a:r>
+            <a:r>
+              <a:rPr lang="en-US" sz="2400" dirty="0" err="1" smtClean="0">
+                <a:latin typeface="Times New Roman" pitchFamily="18" charset="0"/>
+                <a:cs typeface="Times New Roman" pitchFamily="18" charset="0"/>
+              </a:rPr>
+              <a:t>gia</a:t>
+            </a:r>
+            <a:r>
+              <a:rPr lang="en-US" sz="2400" dirty="0" smtClean="0">
+                <a:latin typeface="Times New Roman" pitchFamily="18" charset="0"/>
+                <a:cs typeface="Times New Roman" pitchFamily="18" charset="0"/>
+              </a:rPr>
+              <a:t> </a:t>
+            </a:r>
+            <a:r>
+              <a:rPr lang="en-US" sz="2400" dirty="0" err="1" smtClean="0">
+                <a:latin typeface="Times New Roman" pitchFamily="18" charset="0"/>
+                <a:cs typeface="Times New Roman" pitchFamily="18" charset="0"/>
+              </a:rPr>
+              <a:t>vào</a:t>
+            </a:r>
+            <a:r>
+              <a:rPr lang="en-US" sz="2400" dirty="0" smtClean="0">
+                <a:latin typeface="Times New Roman" pitchFamily="18" charset="0"/>
+                <a:cs typeface="Times New Roman" pitchFamily="18" charset="0"/>
+              </a:rPr>
+              <a:t> </a:t>
+            </a:r>
+            <a:r>
+              <a:rPr lang="en-US" sz="2400" dirty="0" err="1" smtClean="0">
+                <a:latin typeface="Times New Roman" pitchFamily="18" charset="0"/>
+                <a:cs typeface="Times New Roman" pitchFamily="18" charset="0"/>
+              </a:rPr>
+              <a:t>các</a:t>
+            </a:r>
+            <a:r>
+              <a:rPr lang="en-US" sz="2400" dirty="0" smtClean="0">
+                <a:latin typeface="Times New Roman" pitchFamily="18" charset="0"/>
+                <a:cs typeface="Times New Roman" pitchFamily="18" charset="0"/>
+              </a:rPr>
+              <a:t> </a:t>
+            </a:r>
+            <a:r>
+              <a:rPr lang="en-US" sz="2400" dirty="0" err="1" smtClean="0">
+                <a:latin typeface="Times New Roman" pitchFamily="18" charset="0"/>
+                <a:cs typeface="Times New Roman" pitchFamily="18" charset="0"/>
+              </a:rPr>
+              <a:t>dự</a:t>
+            </a:r>
+            <a:r>
+              <a:rPr lang="en-US" sz="2400" dirty="0" smtClean="0">
+                <a:latin typeface="Times New Roman" pitchFamily="18" charset="0"/>
+                <a:cs typeface="Times New Roman" pitchFamily="18" charset="0"/>
+              </a:rPr>
+              <a:t> </a:t>
+            </a:r>
+            <a:r>
+              <a:rPr lang="en-US" sz="2400" dirty="0" err="1" smtClean="0">
+                <a:latin typeface="Times New Roman" pitchFamily="18" charset="0"/>
+                <a:cs typeface="Times New Roman" pitchFamily="18" charset="0"/>
+              </a:rPr>
+              <a:t>án</a:t>
+            </a:r>
+            <a:r>
+              <a:rPr lang="en-US" sz="2400" dirty="0" smtClean="0">
+                <a:latin typeface="Times New Roman" pitchFamily="18" charset="0"/>
+                <a:cs typeface="Times New Roman" pitchFamily="18" charset="0"/>
+              </a:rPr>
+              <a:t> </a:t>
+            </a:r>
+            <a:r>
+              <a:rPr lang="en-US" sz="2400" dirty="0" err="1" smtClean="0">
+                <a:latin typeface="Times New Roman" pitchFamily="18" charset="0"/>
+                <a:cs typeface="Times New Roman" pitchFamily="18" charset="0"/>
+              </a:rPr>
+              <a:t>thực</a:t>
+            </a:r>
+            <a:r>
+              <a:rPr lang="en-US" sz="2400" dirty="0" smtClean="0">
+                <a:latin typeface="Times New Roman" pitchFamily="18" charset="0"/>
+                <a:cs typeface="Times New Roman" pitchFamily="18" charset="0"/>
+              </a:rPr>
+              <a:t> </a:t>
+            </a:r>
+            <a:r>
+              <a:rPr lang="en-US" sz="2400" dirty="0" err="1" smtClean="0">
+                <a:latin typeface="Times New Roman" pitchFamily="18" charset="0"/>
+                <a:cs typeface="Times New Roman" pitchFamily="18" charset="0"/>
+              </a:rPr>
+              <a:t>tế</a:t>
+            </a:r>
+            <a:endParaRPr lang="en-US" sz="2400" dirty="0">
+              <a:latin typeface="Times New Roman" pitchFamily="18" charset="0"/>
+              <a:cs typeface="Times New Roman" pitchFamily="18" charset="0"/>
+            </a:endParaRPr>
+          </a:p>
+          <a:p>
+            <a:r>
+              <a:rPr lang="en-US" sz="2800" dirty="0" err="1" smtClean="0">
+                <a:latin typeface="Times New Roman" pitchFamily="18" charset="0"/>
+                <a:cs typeface="Times New Roman" pitchFamily="18" charset="0"/>
+              </a:rPr>
+              <a:t>Giảng</a:t>
+            </a:r>
+            <a:r>
+              <a:rPr lang="en-US" sz="2800" dirty="0" smtClean="0">
+                <a:latin typeface="Times New Roman" pitchFamily="18" charset="0"/>
+                <a:cs typeface="Times New Roman" pitchFamily="18" charset="0"/>
+              </a:rPr>
+              <a:t> </a:t>
+            </a:r>
+            <a:r>
+              <a:rPr lang="en-US" sz="2800" dirty="0" err="1" smtClean="0">
+                <a:latin typeface="Times New Roman" pitchFamily="18" charset="0"/>
+                <a:cs typeface="Times New Roman" pitchFamily="18" charset="0"/>
+              </a:rPr>
+              <a:t>viên</a:t>
+            </a:r>
+            <a:endParaRPr lang="en-US" sz="2800" dirty="0" smtClean="0">
+              <a:latin typeface="Times New Roman" pitchFamily="18" charset="0"/>
+              <a:cs typeface="Times New Roman" pitchFamily="18" charset="0"/>
+            </a:endParaRPr>
+          </a:p>
+          <a:p>
+            <a:pPr lvl="1"/>
+            <a:r>
+              <a:rPr lang="en-US" sz="2400" dirty="0" err="1" smtClean="0">
+                <a:latin typeface="Times New Roman" pitchFamily="18" charset="0"/>
+                <a:cs typeface="Times New Roman" pitchFamily="18" charset="0"/>
+              </a:rPr>
+              <a:t>Quản</a:t>
+            </a:r>
+            <a:r>
+              <a:rPr lang="en-US" sz="2400" dirty="0" smtClean="0">
+                <a:latin typeface="Times New Roman" pitchFamily="18" charset="0"/>
+                <a:cs typeface="Times New Roman" pitchFamily="18" charset="0"/>
+              </a:rPr>
+              <a:t> </a:t>
+            </a:r>
+            <a:r>
+              <a:rPr lang="en-US" sz="2400" dirty="0" err="1" smtClean="0">
+                <a:latin typeface="Times New Roman" pitchFamily="18" charset="0"/>
+                <a:cs typeface="Times New Roman" pitchFamily="18" charset="0"/>
+              </a:rPr>
+              <a:t>lý</a:t>
+            </a:r>
+            <a:r>
+              <a:rPr lang="en-US" sz="2400" dirty="0" smtClean="0">
+                <a:latin typeface="Times New Roman" pitchFamily="18" charset="0"/>
+                <a:cs typeface="Times New Roman" pitchFamily="18" charset="0"/>
+              </a:rPr>
+              <a:t> </a:t>
+            </a:r>
+            <a:r>
+              <a:rPr lang="en-US" sz="2400" dirty="0" err="1" smtClean="0">
+                <a:latin typeface="Times New Roman" pitchFamily="18" charset="0"/>
+                <a:cs typeface="Times New Roman" pitchFamily="18" charset="0"/>
+              </a:rPr>
+              <a:t>sinh</a:t>
+            </a:r>
+            <a:r>
+              <a:rPr lang="en-US" sz="2400" dirty="0" smtClean="0">
+                <a:latin typeface="Times New Roman" pitchFamily="18" charset="0"/>
+                <a:cs typeface="Times New Roman" pitchFamily="18" charset="0"/>
+              </a:rPr>
+              <a:t> </a:t>
+            </a:r>
+            <a:r>
+              <a:rPr lang="en-US" sz="2400" dirty="0" err="1" smtClean="0">
+                <a:latin typeface="Times New Roman" pitchFamily="18" charset="0"/>
+                <a:cs typeface="Times New Roman" pitchFamily="18" charset="0"/>
+              </a:rPr>
+              <a:t>viên</a:t>
+            </a:r>
+            <a:r>
+              <a:rPr lang="en-US" sz="2400" dirty="0" smtClean="0">
+                <a:latin typeface="Times New Roman" pitchFamily="18" charset="0"/>
+                <a:cs typeface="Times New Roman" pitchFamily="18" charset="0"/>
+              </a:rPr>
+              <a:t> </a:t>
+            </a:r>
+            <a:r>
+              <a:rPr lang="en-US" sz="2400" dirty="0" err="1" smtClean="0">
+                <a:latin typeface="Times New Roman" pitchFamily="18" charset="0"/>
+                <a:cs typeface="Times New Roman" pitchFamily="18" charset="0"/>
+              </a:rPr>
+              <a:t>tham</a:t>
+            </a:r>
+            <a:r>
+              <a:rPr lang="en-US" sz="2400" dirty="0" smtClean="0">
+                <a:latin typeface="Times New Roman" pitchFamily="18" charset="0"/>
+                <a:cs typeface="Times New Roman" pitchFamily="18" charset="0"/>
+              </a:rPr>
+              <a:t> </a:t>
+            </a:r>
+            <a:r>
+              <a:rPr lang="en-US" sz="2400" dirty="0" err="1" smtClean="0">
+                <a:latin typeface="Times New Roman" pitchFamily="18" charset="0"/>
+                <a:cs typeface="Times New Roman" pitchFamily="18" charset="0"/>
+              </a:rPr>
+              <a:t>gia</a:t>
+            </a:r>
+            <a:r>
+              <a:rPr lang="en-US" sz="2400" dirty="0" smtClean="0">
+                <a:latin typeface="Times New Roman" pitchFamily="18" charset="0"/>
+                <a:cs typeface="Times New Roman" pitchFamily="18" charset="0"/>
+              </a:rPr>
+              <a:t> </a:t>
+            </a:r>
+            <a:r>
+              <a:rPr lang="en-US" sz="2400" dirty="0" err="1" smtClean="0">
+                <a:latin typeface="Times New Roman" pitchFamily="18" charset="0"/>
+                <a:cs typeface="Times New Roman" pitchFamily="18" charset="0"/>
+              </a:rPr>
+              <a:t>thực</a:t>
+            </a:r>
+            <a:r>
+              <a:rPr lang="en-US" sz="2400" dirty="0" smtClean="0">
+                <a:latin typeface="Times New Roman" pitchFamily="18" charset="0"/>
+                <a:cs typeface="Times New Roman" pitchFamily="18" charset="0"/>
+              </a:rPr>
+              <a:t> </a:t>
+            </a:r>
+            <a:r>
+              <a:rPr lang="en-US" sz="2400" dirty="0" err="1" smtClean="0">
+                <a:latin typeface="Times New Roman" pitchFamily="18" charset="0"/>
+                <a:cs typeface="Times New Roman" pitchFamily="18" charset="0"/>
+              </a:rPr>
+              <a:t>tập</a:t>
+            </a:r>
+            <a:endParaRPr lang="en-US" sz="2400" dirty="0" smtClean="0">
+              <a:latin typeface="Times New Roman" pitchFamily="18" charset="0"/>
+              <a:cs typeface="Times New Roman" pitchFamily="18" charset="0"/>
+            </a:endParaRPr>
+          </a:p>
+          <a:p>
+            <a:pPr lvl="1"/>
+            <a:r>
+              <a:rPr lang="en-US" sz="2400" dirty="0" err="1" smtClean="0">
+                <a:latin typeface="Times New Roman" pitchFamily="18" charset="0"/>
+                <a:cs typeface="Times New Roman" pitchFamily="18" charset="0"/>
+              </a:rPr>
+              <a:t>Thống</a:t>
+            </a:r>
+            <a:r>
+              <a:rPr lang="en-US" sz="2400" dirty="0" smtClean="0">
+                <a:latin typeface="Times New Roman" pitchFamily="18" charset="0"/>
+                <a:cs typeface="Times New Roman" pitchFamily="18" charset="0"/>
+              </a:rPr>
+              <a:t> </a:t>
+            </a:r>
+            <a:r>
+              <a:rPr lang="en-US" sz="2400" dirty="0" err="1" smtClean="0">
+                <a:latin typeface="Times New Roman" pitchFamily="18" charset="0"/>
+                <a:cs typeface="Times New Roman" pitchFamily="18" charset="0"/>
+              </a:rPr>
+              <a:t>nhất</a:t>
+            </a:r>
+            <a:r>
+              <a:rPr lang="en-US" sz="2400" dirty="0" smtClean="0">
+                <a:latin typeface="Times New Roman" pitchFamily="18" charset="0"/>
+                <a:cs typeface="Times New Roman" pitchFamily="18" charset="0"/>
+              </a:rPr>
+              <a:t> </a:t>
+            </a:r>
+            <a:r>
+              <a:rPr lang="en-US" sz="2400" dirty="0" err="1" smtClean="0">
+                <a:latin typeface="Times New Roman" pitchFamily="18" charset="0"/>
+                <a:cs typeface="Times New Roman" pitchFamily="18" charset="0"/>
+              </a:rPr>
+              <a:t>toàn</a:t>
+            </a:r>
+            <a:r>
+              <a:rPr lang="en-US" sz="2400" dirty="0" smtClean="0">
+                <a:latin typeface="Times New Roman" pitchFamily="18" charset="0"/>
+                <a:cs typeface="Times New Roman" pitchFamily="18" charset="0"/>
+              </a:rPr>
+              <a:t> </a:t>
+            </a:r>
+            <a:r>
+              <a:rPr lang="en-US" sz="2400" dirty="0" err="1" smtClean="0">
+                <a:latin typeface="Times New Roman" pitchFamily="18" charset="0"/>
+                <a:cs typeface="Times New Roman" pitchFamily="18" charset="0"/>
+              </a:rPr>
+              <a:t>bộ</a:t>
+            </a:r>
+            <a:r>
+              <a:rPr lang="en-US" sz="2400" dirty="0" smtClean="0">
+                <a:latin typeface="Times New Roman" pitchFamily="18" charset="0"/>
+                <a:cs typeface="Times New Roman" pitchFamily="18" charset="0"/>
+              </a:rPr>
+              <a:t> </a:t>
+            </a:r>
+            <a:r>
+              <a:rPr lang="en-US" sz="2400" dirty="0" err="1" smtClean="0">
+                <a:latin typeface="Times New Roman" pitchFamily="18" charset="0"/>
+                <a:cs typeface="Times New Roman" pitchFamily="18" charset="0"/>
+              </a:rPr>
+              <a:t>dữ</a:t>
+            </a:r>
+            <a:r>
+              <a:rPr lang="en-US" sz="2400" dirty="0" smtClean="0">
+                <a:latin typeface="Times New Roman" pitchFamily="18" charset="0"/>
+                <a:cs typeface="Times New Roman" pitchFamily="18" charset="0"/>
+              </a:rPr>
+              <a:t> </a:t>
+            </a:r>
+            <a:r>
+              <a:rPr lang="en-US" sz="2400" dirty="0" err="1" smtClean="0">
+                <a:latin typeface="Times New Roman" pitchFamily="18" charset="0"/>
+                <a:cs typeface="Times New Roman" pitchFamily="18" charset="0"/>
+              </a:rPr>
+              <a:t>liệu</a:t>
+            </a:r>
+            <a:r>
+              <a:rPr lang="en-US" sz="2400" dirty="0" smtClean="0">
+                <a:latin typeface="Times New Roman" pitchFamily="18" charset="0"/>
+                <a:cs typeface="Times New Roman" pitchFamily="18" charset="0"/>
+              </a:rPr>
+              <a:t>, </a:t>
+            </a:r>
+            <a:r>
+              <a:rPr lang="en-US" sz="2400" dirty="0" err="1" smtClean="0">
+                <a:latin typeface="Times New Roman" pitchFamily="18" charset="0"/>
+                <a:cs typeface="Times New Roman" pitchFamily="18" charset="0"/>
+              </a:rPr>
+              <a:t>có</a:t>
+            </a:r>
+            <a:r>
+              <a:rPr lang="en-US" sz="2400" dirty="0" smtClean="0">
+                <a:latin typeface="Times New Roman" pitchFamily="18" charset="0"/>
+                <a:cs typeface="Times New Roman" pitchFamily="18" charset="0"/>
+              </a:rPr>
+              <a:t> </a:t>
+            </a:r>
+            <a:r>
+              <a:rPr lang="en-US" sz="2400" dirty="0" err="1" smtClean="0">
+                <a:latin typeface="Times New Roman" pitchFamily="18" charset="0"/>
+                <a:cs typeface="Times New Roman" pitchFamily="18" charset="0"/>
+              </a:rPr>
+              <a:t>thể</a:t>
+            </a:r>
+            <a:r>
+              <a:rPr lang="en-US" sz="2400" dirty="0" smtClean="0">
+                <a:latin typeface="Times New Roman" pitchFamily="18" charset="0"/>
+                <a:cs typeface="Times New Roman" pitchFamily="18" charset="0"/>
+              </a:rPr>
+              <a:t> </a:t>
+            </a:r>
+            <a:r>
+              <a:rPr lang="en-US" sz="2400" dirty="0" err="1" smtClean="0">
+                <a:latin typeface="Times New Roman" pitchFamily="18" charset="0"/>
+                <a:cs typeface="Times New Roman" pitchFamily="18" charset="0"/>
+              </a:rPr>
+              <a:t>tra</a:t>
+            </a:r>
+            <a:r>
+              <a:rPr lang="en-US" sz="2400" dirty="0" smtClean="0">
+                <a:latin typeface="Times New Roman" pitchFamily="18" charset="0"/>
+                <a:cs typeface="Times New Roman" pitchFamily="18" charset="0"/>
+              </a:rPr>
+              <a:t> </a:t>
+            </a:r>
+            <a:r>
+              <a:rPr lang="en-US" sz="2400" dirty="0" err="1" smtClean="0">
+                <a:latin typeface="Times New Roman" pitchFamily="18" charset="0"/>
+                <a:cs typeface="Times New Roman" pitchFamily="18" charset="0"/>
+              </a:rPr>
+              <a:t>cứu</a:t>
+            </a:r>
+            <a:endParaRPr lang="en-US" sz="2400" dirty="0" smtClean="0">
+              <a:latin typeface="Times New Roman" pitchFamily="18" charset="0"/>
+              <a:cs typeface="Times New Roman" pitchFamily="18" charset="0"/>
+            </a:endParaRPr>
+          </a:p>
+          <a:p>
+            <a:pPr lvl="1"/>
+            <a:r>
+              <a:rPr lang="en-US" sz="2400" dirty="0" err="1" smtClean="0">
+                <a:latin typeface="Times New Roman" pitchFamily="18" charset="0"/>
+                <a:cs typeface="Times New Roman" pitchFamily="18" charset="0"/>
+              </a:rPr>
+              <a:t>Báo</a:t>
+            </a:r>
+            <a:r>
+              <a:rPr lang="en-US" sz="2400" dirty="0" smtClean="0">
+                <a:latin typeface="Times New Roman" pitchFamily="18" charset="0"/>
+                <a:cs typeface="Times New Roman" pitchFamily="18" charset="0"/>
+              </a:rPr>
+              <a:t> </a:t>
+            </a:r>
+            <a:r>
+              <a:rPr lang="en-US" sz="2400" dirty="0" err="1" smtClean="0">
+                <a:latin typeface="Times New Roman" pitchFamily="18" charset="0"/>
+                <a:cs typeface="Times New Roman" pitchFamily="18" charset="0"/>
+              </a:rPr>
+              <a:t>cáo</a:t>
+            </a:r>
+            <a:r>
+              <a:rPr lang="en-US" sz="2400" dirty="0" smtClean="0">
+                <a:latin typeface="Times New Roman" pitchFamily="18" charset="0"/>
+                <a:cs typeface="Times New Roman" pitchFamily="18" charset="0"/>
+              </a:rPr>
+              <a:t> </a:t>
+            </a:r>
+            <a:r>
+              <a:rPr lang="en-US" sz="2400" dirty="0" err="1" smtClean="0">
+                <a:latin typeface="Times New Roman" pitchFamily="18" charset="0"/>
+                <a:cs typeface="Times New Roman" pitchFamily="18" charset="0"/>
+              </a:rPr>
+              <a:t>tình</a:t>
+            </a:r>
+            <a:r>
+              <a:rPr lang="en-US" sz="2400" dirty="0" smtClean="0">
+                <a:latin typeface="Times New Roman" pitchFamily="18" charset="0"/>
+                <a:cs typeface="Times New Roman" pitchFamily="18" charset="0"/>
+              </a:rPr>
+              <a:t> </a:t>
+            </a:r>
+            <a:r>
+              <a:rPr lang="en-US" sz="2400" dirty="0" err="1" smtClean="0">
+                <a:latin typeface="Times New Roman" pitchFamily="18" charset="0"/>
+                <a:cs typeface="Times New Roman" pitchFamily="18" charset="0"/>
+              </a:rPr>
+              <a:t>trạng</a:t>
+            </a:r>
+            <a:r>
+              <a:rPr lang="en-US" sz="2400" dirty="0" smtClean="0">
+                <a:latin typeface="Times New Roman" pitchFamily="18" charset="0"/>
+                <a:cs typeface="Times New Roman" pitchFamily="18" charset="0"/>
+              </a:rPr>
+              <a:t>, </a:t>
+            </a:r>
+            <a:r>
+              <a:rPr lang="en-US" sz="2400" dirty="0" err="1" smtClean="0">
+                <a:latin typeface="Times New Roman" pitchFamily="18" charset="0"/>
+                <a:cs typeface="Times New Roman" pitchFamily="18" charset="0"/>
+              </a:rPr>
+              <a:t>thống</a:t>
+            </a:r>
+            <a:r>
+              <a:rPr lang="en-US" sz="2400" dirty="0" smtClean="0">
+                <a:latin typeface="Times New Roman" pitchFamily="18" charset="0"/>
+                <a:cs typeface="Times New Roman" pitchFamily="18" charset="0"/>
+              </a:rPr>
+              <a:t> </a:t>
+            </a:r>
+            <a:r>
+              <a:rPr lang="en-US" sz="2400" dirty="0" err="1" smtClean="0">
+                <a:latin typeface="Times New Roman" pitchFamily="18" charset="0"/>
+                <a:cs typeface="Times New Roman" pitchFamily="18" charset="0"/>
+              </a:rPr>
+              <a:t>kê</a:t>
+            </a:r>
+            <a:r>
+              <a:rPr lang="en-US" sz="2400" dirty="0" smtClean="0">
+                <a:latin typeface="Times New Roman" pitchFamily="18" charset="0"/>
+                <a:cs typeface="Times New Roman" pitchFamily="18" charset="0"/>
+              </a:rPr>
+              <a:t> </a:t>
+            </a:r>
+            <a:r>
+              <a:rPr lang="en-US" sz="2400" dirty="0" err="1" smtClean="0">
+                <a:latin typeface="Times New Roman" pitchFamily="18" charset="0"/>
+                <a:cs typeface="Times New Roman" pitchFamily="18" charset="0"/>
+              </a:rPr>
+              <a:t>dữ</a:t>
+            </a:r>
+            <a:r>
+              <a:rPr lang="en-US" sz="2400" dirty="0" smtClean="0">
+                <a:latin typeface="Times New Roman" pitchFamily="18" charset="0"/>
+                <a:cs typeface="Times New Roman" pitchFamily="18" charset="0"/>
+              </a:rPr>
+              <a:t> </a:t>
+            </a:r>
+            <a:r>
+              <a:rPr lang="en-US" sz="2400" dirty="0" err="1" smtClean="0">
+                <a:latin typeface="Times New Roman" pitchFamily="18" charset="0"/>
+                <a:cs typeface="Times New Roman" pitchFamily="18" charset="0"/>
+              </a:rPr>
+              <a:t>liệu</a:t>
+            </a:r>
+            <a:endParaRPr lang="en-US" sz="2400" dirty="0">
+              <a:latin typeface="Times New Roman" pitchFamily="18" charset="0"/>
+              <a:cs typeface="Times New Roman" pitchFamily="18" charset="0"/>
+            </a:endParaRPr>
+          </a:p>
+          <a:p>
+            <a:r>
+              <a:rPr lang="en-US" sz="2800" dirty="0" err="1" smtClean="0">
+                <a:latin typeface="Times New Roman" pitchFamily="18" charset="0"/>
+                <a:cs typeface="Times New Roman" pitchFamily="18" charset="0"/>
+              </a:rPr>
+              <a:t>Doanh</a:t>
+            </a:r>
+            <a:r>
+              <a:rPr lang="en-US" sz="2800" dirty="0" smtClean="0">
+                <a:latin typeface="Times New Roman" pitchFamily="18" charset="0"/>
+                <a:cs typeface="Times New Roman" pitchFamily="18" charset="0"/>
+              </a:rPr>
+              <a:t> </a:t>
+            </a:r>
+            <a:r>
+              <a:rPr lang="en-US" sz="2800" dirty="0" err="1" smtClean="0">
+                <a:latin typeface="Times New Roman" pitchFamily="18" charset="0"/>
+                <a:cs typeface="Times New Roman" pitchFamily="18" charset="0"/>
+              </a:rPr>
+              <a:t>nghiệp</a:t>
+            </a:r>
+            <a:endParaRPr lang="en-US" sz="2800" dirty="0" smtClean="0">
+              <a:latin typeface="Times New Roman" pitchFamily="18" charset="0"/>
+              <a:cs typeface="Times New Roman" pitchFamily="18" charset="0"/>
+            </a:endParaRPr>
+          </a:p>
+          <a:p>
+            <a:pPr lvl="1"/>
+            <a:r>
+              <a:rPr lang="en-US" sz="2400" dirty="0">
+                <a:latin typeface="Times New Roman" pitchFamily="18" charset="0"/>
+                <a:cs typeface="Times New Roman" pitchFamily="18" charset="0"/>
+              </a:rPr>
+              <a:t> </a:t>
+            </a:r>
+            <a:r>
+              <a:rPr lang="en-US" sz="2400" dirty="0" err="1" smtClean="0">
+                <a:latin typeface="Times New Roman" pitchFamily="18" charset="0"/>
+                <a:cs typeface="Times New Roman" pitchFamily="18" charset="0"/>
+              </a:rPr>
+              <a:t>Tuyển</a:t>
+            </a:r>
+            <a:r>
+              <a:rPr lang="en-US" sz="2400" dirty="0" smtClean="0">
+                <a:latin typeface="Times New Roman" pitchFamily="18" charset="0"/>
+                <a:cs typeface="Times New Roman" pitchFamily="18" charset="0"/>
+              </a:rPr>
+              <a:t> </a:t>
+            </a:r>
+            <a:r>
+              <a:rPr lang="en-US" sz="2400" dirty="0" err="1" smtClean="0">
+                <a:latin typeface="Times New Roman" pitchFamily="18" charset="0"/>
+                <a:cs typeface="Times New Roman" pitchFamily="18" charset="0"/>
+              </a:rPr>
+              <a:t>sinh</a:t>
+            </a:r>
+            <a:r>
+              <a:rPr lang="en-US" sz="2400" dirty="0" smtClean="0">
+                <a:latin typeface="Times New Roman" pitchFamily="18" charset="0"/>
+                <a:cs typeface="Times New Roman" pitchFamily="18" charset="0"/>
+              </a:rPr>
+              <a:t> </a:t>
+            </a:r>
+            <a:r>
+              <a:rPr lang="en-US" sz="2400" dirty="0" err="1" smtClean="0">
+                <a:latin typeface="Times New Roman" pitchFamily="18" charset="0"/>
+                <a:cs typeface="Times New Roman" pitchFamily="18" charset="0"/>
+              </a:rPr>
+              <a:t>viên</a:t>
+            </a:r>
+            <a:r>
+              <a:rPr lang="en-US" sz="2400" dirty="0" smtClean="0">
+                <a:latin typeface="Times New Roman" pitchFamily="18" charset="0"/>
+                <a:cs typeface="Times New Roman" pitchFamily="18" charset="0"/>
+              </a:rPr>
+              <a:t> </a:t>
+            </a:r>
+            <a:r>
+              <a:rPr lang="en-US" sz="2400" dirty="0" err="1" smtClean="0">
+                <a:latin typeface="Times New Roman" pitchFamily="18" charset="0"/>
+                <a:cs typeface="Times New Roman" pitchFamily="18" charset="0"/>
+              </a:rPr>
+              <a:t>tham</a:t>
+            </a:r>
+            <a:r>
+              <a:rPr lang="en-US" sz="2400" dirty="0" smtClean="0">
+                <a:latin typeface="Times New Roman" pitchFamily="18" charset="0"/>
+                <a:cs typeface="Times New Roman" pitchFamily="18" charset="0"/>
+              </a:rPr>
+              <a:t> </a:t>
+            </a:r>
+            <a:r>
+              <a:rPr lang="en-US" sz="2400" dirty="0" err="1" smtClean="0">
+                <a:latin typeface="Times New Roman" pitchFamily="18" charset="0"/>
+                <a:cs typeface="Times New Roman" pitchFamily="18" charset="0"/>
+              </a:rPr>
+              <a:t>gia</a:t>
+            </a:r>
+            <a:r>
+              <a:rPr lang="en-US" sz="2400" dirty="0" smtClean="0">
+                <a:latin typeface="Times New Roman" pitchFamily="18" charset="0"/>
+                <a:cs typeface="Times New Roman" pitchFamily="18" charset="0"/>
+              </a:rPr>
+              <a:t> </a:t>
+            </a:r>
+            <a:r>
+              <a:rPr lang="en-US" sz="2400" dirty="0" err="1" smtClean="0">
+                <a:latin typeface="Times New Roman" pitchFamily="18" charset="0"/>
+                <a:cs typeface="Times New Roman" pitchFamily="18" charset="0"/>
+              </a:rPr>
+              <a:t>thực</a:t>
+            </a:r>
+            <a:r>
+              <a:rPr lang="en-US" sz="2400" dirty="0" smtClean="0">
+                <a:latin typeface="Times New Roman" pitchFamily="18" charset="0"/>
+                <a:cs typeface="Times New Roman" pitchFamily="18" charset="0"/>
+              </a:rPr>
+              <a:t> </a:t>
+            </a:r>
+            <a:r>
+              <a:rPr lang="en-US" sz="2400" dirty="0" err="1" smtClean="0">
+                <a:latin typeface="Times New Roman" pitchFamily="18" charset="0"/>
+                <a:cs typeface="Times New Roman" pitchFamily="18" charset="0"/>
+              </a:rPr>
+              <a:t>tập</a:t>
+            </a:r>
+            <a:endParaRPr lang="en-US" sz="2400" dirty="0" smtClean="0">
+              <a:latin typeface="Times New Roman" pitchFamily="18" charset="0"/>
+              <a:cs typeface="Times New Roman" pitchFamily="18" charset="0"/>
+            </a:endParaRPr>
+          </a:p>
+          <a:p>
+            <a:pPr lvl="1"/>
+            <a:r>
+              <a:rPr lang="en-US" sz="2400" dirty="0" smtClean="0">
+                <a:latin typeface="Times New Roman" pitchFamily="18" charset="0"/>
+                <a:cs typeface="Times New Roman" pitchFamily="18" charset="0"/>
+              </a:rPr>
+              <a:t> </a:t>
+            </a:r>
+            <a:r>
+              <a:rPr lang="en-US" sz="2400" dirty="0" err="1" smtClean="0">
+                <a:latin typeface="Times New Roman" pitchFamily="18" charset="0"/>
+                <a:cs typeface="Times New Roman" pitchFamily="18" charset="0"/>
+              </a:rPr>
+              <a:t>Tìm</a:t>
+            </a:r>
+            <a:r>
+              <a:rPr lang="en-US" sz="2400" dirty="0" smtClean="0">
+                <a:latin typeface="Times New Roman" pitchFamily="18" charset="0"/>
+                <a:cs typeface="Times New Roman" pitchFamily="18" charset="0"/>
+              </a:rPr>
+              <a:t> </a:t>
+            </a:r>
+            <a:r>
+              <a:rPr lang="en-US" sz="2400" dirty="0" err="1" smtClean="0">
+                <a:latin typeface="Times New Roman" pitchFamily="18" charset="0"/>
+                <a:cs typeface="Times New Roman" pitchFamily="18" charset="0"/>
+              </a:rPr>
+              <a:t>kiếm</a:t>
+            </a:r>
+            <a:r>
+              <a:rPr lang="en-US" sz="2400" dirty="0" smtClean="0">
+                <a:latin typeface="Times New Roman" pitchFamily="18" charset="0"/>
+                <a:cs typeface="Times New Roman" pitchFamily="18" charset="0"/>
+              </a:rPr>
+              <a:t> </a:t>
+            </a:r>
+            <a:r>
+              <a:rPr lang="en-US" sz="2400" dirty="0" err="1" smtClean="0">
+                <a:latin typeface="Times New Roman" pitchFamily="18" charset="0"/>
+                <a:cs typeface="Times New Roman" pitchFamily="18" charset="0"/>
+              </a:rPr>
+              <a:t>nhân</a:t>
+            </a:r>
+            <a:r>
+              <a:rPr lang="en-US" sz="2400" dirty="0" smtClean="0">
+                <a:latin typeface="Times New Roman" pitchFamily="18" charset="0"/>
+                <a:cs typeface="Times New Roman" pitchFamily="18" charset="0"/>
+              </a:rPr>
+              <a:t> </a:t>
+            </a:r>
+            <a:r>
+              <a:rPr lang="en-US" sz="2400" dirty="0" err="1" smtClean="0">
+                <a:latin typeface="Times New Roman" pitchFamily="18" charset="0"/>
+                <a:cs typeface="Times New Roman" pitchFamily="18" charset="0"/>
+              </a:rPr>
+              <a:t>lực</a:t>
+            </a:r>
+            <a:endParaRPr lang="en-US" sz="2400" dirty="0" smtClean="0">
+              <a:latin typeface="Times New Roman" pitchFamily="18" charset="0"/>
+              <a:cs typeface="Times New Roman" pitchFamily="18" charset="0"/>
+            </a:endParaRPr>
+          </a:p>
+          <a:p>
+            <a:pPr lvl="1"/>
+            <a:endParaRPr lang="en-US" dirty="0" smtClean="0">
               <a:latin typeface="Times New Roman" pitchFamily="18" charset="0"/>
               <a:cs typeface="Times New Roman" pitchFamily="18" charset="0"/>
             </a:endParaRPr>
@@ -6283,7 +9157,7 @@
           <a:p>
             <a:fld id="{3805247F-6ACC-47F2-B107-A401F66D3D80}" type="datetime1">
               <a:rPr lang="en-US" smtClean="0"/>
-              <a:t>5/10/2018</a:t>
+              <a:t>6/7/2018</a:t>
             </a:fld>
             <a:endParaRPr lang="en-US" dirty="0"/>
           </a:p>
@@ -6424,14 +9298,14 @@
                 <a:latin typeface="Times New Roman" pitchFamily="18" charset="0"/>
                 <a:cs typeface="Times New Roman" pitchFamily="18" charset="0"/>
               </a:rPr>
-              <a:t>1. </a:t>
+              <a:t>2. </a:t>
             </a:r>
             <a:r>
               <a:rPr lang="en-US" sz="3600" b="1" dirty="0" err="1" smtClean="0">
                 <a:latin typeface="Times New Roman" pitchFamily="18" charset="0"/>
                 <a:cs typeface="Times New Roman" pitchFamily="18" charset="0"/>
               </a:rPr>
-              <a:t>Khảo</a:t>
+              <a:t>Phân</a:t>
             </a:r>
             <a:r>
               <a:rPr lang="en-US" sz="3600" b="1" dirty="0" smtClean="0">
@@ -6445,7 +9319,7 @@
                 <a:latin typeface="Times New Roman" pitchFamily="18" charset="0"/>
                 <a:cs typeface="Times New Roman" pitchFamily="18" charset="0"/>
               </a:rPr>
-              <a:t>sát</a:t>
+              <a:t>tích</a:t>
             </a:r>
             <a:r>
               <a:rPr lang="en-US" sz="3600" b="1" dirty="0" smtClean="0">
@@ -6459,7 +9333,7 @@
                 <a:latin typeface="Times New Roman" pitchFamily="18" charset="0"/>
                 <a:cs typeface="Times New Roman" pitchFamily="18" charset="0"/>
               </a:rPr>
-              <a:t>yêu</a:t>
+              <a:t>hệ</a:t>
             </a:r>
             <a:r>
               <a:rPr lang="en-US" sz="3600" b="1" dirty="0" smtClean="0">
@@ -6473,7 +9347,7 @@
                 <a:latin typeface="Times New Roman" pitchFamily="18" charset="0"/>
                 <a:cs typeface="Times New Roman" pitchFamily="18" charset="0"/>
               </a:rPr>
-              <a:t>cầu</a:t>
+              <a:t>thống</a:t>
             </a:r>
             <a:endParaRPr lang="en-US" sz="3600" b="1" dirty="0">
               <a:latin typeface="Times New Roman" pitchFamily="18" charset="0"/>
@@ -6502,6 +9376,9 @@
           <a:bodyPr/>
           <a:lstStyle/>
           <a:p>
+            <a:pPr marL="0" indent="0">
+              <a:buNone/>
+            </a:pPr>
             <a:endParaRPr lang="en-US" dirty="0">
               <a:latin typeface="Times New Roman" pitchFamily="18" charset="0"/>
               <a:cs typeface="Times New Roman" pitchFamily="18" charset="0"/>
@@ -6531,7 +9408,7 @@
           <a:p>
             <a:fld id="{3805247F-6ACC-47F2-B107-A401F66D3D80}" type="datetime1">
               <a:rPr lang="en-US" smtClean="0"/>
-              <a:t>5/10/2018</a:t>
+              <a:t>6/7/2018</a:t>
             </a:fld>
             <a:endParaRPr lang="en-US" dirty="0"/>
           </a:p>
@@ -6672,14 +9549,14 @@
                 <a:latin typeface="Times New Roman" pitchFamily="18" charset="0"/>
                 <a:cs typeface="Times New Roman" pitchFamily="18" charset="0"/>
               </a:rPr>
-              <a:t>2. </a:t>
+              <a:t>3. </a:t>
             </a:r>
             <a:r>
               <a:rPr lang="en-US" sz="3600" b="1" dirty="0" err="1" smtClean="0">
                 <a:latin typeface="Times New Roman" pitchFamily="18" charset="0"/>
                 <a:cs typeface="Times New Roman" pitchFamily="18" charset="0"/>
               </a:rPr>
-              <a:t>Phân</a:t>
+              <a:t>Thiết</a:t>
             </a:r>
             <a:r>
               <a:rPr lang="en-US" sz="3600" b="1" dirty="0" smtClean="0">
@@ -6693,7 +9570,7 @@
                 <a:latin typeface="Times New Roman" pitchFamily="18" charset="0"/>
                 <a:cs typeface="Times New Roman" pitchFamily="18" charset="0"/>
               </a:rPr>
-              <a:t>tích</a:t>
+              <a:t>kế</a:t>
             </a:r>
             <a:r>
               <a:rPr lang="en-US" sz="3600" b="1" dirty="0" smtClean="0">
@@ -6717,11 +9594,18 @@
               <a:t> </a:t>
             </a:r>
             <a:r>
+              <a:rPr lang="en-US" sz="3600" b="1" dirty="0" err="1">
+                <a:latin typeface="Times New Roman" pitchFamily="18" charset="0"/>
+                <a:cs typeface="Times New Roman" pitchFamily="18" charset="0"/>
+              </a:rPr>
+              <a:t>t</a:t>
+            </a:r>
+            <a:r>
               <a:rPr lang="en-US" sz="3600" b="1" dirty="0" err="1" smtClean="0">
                 <a:latin typeface="Times New Roman" pitchFamily="18" charset="0"/>
                 <a:cs typeface="Times New Roman" pitchFamily="18" charset="0"/>
               </a:rPr>
-              <a:t>thống</a:t>
+              <a:t>hống</a:t>
             </a:r>
             <a:endParaRPr lang="en-US" sz="3600" b="1" dirty="0">
               <a:latin typeface="Times New Roman" pitchFamily="18" charset="0"/>
@@ -6754,79 +9638,202 @@
               <a:buNone/>
             </a:pPr>
             <a:r>
-              <a:rPr lang="en-US" dirty="0" smtClean="0">
-                <a:latin typeface="Times New Roman" pitchFamily="18" charset="0"/>
-                <a:cs typeface="Times New Roman" pitchFamily="18" charset="0"/>
-              </a:rPr>
-              <a:t>2.1. </a:t>
-            </a:r>
-            <a:r>
-              <a:rPr lang="en-US" dirty="0" err="1" smtClean="0">
-                <a:latin typeface="Times New Roman" pitchFamily="18" charset="0"/>
-                <a:cs typeface="Times New Roman" pitchFamily="18" charset="0"/>
-              </a:rPr>
-              <a:t>Biểu</a:t>
-            </a:r>
-            <a:r>
-              <a:rPr lang="en-US" dirty="0" smtClean="0">
-                <a:latin typeface="Times New Roman" pitchFamily="18" charset="0"/>
-                <a:cs typeface="Times New Roman" pitchFamily="18" charset="0"/>
-              </a:rPr>
-              <a:t> </a:t>
-            </a:r>
-            <a:r>
-              <a:rPr lang="en-US" dirty="0" err="1" smtClean="0">
-                <a:latin typeface="Times New Roman" pitchFamily="18" charset="0"/>
-                <a:cs typeface="Times New Roman" pitchFamily="18" charset="0"/>
-              </a:rPr>
-              <a:t>đồ</a:t>
-            </a:r>
-            <a:r>
-              <a:rPr lang="en-US" dirty="0" smtClean="0">
-                <a:latin typeface="Times New Roman" pitchFamily="18" charset="0"/>
-                <a:cs typeface="Times New Roman" pitchFamily="18" charset="0"/>
-              </a:rPr>
-              <a:t> USE-CASE</a:t>
-            </a:r>
+              <a:rPr lang="en-US" sz="2400" dirty="0" smtClean="0">
+                <a:latin typeface="Times New Roman" pitchFamily="18" charset="0"/>
+                <a:cs typeface="Times New Roman" pitchFamily="18" charset="0"/>
+              </a:rPr>
+              <a:t>3.1. </a:t>
+            </a:r>
+            <a:r>
+              <a:rPr lang="en-US" sz="2400" dirty="0" err="1" smtClean="0">
+                <a:latin typeface="Times New Roman" pitchFamily="18" charset="0"/>
+                <a:cs typeface="Times New Roman" pitchFamily="18" charset="0"/>
+              </a:rPr>
+              <a:t>Thiết</a:t>
+            </a:r>
+            <a:r>
+              <a:rPr lang="en-US" sz="2400" dirty="0" smtClean="0">
+                <a:latin typeface="Times New Roman" pitchFamily="18" charset="0"/>
+                <a:cs typeface="Times New Roman" pitchFamily="18" charset="0"/>
+              </a:rPr>
+              <a:t> </a:t>
+            </a:r>
+            <a:r>
+              <a:rPr lang="en-US" sz="2400" dirty="0" err="1" smtClean="0">
+                <a:latin typeface="Times New Roman" pitchFamily="18" charset="0"/>
+                <a:cs typeface="Times New Roman" pitchFamily="18" charset="0"/>
+              </a:rPr>
+              <a:t>kế</a:t>
+            </a:r>
+            <a:r>
+              <a:rPr lang="en-US" sz="2400" dirty="0" smtClean="0">
+                <a:latin typeface="Times New Roman" pitchFamily="18" charset="0"/>
+                <a:cs typeface="Times New Roman" pitchFamily="18" charset="0"/>
+              </a:rPr>
+              <a:t> </a:t>
+            </a:r>
+            <a:r>
+              <a:rPr lang="en-US" sz="2400" dirty="0" err="1" smtClean="0">
+                <a:latin typeface="Times New Roman" pitchFamily="18" charset="0"/>
+                <a:cs typeface="Times New Roman" pitchFamily="18" charset="0"/>
+              </a:rPr>
+              <a:t>tổng</a:t>
+            </a:r>
+            <a:r>
+              <a:rPr lang="en-US" sz="2400" dirty="0" smtClean="0">
+                <a:latin typeface="Times New Roman" pitchFamily="18" charset="0"/>
+                <a:cs typeface="Times New Roman" pitchFamily="18" charset="0"/>
+              </a:rPr>
+              <a:t> </a:t>
+            </a:r>
+            <a:r>
+              <a:rPr lang="en-US" sz="2400" dirty="0" err="1" smtClean="0">
+                <a:latin typeface="Times New Roman" pitchFamily="18" charset="0"/>
+                <a:cs typeface="Times New Roman" pitchFamily="18" charset="0"/>
+              </a:rPr>
+              <a:t>thể</a:t>
+            </a:r>
+            <a:endParaRPr lang="en-US" sz="2400" dirty="0" smtClean="0">
+              <a:latin typeface="Times New Roman" pitchFamily="18" charset="0"/>
+              <a:cs typeface="Times New Roman" pitchFamily="18" charset="0"/>
+            </a:endParaRPr>
           </a:p>
           <a:p>
             <a:pPr marL="0" indent="0">
               <a:buNone/>
             </a:pPr>
             <a:r>
-              <a:rPr lang="en-US" dirty="0" smtClean="0">
-                <a:latin typeface="Times New Roman" pitchFamily="18" charset="0"/>
-                <a:cs typeface="Times New Roman" pitchFamily="18" charset="0"/>
-              </a:rPr>
-              <a:t>2.2. </a:t>
-            </a:r>
-            <a:r>
-              <a:rPr lang="en-US" dirty="0" err="1" smtClean="0">
-                <a:latin typeface="Times New Roman" pitchFamily="18" charset="0"/>
-                <a:cs typeface="Times New Roman" pitchFamily="18" charset="0"/>
-              </a:rPr>
-              <a:t>Biểu</a:t>
-            </a:r>
-            <a:r>
-              <a:rPr lang="en-US" dirty="0" smtClean="0">
-                <a:latin typeface="Times New Roman" pitchFamily="18" charset="0"/>
-                <a:cs typeface="Times New Roman" pitchFamily="18" charset="0"/>
-              </a:rPr>
-              <a:t> </a:t>
-            </a:r>
-            <a:r>
-              <a:rPr lang="en-US" dirty="0" err="1" smtClean="0">
-                <a:latin typeface="Times New Roman" pitchFamily="18" charset="0"/>
-                <a:cs typeface="Times New Roman" pitchFamily="18" charset="0"/>
-              </a:rPr>
-              <a:t>đồ</a:t>
-            </a:r>
-            <a:r>
-              <a:rPr lang="en-US" dirty="0" smtClean="0">
-                <a:latin typeface="Times New Roman" pitchFamily="18" charset="0"/>
-                <a:cs typeface="Times New Roman" pitchFamily="18" charset="0"/>
-              </a:rPr>
-              <a:t> Activity</a:t>
+              <a:rPr lang="en-US" sz="2400" dirty="0">
+                <a:latin typeface="Times New Roman" pitchFamily="18" charset="0"/>
+                <a:cs typeface="Times New Roman" pitchFamily="18" charset="0"/>
+              </a:rPr>
+              <a:t> </a:t>
+            </a:r>
+            <a:r>
+              <a:rPr lang="en-US" sz="2400" dirty="0" smtClean="0">
+                <a:latin typeface="Times New Roman" pitchFamily="18" charset="0"/>
+                <a:cs typeface="Times New Roman" pitchFamily="18" charset="0"/>
+              </a:rPr>
+              <a:t>  </a:t>
+            </a:r>
+            <a:r>
+              <a:rPr lang="en-US" sz="2400" dirty="0" err="1" smtClean="0">
+                <a:latin typeface="Times New Roman" pitchFamily="18" charset="0"/>
+                <a:cs typeface="Times New Roman" pitchFamily="18" charset="0"/>
+              </a:rPr>
+              <a:t>Nền</a:t>
+            </a:r>
+            <a:r>
+              <a:rPr lang="en-US" sz="2400" dirty="0" smtClean="0">
+                <a:latin typeface="Times New Roman" pitchFamily="18" charset="0"/>
+                <a:cs typeface="Times New Roman" pitchFamily="18" charset="0"/>
+              </a:rPr>
+              <a:t> </a:t>
+            </a:r>
+            <a:r>
+              <a:rPr lang="en-US" sz="2400" dirty="0" err="1" smtClean="0">
+                <a:latin typeface="Times New Roman" pitchFamily="18" charset="0"/>
+                <a:cs typeface="Times New Roman" pitchFamily="18" charset="0"/>
+              </a:rPr>
+              <a:t>tảng</a:t>
+            </a:r>
+            <a:r>
+              <a:rPr lang="en-US" sz="2400" dirty="0" smtClean="0">
+                <a:latin typeface="Times New Roman" pitchFamily="18" charset="0"/>
+                <a:cs typeface="Times New Roman" pitchFamily="18" charset="0"/>
+              </a:rPr>
+              <a:t> web, </a:t>
+            </a:r>
+            <a:r>
+              <a:rPr lang="en-US" sz="2400" dirty="0" err="1" smtClean="0">
+                <a:latin typeface="Times New Roman" pitchFamily="18" charset="0"/>
+                <a:cs typeface="Times New Roman" pitchFamily="18" charset="0"/>
+              </a:rPr>
+              <a:t>m</a:t>
+            </a:r>
+            <a:r>
+              <a:rPr lang="en-US" sz="2400" dirty="0" err="1" smtClean="0">
+                <a:latin typeface="Times New Roman" pitchFamily="18" charset="0"/>
+                <a:cs typeface="Times New Roman" pitchFamily="18" charset="0"/>
+              </a:rPr>
+              <a:t>ô</a:t>
+            </a:r>
+            <a:r>
+              <a:rPr lang="en-US" sz="2400" dirty="0" smtClean="0">
+                <a:latin typeface="Times New Roman" pitchFamily="18" charset="0"/>
+                <a:cs typeface="Times New Roman" pitchFamily="18" charset="0"/>
+              </a:rPr>
+              <a:t> </a:t>
+            </a:r>
+            <a:r>
+              <a:rPr lang="en-US" sz="2400" dirty="0" err="1" smtClean="0">
+                <a:latin typeface="Times New Roman" pitchFamily="18" charset="0"/>
+                <a:cs typeface="Times New Roman" pitchFamily="18" charset="0"/>
+              </a:rPr>
+              <a:t>hình</a:t>
+            </a:r>
+            <a:r>
+              <a:rPr lang="en-US" sz="2400" dirty="0" smtClean="0">
+                <a:latin typeface="Times New Roman" pitchFamily="18" charset="0"/>
+                <a:cs typeface="Times New Roman" pitchFamily="18" charset="0"/>
+              </a:rPr>
+              <a:t> MVC, </a:t>
+            </a:r>
+            <a:r>
+              <a:rPr lang="en-US" sz="2400" dirty="0" err="1" smtClean="0">
+                <a:latin typeface="Times New Roman" pitchFamily="18" charset="0"/>
+                <a:cs typeface="Times New Roman" pitchFamily="18" charset="0"/>
+              </a:rPr>
+              <a:t>tích</a:t>
+            </a:r>
+            <a:r>
+              <a:rPr lang="en-US" sz="2400" dirty="0" smtClean="0">
+                <a:latin typeface="Times New Roman" pitchFamily="18" charset="0"/>
+                <a:cs typeface="Times New Roman" pitchFamily="18" charset="0"/>
+              </a:rPr>
+              <a:t> </a:t>
+            </a:r>
+            <a:r>
+              <a:rPr lang="en-US" sz="2400" dirty="0" err="1" smtClean="0">
+                <a:latin typeface="Times New Roman" pitchFamily="18" charset="0"/>
+                <a:cs typeface="Times New Roman" pitchFamily="18" charset="0"/>
+              </a:rPr>
+              <a:t>hợp</a:t>
+            </a:r>
+            <a:r>
+              <a:rPr lang="en-US" sz="2400" dirty="0" smtClean="0">
+                <a:latin typeface="Times New Roman" pitchFamily="18" charset="0"/>
+                <a:cs typeface="Times New Roman" pitchFamily="18" charset="0"/>
+              </a:rPr>
+              <a:t> Gmail </a:t>
+            </a:r>
+            <a:r>
+              <a:rPr lang="en-US" sz="2400" dirty="0" err="1" smtClean="0">
+                <a:latin typeface="Times New Roman" pitchFamily="18" charset="0"/>
+                <a:cs typeface="Times New Roman" pitchFamily="18" charset="0"/>
+              </a:rPr>
+              <a:t>và</a:t>
+            </a:r>
+            <a:r>
+              <a:rPr lang="en-US" sz="2400" dirty="0" smtClean="0">
+                <a:latin typeface="Times New Roman" pitchFamily="18" charset="0"/>
+                <a:cs typeface="Times New Roman" pitchFamily="18" charset="0"/>
+              </a:rPr>
+              <a:t> </a:t>
+            </a:r>
+            <a:r>
+              <a:rPr lang="en-US" sz="2400" dirty="0" err="1" smtClean="0">
+                <a:latin typeface="Times New Roman" pitchFamily="18" charset="0"/>
+                <a:cs typeface="Times New Roman" pitchFamily="18" charset="0"/>
+              </a:rPr>
+              <a:t>eSMS</a:t>
+            </a:r>
+            <a:r>
+              <a:rPr lang="en-US" sz="2400" dirty="0" smtClean="0">
+                <a:latin typeface="Times New Roman" pitchFamily="18" charset="0"/>
+                <a:cs typeface="Times New Roman" pitchFamily="18" charset="0"/>
+              </a:rPr>
+              <a:t>,   CSDL MySQL, server Tomcat 8</a:t>
             </a:r>
           </a:p>
           <a:p>
@@ -6838,77 +9845,9 @@
                 <a:latin typeface="Times New Roman" pitchFamily="18" charset="0"/>
                 <a:cs typeface="Times New Roman" pitchFamily="18" charset="0"/>
               </a:rPr>
-              <a:t>2.3. </a:t>
-            </a:r>
-            <a:r>
-              <a:rPr lang="en-US" dirty="0" err="1" smtClean="0">
-                <a:latin typeface="Times New Roman" pitchFamily="18" charset="0"/>
-                <a:cs typeface="Times New Roman" pitchFamily="18" charset="0"/>
-              </a:rPr>
-              <a:t>Biểu</a:t>
-            </a:r>
-            <a:r>
-              <a:rPr lang="en-US" dirty="0" smtClean="0">
-                <a:latin typeface="Times New Roman" pitchFamily="18" charset="0"/>
-                <a:cs typeface="Times New Roman" pitchFamily="18" charset="0"/>
-              </a:rPr>
-              <a:t> </a:t>
-            </a:r>
-            <a:r>
-              <a:rPr lang="en-US" dirty="0" err="1" smtClean="0">
-                <a:latin typeface="Times New Roman" pitchFamily="18" charset="0"/>
-                <a:cs typeface="Times New Roman" pitchFamily="18" charset="0"/>
-              </a:rPr>
-              <a:t>đồ</a:t>
-            </a:r>
-            <a:r>
-              <a:rPr lang="en-US" dirty="0" smtClean="0">
-                <a:latin typeface="Times New Roman" pitchFamily="18" charset="0"/>
-                <a:cs typeface="Times New Roman" pitchFamily="18" charset="0"/>
-              </a:rPr>
-              <a:t> Sequence</a:t>
-            </a:r>
-          </a:p>
-          <a:p>
-            <a:pPr marL="0" indent="0">
-              <a:buNone/>
-            </a:pPr>
-            <a:r>
-              <a:rPr lang="en-US" dirty="0" smtClean="0">
-                <a:latin typeface="Times New Roman" pitchFamily="18" charset="0"/>
-                <a:cs typeface="Times New Roman" pitchFamily="18" charset="0"/>
-              </a:rPr>
-              <a:t>2.4. </a:t>
-            </a:r>
-            <a:r>
-              <a:rPr lang="en-US" dirty="0" err="1" smtClean="0">
-                <a:latin typeface="Times New Roman" pitchFamily="18" charset="0"/>
-                <a:cs typeface="Times New Roman" pitchFamily="18" charset="0"/>
-              </a:rPr>
-              <a:t>Biểu</a:t>
-            </a:r>
-            <a:r>
-              <a:rPr lang="en-US" dirty="0" smtClean="0">
-                <a:latin typeface="Times New Roman" pitchFamily="18" charset="0"/>
-                <a:cs typeface="Times New Roman" pitchFamily="18" charset="0"/>
-              </a:rPr>
-              <a:t> </a:t>
-            </a:r>
-            <a:r>
-              <a:rPr lang="en-US" dirty="0" err="1" smtClean="0">
-                <a:latin typeface="Times New Roman" pitchFamily="18" charset="0"/>
-                <a:cs typeface="Times New Roman" pitchFamily="18" charset="0"/>
-              </a:rPr>
-              <a:t>đồ</a:t>
-            </a:r>
-            <a:r>
-              <a:rPr lang="en-US" dirty="0" smtClean="0">
-                <a:latin typeface="Times New Roman" pitchFamily="18" charset="0"/>
-                <a:cs typeface="Times New Roman" pitchFamily="18" charset="0"/>
-              </a:rPr>
-              <a:t> Class</a:t>
-            </a:r>
-            <a:endParaRPr lang="en-US" dirty="0">
+              <a:t> </a:t>
+            </a:r>
+            <a:endParaRPr lang="en-US" sz="2400" dirty="0">
               <a:latin typeface="Times New Roman" pitchFamily="18" charset="0"/>
               <a:cs typeface="Times New Roman" pitchFamily="18" charset="0"/>
             </a:endParaRPr>
@@ -6937,7 +9876,7 @@
           <a:p>
             <a:fld id="{3805247F-6ACC-47F2-B107-A401F66D3D80}" type="datetime1">
               <a:rPr lang="en-US" smtClean="0"/>
-              <a:t>5/10/2018</a:t>
+              <a:t>6/7/2018</a:t>
             </a:fld>
             <a:endParaRPr lang="en-US" dirty="0"/>
           </a:p>
@@ -7062,73 +10001,176 @@
         </p:nvSpPr>
         <p:spPr>
           <a:xfrm>
-            <a:off x="1219200" y="76200"/>
-            <a:ext cx="7848600" cy="838200"/>
+            <a:off x="1257300" y="533400"/>
+            <a:ext cx="7848600" cy="609600"/>
           </a:xfrm>
         </p:spPr>
         <p:txBody>
           <a:bodyPr>
-            <a:normAutofit/>
+            <a:normAutofit fontScale="90000"/>
           </a:bodyPr>
           <a:lstStyle/>
           <a:p>
             <a:pPr algn="l"/>
             <a:r>
+              <a:rPr lang="en-US" sz="3100" b="1" dirty="0" smtClean="0">
+                <a:latin typeface="Times New Roman" pitchFamily="18" charset="0"/>
+                <a:cs typeface="Times New Roman" pitchFamily="18" charset="0"/>
+              </a:rPr>
+              <a:t>3. </a:t>
+            </a:r>
+            <a:r>
+              <a:rPr lang="en-US" sz="3100" b="1" dirty="0" err="1" smtClean="0">
+                <a:latin typeface="Times New Roman" pitchFamily="18" charset="0"/>
+                <a:cs typeface="Times New Roman" pitchFamily="18" charset="0"/>
+              </a:rPr>
+              <a:t>Thiết</a:t>
+            </a:r>
+            <a:r>
+              <a:rPr lang="en-US" sz="3100" b="1" dirty="0" smtClean="0">
+                <a:latin typeface="Times New Roman" pitchFamily="18" charset="0"/>
+                <a:cs typeface="Times New Roman" pitchFamily="18" charset="0"/>
+              </a:rPr>
+              <a:t> </a:t>
+            </a:r>
+            <a:r>
+              <a:rPr lang="en-US" sz="3100" b="1" dirty="0" err="1" smtClean="0">
+                <a:latin typeface="Times New Roman" pitchFamily="18" charset="0"/>
+                <a:cs typeface="Times New Roman" pitchFamily="18" charset="0"/>
+              </a:rPr>
+              <a:t>kế</a:t>
+            </a:r>
+            <a:r>
+              <a:rPr lang="en-US" sz="3100" b="1" dirty="0" smtClean="0">
+                <a:latin typeface="Times New Roman" pitchFamily="18" charset="0"/>
+                <a:cs typeface="Times New Roman" pitchFamily="18" charset="0"/>
+              </a:rPr>
+              <a:t> </a:t>
+            </a:r>
+            <a:r>
+              <a:rPr lang="en-US" sz="3100" b="1" dirty="0" err="1" smtClean="0">
+                <a:latin typeface="Times New Roman" pitchFamily="18" charset="0"/>
+                <a:cs typeface="Times New Roman" pitchFamily="18" charset="0"/>
+              </a:rPr>
+              <a:t>hệ</a:t>
+            </a:r>
+            <a:r>
+              <a:rPr lang="en-US" sz="3100" b="1" dirty="0" smtClean="0">
+                <a:latin typeface="Times New Roman" pitchFamily="18" charset="0"/>
+                <a:cs typeface="Times New Roman" pitchFamily="18" charset="0"/>
+              </a:rPr>
+              <a:t> </a:t>
+            </a:r>
+            <a:r>
+              <a:rPr lang="en-US" sz="3100" b="1" dirty="0" err="1" smtClean="0">
+                <a:latin typeface="Times New Roman" pitchFamily="18" charset="0"/>
+                <a:cs typeface="Times New Roman" pitchFamily="18" charset="0"/>
+              </a:rPr>
+              <a:t>t</a:t>
+            </a:r>
+            <a:r>
+              <a:rPr lang="en-US" sz="3100" b="1" dirty="0" err="1" smtClean="0">
+                <a:latin typeface="Times New Roman" pitchFamily="18" charset="0"/>
+                <a:cs typeface="Times New Roman" pitchFamily="18" charset="0"/>
+              </a:rPr>
+              <a:t>hống</a:t>
+            </a:r>
+            <a:r>
               <a:rPr lang="en-US" sz="3600" b="1" dirty="0" smtClean="0">
                 <a:latin typeface="Times New Roman" pitchFamily="18" charset="0"/>
                 <a:cs typeface="Times New Roman" pitchFamily="18" charset="0"/>
               </a:rPr>
-              <a:t>2. </a:t>
-            </a:r>
-            <a:r>
-              <a:rPr lang="en-US" sz="3600" b="1" dirty="0" err="1" smtClean="0">
-                <a:latin typeface="Times New Roman" pitchFamily="18" charset="0"/>
-                <a:cs typeface="Times New Roman" pitchFamily="18" charset="0"/>
-              </a:rPr>
-              <a:t>Phân</a:t>
-            </a:r>
-            <a:r>
+              <a:t/>
+            </a:r>
+            <a:br>
               <a:rPr lang="en-US" sz="3600" b="1" dirty="0" smtClean="0">
                 <a:latin typeface="Times New Roman" pitchFamily="18" charset="0"/>
                 <a:cs typeface="Times New Roman" pitchFamily="18" charset="0"/>
               </a:rPr>
-              <a:t> </a:t>
-            </a:r>
-            <a:r>
-              <a:rPr lang="en-US" sz="3600" b="1" dirty="0" err="1" smtClean="0">
-                <a:latin typeface="Times New Roman" pitchFamily="18" charset="0"/>
-                <a:cs typeface="Times New Roman" pitchFamily="18" charset="0"/>
-              </a:rPr>
-              <a:t>tích</a:t>
-            </a:r>
+            </a:br>
             <a:r>
               <a:rPr lang="en-US" sz="3600" b="1" dirty="0" smtClean="0">
                 <a:latin typeface="Times New Roman" pitchFamily="18" charset="0"/>
                 <a:cs typeface="Times New Roman" pitchFamily="18" charset="0"/>
               </a:rPr>
-              <a:t> </a:t>
-            </a:r>
-            <a:r>
-              <a:rPr lang="en-US" sz="3600" b="1" dirty="0" err="1" smtClean="0">
-                <a:latin typeface="Times New Roman" pitchFamily="18" charset="0"/>
-                <a:cs typeface="Times New Roman" pitchFamily="18" charset="0"/>
-              </a:rPr>
-              <a:t>hệ</a:t>
-            </a:r>
-            <a:r>
-              <a:rPr lang="en-US" sz="3600" b="1" dirty="0" smtClean="0">
-                <a:latin typeface="Times New Roman" pitchFamily="18" charset="0"/>
-                <a:cs typeface="Times New Roman" pitchFamily="18" charset="0"/>
-              </a:rPr>
-              <a:t> </a:t>
-            </a:r>
-            <a:r>
-              <a:rPr lang="en-US" sz="3600" b="1" dirty="0" err="1" smtClean="0">
-                <a:latin typeface="Times New Roman" pitchFamily="18" charset="0"/>
-                <a:cs typeface="Times New Roman" pitchFamily="18" charset="0"/>
-              </a:rPr>
-              <a:t>thống</a:t>
-            </a:r>
+              <a:t>   </a:t>
+            </a:r>
+            <a:r>
+              <a:rPr lang="en-US" sz="2700" b="1" dirty="0" smtClean="0">
+                <a:latin typeface="Times New Roman" pitchFamily="18" charset="0"/>
+                <a:cs typeface="Times New Roman" pitchFamily="18" charset="0"/>
+              </a:rPr>
+              <a:t>3.1</a:t>
+            </a:r>
+            <a:r>
+              <a:rPr lang="en-US" sz="2700" b="1" dirty="0">
+                <a:latin typeface="Times New Roman" pitchFamily="18" charset="0"/>
+                <a:cs typeface="Times New Roman" pitchFamily="18" charset="0"/>
+              </a:rPr>
+              <a:t>. </a:t>
+            </a:r>
+            <a:r>
+              <a:rPr lang="en-US" sz="2700" b="1" dirty="0" err="1">
+                <a:latin typeface="Times New Roman" pitchFamily="18" charset="0"/>
+                <a:cs typeface="Times New Roman" pitchFamily="18" charset="0"/>
+              </a:rPr>
+              <a:t>Thiết</a:t>
+            </a:r>
+            <a:r>
+              <a:rPr lang="en-US" sz="2700" b="1" dirty="0">
+                <a:latin typeface="Times New Roman" pitchFamily="18" charset="0"/>
+                <a:cs typeface="Times New Roman" pitchFamily="18" charset="0"/>
+              </a:rPr>
+              <a:t> </a:t>
+            </a:r>
+            <a:r>
+              <a:rPr lang="en-US" sz="2700" b="1" dirty="0" err="1">
+                <a:latin typeface="Times New Roman" pitchFamily="18" charset="0"/>
+                <a:cs typeface="Times New Roman" pitchFamily="18" charset="0"/>
+              </a:rPr>
+              <a:t>kế</a:t>
+            </a:r>
+            <a:r>
+              <a:rPr lang="en-US" sz="2700" b="1" dirty="0">
+                <a:latin typeface="Times New Roman" pitchFamily="18" charset="0"/>
+                <a:cs typeface="Times New Roman" pitchFamily="18" charset="0"/>
+              </a:rPr>
+              <a:t> </a:t>
+            </a:r>
+            <a:r>
+              <a:rPr lang="en-US" sz="2700" b="1" dirty="0" err="1">
+                <a:latin typeface="Times New Roman" pitchFamily="18" charset="0"/>
+                <a:cs typeface="Times New Roman" pitchFamily="18" charset="0"/>
+              </a:rPr>
+              <a:t>tổng</a:t>
+            </a:r>
+            <a:r>
+              <a:rPr lang="en-US" sz="2700" b="1" dirty="0">
+                <a:latin typeface="Times New Roman" pitchFamily="18" charset="0"/>
+                <a:cs typeface="Times New Roman" pitchFamily="18" charset="0"/>
+              </a:rPr>
+              <a:t> </a:t>
+            </a:r>
+            <a:r>
+              <a:rPr lang="en-US" sz="2700" b="1" dirty="0" err="1">
+                <a:latin typeface="Times New Roman" pitchFamily="18" charset="0"/>
+                <a:cs typeface="Times New Roman" pitchFamily="18" charset="0"/>
+              </a:rPr>
+              <a:t>thể</a:t>
+            </a:r>
+            <a:r>
+              <a:rPr lang="en-US" sz="3200" dirty="0">
+                <a:latin typeface="Times New Roman" pitchFamily="18" charset="0"/>
+                <a:cs typeface="Times New Roman" pitchFamily="18" charset="0"/>
+              </a:rPr>
+              <a:t/>
+            </a:r>
+            <a:br>
+              <a:rPr lang="en-US" sz="3200" dirty="0">
+                <a:latin typeface="Times New Roman" pitchFamily="18" charset="0"/>
+                <a:cs typeface="Times New Roman" pitchFamily="18" charset="0"/>
+              </a:rPr>
+            </a:br>
             <a:endParaRPr lang="en-US" sz="3600" b="1" dirty="0">
               <a:latin typeface="Times New Roman" pitchFamily="18" charset="0"/>
               <a:cs typeface="Times New Roman" pitchFamily="18" charset="0"/>
@@ -7149,7 +10191,7 @@
         <p:spPr>
           <a:xfrm>
             <a:off x="1219200" y="1295400"/>
-            <a:ext cx="7848600" cy="609600"/>
+            <a:ext cx="7848600" cy="5181600"/>
           </a:xfrm>
         </p:spPr>
         <p:txBody>
@@ -7160,40 +10202,126 @@
               <a:buNone/>
             </a:pPr>
             <a:r>
-              <a:rPr lang="en-US" dirty="0" smtClean="0">
-                <a:latin typeface="Times New Roman" pitchFamily="18" charset="0"/>
-                <a:cs typeface="Times New Roman" pitchFamily="18" charset="0"/>
-              </a:rPr>
-              <a:t>2.1. </a:t>
-            </a:r>
-            <a:r>
-              <a:rPr lang="en-US" dirty="0" err="1" smtClean="0">
-                <a:latin typeface="Times New Roman" pitchFamily="18" charset="0"/>
-                <a:cs typeface="Times New Roman" pitchFamily="18" charset="0"/>
-              </a:rPr>
-              <a:t>Biểu</a:t>
-            </a:r>
-            <a:r>
-              <a:rPr lang="en-US" dirty="0" smtClean="0">
-                <a:latin typeface="Times New Roman" pitchFamily="18" charset="0"/>
-                <a:cs typeface="Times New Roman" pitchFamily="18" charset="0"/>
-              </a:rPr>
-              <a:t> </a:t>
-            </a:r>
-            <a:r>
-              <a:rPr lang="en-US" dirty="0" err="1" smtClean="0">
-                <a:latin typeface="Times New Roman" pitchFamily="18" charset="0"/>
-                <a:cs typeface="Times New Roman" pitchFamily="18" charset="0"/>
-              </a:rPr>
-              <a:t>đồ</a:t>
-            </a:r>
-            <a:r>
-              <a:rPr lang="en-US" dirty="0" smtClean="0">
-                <a:latin typeface="Times New Roman" pitchFamily="18" charset="0"/>
-                <a:cs typeface="Times New Roman" pitchFamily="18" charset="0"/>
-              </a:rPr>
-              <a:t> USE-CASE</a:t>
-            </a:r>
+              <a:rPr lang="en-US" sz="2400" dirty="0" err="1" smtClean="0">
+                <a:latin typeface="Times New Roman" pitchFamily="18" charset="0"/>
+                <a:cs typeface="Times New Roman" pitchFamily="18" charset="0"/>
+              </a:rPr>
+              <a:t>Nền</a:t>
+            </a:r>
+            <a:r>
+              <a:rPr lang="en-US" sz="2400" dirty="0" smtClean="0">
+                <a:latin typeface="Times New Roman" pitchFamily="18" charset="0"/>
+                <a:cs typeface="Times New Roman" pitchFamily="18" charset="0"/>
+              </a:rPr>
+              <a:t> </a:t>
+            </a:r>
+            <a:r>
+              <a:rPr lang="en-US" sz="2400" dirty="0" err="1">
+                <a:latin typeface="Times New Roman" pitchFamily="18" charset="0"/>
+                <a:cs typeface="Times New Roman" pitchFamily="18" charset="0"/>
+              </a:rPr>
+              <a:t>tảng</a:t>
+            </a:r>
+            <a:r>
+              <a:rPr lang="en-US" sz="2400" dirty="0">
+                <a:latin typeface="Times New Roman" pitchFamily="18" charset="0"/>
+                <a:cs typeface="Times New Roman" pitchFamily="18" charset="0"/>
+              </a:rPr>
+              <a:t> web, </a:t>
+            </a:r>
+            <a:r>
+              <a:rPr lang="en-US" sz="2400" dirty="0" err="1">
+                <a:latin typeface="Times New Roman" pitchFamily="18" charset="0"/>
+                <a:cs typeface="Times New Roman" pitchFamily="18" charset="0"/>
+              </a:rPr>
+              <a:t>mô</a:t>
+            </a:r>
+            <a:r>
+              <a:rPr lang="en-US" sz="2400" dirty="0">
+                <a:latin typeface="Times New Roman" pitchFamily="18" charset="0"/>
+                <a:cs typeface="Times New Roman" pitchFamily="18" charset="0"/>
+              </a:rPr>
+              <a:t> </a:t>
+            </a:r>
+            <a:r>
+              <a:rPr lang="en-US" sz="2400" dirty="0" err="1">
+                <a:latin typeface="Times New Roman" pitchFamily="18" charset="0"/>
+                <a:cs typeface="Times New Roman" pitchFamily="18" charset="0"/>
+              </a:rPr>
+              <a:t>hình</a:t>
+            </a:r>
+            <a:r>
+              <a:rPr lang="en-US" sz="2400" dirty="0">
+                <a:latin typeface="Times New Roman" pitchFamily="18" charset="0"/>
+                <a:cs typeface="Times New Roman" pitchFamily="18" charset="0"/>
+              </a:rPr>
+              <a:t> MVC, </a:t>
+            </a:r>
+            <a:r>
+              <a:rPr lang="en-US" sz="2400" dirty="0" err="1">
+                <a:latin typeface="Times New Roman" pitchFamily="18" charset="0"/>
+                <a:cs typeface="Times New Roman" pitchFamily="18" charset="0"/>
+              </a:rPr>
+              <a:t>tích</a:t>
+            </a:r>
+            <a:r>
+              <a:rPr lang="en-US" sz="2400" dirty="0">
+                <a:latin typeface="Times New Roman" pitchFamily="18" charset="0"/>
+                <a:cs typeface="Times New Roman" pitchFamily="18" charset="0"/>
+              </a:rPr>
+              <a:t> </a:t>
+            </a:r>
+            <a:r>
+              <a:rPr lang="en-US" sz="2400" dirty="0" err="1">
+                <a:latin typeface="Times New Roman" pitchFamily="18" charset="0"/>
+                <a:cs typeface="Times New Roman" pitchFamily="18" charset="0"/>
+              </a:rPr>
+              <a:t>hợp</a:t>
+            </a:r>
+            <a:r>
+              <a:rPr lang="en-US" sz="2400" dirty="0">
+                <a:latin typeface="Times New Roman" pitchFamily="18" charset="0"/>
+                <a:cs typeface="Times New Roman" pitchFamily="18" charset="0"/>
+              </a:rPr>
+              <a:t> Gmail </a:t>
+            </a:r>
+            <a:r>
+              <a:rPr lang="en-US" sz="2400" dirty="0" err="1">
+                <a:latin typeface="Times New Roman" pitchFamily="18" charset="0"/>
+                <a:cs typeface="Times New Roman" pitchFamily="18" charset="0"/>
+              </a:rPr>
+              <a:t>và</a:t>
+            </a:r>
+            <a:r>
+              <a:rPr lang="en-US" sz="2400" dirty="0">
+                <a:latin typeface="Times New Roman" pitchFamily="18" charset="0"/>
+                <a:cs typeface="Times New Roman" pitchFamily="18" charset="0"/>
+              </a:rPr>
+              <a:t> </a:t>
+            </a:r>
+            <a:r>
+              <a:rPr lang="en-US" sz="2400" dirty="0" err="1">
+                <a:latin typeface="Times New Roman" pitchFamily="18" charset="0"/>
+                <a:cs typeface="Times New Roman" pitchFamily="18" charset="0"/>
+              </a:rPr>
+              <a:t>eSMS</a:t>
+            </a:r>
+            <a:r>
+              <a:rPr lang="en-US" sz="2400" dirty="0">
+                <a:latin typeface="Times New Roman" pitchFamily="18" charset="0"/>
+                <a:cs typeface="Times New Roman" pitchFamily="18" charset="0"/>
+              </a:rPr>
+              <a:t>,   CSDL MySQL, server Tomcat 8</a:t>
+            </a:r>
+          </a:p>
+          <a:p>
+            <a:pPr marL="0" indent="0">
+              <a:buNone/>
+            </a:pPr>
+            <a:endParaRPr lang="en-US" dirty="0">
+              <a:latin typeface="Times New Roman" pitchFamily="18" charset="0"/>
+              <a:cs typeface="Times New Roman" pitchFamily="18" charset="0"/>
+            </a:endParaRPr>
           </a:p>
         </p:txBody>
       </p:sp>
@@ -7219,7 +10347,7 @@
           <a:p>
             <a:fld id="{3805247F-6ACC-47F2-B107-A401F66D3D80}" type="datetime1">
               <a:rPr lang="en-US" smtClean="0"/>
-              <a:t>5/10/2018</a:t>
+              <a:t>6/7/2018</a:t>
             </a:fld>
             <a:endParaRPr lang="en-US" dirty="0"/>
           </a:p>
@@ -7281,10 +10409,52 @@
           </a:p>
         </p:txBody>
       </p:sp>
+      <p:pic>
+        <p:nvPicPr>
+          <p:cNvPr id="10" name="Picture 9"/>
+          <p:cNvPicPr/>
+          <p:nvPr/>
+        </p:nvPicPr>
+        <p:blipFill>
+          <a:blip r:embed="rId4" cstate="print">
+            <a:extLst>
+              <a:ext uri="{28A0092B-C50C-407E-A947-70E740481C1C}">
+                <a14:useLocalDpi xmlns:a14="http://schemas.microsoft.com/office/drawing/2010/main" val="0"/>
+              </a:ext>
+            </a:extLst>
+          </a:blip>
+          <a:stretch>
+            <a:fillRect/>
+          </a:stretch>
+        </p:blipFill>
+        <p:spPr>
+          <a:xfrm>
+            <a:off x="1676400" y="2514600"/>
+            <a:ext cx="7010400" cy="3581400"/>
+          </a:xfrm>
+          <a:prstGeom prst="rect">
+            <a:avLst/>
+          </a:prstGeom>
+          <a:ln w="3175" cap="sq">
+            <a:solidFill>
+              <a:srgbClr val="000000"/>
+            </a:solidFill>
+            <a:prstDash val="solid"/>
+            <a:miter lim="800000"/>
+          </a:ln>
+          <a:effectLst>
+            <a:outerShdw blurRad="50800" dist="38100" dir="2700000" algn="tl" rotWithShape="0">
+              <a:srgbClr val="000000">
+                <a:alpha val="43000"/>
+              </a:srgbClr>
+            </a:outerShdw>
+          </a:effectLst>
+        </p:spPr>
+      </p:pic>
     </p:spTree>
     <p:extLst>
       <p:ext uri="{BB962C8B-B14F-4D97-AF65-F5344CB8AC3E}">
-        <p14:creationId xmlns:p14="http://schemas.microsoft.com/office/powerpoint/2010/main" val="2401868772"/>
+        <p14:creationId xmlns:p14="http://schemas.microsoft.com/office/powerpoint/2010/main" val="1883078648"/>
       </p:ext>
     </p:extLst>
   </p:cSld>
@@ -7344,17 +10514,169 @@
         </p:nvSpPr>
         <p:spPr>
           <a:xfrm>
-            <a:off x="1219200" y="76200"/>
-            <a:ext cx="7848600" cy="838200"/>
+            <a:off x="1257300" y="533400"/>
+            <a:ext cx="7848600" cy="609600"/>
           </a:xfrm>
         </p:spPr>
         <p:txBody>
           <a:bodyPr>
-            <a:normAutofit/>
+            <a:normAutofit fontScale="90000"/>
           </a:bodyPr>
           <a:lstStyle/>
           <a:p>
             <a:pPr algn="l"/>
+            <a:r>
+              <a:rPr lang="en-US" sz="3100" b="1" dirty="0" smtClean="0">
+                <a:latin typeface="Times New Roman" pitchFamily="18" charset="0"/>
+                <a:cs typeface="Times New Roman" pitchFamily="18" charset="0"/>
+              </a:rPr>
+              <a:t>3. </a:t>
+            </a:r>
+            <a:r>
+              <a:rPr lang="en-US" sz="3100" b="1" dirty="0" err="1" smtClean="0">
+                <a:latin typeface="Times New Roman" pitchFamily="18" charset="0"/>
+                <a:cs typeface="Times New Roman" pitchFamily="18" charset="0"/>
+              </a:rPr>
+              <a:t>Thiết</a:t>
+            </a:r>
+            <a:r>
+              <a:rPr lang="en-US" sz="3100" b="1" dirty="0" smtClean="0">
+                <a:latin typeface="Times New Roman" pitchFamily="18" charset="0"/>
+                <a:cs typeface="Times New Roman" pitchFamily="18" charset="0"/>
+              </a:rPr>
+              <a:t> </a:t>
+            </a:r>
+            <a:r>
+              <a:rPr lang="en-US" sz="3100" b="1" dirty="0" err="1" smtClean="0">
+                <a:latin typeface="Times New Roman" pitchFamily="18" charset="0"/>
+                <a:cs typeface="Times New Roman" pitchFamily="18" charset="0"/>
+              </a:rPr>
+              <a:t>kế</a:t>
+            </a:r>
+            <a:r>
+              <a:rPr lang="en-US" sz="3100" b="1" dirty="0" smtClean="0">
+                <a:latin typeface="Times New Roman" pitchFamily="18" charset="0"/>
+                <a:cs typeface="Times New Roman" pitchFamily="18" charset="0"/>
+              </a:rPr>
+              <a:t> </a:t>
+            </a:r>
+            <a:r>
+              <a:rPr lang="en-US" sz="3100" b="1" dirty="0" err="1" smtClean="0">
+                <a:latin typeface="Times New Roman" pitchFamily="18" charset="0"/>
+                <a:cs typeface="Times New Roman" pitchFamily="18" charset="0"/>
+              </a:rPr>
+              <a:t>hệ</a:t>
+            </a:r>
+            <a:r>
+              <a:rPr lang="en-US" sz="3100" b="1" dirty="0" smtClean="0">
+                <a:latin typeface="Times New Roman" pitchFamily="18" charset="0"/>
+                <a:cs typeface="Times New Roman" pitchFamily="18" charset="0"/>
+              </a:rPr>
+              <a:t> </a:t>
+            </a:r>
+            <a:r>
+              <a:rPr lang="en-US" sz="3100" b="1" dirty="0" err="1" smtClean="0">
+                <a:latin typeface="Times New Roman" pitchFamily="18" charset="0"/>
+                <a:cs typeface="Times New Roman" pitchFamily="18" charset="0"/>
+              </a:rPr>
+              <a:t>t</a:t>
+            </a:r>
+            <a:r>
+              <a:rPr lang="en-US" sz="3100" b="1" dirty="0" err="1" smtClean="0">
+                <a:latin typeface="Times New Roman" pitchFamily="18" charset="0"/>
+                <a:cs typeface="Times New Roman" pitchFamily="18" charset="0"/>
+              </a:rPr>
+              <a:t>hống</a:t>
+            </a:r>
+            <a:r>
+              <a:rPr lang="en-US" sz="3600" b="1" dirty="0" smtClean="0">
+                <a:latin typeface="Times New Roman" pitchFamily="18" charset="0"/>
+                <a:cs typeface="Times New Roman" pitchFamily="18" charset="0"/>
+              </a:rPr>
+              <a:t/>
+            </a:r>
+            <a:br>
+              <a:rPr lang="en-US" sz="3600" b="1" dirty="0" smtClean="0">
+                <a:latin typeface="Times New Roman" pitchFamily="18" charset="0"/>
+                <a:cs typeface="Times New Roman" pitchFamily="18" charset="0"/>
+              </a:rPr>
+            </a:br>
+            <a:r>
+              <a:rPr lang="en-US" sz="3600" b="1" dirty="0" smtClean="0">
+                <a:latin typeface="Times New Roman" pitchFamily="18" charset="0"/>
+                <a:cs typeface="Times New Roman" pitchFamily="18" charset="0"/>
+              </a:rPr>
+              <a:t>   </a:t>
+            </a:r>
+            <a:r>
+              <a:rPr lang="en-US" sz="2700" b="1" dirty="0" smtClean="0">
+                <a:latin typeface="Times New Roman" pitchFamily="18" charset="0"/>
+                <a:cs typeface="Times New Roman" pitchFamily="18" charset="0"/>
+              </a:rPr>
+              <a:t>3.2. </a:t>
+            </a:r>
+            <a:r>
+              <a:rPr lang="en-US" sz="2700" b="1" dirty="0" err="1">
+                <a:latin typeface="Times New Roman" pitchFamily="18" charset="0"/>
+                <a:cs typeface="Times New Roman" pitchFamily="18" charset="0"/>
+              </a:rPr>
+              <a:t>Thiết</a:t>
+            </a:r>
+            <a:r>
+              <a:rPr lang="en-US" sz="2700" b="1" dirty="0">
+                <a:latin typeface="Times New Roman" pitchFamily="18" charset="0"/>
+                <a:cs typeface="Times New Roman" pitchFamily="18" charset="0"/>
+              </a:rPr>
+              <a:t> </a:t>
+            </a:r>
+            <a:r>
+              <a:rPr lang="en-US" sz="2700" b="1" dirty="0" err="1">
+                <a:latin typeface="Times New Roman" pitchFamily="18" charset="0"/>
+                <a:cs typeface="Times New Roman" pitchFamily="18" charset="0"/>
+              </a:rPr>
+              <a:t>kế</a:t>
+            </a:r>
+            <a:r>
+              <a:rPr lang="en-US" sz="2700" b="1" dirty="0">
+                <a:latin typeface="Times New Roman" pitchFamily="18" charset="0"/>
+                <a:cs typeface="Times New Roman" pitchFamily="18" charset="0"/>
+              </a:rPr>
+              <a:t> </a:t>
+            </a:r>
+            <a:r>
+              <a:rPr lang="en-US" sz="2700" b="1" dirty="0" err="1" smtClean="0">
+                <a:latin typeface="Times New Roman" pitchFamily="18" charset="0"/>
+                <a:cs typeface="Times New Roman" pitchFamily="18" charset="0"/>
+              </a:rPr>
+              <a:t>giao</a:t>
+            </a:r>
+            <a:r>
+              <a:rPr lang="en-US" sz="2700" b="1" dirty="0" smtClean="0">
+                <a:latin typeface="Times New Roman" pitchFamily="18" charset="0"/>
+                <a:cs typeface="Times New Roman" pitchFamily="18" charset="0"/>
+              </a:rPr>
+              <a:t> </a:t>
+            </a:r>
+            <a:r>
+              <a:rPr lang="en-US" sz="2700" b="1" dirty="0" err="1" smtClean="0">
+                <a:latin typeface="Times New Roman" pitchFamily="18" charset="0"/>
+                <a:cs typeface="Times New Roman" pitchFamily="18" charset="0"/>
+              </a:rPr>
+              <a:t>diện</a:t>
+            </a:r>
+            <a:r>
+              <a:rPr lang="en-US" sz="3200" dirty="0">
+                <a:latin typeface="Times New Roman" pitchFamily="18" charset="0"/>
+                <a:cs typeface="Times New Roman" pitchFamily="18" charset="0"/>
+              </a:rPr>
+              <a:t/>
+            </a:r>
+            <a:br>
+              <a:rPr lang="en-US" sz="3200" dirty="0">
+                <a:latin typeface="Times New Roman" pitchFamily="18" charset="0"/>
+                <a:cs typeface="Times New Roman" pitchFamily="18" charset="0"/>
+              </a:rPr>
+            </a:br>
             <a:endParaRPr lang="en-US" sz="3600" b="1" dirty="0">
               <a:latin typeface="Times New Roman" pitchFamily="18" charset="0"/>
               <a:cs typeface="Times New Roman" pitchFamily="18" charset="0"/>
@@ -7375,17 +10697,263 @@
         <p:spPr>
           <a:xfrm>
             <a:off x="1219200" y="1295400"/>
-            <a:ext cx="7848600" cy="5181600"/>
+            <a:ext cx="3886200" cy="5181600"/>
           </a:xfrm>
         </p:spPr>
         <p:txBody>
-          <a:bodyPr/>
-          <a:lstStyle/>
-          <a:p>
-            <a:endParaRPr lang="en-US" dirty="0">
-              <a:latin typeface="Times New Roman" pitchFamily="18" charset="0"/>
-              <a:cs typeface="Times New Roman" pitchFamily="18" charset="0"/>
-            </a:endParaRPr>
+          <a:bodyPr>
+            <a:normAutofit/>
+          </a:bodyPr>
+          <a:lstStyle/>
+          <a:p>
+            <a:pPr marL="0" indent="0">
+              <a:buNone/>
+            </a:pPr>
+            <a:r>
+              <a:rPr lang="en-US" sz="2400" dirty="0" err="1" smtClean="0">
+                <a:latin typeface="Times New Roman" pitchFamily="18" charset="0"/>
+                <a:cs typeface="Times New Roman" pitchFamily="18" charset="0"/>
+              </a:rPr>
+              <a:t>Giao</a:t>
+            </a:r>
+            <a:r>
+              <a:rPr lang="en-US" sz="2400" dirty="0" smtClean="0">
+                <a:latin typeface="Times New Roman" pitchFamily="18" charset="0"/>
+                <a:cs typeface="Times New Roman" pitchFamily="18" charset="0"/>
+              </a:rPr>
+              <a:t> </a:t>
+            </a:r>
+            <a:r>
+              <a:rPr lang="en-US" sz="2400" dirty="0" err="1" smtClean="0">
+                <a:latin typeface="Times New Roman" pitchFamily="18" charset="0"/>
+                <a:cs typeface="Times New Roman" pitchFamily="18" charset="0"/>
+              </a:rPr>
+              <a:t>diện</a:t>
+            </a:r>
+            <a:r>
+              <a:rPr lang="en-US" sz="2400" dirty="0" smtClean="0">
+                <a:latin typeface="Times New Roman" pitchFamily="18" charset="0"/>
+                <a:cs typeface="Times New Roman" pitchFamily="18" charset="0"/>
+              </a:rPr>
+              <a:t> </a:t>
+            </a:r>
+            <a:r>
+              <a:rPr lang="en-US" sz="2400" dirty="0" err="1" smtClean="0">
+                <a:latin typeface="Times New Roman" pitchFamily="18" charset="0"/>
+                <a:cs typeface="Times New Roman" pitchFamily="18" charset="0"/>
+              </a:rPr>
+              <a:t>được</a:t>
+            </a:r>
+            <a:r>
+              <a:rPr lang="en-US" sz="2400" dirty="0" smtClean="0">
+                <a:latin typeface="Times New Roman" pitchFamily="18" charset="0"/>
+                <a:cs typeface="Times New Roman" pitchFamily="18" charset="0"/>
+              </a:rPr>
+              <a:t> </a:t>
+            </a:r>
+            <a:r>
+              <a:rPr lang="en-US" sz="2400" dirty="0" err="1" smtClean="0">
+                <a:latin typeface="Times New Roman" pitchFamily="18" charset="0"/>
+                <a:cs typeface="Times New Roman" pitchFamily="18" charset="0"/>
+              </a:rPr>
+              <a:t>xây</a:t>
+            </a:r>
+            <a:r>
+              <a:rPr lang="en-US" sz="2400" dirty="0" smtClean="0">
+                <a:latin typeface="Times New Roman" pitchFamily="18" charset="0"/>
+                <a:cs typeface="Times New Roman" pitchFamily="18" charset="0"/>
+              </a:rPr>
+              <a:t> </a:t>
+            </a:r>
+            <a:r>
+              <a:rPr lang="en-US" sz="2400" dirty="0" err="1" smtClean="0">
+                <a:latin typeface="Times New Roman" pitchFamily="18" charset="0"/>
+                <a:cs typeface="Times New Roman" pitchFamily="18" charset="0"/>
+              </a:rPr>
+              <a:t>dựng</a:t>
+            </a:r>
+            <a:r>
+              <a:rPr lang="en-US" sz="2400" dirty="0" smtClean="0">
+                <a:latin typeface="Times New Roman" pitchFamily="18" charset="0"/>
+                <a:cs typeface="Times New Roman" pitchFamily="18" charset="0"/>
+              </a:rPr>
+              <a:t> </a:t>
+            </a:r>
+            <a:r>
+              <a:rPr lang="en-US" sz="2400" dirty="0" err="1" smtClean="0">
+                <a:latin typeface="Times New Roman" pitchFamily="18" charset="0"/>
+                <a:cs typeface="Times New Roman" pitchFamily="18" charset="0"/>
+              </a:rPr>
+              <a:t>bằng</a:t>
+            </a:r>
+            <a:r>
+              <a:rPr lang="en-US" sz="2400" dirty="0" smtClean="0">
+                <a:latin typeface="Times New Roman" pitchFamily="18" charset="0"/>
+                <a:cs typeface="Times New Roman" pitchFamily="18" charset="0"/>
+              </a:rPr>
+              <a:t> JSP/HTML/CSS/JS</a:t>
+            </a:r>
+          </a:p>
+          <a:p>
+            <a:pPr marL="0" indent="0">
+              <a:buNone/>
+            </a:pPr>
+            <a:r>
+              <a:rPr lang="en-US" sz="2400" dirty="0" err="1" smtClean="0">
+                <a:latin typeface="Times New Roman" pitchFamily="18" charset="0"/>
+                <a:cs typeface="Times New Roman" pitchFamily="18" charset="0"/>
+              </a:rPr>
+              <a:t>Sử</a:t>
+            </a:r>
+            <a:r>
+              <a:rPr lang="en-US" sz="2400" dirty="0" smtClean="0">
+                <a:latin typeface="Times New Roman" pitchFamily="18" charset="0"/>
+                <a:cs typeface="Times New Roman" pitchFamily="18" charset="0"/>
+              </a:rPr>
+              <a:t> </a:t>
+            </a:r>
+            <a:r>
+              <a:rPr lang="en-US" sz="2400" dirty="0" err="1" smtClean="0">
+                <a:latin typeface="Times New Roman" pitchFamily="18" charset="0"/>
+                <a:cs typeface="Times New Roman" pitchFamily="18" charset="0"/>
+              </a:rPr>
+              <a:t>dụng</a:t>
+            </a:r>
+            <a:r>
+              <a:rPr lang="en-US" sz="2400" dirty="0" smtClean="0">
+                <a:latin typeface="Times New Roman" pitchFamily="18" charset="0"/>
+                <a:cs typeface="Times New Roman" pitchFamily="18" charset="0"/>
+              </a:rPr>
+              <a:t> Bootstrap 4</a:t>
+            </a:r>
+          </a:p>
+          <a:p>
+            <a:pPr marL="0" indent="0">
+              <a:buNone/>
+            </a:pPr>
+            <a:r>
+              <a:rPr lang="en-US" sz="2400" dirty="0" err="1" smtClean="0">
+                <a:latin typeface="Times New Roman" pitchFamily="18" charset="0"/>
+                <a:cs typeface="Times New Roman" pitchFamily="18" charset="0"/>
+              </a:rPr>
+              <a:t>Các</a:t>
+            </a:r>
+            <a:r>
+              <a:rPr lang="en-US" sz="2400" dirty="0" smtClean="0">
+                <a:latin typeface="Times New Roman" pitchFamily="18" charset="0"/>
+                <a:cs typeface="Times New Roman" pitchFamily="18" charset="0"/>
+              </a:rPr>
+              <a:t> </a:t>
+            </a:r>
+            <a:r>
+              <a:rPr lang="en-US" sz="2400" dirty="0" err="1" smtClean="0">
+                <a:latin typeface="Times New Roman" pitchFamily="18" charset="0"/>
+                <a:cs typeface="Times New Roman" pitchFamily="18" charset="0"/>
+              </a:rPr>
+              <a:t>thành</a:t>
+            </a:r>
+            <a:r>
+              <a:rPr lang="en-US" sz="2400" dirty="0" smtClean="0">
+                <a:latin typeface="Times New Roman" pitchFamily="18" charset="0"/>
+                <a:cs typeface="Times New Roman" pitchFamily="18" charset="0"/>
+              </a:rPr>
+              <a:t> </a:t>
+            </a:r>
+            <a:r>
+              <a:rPr lang="en-US" sz="2400" dirty="0" err="1" smtClean="0">
+                <a:latin typeface="Times New Roman" pitchFamily="18" charset="0"/>
+                <a:cs typeface="Times New Roman" pitchFamily="18" charset="0"/>
+              </a:rPr>
+              <a:t>phần</a:t>
+            </a:r>
+            <a:r>
+              <a:rPr lang="en-US" sz="2400" dirty="0" smtClean="0">
+                <a:latin typeface="Times New Roman" pitchFamily="18" charset="0"/>
+                <a:cs typeface="Times New Roman" pitchFamily="18" charset="0"/>
+              </a:rPr>
+              <a:t> </a:t>
+            </a:r>
+            <a:r>
+              <a:rPr lang="en-US" sz="2400" dirty="0" err="1" smtClean="0">
+                <a:latin typeface="Times New Roman" pitchFamily="18" charset="0"/>
+                <a:cs typeface="Times New Roman" pitchFamily="18" charset="0"/>
+              </a:rPr>
+              <a:t>bao</a:t>
+            </a:r>
+            <a:r>
+              <a:rPr lang="en-US" sz="2400" dirty="0" smtClean="0">
+                <a:latin typeface="Times New Roman" pitchFamily="18" charset="0"/>
+                <a:cs typeface="Times New Roman" pitchFamily="18" charset="0"/>
+              </a:rPr>
+              <a:t> </a:t>
+            </a:r>
+            <a:r>
+              <a:rPr lang="en-US" sz="2400" dirty="0" err="1" smtClean="0">
+                <a:latin typeface="Times New Roman" pitchFamily="18" charset="0"/>
+                <a:cs typeface="Times New Roman" pitchFamily="18" charset="0"/>
+              </a:rPr>
+              <a:t>gồm</a:t>
+            </a:r>
+            <a:r>
+              <a:rPr lang="en-US" sz="2400" dirty="0" smtClean="0">
+                <a:latin typeface="Times New Roman" pitchFamily="18" charset="0"/>
+                <a:cs typeface="Times New Roman" pitchFamily="18" charset="0"/>
+              </a:rPr>
+              <a:t>:</a:t>
+            </a:r>
+          </a:p>
+          <a:p>
+            <a:pPr>
+              <a:buFontTx/>
+              <a:buChar char="-"/>
+            </a:pPr>
+            <a:r>
+              <a:rPr lang="en-US" sz="2400" dirty="0" smtClean="0">
+                <a:latin typeface="Times New Roman" pitchFamily="18" charset="0"/>
+                <a:cs typeface="Times New Roman" pitchFamily="18" charset="0"/>
+              </a:rPr>
+              <a:t>Header (</a:t>
+            </a:r>
+            <a:r>
+              <a:rPr lang="en-US" sz="2400" dirty="0" err="1" smtClean="0">
+                <a:latin typeface="Times New Roman" pitchFamily="18" charset="0"/>
+                <a:cs typeface="Times New Roman" pitchFamily="18" charset="0"/>
+              </a:rPr>
+              <a:t>nav</a:t>
+            </a:r>
+            <a:r>
+              <a:rPr lang="en-US" sz="2400" dirty="0" smtClean="0">
+                <a:latin typeface="Times New Roman" pitchFamily="18" charset="0"/>
+                <a:cs typeface="Times New Roman" pitchFamily="18" charset="0"/>
+              </a:rPr>
+              <a:t> and banner)</a:t>
+            </a:r>
+          </a:p>
+          <a:p>
+            <a:pPr>
+              <a:buFontTx/>
+              <a:buChar char="-"/>
+            </a:pPr>
+            <a:r>
+              <a:rPr lang="en-US" sz="2400" dirty="0" smtClean="0">
+                <a:latin typeface="Times New Roman" pitchFamily="18" charset="0"/>
+                <a:cs typeface="Times New Roman" pitchFamily="18" charset="0"/>
+              </a:rPr>
+              <a:t>Content( right and left)</a:t>
+            </a:r>
+          </a:p>
+          <a:p>
+            <a:pPr>
+              <a:buFontTx/>
+              <a:buChar char="-"/>
+            </a:pPr>
+            <a:r>
+              <a:rPr lang="en-US" sz="2400" dirty="0" smtClean="0">
+                <a:latin typeface="Times New Roman" pitchFamily="18" charset="0"/>
+                <a:cs typeface="Times New Roman" pitchFamily="18" charset="0"/>
+              </a:rPr>
+              <a:t>Footer</a:t>
+            </a:r>
           </a:p>
         </p:txBody>
       </p:sp>
@@ -7411,7 +10979,7 @@
           <a:p>
             <a:fld id="{3805247F-6ACC-47F2-B107-A401F66D3D80}" type="datetime1">
               <a:rPr lang="en-US" smtClean="0"/>
-              <a:t>5/10/2018</a:t>
+              <a:t>6/7/2018</a:t>
             </a:fld>
             <a:endParaRPr lang="en-US" dirty="0"/>
           </a:p>
@@ -7473,10 +11041,743 @@
           </a:p>
         </p:txBody>
       </p:sp>
+      <p:pic>
+        <p:nvPicPr>
+          <p:cNvPr id="12" name="Picture 11"/>
+          <p:cNvPicPr/>
+          <p:nvPr/>
+        </p:nvPicPr>
+        <p:blipFill>
+          <a:blip r:embed="rId4" cstate="print">
+            <a:extLst>
+              <a:ext uri="{28A0092B-C50C-407E-A947-70E740481C1C}">
+                <a14:useLocalDpi xmlns:a14="http://schemas.microsoft.com/office/drawing/2010/main" val="0"/>
+              </a:ext>
+            </a:extLst>
+          </a:blip>
+          <a:stretch>
+            <a:fillRect/>
+          </a:stretch>
+        </p:blipFill>
+        <p:spPr>
+          <a:xfrm>
+            <a:off x="5791200" y="1295400"/>
+            <a:ext cx="3159125" cy="5105400"/>
+          </a:xfrm>
+          <a:prstGeom prst="rect">
+            <a:avLst/>
+          </a:prstGeom>
+        </p:spPr>
+      </p:pic>
     </p:spTree>
     <p:extLst>
       <p:ext uri="{BB962C8B-B14F-4D97-AF65-F5344CB8AC3E}">
-        <p14:creationId xmlns:p14="http://schemas.microsoft.com/office/powerpoint/2010/main" val="408134462"/>
+        <p14:creationId xmlns:p14="http://schemas.microsoft.com/office/powerpoint/2010/main" val="1559180425"/>
+      </p:ext>
+    </p:extLst>
+  </p:cSld>
+  <p:clrMapOvr>
+    <a:masterClrMapping/>
+  </p:clrMapOvr>
+  <p:timing>
+    <p:tnLst>
+      <p:par>
+        <p:cTn id="1" dur="indefinite" restart="never" nodeType="tmRoot"/>
+      </p:par>
+    </p:tnLst>
+  </p:timing>
+</p:sld>
+</file>
+
+<file path=ppt/slides/slide8.xml><?xml version="1.0" encoding="utf-8"?>
+<p:sld xmlns:a="http://schemas.openxmlformats.org/drawingml/2006/main" xmlns:r="http://schemas.openxmlformats.org/officeDocument/2006/relationships" xmlns:p="http://schemas.openxmlformats.org/presentationml/2006/main">
+  <p:cSld>
+    <p:bg>
+      <p:bgPr>
+        <a:blipFill dpi="0" rotWithShape="1">
+          <a:blip r:embed="rId3">
+            <a:lum/>
+          </a:blip>
+          <a:srcRect/>
+          <a:stretch>
+            <a:fillRect/>
+          </a:stretch>
+        </a:blipFill>
+        <a:effectLst/>
+      </p:bgPr>
+    </p:bg>
+    <p:spTree>
+      <p:nvGrpSpPr>
+        <p:cNvPr id="1" name=""/>
+        <p:cNvGrpSpPr/>
+        <p:nvPr/>
+      </p:nvGrpSpPr>
+      <p:grpSpPr>
+        <a:xfrm>
+          <a:off x="0" y="0"/>
+          <a:ext cx="0" cy="0"/>
+          <a:chOff x="0" y="0"/>
+          <a:chExt cx="0" cy="0"/>
+        </a:xfrm>
+      </p:grpSpPr>
+      <p:sp>
+        <p:nvSpPr>
+          <p:cNvPr id="2" name="Title 1"/>
+          <p:cNvSpPr>
+            <a:spLocks noGrp="1"/>
+          </p:cNvSpPr>
+          <p:nvPr>
+            <p:ph type="title"/>
+          </p:nvPr>
+        </p:nvSpPr>
+        <p:spPr>
+          <a:xfrm>
+            <a:off x="1257300" y="533400"/>
+            <a:ext cx="7848600" cy="609600"/>
+          </a:xfrm>
+        </p:spPr>
+        <p:txBody>
+          <a:bodyPr>
+            <a:normAutofit fontScale="90000"/>
+          </a:bodyPr>
+          <a:lstStyle/>
+          <a:p>
+            <a:pPr algn="l"/>
+            <a:r>
+              <a:rPr lang="en-US" sz="3100" b="1" dirty="0" smtClean="0">
+                <a:latin typeface="Times New Roman" pitchFamily="18" charset="0"/>
+                <a:cs typeface="Times New Roman" pitchFamily="18" charset="0"/>
+              </a:rPr>
+              <a:t>3. </a:t>
+            </a:r>
+            <a:r>
+              <a:rPr lang="en-US" sz="3100" b="1" dirty="0" err="1" smtClean="0">
+                <a:latin typeface="Times New Roman" pitchFamily="18" charset="0"/>
+                <a:cs typeface="Times New Roman" pitchFamily="18" charset="0"/>
+              </a:rPr>
+              <a:t>Thiết</a:t>
+            </a:r>
+            <a:r>
+              <a:rPr lang="en-US" sz="3100" b="1" dirty="0" smtClean="0">
+                <a:latin typeface="Times New Roman" pitchFamily="18" charset="0"/>
+                <a:cs typeface="Times New Roman" pitchFamily="18" charset="0"/>
+              </a:rPr>
+              <a:t> </a:t>
+            </a:r>
+            <a:r>
+              <a:rPr lang="en-US" sz="3100" b="1" dirty="0" err="1" smtClean="0">
+                <a:latin typeface="Times New Roman" pitchFamily="18" charset="0"/>
+                <a:cs typeface="Times New Roman" pitchFamily="18" charset="0"/>
+              </a:rPr>
+              <a:t>kế</a:t>
+            </a:r>
+            <a:r>
+              <a:rPr lang="en-US" sz="3100" b="1" dirty="0" smtClean="0">
+                <a:latin typeface="Times New Roman" pitchFamily="18" charset="0"/>
+                <a:cs typeface="Times New Roman" pitchFamily="18" charset="0"/>
+              </a:rPr>
+              <a:t> </a:t>
+            </a:r>
+            <a:r>
+              <a:rPr lang="en-US" sz="3100" b="1" dirty="0" err="1" smtClean="0">
+                <a:latin typeface="Times New Roman" pitchFamily="18" charset="0"/>
+                <a:cs typeface="Times New Roman" pitchFamily="18" charset="0"/>
+              </a:rPr>
+              <a:t>hệ</a:t>
+            </a:r>
+            <a:r>
+              <a:rPr lang="en-US" sz="3100" b="1" dirty="0" smtClean="0">
+                <a:latin typeface="Times New Roman" pitchFamily="18" charset="0"/>
+                <a:cs typeface="Times New Roman" pitchFamily="18" charset="0"/>
+              </a:rPr>
+              <a:t> </a:t>
+            </a:r>
+            <a:r>
+              <a:rPr lang="en-US" sz="3100" b="1" dirty="0" err="1" smtClean="0">
+                <a:latin typeface="Times New Roman" pitchFamily="18" charset="0"/>
+                <a:cs typeface="Times New Roman" pitchFamily="18" charset="0"/>
+              </a:rPr>
+              <a:t>t</a:t>
+            </a:r>
+            <a:r>
+              <a:rPr lang="en-US" sz="3100" b="1" dirty="0" err="1" smtClean="0">
+                <a:latin typeface="Times New Roman" pitchFamily="18" charset="0"/>
+                <a:cs typeface="Times New Roman" pitchFamily="18" charset="0"/>
+              </a:rPr>
+              <a:t>hống</a:t>
+            </a:r>
+            <a:r>
+              <a:rPr lang="en-US" sz="3600" b="1" dirty="0" smtClean="0">
+                <a:latin typeface="Times New Roman" pitchFamily="18" charset="0"/>
+                <a:cs typeface="Times New Roman" pitchFamily="18" charset="0"/>
+              </a:rPr>
+              <a:t/>
+            </a:r>
+            <a:br>
+              <a:rPr lang="en-US" sz="3600" b="1" dirty="0" smtClean="0">
+                <a:latin typeface="Times New Roman" pitchFamily="18" charset="0"/>
+                <a:cs typeface="Times New Roman" pitchFamily="18" charset="0"/>
+              </a:rPr>
+            </a:br>
+            <a:r>
+              <a:rPr lang="en-US" sz="3600" b="1" dirty="0" smtClean="0">
+                <a:latin typeface="Times New Roman" pitchFamily="18" charset="0"/>
+                <a:cs typeface="Times New Roman" pitchFamily="18" charset="0"/>
+              </a:rPr>
+              <a:t>   </a:t>
+            </a:r>
+            <a:r>
+              <a:rPr lang="en-US" sz="2700" b="1" dirty="0" smtClean="0">
+                <a:latin typeface="Times New Roman" pitchFamily="18" charset="0"/>
+                <a:cs typeface="Times New Roman" pitchFamily="18" charset="0"/>
+              </a:rPr>
+              <a:t>3.3. </a:t>
+            </a:r>
+            <a:r>
+              <a:rPr lang="en-US" sz="2700" b="1" dirty="0" err="1">
+                <a:latin typeface="Times New Roman" pitchFamily="18" charset="0"/>
+                <a:cs typeface="Times New Roman" pitchFamily="18" charset="0"/>
+              </a:rPr>
+              <a:t>T</a:t>
+            </a:r>
+            <a:r>
+              <a:rPr lang="en-US" sz="2700" b="1" dirty="0" err="1" smtClean="0">
+                <a:latin typeface="Times New Roman" pitchFamily="18" charset="0"/>
+                <a:cs typeface="Times New Roman" pitchFamily="18" charset="0"/>
+              </a:rPr>
+              <a:t>hiết</a:t>
+            </a:r>
+            <a:r>
+              <a:rPr lang="en-US" sz="2700" b="1" dirty="0" smtClean="0">
+                <a:latin typeface="Times New Roman" pitchFamily="18" charset="0"/>
+                <a:cs typeface="Times New Roman" pitchFamily="18" charset="0"/>
+              </a:rPr>
+              <a:t> </a:t>
+            </a:r>
+            <a:r>
+              <a:rPr lang="en-US" sz="2700" b="1" dirty="0" err="1" smtClean="0">
+                <a:latin typeface="Times New Roman" pitchFamily="18" charset="0"/>
+                <a:cs typeface="Times New Roman" pitchFamily="18" charset="0"/>
+              </a:rPr>
+              <a:t>kế</a:t>
+            </a:r>
+            <a:r>
+              <a:rPr lang="en-US" sz="2700" b="1" dirty="0" smtClean="0">
+                <a:latin typeface="Times New Roman" pitchFamily="18" charset="0"/>
+                <a:cs typeface="Times New Roman" pitchFamily="18" charset="0"/>
+              </a:rPr>
+              <a:t> CSDL</a:t>
+            </a:r>
+            <a:r>
+              <a:rPr lang="en-US" sz="3200" dirty="0">
+                <a:latin typeface="Times New Roman" pitchFamily="18" charset="0"/>
+                <a:cs typeface="Times New Roman" pitchFamily="18" charset="0"/>
+              </a:rPr>
+              <a:t/>
+            </a:r>
+            <a:br>
+              <a:rPr lang="en-US" sz="3200" dirty="0">
+                <a:latin typeface="Times New Roman" pitchFamily="18" charset="0"/>
+                <a:cs typeface="Times New Roman" pitchFamily="18" charset="0"/>
+              </a:rPr>
+            </a:br>
+            <a:endParaRPr lang="en-US" sz="3600" b="1" dirty="0">
+              <a:latin typeface="Times New Roman" pitchFamily="18" charset="0"/>
+              <a:cs typeface="Times New Roman" pitchFamily="18" charset="0"/>
+            </a:endParaRPr>
+          </a:p>
+        </p:txBody>
+      </p:sp>
+      <p:sp>
+        <p:nvSpPr>
+          <p:cNvPr id="3" name="Content Placeholder 2"/>
+          <p:cNvSpPr>
+            <a:spLocks noGrp="1"/>
+          </p:cNvSpPr>
+          <p:nvPr>
+            <p:ph idx="1"/>
+          </p:nvPr>
+        </p:nvSpPr>
+        <p:spPr>
+          <a:xfrm>
+            <a:off x="1219200" y="1295400"/>
+            <a:ext cx="7772400" cy="5181600"/>
+          </a:xfrm>
+        </p:spPr>
+        <p:txBody>
+          <a:bodyPr>
+            <a:normAutofit/>
+          </a:bodyPr>
+          <a:lstStyle/>
+          <a:p>
+            <a:pPr marL="0" indent="0">
+              <a:buNone/>
+            </a:pPr>
+            <a:endParaRPr lang="en-US" sz="2400" dirty="0" smtClean="0">
+              <a:latin typeface="Times New Roman" pitchFamily="18" charset="0"/>
+              <a:cs typeface="Times New Roman" pitchFamily="18" charset="0"/>
+            </a:endParaRPr>
+          </a:p>
+        </p:txBody>
+      </p:sp>
+      <p:sp>
+        <p:nvSpPr>
+          <p:cNvPr id="7" name="Date Placeholder 6"/>
+          <p:cNvSpPr>
+            <a:spLocks noGrp="1"/>
+          </p:cNvSpPr>
+          <p:nvPr>
+            <p:ph type="dt" sz="half" idx="10"/>
+          </p:nvPr>
+        </p:nvSpPr>
+        <p:spPr>
+          <a:xfrm>
+            <a:off x="1143000" y="6492875"/>
+            <a:ext cx="2133600" cy="365125"/>
+          </a:xfrm>
+        </p:spPr>
+        <p:txBody>
+          <a:bodyPr/>
+          <a:lstStyle/>
+          <a:p>
+            <a:fld id="{3805247F-6ACC-47F2-B107-A401F66D3D80}" type="datetime1">
+              <a:rPr lang="en-US" smtClean="0"/>
+              <a:t>6/7/2018</a:t>
+            </a:fld>
+            <a:endParaRPr lang="en-US" dirty="0"/>
+          </a:p>
+        </p:txBody>
+      </p:sp>
+      <p:sp>
+        <p:nvSpPr>
+          <p:cNvPr id="8" name="Footer Placeholder 7"/>
+          <p:cNvSpPr>
+            <a:spLocks noGrp="1"/>
+          </p:cNvSpPr>
+          <p:nvPr>
+            <p:ph type="ftr" sz="quarter" idx="11"/>
+          </p:nvPr>
+        </p:nvSpPr>
+        <p:spPr>
+          <a:xfrm>
+            <a:off x="3124200" y="6479020"/>
+            <a:ext cx="2895600" cy="365125"/>
+          </a:xfrm>
+        </p:spPr>
+        <p:txBody>
+          <a:bodyPr/>
+          <a:lstStyle/>
+          <a:p>
+            <a:r>
+              <a:rPr lang="vi-VN" dirty="0" smtClean="0"/>
+              <a:t>Nguyễn Công Sơn _ INPG12 _ K58</a:t>
+            </a:r>
+            <a:endParaRPr lang="en-US" dirty="0"/>
+          </a:p>
+        </p:txBody>
+      </p:sp>
+      <p:sp>
+        <p:nvSpPr>
+          <p:cNvPr id="9" name="Slide Number Placeholder 8"/>
+          <p:cNvSpPr>
+            <a:spLocks noGrp="1"/>
+          </p:cNvSpPr>
+          <p:nvPr>
+            <p:ph type="sldNum" sz="quarter" idx="12"/>
+          </p:nvPr>
+        </p:nvSpPr>
+        <p:spPr>
+          <a:xfrm>
+            <a:off x="6553200" y="6492875"/>
+            <a:ext cx="2133600" cy="365125"/>
+          </a:xfrm>
+        </p:spPr>
+        <p:txBody>
+          <a:bodyPr/>
+          <a:lstStyle/>
+          <a:p>
+            <a:fld id="{1815C771-616B-4028-867A-3CFF73E32554}" type="slidenum">
+              <a:rPr lang="en-US" smtClean="0"/>
+              <a:t>8</a:t>
+            </a:fld>
+            <a:endParaRPr lang="en-US" dirty="0"/>
+          </a:p>
+        </p:txBody>
+      </p:sp>
+    </p:spTree>
+    <p:extLst>
+      <p:ext uri="{BB962C8B-B14F-4D97-AF65-F5344CB8AC3E}">
+        <p14:creationId xmlns:p14="http://schemas.microsoft.com/office/powerpoint/2010/main" val="3075892855"/>
+      </p:ext>
+    </p:extLst>
+  </p:cSld>
+  <p:clrMapOvr>
+    <a:masterClrMapping/>
+  </p:clrMapOvr>
+  <p:timing>
+    <p:tnLst>
+      <p:par>
+        <p:cTn id="1" dur="indefinite" restart="never" nodeType="tmRoot"/>
+      </p:par>
+    </p:tnLst>
+  </p:timing>
+</p:sld>
+</file>
+
+<file path=ppt/slides/slide9.xml><?xml version="1.0" encoding="utf-8"?>
+<p:sld xmlns:a="http://schemas.openxmlformats.org/drawingml/2006/main" xmlns:r="http://schemas.openxmlformats.org/officeDocument/2006/relationships" xmlns:p="http://schemas.openxmlformats.org/presentationml/2006/main">
+  <p:cSld>
+    <p:bg>
+      <p:bgPr>
+        <a:blipFill dpi="0" rotWithShape="1">
+          <a:blip r:embed="rId3">
+            <a:lum/>
+          </a:blip>
+          <a:srcRect/>
+          <a:stretch>
+            <a:fillRect/>
+          </a:stretch>
+        </a:blipFill>
+        <a:effectLst/>
+      </p:bgPr>
+    </p:bg>
+    <p:spTree>
+      <p:nvGrpSpPr>
+        <p:cNvPr id="1" name=""/>
+        <p:cNvGrpSpPr/>
+        <p:nvPr/>
+      </p:nvGrpSpPr>
+      <p:grpSpPr>
+        <a:xfrm>
+          <a:off x="0" y="0"/>
+          <a:ext cx="0" cy="0"/>
+          <a:chOff x="0" y="0"/>
+          <a:chExt cx="0" cy="0"/>
+        </a:xfrm>
+      </p:grpSpPr>
+      <p:sp>
+        <p:nvSpPr>
+          <p:cNvPr id="2" name="Title 1"/>
+          <p:cNvSpPr>
+            <a:spLocks noGrp="1"/>
+          </p:cNvSpPr>
+          <p:nvPr>
+            <p:ph type="title"/>
+          </p:nvPr>
+        </p:nvSpPr>
+        <p:spPr>
+          <a:xfrm>
+            <a:off x="1257300" y="533400"/>
+            <a:ext cx="7848600" cy="609600"/>
+          </a:xfrm>
+        </p:spPr>
+        <p:txBody>
+          <a:bodyPr>
+            <a:normAutofit fontScale="90000"/>
+          </a:bodyPr>
+          <a:lstStyle/>
+          <a:p>
+            <a:pPr algn="l"/>
+            <a:r>
+              <a:rPr lang="en-US" sz="3100" b="1" dirty="0" smtClean="0">
+                <a:latin typeface="Times New Roman" pitchFamily="18" charset="0"/>
+                <a:cs typeface="Times New Roman" pitchFamily="18" charset="0"/>
+              </a:rPr>
+              <a:t>3. </a:t>
+            </a:r>
+            <a:r>
+              <a:rPr lang="en-US" sz="3100" b="1" dirty="0" err="1" smtClean="0">
+                <a:latin typeface="Times New Roman" pitchFamily="18" charset="0"/>
+                <a:cs typeface="Times New Roman" pitchFamily="18" charset="0"/>
+              </a:rPr>
+              <a:t>Thiết</a:t>
+            </a:r>
+            <a:r>
+              <a:rPr lang="en-US" sz="3100" b="1" dirty="0" smtClean="0">
+                <a:latin typeface="Times New Roman" pitchFamily="18" charset="0"/>
+                <a:cs typeface="Times New Roman" pitchFamily="18" charset="0"/>
+              </a:rPr>
+              <a:t> </a:t>
+            </a:r>
+            <a:r>
+              <a:rPr lang="en-US" sz="3100" b="1" dirty="0" err="1" smtClean="0">
+                <a:latin typeface="Times New Roman" pitchFamily="18" charset="0"/>
+                <a:cs typeface="Times New Roman" pitchFamily="18" charset="0"/>
+              </a:rPr>
+              <a:t>kế</a:t>
+            </a:r>
+            <a:r>
+              <a:rPr lang="en-US" sz="3100" b="1" dirty="0" smtClean="0">
+                <a:latin typeface="Times New Roman" pitchFamily="18" charset="0"/>
+                <a:cs typeface="Times New Roman" pitchFamily="18" charset="0"/>
+              </a:rPr>
+              <a:t> </a:t>
+            </a:r>
+            <a:r>
+              <a:rPr lang="en-US" sz="3100" b="1" dirty="0" err="1" smtClean="0">
+                <a:latin typeface="Times New Roman" pitchFamily="18" charset="0"/>
+                <a:cs typeface="Times New Roman" pitchFamily="18" charset="0"/>
+              </a:rPr>
+              <a:t>hệ</a:t>
+            </a:r>
+            <a:r>
+              <a:rPr lang="en-US" sz="3100" b="1" dirty="0" smtClean="0">
+                <a:latin typeface="Times New Roman" pitchFamily="18" charset="0"/>
+                <a:cs typeface="Times New Roman" pitchFamily="18" charset="0"/>
+              </a:rPr>
+              <a:t> </a:t>
+            </a:r>
+            <a:r>
+              <a:rPr lang="en-US" sz="3100" b="1" dirty="0" err="1" smtClean="0">
+                <a:latin typeface="Times New Roman" pitchFamily="18" charset="0"/>
+                <a:cs typeface="Times New Roman" pitchFamily="18" charset="0"/>
+              </a:rPr>
+              <a:t>t</a:t>
+            </a:r>
+            <a:r>
+              <a:rPr lang="en-US" sz="3100" b="1" dirty="0" err="1" smtClean="0">
+                <a:latin typeface="Times New Roman" pitchFamily="18" charset="0"/>
+                <a:cs typeface="Times New Roman" pitchFamily="18" charset="0"/>
+              </a:rPr>
+              <a:t>hống</a:t>
+            </a:r>
+            <a:r>
+              <a:rPr lang="en-US" sz="3600" b="1" dirty="0" smtClean="0">
+                <a:latin typeface="Times New Roman" pitchFamily="18" charset="0"/>
+                <a:cs typeface="Times New Roman" pitchFamily="18" charset="0"/>
+              </a:rPr>
+              <a:t/>
+            </a:r>
+            <a:br>
+              <a:rPr lang="en-US" sz="3600" b="1" dirty="0" smtClean="0">
+                <a:latin typeface="Times New Roman" pitchFamily="18" charset="0"/>
+                <a:cs typeface="Times New Roman" pitchFamily="18" charset="0"/>
+              </a:rPr>
+            </a:br>
+            <a:r>
+              <a:rPr lang="en-US" sz="3600" b="1" dirty="0" smtClean="0">
+                <a:latin typeface="Times New Roman" pitchFamily="18" charset="0"/>
+                <a:cs typeface="Times New Roman" pitchFamily="18" charset="0"/>
+              </a:rPr>
+              <a:t>   </a:t>
+            </a:r>
+            <a:r>
+              <a:rPr lang="en-US" sz="2700" b="1" dirty="0" smtClean="0">
+                <a:latin typeface="Times New Roman" pitchFamily="18" charset="0"/>
+                <a:cs typeface="Times New Roman" pitchFamily="18" charset="0"/>
+              </a:rPr>
+              <a:t>3.3. </a:t>
+            </a:r>
+            <a:r>
+              <a:rPr lang="en-US" sz="2700" b="1" dirty="0" err="1">
+                <a:latin typeface="Times New Roman" pitchFamily="18" charset="0"/>
+                <a:cs typeface="Times New Roman" pitchFamily="18" charset="0"/>
+              </a:rPr>
+              <a:t>T</a:t>
+            </a:r>
+            <a:r>
+              <a:rPr lang="en-US" sz="2700" b="1" dirty="0" err="1" smtClean="0">
+                <a:latin typeface="Times New Roman" pitchFamily="18" charset="0"/>
+                <a:cs typeface="Times New Roman" pitchFamily="18" charset="0"/>
+              </a:rPr>
+              <a:t>hiết</a:t>
+            </a:r>
+            <a:r>
+              <a:rPr lang="en-US" sz="2700" b="1" dirty="0" smtClean="0">
+                <a:latin typeface="Times New Roman" pitchFamily="18" charset="0"/>
+                <a:cs typeface="Times New Roman" pitchFamily="18" charset="0"/>
+              </a:rPr>
+              <a:t> </a:t>
+            </a:r>
+            <a:r>
+              <a:rPr lang="en-US" sz="2700" b="1" dirty="0" err="1" smtClean="0">
+                <a:latin typeface="Times New Roman" pitchFamily="18" charset="0"/>
+                <a:cs typeface="Times New Roman" pitchFamily="18" charset="0"/>
+              </a:rPr>
+              <a:t>kế</a:t>
+            </a:r>
+            <a:r>
+              <a:rPr lang="en-US" sz="2700" b="1" dirty="0">
+                <a:latin typeface="Times New Roman" pitchFamily="18" charset="0"/>
+                <a:cs typeface="Times New Roman" pitchFamily="18" charset="0"/>
+              </a:rPr>
+              <a:t> </a:t>
+            </a:r>
+            <a:r>
+              <a:rPr lang="en-US" sz="2700" b="1" dirty="0" smtClean="0">
+                <a:latin typeface="Times New Roman" pitchFamily="18" charset="0"/>
+                <a:cs typeface="Times New Roman" pitchFamily="18" charset="0"/>
+              </a:rPr>
+              <a:t>so </a:t>
+            </a:r>
+            <a:r>
+              <a:rPr lang="en-US" sz="2700" b="1" dirty="0" err="1" smtClean="0">
+                <a:latin typeface="Times New Roman" pitchFamily="18" charset="0"/>
+                <a:cs typeface="Times New Roman" pitchFamily="18" charset="0"/>
+              </a:rPr>
+              <a:t>khớp</a:t>
+            </a:r>
+            <a:r>
+              <a:rPr lang="en-US" sz="2700" b="1" dirty="0" smtClean="0">
+                <a:latin typeface="Times New Roman" pitchFamily="18" charset="0"/>
+                <a:cs typeface="Times New Roman" pitchFamily="18" charset="0"/>
+              </a:rPr>
+              <a:t> </a:t>
+            </a:r>
+            <a:r>
+              <a:rPr lang="en-US" sz="2700" b="1" dirty="0" err="1" smtClean="0">
+                <a:latin typeface="Times New Roman" pitchFamily="18" charset="0"/>
+                <a:cs typeface="Times New Roman" pitchFamily="18" charset="0"/>
+              </a:rPr>
+              <a:t>thông</a:t>
+            </a:r>
+            <a:r>
+              <a:rPr lang="en-US" sz="2700" b="1" dirty="0" smtClean="0">
+                <a:latin typeface="Times New Roman" pitchFamily="18" charset="0"/>
+                <a:cs typeface="Times New Roman" pitchFamily="18" charset="0"/>
+              </a:rPr>
+              <a:t> tin</a:t>
+            </a:r>
+            <a:r>
+              <a:rPr lang="en-US" sz="3200" dirty="0">
+                <a:latin typeface="Times New Roman" pitchFamily="18" charset="0"/>
+                <a:cs typeface="Times New Roman" pitchFamily="18" charset="0"/>
+              </a:rPr>
+              <a:t/>
+            </a:r>
+            <a:br>
+              <a:rPr lang="en-US" sz="3200" dirty="0">
+                <a:latin typeface="Times New Roman" pitchFamily="18" charset="0"/>
+                <a:cs typeface="Times New Roman" pitchFamily="18" charset="0"/>
+              </a:rPr>
+            </a:br>
+            <a:endParaRPr lang="en-US" sz="3600" b="1" dirty="0">
+              <a:latin typeface="Times New Roman" pitchFamily="18" charset="0"/>
+              <a:cs typeface="Times New Roman" pitchFamily="18" charset="0"/>
+            </a:endParaRPr>
+          </a:p>
+        </p:txBody>
+      </p:sp>
+      <p:sp>
+        <p:nvSpPr>
+          <p:cNvPr id="3" name="Content Placeholder 2"/>
+          <p:cNvSpPr>
+            <a:spLocks noGrp="1"/>
+          </p:cNvSpPr>
+          <p:nvPr>
+            <p:ph idx="1"/>
+          </p:nvPr>
+        </p:nvSpPr>
+        <p:spPr>
+          <a:xfrm>
+            <a:off x="1219200" y="1295400"/>
+            <a:ext cx="7772400" cy="5181600"/>
+          </a:xfrm>
+        </p:spPr>
+        <p:txBody>
+          <a:bodyPr>
+            <a:normAutofit/>
+          </a:bodyPr>
+          <a:lstStyle/>
+          <a:p>
+            <a:pPr marL="0" indent="0">
+              <a:buNone/>
+            </a:pPr>
+            <a:endParaRPr lang="en-US" sz="2400" dirty="0" smtClean="0">
+              <a:latin typeface="Times New Roman" pitchFamily="18" charset="0"/>
+              <a:cs typeface="Times New Roman" pitchFamily="18" charset="0"/>
+            </a:endParaRPr>
+          </a:p>
+        </p:txBody>
+      </p:sp>
+      <p:sp>
+        <p:nvSpPr>
+          <p:cNvPr id="7" name="Date Placeholder 6"/>
+          <p:cNvSpPr>
+            <a:spLocks noGrp="1"/>
+          </p:cNvSpPr>
+          <p:nvPr>
+            <p:ph type="dt" sz="half" idx="10"/>
+          </p:nvPr>
+        </p:nvSpPr>
+        <p:spPr>
+          <a:xfrm>
+            <a:off x="1143000" y="6492875"/>
+            <a:ext cx="2133600" cy="365125"/>
+          </a:xfrm>
+        </p:spPr>
+        <p:txBody>
+          <a:bodyPr/>
+          <a:lstStyle/>
+          <a:p>
+            <a:fld id="{3805247F-6ACC-47F2-B107-A401F66D3D80}" type="datetime1">
+              <a:rPr lang="en-US" smtClean="0"/>
+              <a:t>6/7/2018</a:t>
+            </a:fld>
+            <a:endParaRPr lang="en-US" dirty="0"/>
+          </a:p>
+        </p:txBody>
+      </p:sp>
+      <p:sp>
+        <p:nvSpPr>
+          <p:cNvPr id="8" name="Footer Placeholder 7"/>
+          <p:cNvSpPr>
+            <a:spLocks noGrp="1"/>
+          </p:cNvSpPr>
+          <p:nvPr>
+            <p:ph type="ftr" sz="quarter" idx="11"/>
+          </p:nvPr>
+        </p:nvSpPr>
+        <p:spPr>
+          <a:xfrm>
+            <a:off x="3124200" y="6479020"/>
+            <a:ext cx="2895600" cy="365125"/>
+          </a:xfrm>
+        </p:spPr>
+        <p:txBody>
+          <a:bodyPr/>
+          <a:lstStyle/>
+          <a:p>
+            <a:r>
+              <a:rPr lang="vi-VN" dirty="0" smtClean="0"/>
+              <a:t>Nguyễn Công Sơn _ INPG12 _ K58</a:t>
+            </a:r>
+            <a:endParaRPr lang="en-US" dirty="0"/>
+          </a:p>
+        </p:txBody>
+      </p:sp>
+      <p:sp>
+        <p:nvSpPr>
+          <p:cNvPr id="9" name="Slide Number Placeholder 8"/>
+          <p:cNvSpPr>
+            <a:spLocks noGrp="1"/>
+          </p:cNvSpPr>
+          <p:nvPr>
+            <p:ph type="sldNum" sz="quarter" idx="12"/>
+          </p:nvPr>
+        </p:nvSpPr>
+        <p:spPr>
+          <a:xfrm>
+            <a:off x="6553200" y="6492875"/>
+            <a:ext cx="2133600" cy="365125"/>
+          </a:xfrm>
+        </p:spPr>
+        <p:txBody>
+          <a:bodyPr/>
+          <a:lstStyle/>
+          <a:p>
+            <a:fld id="{1815C771-616B-4028-867A-3CFF73E32554}" type="slidenum">
+              <a:rPr lang="en-US" smtClean="0"/>
+              <a:t>9</a:t>
+            </a:fld>
+            <a:endParaRPr lang="en-US" dirty="0"/>
+          </a:p>
+        </p:txBody>
+      </p:sp>
+    </p:spTree>
+    <p:extLst>
+      <p:ext uri="{BB962C8B-B14F-4D97-AF65-F5344CB8AC3E}">
+        <p14:creationId xmlns:p14="http://schemas.microsoft.com/office/powerpoint/2010/main" val="2176093226"/>
       </p:ext>
     </p:extLst>
   </p:cSld>

--- a/SLIDE ĐỒ ÁN TỐT NGHIỆP.pptx
+++ b/SLIDE ĐỒ ÁN TỐT NGHIỆP.pptx
@@ -5,25 +5,34 @@
     <p:sldMasterId id="2147483648" r:id="rId1"/>
   </p:sldMasterIdLst>
   <p:notesMasterIdLst>
-    <p:notesMasterId r:id="rId15"/>
+    <p:notesMasterId r:id="rId24"/>
   </p:notesMasterIdLst>
   <p:handoutMasterIdLst>
-    <p:handoutMasterId r:id="rId16"/>
+    <p:handoutMasterId r:id="rId25"/>
   </p:handoutMasterIdLst>
   <p:sldIdLst>
     <p:sldId id="256" r:id="rId2"/>
     <p:sldId id="257" r:id="rId3"/>
     <p:sldId id="258" r:id="rId4"/>
-    <p:sldId id="262" r:id="rId5"/>
-    <p:sldId id="259" r:id="rId6"/>
-    <p:sldId id="264" r:id="rId7"/>
-    <p:sldId id="265" r:id="rId8"/>
-    <p:sldId id="266" r:id="rId9"/>
-    <p:sldId id="267" r:id="rId10"/>
-    <p:sldId id="263" r:id="rId11"/>
-    <p:sldId id="268" r:id="rId12"/>
-    <p:sldId id="269" r:id="rId13"/>
-    <p:sldId id="260" r:id="rId14"/>
+    <p:sldId id="281" r:id="rId5"/>
+    <p:sldId id="262" r:id="rId6"/>
+    <p:sldId id="282" r:id="rId7"/>
+    <p:sldId id="283" r:id="rId8"/>
+    <p:sldId id="284" r:id="rId9"/>
+    <p:sldId id="286" r:id="rId10"/>
+    <p:sldId id="264" r:id="rId11"/>
+    <p:sldId id="265" r:id="rId12"/>
+    <p:sldId id="266" r:id="rId13"/>
+    <p:sldId id="267" r:id="rId14"/>
+    <p:sldId id="270" r:id="rId15"/>
+    <p:sldId id="277" r:id="rId16"/>
+    <p:sldId id="278" r:id="rId17"/>
+    <p:sldId id="280" r:id="rId18"/>
+    <p:sldId id="279" r:id="rId19"/>
+    <p:sldId id="287" r:id="rId20"/>
+    <p:sldId id="268" r:id="rId21"/>
+    <p:sldId id="269" r:id="rId22"/>
+    <p:sldId id="260" r:id="rId23"/>
   </p:sldIdLst>
   <p:sldSz cx="9144000" cy="6858000" type="screen4x3"/>
   <p:notesSz cx="6858000" cy="9144000"/>
@@ -211,7 +220,7 @@
           <a:p>
             <a:fld id="{F3B3D6D5-6E26-4E92-9442-E78C0B8103E6}" type="datetimeFigureOut">
               <a:rPr lang="en-US" smtClean="0"/>
-              <a:t>6/7/2018</a:t>
+              <a:t>6/9/2018</a:t>
             </a:fld>
             <a:endParaRPr lang="en-US"/>
           </a:p>
@@ -385,7 +394,7 @@
           <a:p>
             <a:fld id="{E891C6CE-094C-492D-8A66-5863DB4924C7}" type="datetimeFigureOut">
               <a:rPr lang="en-US" smtClean="0"/>
-              <a:t>6/7/2018</a:t>
+              <a:t>6/9/2018</a:t>
             </a:fld>
             <a:endParaRPr lang="en-US"/>
           </a:p>
@@ -746,7 +755,7 @@
           <a:p>
             <a:fld id="{7AAE7F12-AD10-4B04-8C13-A90A84B01E95}" type="datetime1">
               <a:rPr lang="en-US" smtClean="0"/>
-              <a:t>6/7/2018</a:t>
+              <a:t>6/9/2018</a:t>
             </a:fld>
             <a:endParaRPr lang="en-US"/>
           </a:p>
@@ -899,7 +908,7 @@
           <a:p>
             <a:fld id="{24259DB3-502C-44B5-8A56-0862EEAC82E1}" type="datetime1">
               <a:rPr lang="en-US" smtClean="0"/>
-              <a:t>6/7/2018</a:t>
+              <a:t>6/9/2018</a:t>
             </a:fld>
             <a:endParaRPr lang="en-US"/>
           </a:p>
@@ -1052,7 +1061,7 @@
           <a:p>
             <a:fld id="{24259DB3-502C-44B5-8A56-0862EEAC82E1}" type="datetime1">
               <a:rPr lang="en-US" smtClean="0"/>
-              <a:t>6/7/2018</a:t>
+              <a:t>6/9/2018</a:t>
             </a:fld>
             <a:endParaRPr lang="en-US"/>
           </a:p>
@@ -1205,7 +1214,1078 @@
           <a:p>
             <a:fld id="{24259DB3-502C-44B5-8A56-0862EEAC82E1}" type="datetime1">
               <a:rPr lang="en-US" smtClean="0"/>
-              <a:t>6/7/2018</a:t>
+              <a:t>6/9/2018</a:t>
+            </a:fld>
+            <a:endParaRPr lang="en-US"/>
+          </a:p>
+        </p:txBody>
+      </p:sp>
+      <p:sp>
+        <p:nvSpPr>
+          <p:cNvPr id="6" name="Footer Placeholder 5"/>
+          <p:cNvSpPr>
+            <a:spLocks noGrp="1"/>
+          </p:cNvSpPr>
+          <p:nvPr>
+            <p:ph type="ftr" sz="quarter" idx="12"/>
+          </p:nvPr>
+        </p:nvSpPr>
+        <p:spPr/>
+        <p:txBody>
+          <a:bodyPr/>
+          <a:lstStyle/>
+          <a:p>
+            <a:r>
+              <a:rPr lang="vi-VN" smtClean="0"/>
+              <a:t>Nguyễn Công Sơn _ INPG12 _ K58</a:t>
+            </a:r>
+            <a:endParaRPr lang="en-US"/>
+          </a:p>
+        </p:txBody>
+      </p:sp>
+      <p:sp>
+        <p:nvSpPr>
+          <p:cNvPr id="7" name="Header Placeholder 6"/>
+          <p:cNvSpPr>
+            <a:spLocks noGrp="1"/>
+          </p:cNvSpPr>
+          <p:nvPr>
+            <p:ph type="hdr" sz="quarter" idx="13"/>
+          </p:nvPr>
+        </p:nvSpPr>
+        <p:spPr/>
+        <p:txBody>
+          <a:bodyPr/>
+          <a:lstStyle/>
+          <a:p>
+            <a:r>
+              <a:rPr lang="en-US" smtClean="0"/>
+              <a:t>ĐỒ ÁN TỐT NGHIỆP ĐẠI HỌC</a:t>
+            </a:r>
+            <a:endParaRPr lang="en-US"/>
+          </a:p>
+        </p:txBody>
+      </p:sp>
+    </p:spTree>
+    <p:extLst>
+      <p:ext uri="{BB962C8B-B14F-4D97-AF65-F5344CB8AC3E}">
+        <p14:creationId xmlns:p14="http://schemas.microsoft.com/office/powerpoint/2010/main" val="832469303"/>
+      </p:ext>
+    </p:extLst>
+  </p:cSld>
+  <p:clrMapOvr>
+    <a:masterClrMapping/>
+  </p:clrMapOvr>
+</p:notes>
+</file>
+
+<file path=ppt/notesSlides/notesSlide13.xml><?xml version="1.0" encoding="utf-8"?>
+<p:notes xmlns:a="http://schemas.openxmlformats.org/drawingml/2006/main" xmlns:r="http://schemas.openxmlformats.org/officeDocument/2006/relationships" xmlns:p="http://schemas.openxmlformats.org/presentationml/2006/main">
+  <p:cSld>
+    <p:spTree>
+      <p:nvGrpSpPr>
+        <p:cNvPr id="1" name=""/>
+        <p:cNvGrpSpPr/>
+        <p:nvPr/>
+      </p:nvGrpSpPr>
+      <p:grpSpPr>
+        <a:xfrm>
+          <a:off x="0" y="0"/>
+          <a:ext cx="0" cy="0"/>
+          <a:chOff x="0" y="0"/>
+          <a:chExt cx="0" cy="0"/>
+        </a:xfrm>
+      </p:grpSpPr>
+      <p:sp>
+        <p:nvSpPr>
+          <p:cNvPr id="2" name="Slide Image Placeholder 1"/>
+          <p:cNvSpPr>
+            <a:spLocks noGrp="1" noRot="1" noChangeAspect="1"/>
+          </p:cNvSpPr>
+          <p:nvPr>
+            <p:ph type="sldImg"/>
+          </p:nvPr>
+        </p:nvSpPr>
+        <p:spPr/>
+      </p:sp>
+      <p:sp>
+        <p:nvSpPr>
+          <p:cNvPr id="3" name="Notes Placeholder 2"/>
+          <p:cNvSpPr>
+            <a:spLocks noGrp="1"/>
+          </p:cNvSpPr>
+          <p:nvPr>
+            <p:ph type="body" idx="1"/>
+          </p:nvPr>
+        </p:nvSpPr>
+        <p:spPr/>
+        <p:txBody>
+          <a:bodyPr/>
+          <a:lstStyle/>
+          <a:p>
+            <a:endParaRPr lang="en-US" dirty="0"/>
+          </a:p>
+        </p:txBody>
+      </p:sp>
+      <p:sp>
+        <p:nvSpPr>
+          <p:cNvPr id="4" name="Slide Number Placeholder 3"/>
+          <p:cNvSpPr>
+            <a:spLocks noGrp="1"/>
+          </p:cNvSpPr>
+          <p:nvPr>
+            <p:ph type="sldNum" sz="quarter" idx="10"/>
+          </p:nvPr>
+        </p:nvSpPr>
+        <p:spPr/>
+        <p:txBody>
+          <a:bodyPr/>
+          <a:lstStyle/>
+          <a:p>
+            <a:fld id="{B496AA6E-12F2-4AD7-A79B-9CBC8622702A}" type="slidenum">
+              <a:rPr lang="en-US" smtClean="0"/>
+              <a:t>14</a:t>
+            </a:fld>
+            <a:endParaRPr lang="en-US"/>
+          </a:p>
+        </p:txBody>
+      </p:sp>
+      <p:sp>
+        <p:nvSpPr>
+          <p:cNvPr id="5" name="Date Placeholder 4"/>
+          <p:cNvSpPr>
+            <a:spLocks noGrp="1"/>
+          </p:cNvSpPr>
+          <p:nvPr>
+            <p:ph type="dt" idx="11"/>
+          </p:nvPr>
+        </p:nvSpPr>
+        <p:spPr/>
+        <p:txBody>
+          <a:bodyPr/>
+          <a:lstStyle/>
+          <a:p>
+            <a:fld id="{24259DB3-502C-44B5-8A56-0862EEAC82E1}" type="datetime1">
+              <a:rPr lang="en-US" smtClean="0"/>
+              <a:t>6/9/2018</a:t>
+            </a:fld>
+            <a:endParaRPr lang="en-US"/>
+          </a:p>
+        </p:txBody>
+      </p:sp>
+      <p:sp>
+        <p:nvSpPr>
+          <p:cNvPr id="6" name="Footer Placeholder 5"/>
+          <p:cNvSpPr>
+            <a:spLocks noGrp="1"/>
+          </p:cNvSpPr>
+          <p:nvPr>
+            <p:ph type="ftr" sz="quarter" idx="12"/>
+          </p:nvPr>
+        </p:nvSpPr>
+        <p:spPr/>
+        <p:txBody>
+          <a:bodyPr/>
+          <a:lstStyle/>
+          <a:p>
+            <a:r>
+              <a:rPr lang="vi-VN" smtClean="0"/>
+              <a:t>Nguyễn Công Sơn _ INPG12 _ K58</a:t>
+            </a:r>
+            <a:endParaRPr lang="en-US"/>
+          </a:p>
+        </p:txBody>
+      </p:sp>
+      <p:sp>
+        <p:nvSpPr>
+          <p:cNvPr id="7" name="Header Placeholder 6"/>
+          <p:cNvSpPr>
+            <a:spLocks noGrp="1"/>
+          </p:cNvSpPr>
+          <p:nvPr>
+            <p:ph type="hdr" sz="quarter" idx="13"/>
+          </p:nvPr>
+        </p:nvSpPr>
+        <p:spPr/>
+        <p:txBody>
+          <a:bodyPr/>
+          <a:lstStyle/>
+          <a:p>
+            <a:r>
+              <a:rPr lang="en-US" smtClean="0"/>
+              <a:t>ĐỒ ÁN TỐT NGHIỆP ĐẠI HỌC</a:t>
+            </a:r>
+            <a:endParaRPr lang="en-US"/>
+          </a:p>
+        </p:txBody>
+      </p:sp>
+    </p:spTree>
+    <p:extLst>
+      <p:ext uri="{BB962C8B-B14F-4D97-AF65-F5344CB8AC3E}">
+        <p14:creationId xmlns:p14="http://schemas.microsoft.com/office/powerpoint/2010/main" val="832469303"/>
+      </p:ext>
+    </p:extLst>
+  </p:cSld>
+  <p:clrMapOvr>
+    <a:masterClrMapping/>
+  </p:clrMapOvr>
+</p:notes>
+</file>
+
+<file path=ppt/notesSlides/notesSlide14.xml><?xml version="1.0" encoding="utf-8"?>
+<p:notes xmlns:a="http://schemas.openxmlformats.org/drawingml/2006/main" xmlns:r="http://schemas.openxmlformats.org/officeDocument/2006/relationships" xmlns:p="http://schemas.openxmlformats.org/presentationml/2006/main">
+  <p:cSld>
+    <p:spTree>
+      <p:nvGrpSpPr>
+        <p:cNvPr id="1" name=""/>
+        <p:cNvGrpSpPr/>
+        <p:nvPr/>
+      </p:nvGrpSpPr>
+      <p:grpSpPr>
+        <a:xfrm>
+          <a:off x="0" y="0"/>
+          <a:ext cx="0" cy="0"/>
+          <a:chOff x="0" y="0"/>
+          <a:chExt cx="0" cy="0"/>
+        </a:xfrm>
+      </p:grpSpPr>
+      <p:sp>
+        <p:nvSpPr>
+          <p:cNvPr id="2" name="Slide Image Placeholder 1"/>
+          <p:cNvSpPr>
+            <a:spLocks noGrp="1" noRot="1" noChangeAspect="1"/>
+          </p:cNvSpPr>
+          <p:nvPr>
+            <p:ph type="sldImg"/>
+          </p:nvPr>
+        </p:nvSpPr>
+        <p:spPr/>
+      </p:sp>
+      <p:sp>
+        <p:nvSpPr>
+          <p:cNvPr id="3" name="Notes Placeholder 2"/>
+          <p:cNvSpPr>
+            <a:spLocks noGrp="1"/>
+          </p:cNvSpPr>
+          <p:nvPr>
+            <p:ph type="body" idx="1"/>
+          </p:nvPr>
+        </p:nvSpPr>
+        <p:spPr/>
+        <p:txBody>
+          <a:bodyPr/>
+          <a:lstStyle/>
+          <a:p>
+            <a:endParaRPr lang="en-US" dirty="0"/>
+          </a:p>
+        </p:txBody>
+      </p:sp>
+      <p:sp>
+        <p:nvSpPr>
+          <p:cNvPr id="4" name="Slide Number Placeholder 3"/>
+          <p:cNvSpPr>
+            <a:spLocks noGrp="1"/>
+          </p:cNvSpPr>
+          <p:nvPr>
+            <p:ph type="sldNum" sz="quarter" idx="10"/>
+          </p:nvPr>
+        </p:nvSpPr>
+        <p:spPr/>
+        <p:txBody>
+          <a:bodyPr/>
+          <a:lstStyle/>
+          <a:p>
+            <a:fld id="{B496AA6E-12F2-4AD7-A79B-9CBC8622702A}" type="slidenum">
+              <a:rPr lang="en-US" smtClean="0"/>
+              <a:t>15</a:t>
+            </a:fld>
+            <a:endParaRPr lang="en-US"/>
+          </a:p>
+        </p:txBody>
+      </p:sp>
+      <p:sp>
+        <p:nvSpPr>
+          <p:cNvPr id="5" name="Date Placeholder 4"/>
+          <p:cNvSpPr>
+            <a:spLocks noGrp="1"/>
+          </p:cNvSpPr>
+          <p:nvPr>
+            <p:ph type="dt" idx="11"/>
+          </p:nvPr>
+        </p:nvSpPr>
+        <p:spPr/>
+        <p:txBody>
+          <a:bodyPr/>
+          <a:lstStyle/>
+          <a:p>
+            <a:fld id="{24259DB3-502C-44B5-8A56-0862EEAC82E1}" type="datetime1">
+              <a:rPr lang="en-US" smtClean="0"/>
+              <a:t>6/9/2018</a:t>
+            </a:fld>
+            <a:endParaRPr lang="en-US"/>
+          </a:p>
+        </p:txBody>
+      </p:sp>
+      <p:sp>
+        <p:nvSpPr>
+          <p:cNvPr id="6" name="Footer Placeholder 5"/>
+          <p:cNvSpPr>
+            <a:spLocks noGrp="1"/>
+          </p:cNvSpPr>
+          <p:nvPr>
+            <p:ph type="ftr" sz="quarter" idx="12"/>
+          </p:nvPr>
+        </p:nvSpPr>
+        <p:spPr/>
+        <p:txBody>
+          <a:bodyPr/>
+          <a:lstStyle/>
+          <a:p>
+            <a:r>
+              <a:rPr lang="vi-VN" smtClean="0"/>
+              <a:t>Nguyễn Công Sơn _ INPG12 _ K58</a:t>
+            </a:r>
+            <a:endParaRPr lang="en-US"/>
+          </a:p>
+        </p:txBody>
+      </p:sp>
+      <p:sp>
+        <p:nvSpPr>
+          <p:cNvPr id="7" name="Header Placeholder 6"/>
+          <p:cNvSpPr>
+            <a:spLocks noGrp="1"/>
+          </p:cNvSpPr>
+          <p:nvPr>
+            <p:ph type="hdr" sz="quarter" idx="13"/>
+          </p:nvPr>
+        </p:nvSpPr>
+        <p:spPr/>
+        <p:txBody>
+          <a:bodyPr/>
+          <a:lstStyle/>
+          <a:p>
+            <a:r>
+              <a:rPr lang="en-US" smtClean="0"/>
+              <a:t>ĐỒ ÁN TỐT NGHIỆP ĐẠI HỌC</a:t>
+            </a:r>
+            <a:endParaRPr lang="en-US"/>
+          </a:p>
+        </p:txBody>
+      </p:sp>
+    </p:spTree>
+    <p:extLst>
+      <p:ext uri="{BB962C8B-B14F-4D97-AF65-F5344CB8AC3E}">
+        <p14:creationId xmlns:p14="http://schemas.microsoft.com/office/powerpoint/2010/main" val="832469303"/>
+      </p:ext>
+    </p:extLst>
+  </p:cSld>
+  <p:clrMapOvr>
+    <a:masterClrMapping/>
+  </p:clrMapOvr>
+</p:notes>
+</file>
+
+<file path=ppt/notesSlides/notesSlide15.xml><?xml version="1.0" encoding="utf-8"?>
+<p:notes xmlns:a="http://schemas.openxmlformats.org/drawingml/2006/main" xmlns:r="http://schemas.openxmlformats.org/officeDocument/2006/relationships" xmlns:p="http://schemas.openxmlformats.org/presentationml/2006/main">
+  <p:cSld>
+    <p:spTree>
+      <p:nvGrpSpPr>
+        <p:cNvPr id="1" name=""/>
+        <p:cNvGrpSpPr/>
+        <p:nvPr/>
+      </p:nvGrpSpPr>
+      <p:grpSpPr>
+        <a:xfrm>
+          <a:off x="0" y="0"/>
+          <a:ext cx="0" cy="0"/>
+          <a:chOff x="0" y="0"/>
+          <a:chExt cx="0" cy="0"/>
+        </a:xfrm>
+      </p:grpSpPr>
+      <p:sp>
+        <p:nvSpPr>
+          <p:cNvPr id="2" name="Slide Image Placeholder 1"/>
+          <p:cNvSpPr>
+            <a:spLocks noGrp="1" noRot="1" noChangeAspect="1"/>
+          </p:cNvSpPr>
+          <p:nvPr>
+            <p:ph type="sldImg"/>
+          </p:nvPr>
+        </p:nvSpPr>
+        <p:spPr/>
+      </p:sp>
+      <p:sp>
+        <p:nvSpPr>
+          <p:cNvPr id="3" name="Notes Placeholder 2"/>
+          <p:cNvSpPr>
+            <a:spLocks noGrp="1"/>
+          </p:cNvSpPr>
+          <p:nvPr>
+            <p:ph type="body" idx="1"/>
+          </p:nvPr>
+        </p:nvSpPr>
+        <p:spPr/>
+        <p:txBody>
+          <a:bodyPr/>
+          <a:lstStyle/>
+          <a:p>
+            <a:endParaRPr lang="en-US" dirty="0"/>
+          </a:p>
+        </p:txBody>
+      </p:sp>
+      <p:sp>
+        <p:nvSpPr>
+          <p:cNvPr id="4" name="Slide Number Placeholder 3"/>
+          <p:cNvSpPr>
+            <a:spLocks noGrp="1"/>
+          </p:cNvSpPr>
+          <p:nvPr>
+            <p:ph type="sldNum" sz="quarter" idx="10"/>
+          </p:nvPr>
+        </p:nvSpPr>
+        <p:spPr/>
+        <p:txBody>
+          <a:bodyPr/>
+          <a:lstStyle/>
+          <a:p>
+            <a:fld id="{B496AA6E-12F2-4AD7-A79B-9CBC8622702A}" type="slidenum">
+              <a:rPr lang="en-US" smtClean="0"/>
+              <a:t>16</a:t>
+            </a:fld>
+            <a:endParaRPr lang="en-US"/>
+          </a:p>
+        </p:txBody>
+      </p:sp>
+      <p:sp>
+        <p:nvSpPr>
+          <p:cNvPr id="5" name="Date Placeholder 4"/>
+          <p:cNvSpPr>
+            <a:spLocks noGrp="1"/>
+          </p:cNvSpPr>
+          <p:nvPr>
+            <p:ph type="dt" idx="11"/>
+          </p:nvPr>
+        </p:nvSpPr>
+        <p:spPr/>
+        <p:txBody>
+          <a:bodyPr/>
+          <a:lstStyle/>
+          <a:p>
+            <a:fld id="{24259DB3-502C-44B5-8A56-0862EEAC82E1}" type="datetime1">
+              <a:rPr lang="en-US" smtClean="0"/>
+              <a:t>6/9/2018</a:t>
+            </a:fld>
+            <a:endParaRPr lang="en-US"/>
+          </a:p>
+        </p:txBody>
+      </p:sp>
+      <p:sp>
+        <p:nvSpPr>
+          <p:cNvPr id="6" name="Footer Placeholder 5"/>
+          <p:cNvSpPr>
+            <a:spLocks noGrp="1"/>
+          </p:cNvSpPr>
+          <p:nvPr>
+            <p:ph type="ftr" sz="quarter" idx="12"/>
+          </p:nvPr>
+        </p:nvSpPr>
+        <p:spPr/>
+        <p:txBody>
+          <a:bodyPr/>
+          <a:lstStyle/>
+          <a:p>
+            <a:r>
+              <a:rPr lang="vi-VN" smtClean="0"/>
+              <a:t>Nguyễn Công Sơn _ INPG12 _ K58</a:t>
+            </a:r>
+            <a:endParaRPr lang="en-US"/>
+          </a:p>
+        </p:txBody>
+      </p:sp>
+      <p:sp>
+        <p:nvSpPr>
+          <p:cNvPr id="7" name="Header Placeholder 6"/>
+          <p:cNvSpPr>
+            <a:spLocks noGrp="1"/>
+          </p:cNvSpPr>
+          <p:nvPr>
+            <p:ph type="hdr" sz="quarter" idx="13"/>
+          </p:nvPr>
+        </p:nvSpPr>
+        <p:spPr/>
+        <p:txBody>
+          <a:bodyPr/>
+          <a:lstStyle/>
+          <a:p>
+            <a:r>
+              <a:rPr lang="en-US" smtClean="0"/>
+              <a:t>ĐỒ ÁN TỐT NGHIỆP ĐẠI HỌC</a:t>
+            </a:r>
+            <a:endParaRPr lang="en-US"/>
+          </a:p>
+        </p:txBody>
+      </p:sp>
+    </p:spTree>
+    <p:extLst>
+      <p:ext uri="{BB962C8B-B14F-4D97-AF65-F5344CB8AC3E}">
+        <p14:creationId xmlns:p14="http://schemas.microsoft.com/office/powerpoint/2010/main" val="832469303"/>
+      </p:ext>
+    </p:extLst>
+  </p:cSld>
+  <p:clrMapOvr>
+    <a:masterClrMapping/>
+  </p:clrMapOvr>
+</p:notes>
+</file>
+
+<file path=ppt/notesSlides/notesSlide16.xml><?xml version="1.0" encoding="utf-8"?>
+<p:notes xmlns:a="http://schemas.openxmlformats.org/drawingml/2006/main" xmlns:r="http://schemas.openxmlformats.org/officeDocument/2006/relationships" xmlns:p="http://schemas.openxmlformats.org/presentationml/2006/main">
+  <p:cSld>
+    <p:spTree>
+      <p:nvGrpSpPr>
+        <p:cNvPr id="1" name=""/>
+        <p:cNvGrpSpPr/>
+        <p:nvPr/>
+      </p:nvGrpSpPr>
+      <p:grpSpPr>
+        <a:xfrm>
+          <a:off x="0" y="0"/>
+          <a:ext cx="0" cy="0"/>
+          <a:chOff x="0" y="0"/>
+          <a:chExt cx="0" cy="0"/>
+        </a:xfrm>
+      </p:grpSpPr>
+      <p:sp>
+        <p:nvSpPr>
+          <p:cNvPr id="2" name="Slide Image Placeholder 1"/>
+          <p:cNvSpPr>
+            <a:spLocks noGrp="1" noRot="1" noChangeAspect="1"/>
+          </p:cNvSpPr>
+          <p:nvPr>
+            <p:ph type="sldImg"/>
+          </p:nvPr>
+        </p:nvSpPr>
+        <p:spPr/>
+      </p:sp>
+      <p:sp>
+        <p:nvSpPr>
+          <p:cNvPr id="3" name="Notes Placeholder 2"/>
+          <p:cNvSpPr>
+            <a:spLocks noGrp="1"/>
+          </p:cNvSpPr>
+          <p:nvPr>
+            <p:ph type="body" idx="1"/>
+          </p:nvPr>
+        </p:nvSpPr>
+        <p:spPr/>
+        <p:txBody>
+          <a:bodyPr/>
+          <a:lstStyle/>
+          <a:p>
+            <a:endParaRPr lang="en-US" dirty="0"/>
+          </a:p>
+        </p:txBody>
+      </p:sp>
+      <p:sp>
+        <p:nvSpPr>
+          <p:cNvPr id="4" name="Slide Number Placeholder 3"/>
+          <p:cNvSpPr>
+            <a:spLocks noGrp="1"/>
+          </p:cNvSpPr>
+          <p:nvPr>
+            <p:ph type="sldNum" sz="quarter" idx="10"/>
+          </p:nvPr>
+        </p:nvSpPr>
+        <p:spPr/>
+        <p:txBody>
+          <a:bodyPr/>
+          <a:lstStyle/>
+          <a:p>
+            <a:fld id="{B496AA6E-12F2-4AD7-A79B-9CBC8622702A}" type="slidenum">
+              <a:rPr lang="en-US" smtClean="0"/>
+              <a:t>17</a:t>
+            </a:fld>
+            <a:endParaRPr lang="en-US"/>
+          </a:p>
+        </p:txBody>
+      </p:sp>
+      <p:sp>
+        <p:nvSpPr>
+          <p:cNvPr id="5" name="Date Placeholder 4"/>
+          <p:cNvSpPr>
+            <a:spLocks noGrp="1"/>
+          </p:cNvSpPr>
+          <p:nvPr>
+            <p:ph type="dt" idx="11"/>
+          </p:nvPr>
+        </p:nvSpPr>
+        <p:spPr/>
+        <p:txBody>
+          <a:bodyPr/>
+          <a:lstStyle/>
+          <a:p>
+            <a:fld id="{24259DB3-502C-44B5-8A56-0862EEAC82E1}" type="datetime1">
+              <a:rPr lang="en-US" smtClean="0"/>
+              <a:t>6/9/2018</a:t>
+            </a:fld>
+            <a:endParaRPr lang="en-US"/>
+          </a:p>
+        </p:txBody>
+      </p:sp>
+      <p:sp>
+        <p:nvSpPr>
+          <p:cNvPr id="6" name="Footer Placeholder 5"/>
+          <p:cNvSpPr>
+            <a:spLocks noGrp="1"/>
+          </p:cNvSpPr>
+          <p:nvPr>
+            <p:ph type="ftr" sz="quarter" idx="12"/>
+          </p:nvPr>
+        </p:nvSpPr>
+        <p:spPr/>
+        <p:txBody>
+          <a:bodyPr/>
+          <a:lstStyle/>
+          <a:p>
+            <a:r>
+              <a:rPr lang="vi-VN" smtClean="0"/>
+              <a:t>Nguyễn Công Sơn _ INPG12 _ K58</a:t>
+            </a:r>
+            <a:endParaRPr lang="en-US"/>
+          </a:p>
+        </p:txBody>
+      </p:sp>
+      <p:sp>
+        <p:nvSpPr>
+          <p:cNvPr id="7" name="Header Placeholder 6"/>
+          <p:cNvSpPr>
+            <a:spLocks noGrp="1"/>
+          </p:cNvSpPr>
+          <p:nvPr>
+            <p:ph type="hdr" sz="quarter" idx="13"/>
+          </p:nvPr>
+        </p:nvSpPr>
+        <p:spPr/>
+        <p:txBody>
+          <a:bodyPr/>
+          <a:lstStyle/>
+          <a:p>
+            <a:r>
+              <a:rPr lang="en-US" smtClean="0"/>
+              <a:t>ĐỒ ÁN TỐT NGHIỆP ĐẠI HỌC</a:t>
+            </a:r>
+            <a:endParaRPr lang="en-US"/>
+          </a:p>
+        </p:txBody>
+      </p:sp>
+    </p:spTree>
+    <p:extLst>
+      <p:ext uri="{BB962C8B-B14F-4D97-AF65-F5344CB8AC3E}">
+        <p14:creationId xmlns:p14="http://schemas.microsoft.com/office/powerpoint/2010/main" val="832469303"/>
+      </p:ext>
+    </p:extLst>
+  </p:cSld>
+  <p:clrMapOvr>
+    <a:masterClrMapping/>
+  </p:clrMapOvr>
+</p:notes>
+</file>
+
+<file path=ppt/notesSlides/notesSlide17.xml><?xml version="1.0" encoding="utf-8"?>
+<p:notes xmlns:a="http://schemas.openxmlformats.org/drawingml/2006/main" xmlns:r="http://schemas.openxmlformats.org/officeDocument/2006/relationships" xmlns:p="http://schemas.openxmlformats.org/presentationml/2006/main">
+  <p:cSld>
+    <p:spTree>
+      <p:nvGrpSpPr>
+        <p:cNvPr id="1" name=""/>
+        <p:cNvGrpSpPr/>
+        <p:nvPr/>
+      </p:nvGrpSpPr>
+      <p:grpSpPr>
+        <a:xfrm>
+          <a:off x="0" y="0"/>
+          <a:ext cx="0" cy="0"/>
+          <a:chOff x="0" y="0"/>
+          <a:chExt cx="0" cy="0"/>
+        </a:xfrm>
+      </p:grpSpPr>
+      <p:sp>
+        <p:nvSpPr>
+          <p:cNvPr id="2" name="Slide Image Placeholder 1"/>
+          <p:cNvSpPr>
+            <a:spLocks noGrp="1" noRot="1" noChangeAspect="1"/>
+          </p:cNvSpPr>
+          <p:nvPr>
+            <p:ph type="sldImg"/>
+          </p:nvPr>
+        </p:nvSpPr>
+        <p:spPr/>
+      </p:sp>
+      <p:sp>
+        <p:nvSpPr>
+          <p:cNvPr id="3" name="Notes Placeholder 2"/>
+          <p:cNvSpPr>
+            <a:spLocks noGrp="1"/>
+          </p:cNvSpPr>
+          <p:nvPr>
+            <p:ph type="body" idx="1"/>
+          </p:nvPr>
+        </p:nvSpPr>
+        <p:spPr/>
+        <p:txBody>
+          <a:bodyPr/>
+          <a:lstStyle/>
+          <a:p>
+            <a:endParaRPr lang="en-US" dirty="0"/>
+          </a:p>
+        </p:txBody>
+      </p:sp>
+      <p:sp>
+        <p:nvSpPr>
+          <p:cNvPr id="4" name="Slide Number Placeholder 3"/>
+          <p:cNvSpPr>
+            <a:spLocks noGrp="1"/>
+          </p:cNvSpPr>
+          <p:nvPr>
+            <p:ph type="sldNum" sz="quarter" idx="10"/>
+          </p:nvPr>
+        </p:nvSpPr>
+        <p:spPr/>
+        <p:txBody>
+          <a:bodyPr/>
+          <a:lstStyle/>
+          <a:p>
+            <a:fld id="{B496AA6E-12F2-4AD7-A79B-9CBC8622702A}" type="slidenum">
+              <a:rPr lang="en-US" smtClean="0"/>
+              <a:t>18</a:t>
+            </a:fld>
+            <a:endParaRPr lang="en-US"/>
+          </a:p>
+        </p:txBody>
+      </p:sp>
+      <p:sp>
+        <p:nvSpPr>
+          <p:cNvPr id="5" name="Date Placeholder 4"/>
+          <p:cNvSpPr>
+            <a:spLocks noGrp="1"/>
+          </p:cNvSpPr>
+          <p:nvPr>
+            <p:ph type="dt" idx="11"/>
+          </p:nvPr>
+        </p:nvSpPr>
+        <p:spPr/>
+        <p:txBody>
+          <a:bodyPr/>
+          <a:lstStyle/>
+          <a:p>
+            <a:fld id="{24259DB3-502C-44B5-8A56-0862EEAC82E1}" type="datetime1">
+              <a:rPr lang="en-US" smtClean="0"/>
+              <a:t>6/9/2018</a:t>
+            </a:fld>
+            <a:endParaRPr lang="en-US"/>
+          </a:p>
+        </p:txBody>
+      </p:sp>
+      <p:sp>
+        <p:nvSpPr>
+          <p:cNvPr id="6" name="Footer Placeholder 5"/>
+          <p:cNvSpPr>
+            <a:spLocks noGrp="1"/>
+          </p:cNvSpPr>
+          <p:nvPr>
+            <p:ph type="ftr" sz="quarter" idx="12"/>
+          </p:nvPr>
+        </p:nvSpPr>
+        <p:spPr/>
+        <p:txBody>
+          <a:bodyPr/>
+          <a:lstStyle/>
+          <a:p>
+            <a:r>
+              <a:rPr lang="vi-VN" smtClean="0"/>
+              <a:t>Nguyễn Công Sơn _ INPG12 _ K58</a:t>
+            </a:r>
+            <a:endParaRPr lang="en-US"/>
+          </a:p>
+        </p:txBody>
+      </p:sp>
+      <p:sp>
+        <p:nvSpPr>
+          <p:cNvPr id="7" name="Header Placeholder 6"/>
+          <p:cNvSpPr>
+            <a:spLocks noGrp="1"/>
+          </p:cNvSpPr>
+          <p:nvPr>
+            <p:ph type="hdr" sz="quarter" idx="13"/>
+          </p:nvPr>
+        </p:nvSpPr>
+        <p:spPr/>
+        <p:txBody>
+          <a:bodyPr/>
+          <a:lstStyle/>
+          <a:p>
+            <a:r>
+              <a:rPr lang="en-US" smtClean="0"/>
+              <a:t>ĐỒ ÁN TỐT NGHIỆP ĐẠI HỌC</a:t>
+            </a:r>
+            <a:endParaRPr lang="en-US"/>
+          </a:p>
+        </p:txBody>
+      </p:sp>
+    </p:spTree>
+    <p:extLst>
+      <p:ext uri="{BB962C8B-B14F-4D97-AF65-F5344CB8AC3E}">
+        <p14:creationId xmlns:p14="http://schemas.microsoft.com/office/powerpoint/2010/main" val="832469303"/>
+      </p:ext>
+    </p:extLst>
+  </p:cSld>
+  <p:clrMapOvr>
+    <a:masterClrMapping/>
+  </p:clrMapOvr>
+</p:notes>
+</file>
+
+<file path=ppt/notesSlides/notesSlide18.xml><?xml version="1.0" encoding="utf-8"?>
+<p:notes xmlns:a="http://schemas.openxmlformats.org/drawingml/2006/main" xmlns:r="http://schemas.openxmlformats.org/officeDocument/2006/relationships" xmlns:p="http://schemas.openxmlformats.org/presentationml/2006/main">
+  <p:cSld>
+    <p:spTree>
+      <p:nvGrpSpPr>
+        <p:cNvPr id="1" name=""/>
+        <p:cNvGrpSpPr/>
+        <p:nvPr/>
+      </p:nvGrpSpPr>
+      <p:grpSpPr>
+        <a:xfrm>
+          <a:off x="0" y="0"/>
+          <a:ext cx="0" cy="0"/>
+          <a:chOff x="0" y="0"/>
+          <a:chExt cx="0" cy="0"/>
+        </a:xfrm>
+      </p:grpSpPr>
+      <p:sp>
+        <p:nvSpPr>
+          <p:cNvPr id="2" name="Slide Image Placeholder 1"/>
+          <p:cNvSpPr>
+            <a:spLocks noGrp="1" noRot="1" noChangeAspect="1"/>
+          </p:cNvSpPr>
+          <p:nvPr>
+            <p:ph type="sldImg"/>
+          </p:nvPr>
+        </p:nvSpPr>
+        <p:spPr/>
+      </p:sp>
+      <p:sp>
+        <p:nvSpPr>
+          <p:cNvPr id="3" name="Notes Placeholder 2"/>
+          <p:cNvSpPr>
+            <a:spLocks noGrp="1"/>
+          </p:cNvSpPr>
+          <p:nvPr>
+            <p:ph type="body" idx="1"/>
+          </p:nvPr>
+        </p:nvSpPr>
+        <p:spPr/>
+        <p:txBody>
+          <a:bodyPr/>
+          <a:lstStyle/>
+          <a:p>
+            <a:endParaRPr lang="en-US" dirty="0"/>
+          </a:p>
+        </p:txBody>
+      </p:sp>
+      <p:sp>
+        <p:nvSpPr>
+          <p:cNvPr id="4" name="Slide Number Placeholder 3"/>
+          <p:cNvSpPr>
+            <a:spLocks noGrp="1"/>
+          </p:cNvSpPr>
+          <p:nvPr>
+            <p:ph type="sldNum" sz="quarter" idx="10"/>
+          </p:nvPr>
+        </p:nvSpPr>
+        <p:spPr/>
+        <p:txBody>
+          <a:bodyPr/>
+          <a:lstStyle/>
+          <a:p>
+            <a:fld id="{B496AA6E-12F2-4AD7-A79B-9CBC8622702A}" type="slidenum">
+              <a:rPr lang="en-US" smtClean="0"/>
+              <a:t>19</a:t>
+            </a:fld>
+            <a:endParaRPr lang="en-US"/>
+          </a:p>
+        </p:txBody>
+      </p:sp>
+      <p:sp>
+        <p:nvSpPr>
+          <p:cNvPr id="5" name="Date Placeholder 4"/>
+          <p:cNvSpPr>
+            <a:spLocks noGrp="1"/>
+          </p:cNvSpPr>
+          <p:nvPr>
+            <p:ph type="dt" idx="11"/>
+          </p:nvPr>
+        </p:nvSpPr>
+        <p:spPr/>
+        <p:txBody>
+          <a:bodyPr/>
+          <a:lstStyle/>
+          <a:p>
+            <a:fld id="{24259DB3-502C-44B5-8A56-0862EEAC82E1}" type="datetime1">
+              <a:rPr lang="en-US" smtClean="0"/>
+              <a:t>6/10/2018</a:t>
+            </a:fld>
+            <a:endParaRPr lang="en-US"/>
+          </a:p>
+        </p:txBody>
+      </p:sp>
+      <p:sp>
+        <p:nvSpPr>
+          <p:cNvPr id="6" name="Footer Placeholder 5"/>
+          <p:cNvSpPr>
+            <a:spLocks noGrp="1"/>
+          </p:cNvSpPr>
+          <p:nvPr>
+            <p:ph type="ftr" sz="quarter" idx="12"/>
+          </p:nvPr>
+        </p:nvSpPr>
+        <p:spPr/>
+        <p:txBody>
+          <a:bodyPr/>
+          <a:lstStyle/>
+          <a:p>
+            <a:r>
+              <a:rPr lang="vi-VN" smtClean="0"/>
+              <a:t>Nguyễn Công Sơn _ INPG12 _ K58</a:t>
+            </a:r>
+            <a:endParaRPr lang="en-US"/>
+          </a:p>
+        </p:txBody>
+      </p:sp>
+      <p:sp>
+        <p:nvSpPr>
+          <p:cNvPr id="7" name="Header Placeholder 6"/>
+          <p:cNvSpPr>
+            <a:spLocks noGrp="1"/>
+          </p:cNvSpPr>
+          <p:nvPr>
+            <p:ph type="hdr" sz="quarter" idx="13"/>
+          </p:nvPr>
+        </p:nvSpPr>
+        <p:spPr/>
+        <p:txBody>
+          <a:bodyPr/>
+          <a:lstStyle/>
+          <a:p>
+            <a:r>
+              <a:rPr lang="en-US" smtClean="0"/>
+              <a:t>ĐỒ ÁN TỐT NGHIỆP ĐẠI HỌC</a:t>
+            </a:r>
+            <a:endParaRPr lang="en-US"/>
+          </a:p>
+        </p:txBody>
+      </p:sp>
+    </p:spTree>
+    <p:extLst>
+      <p:ext uri="{BB962C8B-B14F-4D97-AF65-F5344CB8AC3E}">
+        <p14:creationId xmlns:p14="http://schemas.microsoft.com/office/powerpoint/2010/main" val="832469303"/>
+      </p:ext>
+    </p:extLst>
+  </p:cSld>
+  <p:clrMapOvr>
+    <a:masterClrMapping/>
+  </p:clrMapOvr>
+</p:notes>
+</file>
+
+<file path=ppt/notesSlides/notesSlide19.xml><?xml version="1.0" encoding="utf-8"?>
+<p:notes xmlns:a="http://schemas.openxmlformats.org/drawingml/2006/main" xmlns:r="http://schemas.openxmlformats.org/officeDocument/2006/relationships" xmlns:p="http://schemas.openxmlformats.org/presentationml/2006/main">
+  <p:cSld>
+    <p:spTree>
+      <p:nvGrpSpPr>
+        <p:cNvPr id="1" name=""/>
+        <p:cNvGrpSpPr/>
+        <p:nvPr/>
+      </p:nvGrpSpPr>
+      <p:grpSpPr>
+        <a:xfrm>
+          <a:off x="0" y="0"/>
+          <a:ext cx="0" cy="0"/>
+          <a:chOff x="0" y="0"/>
+          <a:chExt cx="0" cy="0"/>
+        </a:xfrm>
+      </p:grpSpPr>
+      <p:sp>
+        <p:nvSpPr>
+          <p:cNvPr id="2" name="Slide Image Placeholder 1"/>
+          <p:cNvSpPr>
+            <a:spLocks noGrp="1" noRot="1" noChangeAspect="1"/>
+          </p:cNvSpPr>
+          <p:nvPr>
+            <p:ph type="sldImg"/>
+          </p:nvPr>
+        </p:nvSpPr>
+        <p:spPr/>
+      </p:sp>
+      <p:sp>
+        <p:nvSpPr>
+          <p:cNvPr id="3" name="Notes Placeholder 2"/>
+          <p:cNvSpPr>
+            <a:spLocks noGrp="1"/>
+          </p:cNvSpPr>
+          <p:nvPr>
+            <p:ph type="body" idx="1"/>
+          </p:nvPr>
+        </p:nvSpPr>
+        <p:spPr/>
+        <p:txBody>
+          <a:bodyPr/>
+          <a:lstStyle/>
+          <a:p>
+            <a:endParaRPr lang="en-US" dirty="0"/>
+          </a:p>
+        </p:txBody>
+      </p:sp>
+      <p:sp>
+        <p:nvSpPr>
+          <p:cNvPr id="4" name="Slide Number Placeholder 3"/>
+          <p:cNvSpPr>
+            <a:spLocks noGrp="1"/>
+          </p:cNvSpPr>
+          <p:nvPr>
+            <p:ph type="sldNum" sz="quarter" idx="10"/>
+          </p:nvPr>
+        </p:nvSpPr>
+        <p:spPr/>
+        <p:txBody>
+          <a:bodyPr/>
+          <a:lstStyle/>
+          <a:p>
+            <a:fld id="{B496AA6E-12F2-4AD7-A79B-9CBC8622702A}" type="slidenum">
+              <a:rPr lang="en-US" smtClean="0"/>
+              <a:t>20</a:t>
+            </a:fld>
+            <a:endParaRPr lang="en-US"/>
+          </a:p>
+        </p:txBody>
+      </p:sp>
+      <p:sp>
+        <p:nvSpPr>
+          <p:cNvPr id="5" name="Date Placeholder 4"/>
+          <p:cNvSpPr>
+            <a:spLocks noGrp="1"/>
+          </p:cNvSpPr>
+          <p:nvPr>
+            <p:ph type="dt" idx="11"/>
+          </p:nvPr>
+        </p:nvSpPr>
+        <p:spPr/>
+        <p:txBody>
+          <a:bodyPr/>
+          <a:lstStyle/>
+          <a:p>
+            <a:fld id="{24259DB3-502C-44B5-8A56-0862EEAC82E1}" type="datetime1">
+              <a:rPr lang="en-US" smtClean="0"/>
+              <a:t>6/9/2018</a:t>
             </a:fld>
             <a:endParaRPr lang="en-US"/>
           </a:p>
@@ -1358,7 +2438,313 @@
           <a:p>
             <a:fld id="{24259DB3-502C-44B5-8A56-0862EEAC82E1}" type="datetime1">
               <a:rPr lang="en-US" smtClean="0"/>
-              <a:t>6/7/2018</a:t>
+              <a:t>6/9/2018</a:t>
+            </a:fld>
+            <a:endParaRPr lang="en-US"/>
+          </a:p>
+        </p:txBody>
+      </p:sp>
+      <p:sp>
+        <p:nvSpPr>
+          <p:cNvPr id="6" name="Footer Placeholder 5"/>
+          <p:cNvSpPr>
+            <a:spLocks noGrp="1"/>
+          </p:cNvSpPr>
+          <p:nvPr>
+            <p:ph type="ftr" sz="quarter" idx="12"/>
+          </p:nvPr>
+        </p:nvSpPr>
+        <p:spPr/>
+        <p:txBody>
+          <a:bodyPr/>
+          <a:lstStyle/>
+          <a:p>
+            <a:r>
+              <a:rPr lang="vi-VN" smtClean="0"/>
+              <a:t>Nguyễn Công Sơn _ INPG12 _ K58</a:t>
+            </a:r>
+            <a:endParaRPr lang="en-US"/>
+          </a:p>
+        </p:txBody>
+      </p:sp>
+      <p:sp>
+        <p:nvSpPr>
+          <p:cNvPr id="7" name="Header Placeholder 6"/>
+          <p:cNvSpPr>
+            <a:spLocks noGrp="1"/>
+          </p:cNvSpPr>
+          <p:nvPr>
+            <p:ph type="hdr" sz="quarter" idx="13"/>
+          </p:nvPr>
+        </p:nvSpPr>
+        <p:spPr/>
+        <p:txBody>
+          <a:bodyPr/>
+          <a:lstStyle/>
+          <a:p>
+            <a:r>
+              <a:rPr lang="en-US" smtClean="0"/>
+              <a:t>ĐỒ ÁN TỐT NGHIỆP ĐẠI HỌC</a:t>
+            </a:r>
+            <a:endParaRPr lang="en-US"/>
+          </a:p>
+        </p:txBody>
+      </p:sp>
+    </p:spTree>
+    <p:extLst>
+      <p:ext uri="{BB962C8B-B14F-4D97-AF65-F5344CB8AC3E}">
+        <p14:creationId xmlns:p14="http://schemas.microsoft.com/office/powerpoint/2010/main" val="832469303"/>
+      </p:ext>
+    </p:extLst>
+  </p:cSld>
+  <p:clrMapOvr>
+    <a:masterClrMapping/>
+  </p:clrMapOvr>
+</p:notes>
+</file>
+
+<file path=ppt/notesSlides/notesSlide20.xml><?xml version="1.0" encoding="utf-8"?>
+<p:notes xmlns:a="http://schemas.openxmlformats.org/drawingml/2006/main" xmlns:r="http://schemas.openxmlformats.org/officeDocument/2006/relationships" xmlns:p="http://schemas.openxmlformats.org/presentationml/2006/main">
+  <p:cSld>
+    <p:spTree>
+      <p:nvGrpSpPr>
+        <p:cNvPr id="1" name=""/>
+        <p:cNvGrpSpPr/>
+        <p:nvPr/>
+      </p:nvGrpSpPr>
+      <p:grpSpPr>
+        <a:xfrm>
+          <a:off x="0" y="0"/>
+          <a:ext cx="0" cy="0"/>
+          <a:chOff x="0" y="0"/>
+          <a:chExt cx="0" cy="0"/>
+        </a:xfrm>
+      </p:grpSpPr>
+      <p:sp>
+        <p:nvSpPr>
+          <p:cNvPr id="2" name="Slide Image Placeholder 1"/>
+          <p:cNvSpPr>
+            <a:spLocks noGrp="1" noRot="1" noChangeAspect="1"/>
+          </p:cNvSpPr>
+          <p:nvPr>
+            <p:ph type="sldImg"/>
+          </p:nvPr>
+        </p:nvSpPr>
+        <p:spPr/>
+      </p:sp>
+      <p:sp>
+        <p:nvSpPr>
+          <p:cNvPr id="3" name="Notes Placeholder 2"/>
+          <p:cNvSpPr>
+            <a:spLocks noGrp="1"/>
+          </p:cNvSpPr>
+          <p:nvPr>
+            <p:ph type="body" idx="1"/>
+          </p:nvPr>
+        </p:nvSpPr>
+        <p:spPr/>
+        <p:txBody>
+          <a:bodyPr/>
+          <a:lstStyle/>
+          <a:p>
+            <a:endParaRPr lang="en-US" dirty="0"/>
+          </a:p>
+        </p:txBody>
+      </p:sp>
+      <p:sp>
+        <p:nvSpPr>
+          <p:cNvPr id="4" name="Slide Number Placeholder 3"/>
+          <p:cNvSpPr>
+            <a:spLocks noGrp="1"/>
+          </p:cNvSpPr>
+          <p:nvPr>
+            <p:ph type="sldNum" sz="quarter" idx="10"/>
+          </p:nvPr>
+        </p:nvSpPr>
+        <p:spPr/>
+        <p:txBody>
+          <a:bodyPr/>
+          <a:lstStyle/>
+          <a:p>
+            <a:fld id="{B496AA6E-12F2-4AD7-A79B-9CBC8622702A}" type="slidenum">
+              <a:rPr lang="en-US" smtClean="0"/>
+              <a:t>21</a:t>
+            </a:fld>
+            <a:endParaRPr lang="en-US"/>
+          </a:p>
+        </p:txBody>
+      </p:sp>
+      <p:sp>
+        <p:nvSpPr>
+          <p:cNvPr id="5" name="Date Placeholder 4"/>
+          <p:cNvSpPr>
+            <a:spLocks noGrp="1"/>
+          </p:cNvSpPr>
+          <p:nvPr>
+            <p:ph type="dt" idx="11"/>
+          </p:nvPr>
+        </p:nvSpPr>
+        <p:spPr/>
+        <p:txBody>
+          <a:bodyPr/>
+          <a:lstStyle/>
+          <a:p>
+            <a:fld id="{24259DB3-502C-44B5-8A56-0862EEAC82E1}" type="datetime1">
+              <a:rPr lang="en-US" smtClean="0"/>
+              <a:t>6/9/2018</a:t>
+            </a:fld>
+            <a:endParaRPr lang="en-US"/>
+          </a:p>
+        </p:txBody>
+      </p:sp>
+      <p:sp>
+        <p:nvSpPr>
+          <p:cNvPr id="6" name="Footer Placeholder 5"/>
+          <p:cNvSpPr>
+            <a:spLocks noGrp="1"/>
+          </p:cNvSpPr>
+          <p:nvPr>
+            <p:ph type="ftr" sz="quarter" idx="12"/>
+          </p:nvPr>
+        </p:nvSpPr>
+        <p:spPr/>
+        <p:txBody>
+          <a:bodyPr/>
+          <a:lstStyle/>
+          <a:p>
+            <a:r>
+              <a:rPr lang="vi-VN" smtClean="0"/>
+              <a:t>Nguyễn Công Sơn _ INPG12 _ K58</a:t>
+            </a:r>
+            <a:endParaRPr lang="en-US"/>
+          </a:p>
+        </p:txBody>
+      </p:sp>
+      <p:sp>
+        <p:nvSpPr>
+          <p:cNvPr id="7" name="Header Placeholder 6"/>
+          <p:cNvSpPr>
+            <a:spLocks noGrp="1"/>
+          </p:cNvSpPr>
+          <p:nvPr>
+            <p:ph type="hdr" sz="quarter" idx="13"/>
+          </p:nvPr>
+        </p:nvSpPr>
+        <p:spPr/>
+        <p:txBody>
+          <a:bodyPr/>
+          <a:lstStyle/>
+          <a:p>
+            <a:r>
+              <a:rPr lang="en-US" smtClean="0"/>
+              <a:t>ĐỒ ÁN TỐT NGHIỆP ĐẠI HỌC</a:t>
+            </a:r>
+            <a:endParaRPr lang="en-US"/>
+          </a:p>
+        </p:txBody>
+      </p:sp>
+    </p:spTree>
+    <p:extLst>
+      <p:ext uri="{BB962C8B-B14F-4D97-AF65-F5344CB8AC3E}">
+        <p14:creationId xmlns:p14="http://schemas.microsoft.com/office/powerpoint/2010/main" val="832469303"/>
+      </p:ext>
+    </p:extLst>
+  </p:cSld>
+  <p:clrMapOvr>
+    <a:masterClrMapping/>
+  </p:clrMapOvr>
+</p:notes>
+</file>
+
+<file path=ppt/notesSlides/notesSlide21.xml><?xml version="1.0" encoding="utf-8"?>
+<p:notes xmlns:a="http://schemas.openxmlformats.org/drawingml/2006/main" xmlns:r="http://schemas.openxmlformats.org/officeDocument/2006/relationships" xmlns:p="http://schemas.openxmlformats.org/presentationml/2006/main">
+  <p:cSld>
+    <p:spTree>
+      <p:nvGrpSpPr>
+        <p:cNvPr id="1" name=""/>
+        <p:cNvGrpSpPr/>
+        <p:nvPr/>
+      </p:nvGrpSpPr>
+      <p:grpSpPr>
+        <a:xfrm>
+          <a:off x="0" y="0"/>
+          <a:ext cx="0" cy="0"/>
+          <a:chOff x="0" y="0"/>
+          <a:chExt cx="0" cy="0"/>
+        </a:xfrm>
+      </p:grpSpPr>
+      <p:sp>
+        <p:nvSpPr>
+          <p:cNvPr id="2" name="Slide Image Placeholder 1"/>
+          <p:cNvSpPr>
+            <a:spLocks noGrp="1" noRot="1" noChangeAspect="1"/>
+          </p:cNvSpPr>
+          <p:nvPr>
+            <p:ph type="sldImg"/>
+          </p:nvPr>
+        </p:nvSpPr>
+        <p:spPr/>
+      </p:sp>
+      <p:sp>
+        <p:nvSpPr>
+          <p:cNvPr id="3" name="Notes Placeholder 2"/>
+          <p:cNvSpPr>
+            <a:spLocks noGrp="1"/>
+          </p:cNvSpPr>
+          <p:nvPr>
+            <p:ph type="body" idx="1"/>
+          </p:nvPr>
+        </p:nvSpPr>
+        <p:spPr/>
+        <p:txBody>
+          <a:bodyPr/>
+          <a:lstStyle/>
+          <a:p>
+            <a:endParaRPr lang="en-US" dirty="0"/>
+          </a:p>
+        </p:txBody>
+      </p:sp>
+      <p:sp>
+        <p:nvSpPr>
+          <p:cNvPr id="4" name="Slide Number Placeholder 3"/>
+          <p:cNvSpPr>
+            <a:spLocks noGrp="1"/>
+          </p:cNvSpPr>
+          <p:nvPr>
+            <p:ph type="sldNum" sz="quarter" idx="10"/>
+          </p:nvPr>
+        </p:nvSpPr>
+        <p:spPr/>
+        <p:txBody>
+          <a:bodyPr/>
+          <a:lstStyle/>
+          <a:p>
+            <a:fld id="{B496AA6E-12F2-4AD7-A79B-9CBC8622702A}" type="slidenum">
+              <a:rPr lang="en-US" smtClean="0"/>
+              <a:t>22</a:t>
+            </a:fld>
+            <a:endParaRPr lang="en-US"/>
+          </a:p>
+        </p:txBody>
+      </p:sp>
+      <p:sp>
+        <p:nvSpPr>
+          <p:cNvPr id="5" name="Date Placeholder 4"/>
+          <p:cNvSpPr>
+            <a:spLocks noGrp="1"/>
+          </p:cNvSpPr>
+          <p:nvPr>
+            <p:ph type="dt" idx="11"/>
+          </p:nvPr>
+        </p:nvSpPr>
+        <p:spPr/>
+        <p:txBody>
+          <a:bodyPr/>
+          <a:lstStyle/>
+          <a:p>
+            <a:fld id="{24259DB3-502C-44B5-8A56-0862EEAC82E1}" type="datetime1">
+              <a:rPr lang="en-US" smtClean="0"/>
+              <a:t>6/9/2018</a:t>
             </a:fld>
             <a:endParaRPr lang="en-US"/>
           </a:p>
@@ -1511,7 +2897,7 @@
           <a:p>
             <a:fld id="{24259DB3-502C-44B5-8A56-0862EEAC82E1}" type="datetime1">
               <a:rPr lang="en-US" smtClean="0"/>
-              <a:t>6/7/2018</a:t>
+              <a:t>6/9/2018</a:t>
             </a:fld>
             <a:endParaRPr lang="en-US"/>
           </a:p>
@@ -1664,7 +3050,7 @@
           <a:p>
             <a:fld id="{24259DB3-502C-44B5-8A56-0862EEAC82E1}" type="datetime1">
               <a:rPr lang="en-US" smtClean="0"/>
-              <a:t>6/7/2018</a:t>
+              <a:t>6/9/2018</a:t>
             </a:fld>
             <a:endParaRPr lang="en-US"/>
           </a:p>
@@ -1817,7 +3203,7 @@
           <a:p>
             <a:fld id="{24259DB3-502C-44B5-8A56-0862EEAC82E1}" type="datetime1">
               <a:rPr lang="en-US" smtClean="0"/>
-              <a:t>6/7/2018</a:t>
+              <a:t>6/9/2018</a:t>
             </a:fld>
             <a:endParaRPr lang="en-US"/>
           </a:p>
@@ -1970,7 +3356,7 @@
           <a:p>
             <a:fld id="{24259DB3-502C-44B5-8A56-0862EEAC82E1}" type="datetime1">
               <a:rPr lang="en-US" smtClean="0"/>
-              <a:t>6/7/2018</a:t>
+              <a:t>6/9/2018</a:t>
             </a:fld>
             <a:endParaRPr lang="en-US"/>
           </a:p>
@@ -2123,7 +3509,7 @@
           <a:p>
             <a:fld id="{24259DB3-502C-44B5-8A56-0862EEAC82E1}" type="datetime1">
               <a:rPr lang="en-US" smtClean="0"/>
-              <a:t>6/7/2018</a:t>
+              <a:t>6/9/2018</a:t>
             </a:fld>
             <a:endParaRPr lang="en-US"/>
           </a:p>
@@ -2276,7 +3662,7 @@
           <a:p>
             <a:fld id="{24259DB3-502C-44B5-8A56-0862EEAC82E1}" type="datetime1">
               <a:rPr lang="en-US" smtClean="0"/>
-              <a:t>6/7/2018</a:t>
+              <a:t>6/9/2018</a:t>
             </a:fld>
             <a:endParaRPr lang="en-US"/>
           </a:p>
@@ -2429,7 +3815,7 @@
           <a:p>
             <a:fld id="{24259DB3-502C-44B5-8A56-0862EEAC82E1}" type="datetime1">
               <a:rPr lang="en-US" smtClean="0"/>
-              <a:t>6/7/2018</a:t>
+              <a:t>6/9/2018</a:t>
             </a:fld>
             <a:endParaRPr lang="en-US"/>
           </a:p>
@@ -2675,7 +4061,7 @@
           <a:p>
             <a:fld id="{2A5049FB-B29B-4B75-AF8C-8F5DEBA6C75C}" type="datetimeFigureOut">
               <a:rPr lang="en-US" smtClean="0"/>
-              <a:t>6/7/2018</a:t>
+              <a:t>6/9/2018</a:t>
             </a:fld>
             <a:endParaRPr lang="en-US"/>
           </a:p>
@@ -2845,7 +4231,7 @@
           <a:p>
             <a:fld id="{2A5049FB-B29B-4B75-AF8C-8F5DEBA6C75C}" type="datetimeFigureOut">
               <a:rPr lang="en-US" smtClean="0"/>
-              <a:t>6/7/2018</a:t>
+              <a:t>6/9/2018</a:t>
             </a:fld>
             <a:endParaRPr lang="en-US"/>
           </a:p>
@@ -3025,7 +4411,7 @@
           <a:p>
             <a:fld id="{2A5049FB-B29B-4B75-AF8C-8F5DEBA6C75C}" type="datetimeFigureOut">
               <a:rPr lang="en-US" smtClean="0"/>
-              <a:t>6/7/2018</a:t>
+              <a:t>6/9/2018</a:t>
             </a:fld>
             <a:endParaRPr lang="en-US"/>
           </a:p>
@@ -3195,7 +4581,7 @@
           <a:p>
             <a:fld id="{2A5049FB-B29B-4B75-AF8C-8F5DEBA6C75C}" type="datetimeFigureOut">
               <a:rPr lang="en-US" smtClean="0"/>
-              <a:t>6/7/2018</a:t>
+              <a:t>6/9/2018</a:t>
             </a:fld>
             <a:endParaRPr lang="en-US"/>
           </a:p>
@@ -3441,7 +4827,7 @@
           <a:p>
             <a:fld id="{2A5049FB-B29B-4B75-AF8C-8F5DEBA6C75C}" type="datetimeFigureOut">
               <a:rPr lang="en-US" smtClean="0"/>
-              <a:t>6/7/2018</a:t>
+              <a:t>6/9/2018</a:t>
             </a:fld>
             <a:endParaRPr lang="en-US"/>
           </a:p>
@@ -3729,7 +5115,7 @@
           <a:p>
             <a:fld id="{2A5049FB-B29B-4B75-AF8C-8F5DEBA6C75C}" type="datetimeFigureOut">
               <a:rPr lang="en-US" smtClean="0"/>
-              <a:t>6/7/2018</a:t>
+              <a:t>6/9/2018</a:t>
             </a:fld>
             <a:endParaRPr lang="en-US"/>
           </a:p>
@@ -4151,7 +5537,7 @@
           <a:p>
             <a:fld id="{2A5049FB-B29B-4B75-AF8C-8F5DEBA6C75C}" type="datetimeFigureOut">
               <a:rPr lang="en-US" smtClean="0"/>
-              <a:t>6/7/2018</a:t>
+              <a:t>6/9/2018</a:t>
             </a:fld>
             <a:endParaRPr lang="en-US"/>
           </a:p>
@@ -4269,7 +5655,7 @@
           <a:p>
             <a:fld id="{2A5049FB-B29B-4B75-AF8C-8F5DEBA6C75C}" type="datetimeFigureOut">
               <a:rPr lang="en-US" smtClean="0"/>
-              <a:t>6/7/2018</a:t>
+              <a:t>6/9/2018</a:t>
             </a:fld>
             <a:endParaRPr lang="en-US"/>
           </a:p>
@@ -4364,7 +5750,7 @@
           <a:p>
             <a:fld id="{2A5049FB-B29B-4B75-AF8C-8F5DEBA6C75C}" type="datetimeFigureOut">
               <a:rPr lang="en-US" smtClean="0"/>
-              <a:t>6/7/2018</a:t>
+              <a:t>6/9/2018</a:t>
             </a:fld>
             <a:endParaRPr lang="en-US"/>
           </a:p>
@@ -4641,7 +6027,7 @@
           <a:p>
             <a:fld id="{2A5049FB-B29B-4B75-AF8C-8F5DEBA6C75C}" type="datetimeFigureOut">
               <a:rPr lang="en-US" smtClean="0"/>
-              <a:t>6/7/2018</a:t>
+              <a:t>6/9/2018</a:t>
             </a:fld>
             <a:endParaRPr lang="en-US"/>
           </a:p>
@@ -4894,7 +6280,7 @@
           <a:p>
             <a:fld id="{2A5049FB-B29B-4B75-AF8C-8F5DEBA6C75C}" type="datetimeFigureOut">
               <a:rPr lang="en-US" smtClean="0"/>
-              <a:t>6/7/2018</a:t>
+              <a:t>6/9/2018</a:t>
             </a:fld>
             <a:endParaRPr lang="en-US"/>
           </a:p>
@@ -5116,7 +6502,7 @@
           <a:p>
             <a:fld id="{2A5049FB-B29B-4B75-AF8C-8F5DEBA6C75C}" type="datetimeFigureOut">
               <a:rPr lang="en-US" smtClean="0"/>
-              <a:t>6/7/2018</a:t>
+              <a:t>6/9/2018</a:t>
             </a:fld>
             <a:endParaRPr lang="en-US"/>
           </a:p>
@@ -5551,7 +6937,7 @@
                   <a:schemeClr val="tx1"/>
                 </a:solidFill>
               </a:rPr>
-              <a:t>Đề</a:t>
+              <a:t>Hệ</a:t>
             </a:r>
             <a:r>
               <a:rPr lang="en-US" b="1" dirty="0" smtClean="0">
@@ -5567,7 +6953,7 @@
                   <a:schemeClr val="tx1"/>
                 </a:solidFill>
               </a:rPr>
-              <a:t>tài</a:t>
+              <a:t>thống</a:t>
             </a:r>
             <a:r>
               <a:rPr lang="en-US" b="1" dirty="0" smtClean="0">
@@ -5575,7 +6961,7 @@
                   <a:schemeClr val="tx1"/>
                 </a:solidFill>
               </a:rPr>
-              <a:t>: </a:t>
+              <a:t> </a:t>
             </a:r>
             <a:r>
               <a:rPr lang="en-US" b="1" dirty="0" err="1" smtClean="0">
@@ -5583,7 +6969,7 @@
                   <a:schemeClr val="tx1"/>
                 </a:solidFill>
               </a:rPr>
-              <a:t>Hệ</a:t>
+              <a:t>đăng</a:t>
             </a:r>
             <a:r>
               <a:rPr lang="en-US" b="1" dirty="0" smtClean="0">
@@ -5599,7 +6985,7 @@
                   <a:schemeClr val="tx1"/>
                 </a:solidFill>
               </a:rPr>
-              <a:t>thống</a:t>
+              <a:t>ký</a:t>
             </a:r>
             <a:r>
               <a:rPr lang="en-US" b="1" dirty="0" smtClean="0">
@@ -5615,7 +7001,7 @@
                   <a:schemeClr val="tx1"/>
                 </a:solidFill>
               </a:rPr>
-              <a:t>đăng</a:t>
+              <a:t>và</a:t>
             </a:r>
             <a:r>
               <a:rPr lang="en-US" b="1" dirty="0" smtClean="0">
@@ -5631,7 +7017,7 @@
                   <a:schemeClr val="tx1"/>
                 </a:solidFill>
               </a:rPr>
-              <a:t>ký</a:t>
+              <a:t>quản</a:t>
             </a:r>
             <a:r>
               <a:rPr lang="en-US" b="1" dirty="0" smtClean="0">
@@ -5647,7 +7033,7 @@
                   <a:schemeClr val="tx1"/>
                 </a:solidFill>
               </a:rPr>
-              <a:t>và</a:t>
+              <a:t>lý</a:t>
             </a:r>
             <a:r>
               <a:rPr lang="en-US" b="1" dirty="0" smtClean="0">
@@ -5657,48 +7043,8 @@
               </a:rPr>
               <a:t> </a:t>
             </a:r>
-            <a:r>
-              <a:rPr lang="en-US" b="1" dirty="0" err="1" smtClean="0">
-                <a:solidFill>
-                  <a:schemeClr val="tx1"/>
-                </a:solidFill>
-              </a:rPr>
-              <a:t>quản</a:t>
-            </a:r>
-            <a:r>
-              <a:rPr lang="en-US" b="1" dirty="0" smtClean="0">
-                <a:solidFill>
-                  <a:schemeClr val="tx1"/>
-                </a:solidFill>
-              </a:rPr>
-              <a:t> </a:t>
-            </a:r>
-            <a:r>
-              <a:rPr lang="en-US" b="1" dirty="0" err="1" smtClean="0">
-                <a:solidFill>
-                  <a:schemeClr val="tx1"/>
-                </a:solidFill>
-              </a:rPr>
-              <a:t>lý</a:t>
-            </a:r>
-            <a:r>
-              <a:rPr lang="en-US" b="1" dirty="0" smtClean="0">
-                <a:solidFill>
-                  <a:schemeClr val="tx1"/>
-                </a:solidFill>
-              </a:rPr>
-              <a:t> </a:t>
-            </a:r>
-          </a:p>
-          <a:p>
-            <a:r>
-              <a:rPr lang="en-US" b="1" dirty="0" smtClean="0">
-                <a:solidFill>
-                  <a:schemeClr val="tx1"/>
-                </a:solidFill>
-              </a:rPr>
-              <a:t>         </a:t>
-            </a:r>
+          </a:p>
+          <a:p>
             <a:r>
               <a:rPr lang="en-US" b="1" dirty="0" err="1" smtClean="0">
                 <a:solidFill>
@@ -5986,92 +7332,6 @@
       </p:grpSpPr>
       <p:sp>
         <p:nvSpPr>
-          <p:cNvPr id="2" name="Title 1"/>
-          <p:cNvSpPr>
-            <a:spLocks noGrp="1"/>
-          </p:cNvSpPr>
-          <p:nvPr>
-            <p:ph type="title"/>
-          </p:nvPr>
-        </p:nvSpPr>
-        <p:spPr>
-          <a:xfrm>
-            <a:off x="1219200" y="76200"/>
-            <a:ext cx="7848600" cy="838200"/>
-          </a:xfrm>
-        </p:spPr>
-        <p:txBody>
-          <a:bodyPr>
-            <a:normAutofit/>
-          </a:bodyPr>
-          <a:lstStyle/>
-          <a:p>
-            <a:pPr algn="l"/>
-            <a:r>
-              <a:rPr lang="en-US" sz="3600" b="1" dirty="0" smtClean="0">
-                <a:latin typeface="Times New Roman" pitchFamily="18" charset="0"/>
-                <a:cs typeface="Times New Roman" pitchFamily="18" charset="0"/>
-              </a:rPr>
-              <a:t>4. </a:t>
-            </a:r>
-            <a:r>
-              <a:rPr lang="en-US" sz="3600" b="1" dirty="0" err="1" smtClean="0">
-                <a:latin typeface="Times New Roman" pitchFamily="18" charset="0"/>
-                <a:cs typeface="Times New Roman" pitchFamily="18" charset="0"/>
-              </a:rPr>
-              <a:t>Cài</a:t>
-            </a:r>
-            <a:r>
-              <a:rPr lang="en-US" sz="3600" b="1" dirty="0" smtClean="0">
-                <a:latin typeface="Times New Roman" pitchFamily="18" charset="0"/>
-                <a:cs typeface="Times New Roman" pitchFamily="18" charset="0"/>
-              </a:rPr>
-              <a:t> </a:t>
-            </a:r>
-            <a:r>
-              <a:rPr lang="en-US" sz="3600" b="1" dirty="0" err="1" smtClean="0">
-                <a:latin typeface="Times New Roman" pitchFamily="18" charset="0"/>
-                <a:cs typeface="Times New Roman" pitchFamily="18" charset="0"/>
-              </a:rPr>
-              <a:t>đặt</a:t>
-            </a:r>
-            <a:r>
-              <a:rPr lang="en-US" sz="3600" b="1" dirty="0" smtClean="0">
-                <a:latin typeface="Times New Roman" pitchFamily="18" charset="0"/>
-                <a:cs typeface="Times New Roman" pitchFamily="18" charset="0"/>
-              </a:rPr>
-              <a:t> </a:t>
-            </a:r>
-            <a:r>
-              <a:rPr lang="en-US" sz="3600" b="1" dirty="0" err="1" smtClean="0">
-                <a:latin typeface="Times New Roman" pitchFamily="18" charset="0"/>
-                <a:cs typeface="Times New Roman" pitchFamily="18" charset="0"/>
-              </a:rPr>
-              <a:t>thực</a:t>
-            </a:r>
-            <a:r>
-              <a:rPr lang="en-US" sz="3600" b="1" dirty="0" smtClean="0">
-                <a:latin typeface="Times New Roman" pitchFamily="18" charset="0"/>
-                <a:cs typeface="Times New Roman" pitchFamily="18" charset="0"/>
-              </a:rPr>
-              <a:t> </a:t>
-            </a:r>
-            <a:r>
-              <a:rPr lang="en-US" sz="3600" b="1" dirty="0" err="1" smtClean="0">
-                <a:latin typeface="Times New Roman" pitchFamily="18" charset="0"/>
-                <a:cs typeface="Times New Roman" pitchFamily="18" charset="0"/>
-              </a:rPr>
-              <a:t>nghiệm</a:t>
-            </a:r>
-            <a:endParaRPr lang="en-US" sz="3600" b="1" dirty="0">
-              <a:latin typeface="Times New Roman" pitchFamily="18" charset="0"/>
-              <a:cs typeface="Times New Roman" pitchFamily="18" charset="0"/>
-            </a:endParaRPr>
-          </a:p>
-        </p:txBody>
-      </p:sp>
-      <p:sp>
-        <p:nvSpPr>
           <p:cNvPr id="3" name="Content Placeholder 2"/>
           <p:cNvSpPr>
             <a:spLocks noGrp="1"/>
@@ -6087,172 +7347,130 @@
           </a:xfrm>
         </p:spPr>
         <p:txBody>
-          <a:bodyPr>
-            <a:normAutofit/>
-          </a:bodyPr>
+          <a:bodyPr/>
           <a:lstStyle/>
           <a:p>
             <a:pPr marL="0" indent="0">
               <a:buNone/>
             </a:pPr>
             <a:r>
-              <a:rPr lang="en-US" sz="2800" dirty="0" smtClean="0">
-                <a:latin typeface="Times New Roman" pitchFamily="18" charset="0"/>
-                <a:cs typeface="Times New Roman" pitchFamily="18" charset="0"/>
-              </a:rPr>
-              <a:t>4.1. </a:t>
-            </a:r>
-            <a:r>
-              <a:rPr lang="en-US" sz="2800" dirty="0" err="1" smtClean="0">
-                <a:latin typeface="Times New Roman" pitchFamily="18" charset="0"/>
-                <a:cs typeface="Times New Roman" pitchFamily="18" charset="0"/>
-              </a:rPr>
-              <a:t>Công</a:t>
-            </a:r>
-            <a:r>
-              <a:rPr lang="en-US" sz="2800" dirty="0" smtClean="0">
-                <a:latin typeface="Times New Roman" pitchFamily="18" charset="0"/>
-                <a:cs typeface="Times New Roman" pitchFamily="18" charset="0"/>
-              </a:rPr>
-              <a:t> </a:t>
-            </a:r>
-            <a:r>
-              <a:rPr lang="en-US" sz="2800" dirty="0" err="1" smtClean="0">
-                <a:latin typeface="Times New Roman" pitchFamily="18" charset="0"/>
-                <a:cs typeface="Times New Roman" pitchFamily="18" charset="0"/>
-              </a:rPr>
-              <a:t>cụ</a:t>
-            </a:r>
-            <a:r>
-              <a:rPr lang="en-US" sz="2800" dirty="0" smtClean="0">
-                <a:latin typeface="Times New Roman" pitchFamily="18" charset="0"/>
-                <a:cs typeface="Times New Roman" pitchFamily="18" charset="0"/>
-              </a:rPr>
-              <a:t> </a:t>
-            </a:r>
-            <a:r>
-              <a:rPr lang="en-US" sz="2800" dirty="0" err="1" smtClean="0">
-                <a:latin typeface="Times New Roman" pitchFamily="18" charset="0"/>
-                <a:cs typeface="Times New Roman" pitchFamily="18" charset="0"/>
-              </a:rPr>
-              <a:t>lập</a:t>
-            </a:r>
-            <a:r>
-              <a:rPr lang="en-US" sz="2800" dirty="0" smtClean="0">
-                <a:latin typeface="Times New Roman" pitchFamily="18" charset="0"/>
-                <a:cs typeface="Times New Roman" pitchFamily="18" charset="0"/>
-              </a:rPr>
-              <a:t> </a:t>
-            </a:r>
-            <a:r>
-              <a:rPr lang="en-US" sz="2800" dirty="0" err="1" smtClean="0">
-                <a:latin typeface="Times New Roman" pitchFamily="18" charset="0"/>
-                <a:cs typeface="Times New Roman" pitchFamily="18" charset="0"/>
-              </a:rPr>
-              <a:t>trình</a:t>
-            </a:r>
-            <a:endParaRPr lang="en-US" sz="2800" dirty="0" smtClean="0">
-              <a:latin typeface="Times New Roman" pitchFamily="18" charset="0"/>
-              <a:cs typeface="Times New Roman" pitchFamily="18" charset="0"/>
-            </a:endParaRPr>
+              <a:rPr lang="en-US" sz="2400" dirty="0" err="1" smtClean="0">
+                <a:latin typeface="Times New Roman" pitchFamily="18" charset="0"/>
+                <a:cs typeface="Times New Roman" pitchFamily="18" charset="0"/>
+              </a:rPr>
+              <a:t>Nền</a:t>
+            </a:r>
+            <a:r>
+              <a:rPr lang="en-US" sz="2400" dirty="0" smtClean="0">
+                <a:latin typeface="Times New Roman" pitchFamily="18" charset="0"/>
+                <a:cs typeface="Times New Roman" pitchFamily="18" charset="0"/>
+              </a:rPr>
+              <a:t> </a:t>
+            </a:r>
+            <a:r>
+              <a:rPr lang="en-US" sz="2400" dirty="0" err="1">
+                <a:latin typeface="Times New Roman" pitchFamily="18" charset="0"/>
+                <a:cs typeface="Times New Roman" pitchFamily="18" charset="0"/>
+              </a:rPr>
+              <a:t>tảng</a:t>
+            </a:r>
+            <a:r>
+              <a:rPr lang="en-US" sz="2400" dirty="0">
+                <a:latin typeface="Times New Roman" pitchFamily="18" charset="0"/>
+                <a:cs typeface="Times New Roman" pitchFamily="18" charset="0"/>
+              </a:rPr>
+              <a:t> web, </a:t>
+            </a:r>
+            <a:r>
+              <a:rPr lang="en-US" sz="2400" dirty="0" err="1">
+                <a:latin typeface="Times New Roman" pitchFamily="18" charset="0"/>
+                <a:cs typeface="Times New Roman" pitchFamily="18" charset="0"/>
+              </a:rPr>
+              <a:t>mô</a:t>
+            </a:r>
+            <a:r>
+              <a:rPr lang="en-US" sz="2400" dirty="0">
+                <a:latin typeface="Times New Roman" pitchFamily="18" charset="0"/>
+                <a:cs typeface="Times New Roman" pitchFamily="18" charset="0"/>
+              </a:rPr>
+              <a:t> </a:t>
+            </a:r>
+            <a:r>
+              <a:rPr lang="en-US" sz="2400" dirty="0" err="1">
+                <a:latin typeface="Times New Roman" pitchFamily="18" charset="0"/>
+                <a:cs typeface="Times New Roman" pitchFamily="18" charset="0"/>
+              </a:rPr>
+              <a:t>hình</a:t>
+            </a:r>
+            <a:r>
+              <a:rPr lang="en-US" sz="2400" dirty="0">
+                <a:latin typeface="Times New Roman" pitchFamily="18" charset="0"/>
+                <a:cs typeface="Times New Roman" pitchFamily="18" charset="0"/>
+              </a:rPr>
+              <a:t> MVC, </a:t>
+            </a:r>
+            <a:r>
+              <a:rPr lang="en-US" sz="2400" dirty="0" err="1">
+                <a:latin typeface="Times New Roman" pitchFamily="18" charset="0"/>
+                <a:cs typeface="Times New Roman" pitchFamily="18" charset="0"/>
+              </a:rPr>
+              <a:t>tích</a:t>
+            </a:r>
+            <a:r>
+              <a:rPr lang="en-US" sz="2400" dirty="0">
+                <a:latin typeface="Times New Roman" pitchFamily="18" charset="0"/>
+                <a:cs typeface="Times New Roman" pitchFamily="18" charset="0"/>
+              </a:rPr>
+              <a:t> </a:t>
+            </a:r>
+            <a:r>
+              <a:rPr lang="en-US" sz="2400" dirty="0" err="1">
+                <a:latin typeface="Times New Roman" pitchFamily="18" charset="0"/>
+                <a:cs typeface="Times New Roman" pitchFamily="18" charset="0"/>
+              </a:rPr>
+              <a:t>hợp</a:t>
+            </a:r>
+            <a:r>
+              <a:rPr lang="en-US" sz="2400" dirty="0">
+                <a:latin typeface="Times New Roman" pitchFamily="18" charset="0"/>
+                <a:cs typeface="Times New Roman" pitchFamily="18" charset="0"/>
+              </a:rPr>
+              <a:t> Gmail </a:t>
+            </a:r>
+            <a:r>
+              <a:rPr lang="en-US" sz="2400" dirty="0" err="1">
+                <a:latin typeface="Times New Roman" pitchFamily="18" charset="0"/>
+                <a:cs typeface="Times New Roman" pitchFamily="18" charset="0"/>
+              </a:rPr>
+              <a:t>và</a:t>
+            </a:r>
+            <a:r>
+              <a:rPr lang="en-US" sz="2400" dirty="0">
+                <a:latin typeface="Times New Roman" pitchFamily="18" charset="0"/>
+                <a:cs typeface="Times New Roman" pitchFamily="18" charset="0"/>
+              </a:rPr>
+              <a:t> </a:t>
+            </a:r>
+            <a:r>
+              <a:rPr lang="en-US" sz="2400" dirty="0" err="1">
+                <a:latin typeface="Times New Roman" pitchFamily="18" charset="0"/>
+                <a:cs typeface="Times New Roman" pitchFamily="18" charset="0"/>
+              </a:rPr>
+              <a:t>eSMS</a:t>
+            </a:r>
+            <a:r>
+              <a:rPr lang="en-US" sz="2400" dirty="0">
+                <a:latin typeface="Times New Roman" pitchFamily="18" charset="0"/>
+                <a:cs typeface="Times New Roman" pitchFamily="18" charset="0"/>
+              </a:rPr>
+              <a:t>,   CSDL MySQL, server Tomcat 8</a:t>
+            </a:r>
           </a:p>
           <a:p>
             <a:pPr marL="0" indent="0">
               <a:buNone/>
             </a:pPr>
-            <a:r>
-              <a:rPr lang="en-US" sz="2800" dirty="0" smtClean="0">
-                <a:latin typeface="Times New Roman" pitchFamily="18" charset="0"/>
-                <a:cs typeface="Times New Roman" pitchFamily="18" charset="0"/>
-              </a:rPr>
-              <a:t>4.2. Struts 2 Framework</a:t>
-            </a:r>
-          </a:p>
-          <a:p>
-            <a:pPr marL="0" indent="0">
-              <a:buNone/>
-            </a:pPr>
-            <a:r>
-              <a:rPr lang="en-US" sz="2800" dirty="0" smtClean="0">
-                <a:latin typeface="Times New Roman" pitchFamily="18" charset="0"/>
-                <a:cs typeface="Times New Roman" pitchFamily="18" charset="0"/>
-              </a:rPr>
-              <a:t>4.3. Hibernate Framework</a:t>
-            </a:r>
-          </a:p>
-          <a:p>
-            <a:pPr marL="0" indent="0">
-              <a:buNone/>
-            </a:pPr>
-            <a:r>
-              <a:rPr lang="en-US" sz="2800" dirty="0" smtClean="0">
-                <a:latin typeface="Times New Roman" pitchFamily="18" charset="0"/>
-                <a:cs typeface="Times New Roman" pitchFamily="18" charset="0"/>
-              </a:rPr>
-              <a:t>4.4. Apache POI</a:t>
-            </a:r>
-          </a:p>
-          <a:p>
-            <a:pPr marL="0" indent="0">
-              <a:buNone/>
-            </a:pPr>
-            <a:r>
-              <a:rPr lang="en-US" sz="2800" dirty="0" smtClean="0">
-                <a:latin typeface="Times New Roman" pitchFamily="18" charset="0"/>
-                <a:cs typeface="Times New Roman" pitchFamily="18" charset="0"/>
-              </a:rPr>
-              <a:t>4.5 </a:t>
-            </a:r>
-            <a:r>
-              <a:rPr lang="en-US" sz="2800" dirty="0" err="1" smtClean="0">
-                <a:latin typeface="Times New Roman" pitchFamily="18" charset="0"/>
-                <a:cs typeface="Times New Roman" pitchFamily="18" charset="0"/>
-              </a:rPr>
-              <a:t>Kế</a:t>
-            </a:r>
-            <a:r>
-              <a:rPr lang="en-US" sz="2800" dirty="0" smtClean="0">
-                <a:latin typeface="Times New Roman" pitchFamily="18" charset="0"/>
-                <a:cs typeface="Times New Roman" pitchFamily="18" charset="0"/>
-              </a:rPr>
-              <a:t> </a:t>
-            </a:r>
-            <a:r>
-              <a:rPr lang="en-US" sz="2800" dirty="0" err="1" smtClean="0">
-                <a:latin typeface="Times New Roman" pitchFamily="18" charset="0"/>
-                <a:cs typeface="Times New Roman" pitchFamily="18" charset="0"/>
-              </a:rPr>
-              <a:t>quả</a:t>
-            </a:r>
-            <a:r>
-              <a:rPr lang="en-US" sz="2800" dirty="0" smtClean="0">
-                <a:latin typeface="Times New Roman" pitchFamily="18" charset="0"/>
-                <a:cs typeface="Times New Roman" pitchFamily="18" charset="0"/>
-              </a:rPr>
-              <a:t> </a:t>
-            </a:r>
-            <a:r>
-              <a:rPr lang="en-US" sz="2800" dirty="0" err="1" smtClean="0">
-                <a:latin typeface="Times New Roman" pitchFamily="18" charset="0"/>
-                <a:cs typeface="Times New Roman" pitchFamily="18" charset="0"/>
-              </a:rPr>
-              <a:t>chương</a:t>
-            </a:r>
-            <a:r>
-              <a:rPr lang="en-US" sz="2800" dirty="0" smtClean="0">
-                <a:latin typeface="Times New Roman" pitchFamily="18" charset="0"/>
-                <a:cs typeface="Times New Roman" pitchFamily="18" charset="0"/>
-              </a:rPr>
-              <a:t> </a:t>
-            </a:r>
-            <a:r>
-              <a:rPr lang="en-US" sz="2800" dirty="0" err="1" smtClean="0">
-                <a:latin typeface="Times New Roman" pitchFamily="18" charset="0"/>
-                <a:cs typeface="Times New Roman" pitchFamily="18" charset="0"/>
-              </a:rPr>
-              <a:t>trình</a:t>
-            </a:r>
-            <a:endParaRPr lang="en-US" sz="2800" dirty="0" smtClean="0">
+            <a:endParaRPr lang="en-US" dirty="0">
               <a:latin typeface="Times New Roman" pitchFamily="18" charset="0"/>
               <a:cs typeface="Times New Roman" pitchFamily="18" charset="0"/>
             </a:endParaRPr>
@@ -6281,7 +7499,7 @@
           <a:p>
             <a:fld id="{3805247F-6ACC-47F2-B107-A401F66D3D80}" type="datetime1">
               <a:rPr lang="en-US" smtClean="0"/>
-              <a:t>6/7/2018</a:t>
+              <a:t>6/9/2018</a:t>
             </a:fld>
             <a:endParaRPr lang="en-US" dirty="0"/>
           </a:p>
@@ -6343,10 +7561,227 @@
           </a:p>
         </p:txBody>
       </p:sp>
+      <p:pic>
+        <p:nvPicPr>
+          <p:cNvPr id="10" name="Picture 9"/>
+          <p:cNvPicPr/>
+          <p:nvPr/>
+        </p:nvPicPr>
+        <p:blipFill>
+          <a:blip r:embed="rId4" cstate="print">
+            <a:extLst>
+              <a:ext uri="{28A0092B-C50C-407E-A947-70E740481C1C}">
+                <a14:useLocalDpi xmlns:a14="http://schemas.microsoft.com/office/drawing/2010/main" val="0"/>
+              </a:ext>
+            </a:extLst>
+          </a:blip>
+          <a:stretch>
+            <a:fillRect/>
+          </a:stretch>
+        </p:blipFill>
+        <p:spPr>
+          <a:xfrm>
+            <a:off x="1676400" y="2286000"/>
+            <a:ext cx="7010400" cy="4038600"/>
+          </a:xfrm>
+          <a:prstGeom prst="rect">
+            <a:avLst/>
+          </a:prstGeom>
+          <a:ln w="3175" cap="sq">
+            <a:solidFill>
+              <a:srgbClr val="000000"/>
+            </a:solidFill>
+            <a:prstDash val="solid"/>
+            <a:miter lim="800000"/>
+          </a:ln>
+          <a:effectLst>
+            <a:outerShdw blurRad="50800" dist="38100" dir="2700000" algn="tl" rotWithShape="0">
+              <a:srgbClr val="000000">
+                <a:alpha val="43000"/>
+              </a:srgbClr>
+            </a:outerShdw>
+          </a:effectLst>
+        </p:spPr>
+      </p:pic>
+      <p:sp>
+        <p:nvSpPr>
+          <p:cNvPr id="12" name="Title 1"/>
+          <p:cNvSpPr>
+            <a:spLocks noGrp="1"/>
+          </p:cNvSpPr>
+          <p:nvPr>
+            <p:ph type="title"/>
+          </p:nvPr>
+        </p:nvSpPr>
+        <p:spPr>
+          <a:xfrm>
+            <a:off x="1257300" y="533400"/>
+            <a:ext cx="7848600" cy="609600"/>
+          </a:xfrm>
+        </p:spPr>
+        <p:txBody>
+          <a:bodyPr>
+            <a:normAutofit fontScale="90000"/>
+          </a:bodyPr>
+          <a:lstStyle/>
+          <a:p>
+            <a:pPr algn="l"/>
+            <a:r>
+              <a:rPr lang="en-US" sz="3100" b="1" dirty="0" smtClean="0">
+                <a:latin typeface="Times New Roman" pitchFamily="18" charset="0"/>
+                <a:cs typeface="Times New Roman" pitchFamily="18" charset="0"/>
+              </a:rPr>
+              <a:t>3. </a:t>
+            </a:r>
+            <a:r>
+              <a:rPr lang="en-US" sz="3100" b="1" dirty="0" err="1" smtClean="0">
+                <a:latin typeface="Times New Roman" pitchFamily="18" charset="0"/>
+                <a:cs typeface="Times New Roman" pitchFamily="18" charset="0"/>
+              </a:rPr>
+              <a:t>Thiết</a:t>
+            </a:r>
+            <a:r>
+              <a:rPr lang="en-US" sz="3100" b="1" dirty="0" smtClean="0">
+                <a:latin typeface="Times New Roman" pitchFamily="18" charset="0"/>
+                <a:cs typeface="Times New Roman" pitchFamily="18" charset="0"/>
+              </a:rPr>
+              <a:t> </a:t>
+            </a:r>
+            <a:r>
+              <a:rPr lang="en-US" sz="3100" b="1" dirty="0" err="1" smtClean="0">
+                <a:latin typeface="Times New Roman" pitchFamily="18" charset="0"/>
+                <a:cs typeface="Times New Roman" pitchFamily="18" charset="0"/>
+              </a:rPr>
+              <a:t>kế</a:t>
+            </a:r>
+            <a:r>
+              <a:rPr lang="en-US" sz="3100" b="1" dirty="0" smtClean="0">
+                <a:latin typeface="Times New Roman" pitchFamily="18" charset="0"/>
+                <a:cs typeface="Times New Roman" pitchFamily="18" charset="0"/>
+              </a:rPr>
+              <a:t> </a:t>
+            </a:r>
+            <a:r>
+              <a:rPr lang="en-US" sz="3100" b="1" dirty="0" err="1" smtClean="0">
+                <a:latin typeface="Times New Roman" pitchFamily="18" charset="0"/>
+                <a:cs typeface="Times New Roman" pitchFamily="18" charset="0"/>
+              </a:rPr>
+              <a:t>hệ</a:t>
+            </a:r>
+            <a:r>
+              <a:rPr lang="en-US" sz="3100" b="1" dirty="0" smtClean="0">
+                <a:latin typeface="Times New Roman" pitchFamily="18" charset="0"/>
+                <a:cs typeface="Times New Roman" pitchFamily="18" charset="0"/>
+              </a:rPr>
+              <a:t> </a:t>
+            </a:r>
+            <a:r>
+              <a:rPr lang="en-US" sz="3100" b="1" dirty="0" err="1" smtClean="0">
+                <a:latin typeface="Times New Roman" pitchFamily="18" charset="0"/>
+                <a:cs typeface="Times New Roman" pitchFamily="18" charset="0"/>
+              </a:rPr>
+              <a:t>thống</a:t>
+            </a:r>
+            <a:r>
+              <a:rPr lang="en-US" sz="3600" b="1" dirty="0" smtClean="0">
+                <a:latin typeface="Times New Roman" pitchFamily="18" charset="0"/>
+                <a:cs typeface="Times New Roman" pitchFamily="18" charset="0"/>
+              </a:rPr>
+              <a:t/>
+            </a:r>
+            <a:br>
+              <a:rPr lang="en-US" sz="3600" b="1" dirty="0" smtClean="0">
+                <a:latin typeface="Times New Roman" pitchFamily="18" charset="0"/>
+                <a:cs typeface="Times New Roman" pitchFamily="18" charset="0"/>
+              </a:rPr>
+            </a:br>
+            <a:r>
+              <a:rPr lang="en-US" sz="3600" b="1" dirty="0" smtClean="0">
+                <a:latin typeface="Times New Roman" pitchFamily="18" charset="0"/>
+                <a:cs typeface="Times New Roman" pitchFamily="18" charset="0"/>
+              </a:rPr>
+              <a:t>   </a:t>
+            </a:r>
+            <a:r>
+              <a:rPr lang="en-US" sz="2700" b="1" dirty="0" smtClean="0">
+                <a:latin typeface="Times New Roman" pitchFamily="18" charset="0"/>
+                <a:cs typeface="Times New Roman" pitchFamily="18" charset="0"/>
+              </a:rPr>
+              <a:t>3.1. </a:t>
+            </a:r>
+            <a:r>
+              <a:rPr lang="en-US" sz="2700" b="1" dirty="0" err="1" smtClean="0">
+                <a:latin typeface="Times New Roman" pitchFamily="18" charset="0"/>
+                <a:cs typeface="Times New Roman" pitchFamily="18" charset="0"/>
+              </a:rPr>
+              <a:t>Thiết</a:t>
+            </a:r>
+            <a:r>
+              <a:rPr lang="en-US" sz="2700" b="1" dirty="0" smtClean="0">
+                <a:latin typeface="Times New Roman" pitchFamily="18" charset="0"/>
+                <a:cs typeface="Times New Roman" pitchFamily="18" charset="0"/>
+              </a:rPr>
+              <a:t> </a:t>
+            </a:r>
+            <a:r>
+              <a:rPr lang="en-US" sz="2700" b="1" dirty="0" err="1" smtClean="0">
+                <a:latin typeface="Times New Roman" pitchFamily="18" charset="0"/>
+                <a:cs typeface="Times New Roman" pitchFamily="18" charset="0"/>
+              </a:rPr>
+              <a:t>kế</a:t>
+            </a:r>
+            <a:r>
+              <a:rPr lang="en-US" sz="2700" b="1" dirty="0" smtClean="0">
+                <a:latin typeface="Times New Roman" pitchFamily="18" charset="0"/>
+                <a:cs typeface="Times New Roman" pitchFamily="18" charset="0"/>
+              </a:rPr>
+              <a:t> </a:t>
+            </a:r>
+            <a:r>
+              <a:rPr lang="en-US" sz="2700" b="1" dirty="0" err="1" smtClean="0">
+                <a:latin typeface="Times New Roman" pitchFamily="18" charset="0"/>
+                <a:cs typeface="Times New Roman" pitchFamily="18" charset="0"/>
+              </a:rPr>
+              <a:t>tổng</a:t>
+            </a:r>
+            <a:r>
+              <a:rPr lang="en-US" sz="2700" b="1" dirty="0" smtClean="0">
+                <a:latin typeface="Times New Roman" pitchFamily="18" charset="0"/>
+                <a:cs typeface="Times New Roman" pitchFamily="18" charset="0"/>
+              </a:rPr>
+              <a:t> </a:t>
+            </a:r>
+            <a:r>
+              <a:rPr lang="en-US" sz="2700" b="1" dirty="0" err="1" smtClean="0">
+                <a:latin typeface="Times New Roman" pitchFamily="18" charset="0"/>
+                <a:cs typeface="Times New Roman" pitchFamily="18" charset="0"/>
+              </a:rPr>
+              <a:t>thể</a:t>
+            </a:r>
+            <a:r>
+              <a:rPr lang="en-US" sz="3200" dirty="0">
+                <a:latin typeface="Times New Roman" pitchFamily="18" charset="0"/>
+                <a:cs typeface="Times New Roman" pitchFamily="18" charset="0"/>
+              </a:rPr>
+              <a:t/>
+            </a:r>
+            <a:br>
+              <a:rPr lang="en-US" sz="3200" dirty="0">
+                <a:latin typeface="Times New Roman" pitchFamily="18" charset="0"/>
+                <a:cs typeface="Times New Roman" pitchFamily="18" charset="0"/>
+              </a:rPr>
+            </a:br>
+            <a:endParaRPr lang="en-US" sz="3600" b="1" dirty="0">
+              <a:latin typeface="Times New Roman" pitchFamily="18" charset="0"/>
+              <a:cs typeface="Times New Roman" pitchFamily="18" charset="0"/>
+            </a:endParaRPr>
+          </a:p>
+        </p:txBody>
+      </p:sp>
     </p:spTree>
     <p:extLst>
       <p:ext uri="{BB962C8B-B14F-4D97-AF65-F5344CB8AC3E}">
-        <p14:creationId xmlns:p14="http://schemas.microsoft.com/office/powerpoint/2010/main" val="2401868772"/>
+        <p14:creationId xmlns:p14="http://schemas.microsoft.com/office/powerpoint/2010/main" val="1883078648"/>
       </p:ext>
     </p:extLst>
   </p:cSld>
@@ -6406,24 +7841,162 @@
         </p:nvSpPr>
         <p:spPr>
           <a:xfrm>
-            <a:off x="1219200" y="76200"/>
-            <a:ext cx="7848600" cy="838200"/>
+            <a:off x="1257300" y="533400"/>
+            <a:ext cx="7848600" cy="609600"/>
           </a:xfrm>
         </p:spPr>
         <p:txBody>
           <a:bodyPr>
-            <a:normAutofit/>
+            <a:normAutofit fontScale="90000"/>
           </a:bodyPr>
           <a:lstStyle/>
           <a:p>
             <a:pPr algn="l"/>
             <a:r>
+              <a:rPr lang="en-US" sz="3100" b="1" dirty="0" smtClean="0">
+                <a:latin typeface="Times New Roman" pitchFamily="18" charset="0"/>
+                <a:cs typeface="Times New Roman" pitchFamily="18" charset="0"/>
+              </a:rPr>
+              <a:t>3. </a:t>
+            </a:r>
+            <a:r>
+              <a:rPr lang="en-US" sz="3100" b="1" dirty="0" err="1" smtClean="0">
+                <a:latin typeface="Times New Roman" pitchFamily="18" charset="0"/>
+                <a:cs typeface="Times New Roman" pitchFamily="18" charset="0"/>
+              </a:rPr>
+              <a:t>Thiết</a:t>
+            </a:r>
+            <a:r>
+              <a:rPr lang="en-US" sz="3100" b="1" dirty="0" smtClean="0">
+                <a:latin typeface="Times New Roman" pitchFamily="18" charset="0"/>
+                <a:cs typeface="Times New Roman" pitchFamily="18" charset="0"/>
+              </a:rPr>
+              <a:t> </a:t>
+            </a:r>
+            <a:r>
+              <a:rPr lang="en-US" sz="3100" b="1" dirty="0" err="1" smtClean="0">
+                <a:latin typeface="Times New Roman" pitchFamily="18" charset="0"/>
+                <a:cs typeface="Times New Roman" pitchFamily="18" charset="0"/>
+              </a:rPr>
+              <a:t>kế</a:t>
+            </a:r>
+            <a:r>
+              <a:rPr lang="en-US" sz="3100" b="1" dirty="0" smtClean="0">
+                <a:latin typeface="Times New Roman" pitchFamily="18" charset="0"/>
+                <a:cs typeface="Times New Roman" pitchFamily="18" charset="0"/>
+              </a:rPr>
+              <a:t> </a:t>
+            </a:r>
+            <a:r>
+              <a:rPr lang="en-US" sz="3100" b="1" dirty="0" err="1" smtClean="0">
+                <a:latin typeface="Times New Roman" pitchFamily="18" charset="0"/>
+                <a:cs typeface="Times New Roman" pitchFamily="18" charset="0"/>
+              </a:rPr>
+              <a:t>hệ</a:t>
+            </a:r>
+            <a:r>
+              <a:rPr lang="en-US" sz="3100" b="1" dirty="0" smtClean="0">
+                <a:latin typeface="Times New Roman" pitchFamily="18" charset="0"/>
+                <a:cs typeface="Times New Roman" pitchFamily="18" charset="0"/>
+              </a:rPr>
+              <a:t> </a:t>
+            </a:r>
+            <a:r>
+              <a:rPr lang="en-US" sz="3100" b="1" dirty="0" err="1" smtClean="0">
+                <a:latin typeface="Times New Roman" pitchFamily="18" charset="0"/>
+                <a:cs typeface="Times New Roman" pitchFamily="18" charset="0"/>
+              </a:rPr>
+              <a:t>thống</a:t>
+            </a:r>
+            <a:r>
               <a:rPr lang="en-US" sz="3600" b="1" dirty="0" smtClean="0">
                 <a:latin typeface="Times New Roman" pitchFamily="18" charset="0"/>
                 <a:cs typeface="Times New Roman" pitchFamily="18" charset="0"/>
               </a:rPr>
-              <a:t>KẾT LUẬN</a:t>
-            </a:r>
+              <a:t/>
+            </a:r>
+            <a:br>
+              <a:rPr lang="en-US" sz="3600" b="1" dirty="0" smtClean="0">
+                <a:latin typeface="Times New Roman" pitchFamily="18" charset="0"/>
+                <a:cs typeface="Times New Roman" pitchFamily="18" charset="0"/>
+              </a:rPr>
+            </a:br>
+            <a:r>
+              <a:rPr lang="en-US" sz="3600" b="1" dirty="0" smtClean="0">
+                <a:latin typeface="Times New Roman" pitchFamily="18" charset="0"/>
+                <a:cs typeface="Times New Roman" pitchFamily="18" charset="0"/>
+              </a:rPr>
+              <a:t>   </a:t>
+            </a:r>
+            <a:r>
+              <a:rPr lang="en-US" sz="2700" b="1" dirty="0" smtClean="0">
+                <a:latin typeface="Times New Roman" pitchFamily="18" charset="0"/>
+                <a:cs typeface="Times New Roman" pitchFamily="18" charset="0"/>
+              </a:rPr>
+              <a:t>3.2. </a:t>
+            </a:r>
+            <a:r>
+              <a:rPr lang="en-US" sz="2700" b="1" dirty="0" err="1">
+                <a:latin typeface="Times New Roman" pitchFamily="18" charset="0"/>
+                <a:cs typeface="Times New Roman" pitchFamily="18" charset="0"/>
+              </a:rPr>
+              <a:t>Thiết</a:t>
+            </a:r>
+            <a:r>
+              <a:rPr lang="en-US" sz="2700" b="1" dirty="0">
+                <a:latin typeface="Times New Roman" pitchFamily="18" charset="0"/>
+                <a:cs typeface="Times New Roman" pitchFamily="18" charset="0"/>
+              </a:rPr>
+              <a:t> </a:t>
+            </a:r>
+            <a:r>
+              <a:rPr lang="en-US" sz="2700" b="1" dirty="0" err="1">
+                <a:latin typeface="Times New Roman" pitchFamily="18" charset="0"/>
+                <a:cs typeface="Times New Roman" pitchFamily="18" charset="0"/>
+              </a:rPr>
+              <a:t>kế</a:t>
+            </a:r>
+            <a:r>
+              <a:rPr lang="en-US" sz="2700" b="1" dirty="0">
+                <a:latin typeface="Times New Roman" pitchFamily="18" charset="0"/>
+                <a:cs typeface="Times New Roman" pitchFamily="18" charset="0"/>
+              </a:rPr>
+              <a:t> </a:t>
+            </a:r>
+            <a:r>
+              <a:rPr lang="en-US" sz="2700" b="1" dirty="0" err="1" smtClean="0">
+                <a:latin typeface="Times New Roman" pitchFamily="18" charset="0"/>
+                <a:cs typeface="Times New Roman" pitchFamily="18" charset="0"/>
+              </a:rPr>
+              <a:t>giao</a:t>
+            </a:r>
+            <a:r>
+              <a:rPr lang="en-US" sz="2700" b="1" dirty="0" smtClean="0">
+                <a:latin typeface="Times New Roman" pitchFamily="18" charset="0"/>
+                <a:cs typeface="Times New Roman" pitchFamily="18" charset="0"/>
+              </a:rPr>
+              <a:t> </a:t>
+            </a:r>
+            <a:r>
+              <a:rPr lang="en-US" sz="2700" b="1" dirty="0" err="1" smtClean="0">
+                <a:latin typeface="Times New Roman" pitchFamily="18" charset="0"/>
+                <a:cs typeface="Times New Roman" pitchFamily="18" charset="0"/>
+              </a:rPr>
+              <a:t>diện</a:t>
+            </a:r>
+            <a:r>
+              <a:rPr lang="en-US" sz="3200" dirty="0">
+                <a:latin typeface="Times New Roman" pitchFamily="18" charset="0"/>
+                <a:cs typeface="Times New Roman" pitchFamily="18" charset="0"/>
+              </a:rPr>
+              <a:t/>
+            </a:r>
+            <a:br>
+              <a:rPr lang="en-US" sz="3200" dirty="0">
+                <a:latin typeface="Times New Roman" pitchFamily="18" charset="0"/>
+                <a:cs typeface="Times New Roman" pitchFamily="18" charset="0"/>
+              </a:rPr>
+            </a:br>
             <a:endParaRPr lang="en-US" sz="3600" b="1" dirty="0">
               <a:latin typeface="Times New Roman" pitchFamily="18" charset="0"/>
               <a:cs typeface="Times New Roman" pitchFamily="18" charset="0"/>
@@ -6444,7 +8017,7 @@
         <p:spPr>
           <a:xfrm>
             <a:off x="1219200" y="1295400"/>
-            <a:ext cx="7848600" cy="5181600"/>
+            <a:ext cx="3886200" cy="5181600"/>
           </a:xfrm>
         </p:spPr>
         <p:txBody>
@@ -6457,16 +8030,250 @@
               <a:buNone/>
             </a:pPr>
             <a:r>
-              <a:rPr lang="en-US" sz="2800" smtClean="0">
-                <a:latin typeface="Times New Roman" pitchFamily="18" charset="0"/>
-                <a:cs typeface="Times New Roman" pitchFamily="18" charset="0"/>
-              </a:rPr>
-              <a:t>- C</a:t>
-            </a:r>
-            <a:endParaRPr lang="en-US" sz="2800" dirty="0" smtClean="0">
-              <a:latin typeface="Times New Roman" pitchFamily="18" charset="0"/>
-              <a:cs typeface="Times New Roman" pitchFamily="18" charset="0"/>
-            </a:endParaRPr>
+              <a:rPr lang="en-US" sz="2400" dirty="0" err="1" smtClean="0">
+                <a:latin typeface="Times New Roman" pitchFamily="18" charset="0"/>
+                <a:cs typeface="Times New Roman" pitchFamily="18" charset="0"/>
+              </a:rPr>
+              <a:t>Giao</a:t>
+            </a:r>
+            <a:r>
+              <a:rPr lang="en-US" sz="2400" dirty="0" smtClean="0">
+                <a:latin typeface="Times New Roman" pitchFamily="18" charset="0"/>
+                <a:cs typeface="Times New Roman" pitchFamily="18" charset="0"/>
+              </a:rPr>
+              <a:t> </a:t>
+            </a:r>
+            <a:r>
+              <a:rPr lang="en-US" sz="2400" dirty="0" err="1" smtClean="0">
+                <a:latin typeface="Times New Roman" pitchFamily="18" charset="0"/>
+                <a:cs typeface="Times New Roman" pitchFamily="18" charset="0"/>
+              </a:rPr>
+              <a:t>diện</a:t>
+            </a:r>
+            <a:r>
+              <a:rPr lang="en-US" sz="2400" dirty="0" smtClean="0">
+                <a:latin typeface="Times New Roman" pitchFamily="18" charset="0"/>
+                <a:cs typeface="Times New Roman" pitchFamily="18" charset="0"/>
+              </a:rPr>
+              <a:t> </a:t>
+            </a:r>
+            <a:r>
+              <a:rPr lang="en-US" sz="2400" dirty="0" err="1" smtClean="0">
+                <a:latin typeface="Times New Roman" pitchFamily="18" charset="0"/>
+                <a:cs typeface="Times New Roman" pitchFamily="18" charset="0"/>
+              </a:rPr>
+              <a:t>được</a:t>
+            </a:r>
+            <a:r>
+              <a:rPr lang="en-US" sz="2400" dirty="0" smtClean="0">
+                <a:latin typeface="Times New Roman" pitchFamily="18" charset="0"/>
+                <a:cs typeface="Times New Roman" pitchFamily="18" charset="0"/>
+              </a:rPr>
+              <a:t> </a:t>
+            </a:r>
+            <a:r>
+              <a:rPr lang="en-US" sz="2400" dirty="0" err="1" smtClean="0">
+                <a:latin typeface="Times New Roman" pitchFamily="18" charset="0"/>
+                <a:cs typeface="Times New Roman" pitchFamily="18" charset="0"/>
+              </a:rPr>
+              <a:t>xây</a:t>
+            </a:r>
+            <a:r>
+              <a:rPr lang="en-US" sz="2400" dirty="0" smtClean="0">
+                <a:latin typeface="Times New Roman" pitchFamily="18" charset="0"/>
+                <a:cs typeface="Times New Roman" pitchFamily="18" charset="0"/>
+              </a:rPr>
+              <a:t> </a:t>
+            </a:r>
+            <a:r>
+              <a:rPr lang="en-US" sz="2400" dirty="0" err="1" smtClean="0">
+                <a:latin typeface="Times New Roman" pitchFamily="18" charset="0"/>
+                <a:cs typeface="Times New Roman" pitchFamily="18" charset="0"/>
+              </a:rPr>
+              <a:t>dựng</a:t>
+            </a:r>
+            <a:r>
+              <a:rPr lang="en-US" sz="2400" dirty="0" smtClean="0">
+                <a:latin typeface="Times New Roman" pitchFamily="18" charset="0"/>
+                <a:cs typeface="Times New Roman" pitchFamily="18" charset="0"/>
+              </a:rPr>
+              <a:t> </a:t>
+            </a:r>
+            <a:r>
+              <a:rPr lang="en-US" sz="2400" dirty="0" err="1" smtClean="0">
+                <a:latin typeface="Times New Roman" pitchFamily="18" charset="0"/>
+                <a:cs typeface="Times New Roman" pitchFamily="18" charset="0"/>
+              </a:rPr>
+              <a:t>bằng</a:t>
+            </a:r>
+            <a:r>
+              <a:rPr lang="en-US" sz="2400" dirty="0" smtClean="0">
+                <a:latin typeface="Times New Roman" pitchFamily="18" charset="0"/>
+                <a:cs typeface="Times New Roman" pitchFamily="18" charset="0"/>
+              </a:rPr>
+              <a:t> JSP/HTML/CSS/JS</a:t>
+            </a:r>
+          </a:p>
+          <a:p>
+            <a:pPr marL="0" indent="0">
+              <a:buNone/>
+            </a:pPr>
+            <a:r>
+              <a:rPr lang="en-US" sz="2400" dirty="0" err="1" smtClean="0">
+                <a:latin typeface="Times New Roman" pitchFamily="18" charset="0"/>
+                <a:cs typeface="Times New Roman" pitchFamily="18" charset="0"/>
+              </a:rPr>
+              <a:t>Sử</a:t>
+            </a:r>
+            <a:r>
+              <a:rPr lang="en-US" sz="2400" dirty="0" smtClean="0">
+                <a:latin typeface="Times New Roman" pitchFamily="18" charset="0"/>
+                <a:cs typeface="Times New Roman" pitchFamily="18" charset="0"/>
+              </a:rPr>
+              <a:t> </a:t>
+            </a:r>
+            <a:r>
+              <a:rPr lang="en-US" sz="2400" dirty="0" err="1" smtClean="0">
+                <a:latin typeface="Times New Roman" pitchFamily="18" charset="0"/>
+                <a:cs typeface="Times New Roman" pitchFamily="18" charset="0"/>
+              </a:rPr>
+              <a:t>dụng</a:t>
+            </a:r>
+            <a:r>
+              <a:rPr lang="en-US" sz="2400" dirty="0" smtClean="0">
+                <a:latin typeface="Times New Roman" pitchFamily="18" charset="0"/>
+                <a:cs typeface="Times New Roman" pitchFamily="18" charset="0"/>
+              </a:rPr>
+              <a:t> Bootstrap 4</a:t>
+            </a:r>
+          </a:p>
+          <a:p>
+            <a:pPr marL="0" indent="0">
+              <a:buNone/>
+            </a:pPr>
+            <a:r>
+              <a:rPr lang="en-US" sz="2400" dirty="0" err="1" smtClean="0">
+                <a:latin typeface="Times New Roman" pitchFamily="18" charset="0"/>
+                <a:cs typeface="Times New Roman" pitchFamily="18" charset="0"/>
+              </a:rPr>
+              <a:t>Các</a:t>
+            </a:r>
+            <a:r>
+              <a:rPr lang="en-US" sz="2400" dirty="0" smtClean="0">
+                <a:latin typeface="Times New Roman" pitchFamily="18" charset="0"/>
+                <a:cs typeface="Times New Roman" pitchFamily="18" charset="0"/>
+              </a:rPr>
+              <a:t> </a:t>
+            </a:r>
+            <a:r>
+              <a:rPr lang="en-US" sz="2400" dirty="0" err="1" smtClean="0">
+                <a:latin typeface="Times New Roman" pitchFamily="18" charset="0"/>
+                <a:cs typeface="Times New Roman" pitchFamily="18" charset="0"/>
+              </a:rPr>
+              <a:t>thành</a:t>
+            </a:r>
+            <a:r>
+              <a:rPr lang="en-US" sz="2400" dirty="0" smtClean="0">
+                <a:latin typeface="Times New Roman" pitchFamily="18" charset="0"/>
+                <a:cs typeface="Times New Roman" pitchFamily="18" charset="0"/>
+              </a:rPr>
+              <a:t> </a:t>
+            </a:r>
+            <a:r>
+              <a:rPr lang="en-US" sz="2400" dirty="0" err="1" smtClean="0">
+                <a:latin typeface="Times New Roman" pitchFamily="18" charset="0"/>
+                <a:cs typeface="Times New Roman" pitchFamily="18" charset="0"/>
+              </a:rPr>
+              <a:t>phần</a:t>
+            </a:r>
+            <a:r>
+              <a:rPr lang="en-US" sz="2400" dirty="0" smtClean="0">
+                <a:latin typeface="Times New Roman" pitchFamily="18" charset="0"/>
+                <a:cs typeface="Times New Roman" pitchFamily="18" charset="0"/>
+              </a:rPr>
+              <a:t> </a:t>
+            </a:r>
+            <a:r>
+              <a:rPr lang="en-US" sz="2400" dirty="0" err="1" smtClean="0">
+                <a:latin typeface="Times New Roman" pitchFamily="18" charset="0"/>
+                <a:cs typeface="Times New Roman" pitchFamily="18" charset="0"/>
+              </a:rPr>
+              <a:t>bao</a:t>
+            </a:r>
+            <a:r>
+              <a:rPr lang="en-US" sz="2400" dirty="0" smtClean="0">
+                <a:latin typeface="Times New Roman" pitchFamily="18" charset="0"/>
+                <a:cs typeface="Times New Roman" pitchFamily="18" charset="0"/>
+              </a:rPr>
+              <a:t> </a:t>
+            </a:r>
+            <a:r>
+              <a:rPr lang="en-US" sz="2400" dirty="0" err="1" smtClean="0">
+                <a:latin typeface="Times New Roman" pitchFamily="18" charset="0"/>
+                <a:cs typeface="Times New Roman" pitchFamily="18" charset="0"/>
+              </a:rPr>
+              <a:t>gồm</a:t>
+            </a:r>
+            <a:r>
+              <a:rPr lang="en-US" sz="2400" dirty="0" smtClean="0">
+                <a:latin typeface="Times New Roman" pitchFamily="18" charset="0"/>
+                <a:cs typeface="Times New Roman" pitchFamily="18" charset="0"/>
+              </a:rPr>
+              <a:t>:</a:t>
+            </a:r>
+          </a:p>
+          <a:p>
+            <a:pPr>
+              <a:buFontTx/>
+              <a:buChar char="-"/>
+            </a:pPr>
+            <a:r>
+              <a:rPr lang="en-US" sz="2400" dirty="0" smtClean="0">
+                <a:latin typeface="Times New Roman" pitchFamily="18" charset="0"/>
+                <a:cs typeface="Times New Roman" pitchFamily="18" charset="0"/>
+              </a:rPr>
+              <a:t>Header (</a:t>
+            </a:r>
+            <a:r>
+              <a:rPr lang="en-US" sz="2400" dirty="0" err="1" smtClean="0">
+                <a:latin typeface="Times New Roman" pitchFamily="18" charset="0"/>
+                <a:cs typeface="Times New Roman" pitchFamily="18" charset="0"/>
+              </a:rPr>
+              <a:t>nav</a:t>
+            </a:r>
+            <a:r>
+              <a:rPr lang="en-US" sz="2400" dirty="0" smtClean="0">
+                <a:latin typeface="Times New Roman" pitchFamily="18" charset="0"/>
+                <a:cs typeface="Times New Roman" pitchFamily="18" charset="0"/>
+              </a:rPr>
+              <a:t> and banner)</a:t>
+            </a:r>
+          </a:p>
+          <a:p>
+            <a:pPr>
+              <a:buFontTx/>
+              <a:buChar char="-"/>
+            </a:pPr>
+            <a:r>
+              <a:rPr lang="en-US" sz="2400" dirty="0" smtClean="0">
+                <a:latin typeface="Times New Roman" pitchFamily="18" charset="0"/>
+                <a:cs typeface="Times New Roman" pitchFamily="18" charset="0"/>
+              </a:rPr>
+              <a:t>Content( right and left)</a:t>
+            </a:r>
+          </a:p>
+          <a:p>
+            <a:pPr>
+              <a:buFontTx/>
+              <a:buChar char="-"/>
+            </a:pPr>
+            <a:r>
+              <a:rPr lang="en-US" sz="2400" dirty="0" smtClean="0">
+                <a:latin typeface="Times New Roman" pitchFamily="18" charset="0"/>
+                <a:cs typeface="Times New Roman" pitchFamily="18" charset="0"/>
+              </a:rPr>
+              <a:t>Footer</a:t>
+            </a:r>
           </a:p>
         </p:txBody>
       </p:sp>
@@ -6492,7 +8299,7 @@
           <a:p>
             <a:fld id="{3805247F-6ACC-47F2-B107-A401F66D3D80}" type="datetime1">
               <a:rPr lang="en-US" smtClean="0"/>
-              <a:t>6/7/2018</a:t>
+              <a:t>6/9/2018</a:t>
             </a:fld>
             <a:endParaRPr lang="en-US" dirty="0"/>
           </a:p>
@@ -6554,10 +8361,38 @@
           </a:p>
         </p:txBody>
       </p:sp>
+      <p:pic>
+        <p:nvPicPr>
+          <p:cNvPr id="12" name="Picture 11"/>
+          <p:cNvPicPr/>
+          <p:nvPr/>
+        </p:nvPicPr>
+        <p:blipFill>
+          <a:blip r:embed="rId4" cstate="print">
+            <a:extLst>
+              <a:ext uri="{28A0092B-C50C-407E-A947-70E740481C1C}">
+                <a14:useLocalDpi xmlns:a14="http://schemas.microsoft.com/office/drawing/2010/main" val="0"/>
+              </a:ext>
+            </a:extLst>
+          </a:blip>
+          <a:stretch>
+            <a:fillRect/>
+          </a:stretch>
+        </p:blipFill>
+        <p:spPr>
+          <a:xfrm>
+            <a:off x="5791200" y="1295400"/>
+            <a:ext cx="3159125" cy="5105400"/>
+          </a:xfrm>
+          <a:prstGeom prst="rect">
+            <a:avLst/>
+          </a:prstGeom>
+        </p:spPr>
+      </p:pic>
     </p:spTree>
     <p:extLst>
       <p:ext uri="{BB962C8B-B14F-4D97-AF65-F5344CB8AC3E}">
-        <p14:creationId xmlns:p14="http://schemas.microsoft.com/office/powerpoint/2010/main" val="3379053331"/>
+        <p14:creationId xmlns:p14="http://schemas.microsoft.com/office/powerpoint/2010/main" val="1559180425"/>
       </p:ext>
     </p:extLst>
   </p:cSld>
@@ -6617,57 +8452,149 @@
         </p:nvSpPr>
         <p:spPr>
           <a:xfrm>
-            <a:off x="1219200" y="76200"/>
-            <a:ext cx="7848600" cy="838200"/>
+            <a:off x="1257300" y="533400"/>
+            <a:ext cx="7848600" cy="609600"/>
           </a:xfrm>
         </p:spPr>
         <p:txBody>
           <a:bodyPr>
-            <a:normAutofit/>
+            <a:normAutofit fontScale="90000"/>
           </a:bodyPr>
           <a:lstStyle/>
           <a:p>
             <a:pPr algn="l"/>
             <a:r>
+              <a:rPr lang="en-US" sz="3100" b="1" dirty="0" smtClean="0">
+                <a:latin typeface="Times New Roman" pitchFamily="18" charset="0"/>
+                <a:cs typeface="Times New Roman" pitchFamily="18" charset="0"/>
+              </a:rPr>
+              <a:t>3. </a:t>
+            </a:r>
+            <a:r>
+              <a:rPr lang="en-US" sz="3100" b="1" dirty="0" err="1" smtClean="0">
+                <a:latin typeface="Times New Roman" pitchFamily="18" charset="0"/>
+                <a:cs typeface="Times New Roman" pitchFamily="18" charset="0"/>
+              </a:rPr>
+              <a:t>Thiết</a:t>
+            </a:r>
+            <a:r>
+              <a:rPr lang="en-US" sz="3100" b="1" dirty="0" smtClean="0">
+                <a:latin typeface="Times New Roman" pitchFamily="18" charset="0"/>
+                <a:cs typeface="Times New Roman" pitchFamily="18" charset="0"/>
+              </a:rPr>
+              <a:t> </a:t>
+            </a:r>
+            <a:r>
+              <a:rPr lang="en-US" sz="3100" b="1" dirty="0" err="1" smtClean="0">
+                <a:latin typeface="Times New Roman" pitchFamily="18" charset="0"/>
+                <a:cs typeface="Times New Roman" pitchFamily="18" charset="0"/>
+              </a:rPr>
+              <a:t>kế</a:t>
+            </a:r>
+            <a:r>
+              <a:rPr lang="en-US" sz="3100" b="1" dirty="0" smtClean="0">
+                <a:latin typeface="Times New Roman" pitchFamily="18" charset="0"/>
+                <a:cs typeface="Times New Roman" pitchFamily="18" charset="0"/>
+              </a:rPr>
+              <a:t> </a:t>
+            </a:r>
+            <a:r>
+              <a:rPr lang="en-US" sz="3100" b="1" dirty="0" err="1" smtClean="0">
+                <a:latin typeface="Times New Roman" pitchFamily="18" charset="0"/>
+                <a:cs typeface="Times New Roman" pitchFamily="18" charset="0"/>
+              </a:rPr>
+              <a:t>hệ</a:t>
+            </a:r>
+            <a:r>
+              <a:rPr lang="en-US" sz="3100" b="1" dirty="0" smtClean="0">
+                <a:latin typeface="Times New Roman" pitchFamily="18" charset="0"/>
+                <a:cs typeface="Times New Roman" pitchFamily="18" charset="0"/>
+              </a:rPr>
+              <a:t> </a:t>
+            </a:r>
+            <a:r>
+              <a:rPr lang="en-US" sz="3100" b="1" dirty="0" err="1" smtClean="0">
+                <a:latin typeface="Times New Roman" pitchFamily="18" charset="0"/>
+                <a:cs typeface="Times New Roman" pitchFamily="18" charset="0"/>
+              </a:rPr>
+              <a:t>thống</a:t>
+            </a:r>
+            <a:r>
               <a:rPr lang="en-US" sz="3600" b="1" dirty="0" smtClean="0">
                 <a:latin typeface="Times New Roman" pitchFamily="18" charset="0"/>
                 <a:cs typeface="Times New Roman" pitchFamily="18" charset="0"/>
               </a:rPr>
-              <a:t>TÀI LIỆU THAM KHẢO</a:t>
-            </a:r>
+              <a:t/>
+            </a:r>
+            <a:br>
+              <a:rPr lang="en-US" sz="3600" b="1" dirty="0" smtClean="0">
+                <a:latin typeface="Times New Roman" pitchFamily="18" charset="0"/>
+                <a:cs typeface="Times New Roman" pitchFamily="18" charset="0"/>
+              </a:rPr>
+            </a:br>
+            <a:r>
+              <a:rPr lang="en-US" sz="3600" b="1" dirty="0" smtClean="0">
+                <a:latin typeface="Times New Roman" pitchFamily="18" charset="0"/>
+                <a:cs typeface="Times New Roman" pitchFamily="18" charset="0"/>
+              </a:rPr>
+              <a:t>   </a:t>
+            </a:r>
+            <a:r>
+              <a:rPr lang="en-US" sz="2700" b="1" dirty="0" smtClean="0">
+                <a:latin typeface="Times New Roman" pitchFamily="18" charset="0"/>
+                <a:cs typeface="Times New Roman" pitchFamily="18" charset="0"/>
+              </a:rPr>
+              <a:t>3.3. </a:t>
+            </a:r>
+            <a:r>
+              <a:rPr lang="en-US" sz="2700" b="1" dirty="0" err="1">
+                <a:latin typeface="Times New Roman" pitchFamily="18" charset="0"/>
+                <a:cs typeface="Times New Roman" pitchFamily="18" charset="0"/>
+              </a:rPr>
+              <a:t>T</a:t>
+            </a:r>
+            <a:r>
+              <a:rPr lang="en-US" sz="2700" b="1" dirty="0" err="1" smtClean="0">
+                <a:latin typeface="Times New Roman" pitchFamily="18" charset="0"/>
+                <a:cs typeface="Times New Roman" pitchFamily="18" charset="0"/>
+              </a:rPr>
+              <a:t>hiết</a:t>
+            </a:r>
+            <a:r>
+              <a:rPr lang="en-US" sz="2700" b="1" dirty="0" smtClean="0">
+                <a:latin typeface="Times New Roman" pitchFamily="18" charset="0"/>
+                <a:cs typeface="Times New Roman" pitchFamily="18" charset="0"/>
+              </a:rPr>
+              <a:t> </a:t>
+            </a:r>
+            <a:r>
+              <a:rPr lang="en-US" sz="2700" b="1" dirty="0" err="1" smtClean="0">
+                <a:latin typeface="Times New Roman" pitchFamily="18" charset="0"/>
+                <a:cs typeface="Times New Roman" pitchFamily="18" charset="0"/>
+              </a:rPr>
+              <a:t>kế</a:t>
+            </a:r>
+            <a:r>
+              <a:rPr lang="en-US" sz="2700" b="1" dirty="0" smtClean="0">
+                <a:latin typeface="Times New Roman" pitchFamily="18" charset="0"/>
+                <a:cs typeface="Times New Roman" pitchFamily="18" charset="0"/>
+              </a:rPr>
+              <a:t> CSDL</a:t>
+            </a:r>
+            <a:r>
+              <a:rPr lang="en-US" sz="3200" dirty="0">
+                <a:latin typeface="Times New Roman" pitchFamily="18" charset="0"/>
+                <a:cs typeface="Times New Roman" pitchFamily="18" charset="0"/>
+              </a:rPr>
+              <a:t/>
+            </a:r>
+            <a:br>
+              <a:rPr lang="en-US" sz="3200" dirty="0">
+                <a:latin typeface="Times New Roman" pitchFamily="18" charset="0"/>
+                <a:cs typeface="Times New Roman" pitchFamily="18" charset="0"/>
+              </a:rPr>
+            </a:br>
             <a:endParaRPr lang="en-US" sz="3600" b="1" dirty="0">
-              <a:latin typeface="Times New Roman" pitchFamily="18" charset="0"/>
-              <a:cs typeface="Times New Roman" pitchFamily="18" charset="0"/>
-            </a:endParaRPr>
-          </a:p>
-        </p:txBody>
-      </p:sp>
-      <p:sp>
-        <p:nvSpPr>
-          <p:cNvPr id="3" name="Content Placeholder 2"/>
-          <p:cNvSpPr>
-            <a:spLocks noGrp="1"/>
-          </p:cNvSpPr>
-          <p:nvPr>
-            <p:ph idx="1"/>
-          </p:nvPr>
-        </p:nvSpPr>
-        <p:spPr>
-          <a:xfrm>
-            <a:off x="1219200" y="1295400"/>
-            <a:ext cx="7848600" cy="5181600"/>
-          </a:xfrm>
-        </p:spPr>
-        <p:txBody>
-          <a:bodyPr>
-            <a:normAutofit/>
-          </a:bodyPr>
-          <a:lstStyle/>
-          <a:p>
-            <a:pPr marL="0" indent="0">
-              <a:buNone/>
-            </a:pPr>
-            <a:endParaRPr lang="en-US" sz="2800" dirty="0" smtClean="0">
               <a:latin typeface="Times New Roman" pitchFamily="18" charset="0"/>
               <a:cs typeface="Times New Roman" pitchFamily="18" charset="0"/>
             </a:endParaRPr>
@@ -6696,7 +8623,7 @@
           <a:p>
             <a:fld id="{3805247F-6ACC-47F2-B107-A401F66D3D80}" type="datetime1">
               <a:rPr lang="en-US" smtClean="0"/>
-              <a:t>6/7/2018</a:t>
+              <a:t>6/9/2018</a:t>
             </a:fld>
             <a:endParaRPr lang="en-US" dirty="0"/>
           </a:p>
@@ -6758,10 +8685,53 @@
           </a:p>
         </p:txBody>
       </p:sp>
+      <p:pic>
+        <p:nvPicPr>
+          <p:cNvPr id="1026" name="Picture 2" descr="C:\Users\sonnc\Desktop\eer.png"/>
+          <p:cNvPicPr>
+            <a:picLocks noGrp="1" noChangeAspect="1" noChangeArrowheads="1"/>
+          </p:cNvPicPr>
+          <p:nvPr>
+            <p:ph idx="1"/>
+          </p:nvPr>
+        </p:nvPicPr>
+        <p:blipFill>
+          <a:blip r:embed="rId4">
+            <a:extLst>
+              <a:ext uri="{28A0092B-C50C-407E-A947-70E740481C1C}">
+                <a14:useLocalDpi xmlns:a14="http://schemas.microsoft.com/office/drawing/2010/main" val="0"/>
+              </a:ext>
+            </a:extLst>
+          </a:blip>
+          <a:srcRect/>
+          <a:stretch>
+            <a:fillRect/>
+          </a:stretch>
+        </p:blipFill>
+        <p:spPr bwMode="auto">
+          <a:xfrm>
+            <a:off x="1853452" y="1143000"/>
+            <a:ext cx="6833347" cy="5334000"/>
+          </a:xfrm>
+          <a:prstGeom prst="rect">
+            <a:avLst/>
+          </a:prstGeom>
+          <a:noFill/>
+          <a:extLst>
+            <a:ext uri="{909E8E84-426E-40DD-AFC4-6F175D3DCCD1}">
+              <a14:hiddenFill xmlns:a14="http://schemas.microsoft.com/office/drawing/2010/main">
+                <a:solidFill>
+                  <a:srgbClr val="FFFFFF"/>
+                </a:solidFill>
+              </a14:hiddenFill>
+            </a:ext>
+          </a:extLst>
+        </p:spPr>
+      </p:pic>
     </p:spTree>
     <p:extLst>
       <p:ext uri="{BB962C8B-B14F-4D97-AF65-F5344CB8AC3E}">
-        <p14:creationId xmlns:p14="http://schemas.microsoft.com/office/powerpoint/2010/main" val="825785582"/>
+        <p14:creationId xmlns:p14="http://schemas.microsoft.com/office/powerpoint/2010/main" val="3075892855"/>
       </p:ext>
     </p:extLst>
   </p:cSld>
@@ -6821,6 +8791,581 @@
         </p:nvSpPr>
         <p:spPr>
           <a:xfrm>
+            <a:off x="1257300" y="533400"/>
+            <a:ext cx="7848600" cy="609600"/>
+          </a:xfrm>
+        </p:spPr>
+        <p:txBody>
+          <a:bodyPr>
+            <a:normAutofit fontScale="90000"/>
+          </a:bodyPr>
+          <a:lstStyle/>
+          <a:p>
+            <a:pPr algn="l"/>
+            <a:r>
+              <a:rPr lang="en-US" sz="3100" b="1" dirty="0" smtClean="0">
+                <a:latin typeface="Times New Roman" pitchFamily="18" charset="0"/>
+                <a:cs typeface="Times New Roman" pitchFamily="18" charset="0"/>
+              </a:rPr>
+              <a:t>3. </a:t>
+            </a:r>
+            <a:r>
+              <a:rPr lang="en-US" sz="3100" b="1" dirty="0" err="1" smtClean="0">
+                <a:latin typeface="Times New Roman" pitchFamily="18" charset="0"/>
+                <a:cs typeface="Times New Roman" pitchFamily="18" charset="0"/>
+              </a:rPr>
+              <a:t>Thiết</a:t>
+            </a:r>
+            <a:r>
+              <a:rPr lang="en-US" sz="3100" b="1" dirty="0" smtClean="0">
+                <a:latin typeface="Times New Roman" pitchFamily="18" charset="0"/>
+                <a:cs typeface="Times New Roman" pitchFamily="18" charset="0"/>
+              </a:rPr>
+              <a:t> </a:t>
+            </a:r>
+            <a:r>
+              <a:rPr lang="en-US" sz="3100" b="1" dirty="0" err="1" smtClean="0">
+                <a:latin typeface="Times New Roman" pitchFamily="18" charset="0"/>
+                <a:cs typeface="Times New Roman" pitchFamily="18" charset="0"/>
+              </a:rPr>
+              <a:t>kế</a:t>
+            </a:r>
+            <a:r>
+              <a:rPr lang="en-US" sz="3100" b="1" dirty="0" smtClean="0">
+                <a:latin typeface="Times New Roman" pitchFamily="18" charset="0"/>
+                <a:cs typeface="Times New Roman" pitchFamily="18" charset="0"/>
+              </a:rPr>
+              <a:t> </a:t>
+            </a:r>
+            <a:r>
+              <a:rPr lang="en-US" sz="3100" b="1" dirty="0" err="1" smtClean="0">
+                <a:latin typeface="Times New Roman" pitchFamily="18" charset="0"/>
+                <a:cs typeface="Times New Roman" pitchFamily="18" charset="0"/>
+              </a:rPr>
+              <a:t>hệ</a:t>
+            </a:r>
+            <a:r>
+              <a:rPr lang="en-US" sz="3100" b="1" dirty="0" smtClean="0">
+                <a:latin typeface="Times New Roman" pitchFamily="18" charset="0"/>
+                <a:cs typeface="Times New Roman" pitchFamily="18" charset="0"/>
+              </a:rPr>
+              <a:t> </a:t>
+            </a:r>
+            <a:r>
+              <a:rPr lang="en-US" sz="3100" b="1" dirty="0" err="1" smtClean="0">
+                <a:latin typeface="Times New Roman" pitchFamily="18" charset="0"/>
+                <a:cs typeface="Times New Roman" pitchFamily="18" charset="0"/>
+              </a:rPr>
+              <a:t>thống</a:t>
+            </a:r>
+            <a:r>
+              <a:rPr lang="en-US" sz="3600" b="1" dirty="0" smtClean="0">
+                <a:latin typeface="Times New Roman" pitchFamily="18" charset="0"/>
+                <a:cs typeface="Times New Roman" pitchFamily="18" charset="0"/>
+              </a:rPr>
+              <a:t/>
+            </a:r>
+            <a:br>
+              <a:rPr lang="en-US" sz="3600" b="1" dirty="0" smtClean="0">
+                <a:latin typeface="Times New Roman" pitchFamily="18" charset="0"/>
+                <a:cs typeface="Times New Roman" pitchFamily="18" charset="0"/>
+              </a:rPr>
+            </a:br>
+            <a:r>
+              <a:rPr lang="en-US" sz="3600" b="1" dirty="0" smtClean="0">
+                <a:latin typeface="Times New Roman" pitchFamily="18" charset="0"/>
+                <a:cs typeface="Times New Roman" pitchFamily="18" charset="0"/>
+              </a:rPr>
+              <a:t>   </a:t>
+            </a:r>
+            <a:r>
+              <a:rPr lang="en-US" sz="2700" b="1" dirty="0" smtClean="0">
+                <a:latin typeface="Times New Roman" pitchFamily="18" charset="0"/>
+                <a:cs typeface="Times New Roman" pitchFamily="18" charset="0"/>
+              </a:rPr>
+              <a:t>3.4. </a:t>
+            </a:r>
+            <a:r>
+              <a:rPr lang="en-US" sz="2700" b="1" dirty="0" err="1">
+                <a:latin typeface="Times New Roman" pitchFamily="18" charset="0"/>
+                <a:cs typeface="Times New Roman" pitchFamily="18" charset="0"/>
+              </a:rPr>
+              <a:t>T</a:t>
+            </a:r>
+            <a:r>
+              <a:rPr lang="en-US" sz="2700" b="1" dirty="0" err="1" smtClean="0">
+                <a:latin typeface="Times New Roman" pitchFamily="18" charset="0"/>
+                <a:cs typeface="Times New Roman" pitchFamily="18" charset="0"/>
+              </a:rPr>
+              <a:t>hiết</a:t>
+            </a:r>
+            <a:r>
+              <a:rPr lang="en-US" sz="2700" b="1" dirty="0" smtClean="0">
+                <a:latin typeface="Times New Roman" pitchFamily="18" charset="0"/>
+                <a:cs typeface="Times New Roman" pitchFamily="18" charset="0"/>
+              </a:rPr>
+              <a:t> </a:t>
+            </a:r>
+            <a:r>
+              <a:rPr lang="en-US" sz="2700" b="1" dirty="0" err="1" smtClean="0">
+                <a:latin typeface="Times New Roman" pitchFamily="18" charset="0"/>
+                <a:cs typeface="Times New Roman" pitchFamily="18" charset="0"/>
+              </a:rPr>
+              <a:t>kế</a:t>
+            </a:r>
+            <a:r>
+              <a:rPr lang="en-US" sz="2700" b="1" dirty="0">
+                <a:latin typeface="Times New Roman" pitchFamily="18" charset="0"/>
+                <a:cs typeface="Times New Roman" pitchFamily="18" charset="0"/>
+              </a:rPr>
+              <a:t> </a:t>
+            </a:r>
+            <a:r>
+              <a:rPr lang="en-US" sz="2700" b="1" dirty="0" smtClean="0">
+                <a:latin typeface="Times New Roman" pitchFamily="18" charset="0"/>
+                <a:cs typeface="Times New Roman" pitchFamily="18" charset="0"/>
+              </a:rPr>
+              <a:t>so </a:t>
+            </a:r>
+            <a:r>
+              <a:rPr lang="en-US" sz="2700" b="1" dirty="0" err="1" smtClean="0">
+                <a:latin typeface="Times New Roman" pitchFamily="18" charset="0"/>
+                <a:cs typeface="Times New Roman" pitchFamily="18" charset="0"/>
+              </a:rPr>
+              <a:t>khớp</a:t>
+            </a:r>
+            <a:r>
+              <a:rPr lang="en-US" sz="2700" b="1" dirty="0" smtClean="0">
+                <a:latin typeface="Times New Roman" pitchFamily="18" charset="0"/>
+                <a:cs typeface="Times New Roman" pitchFamily="18" charset="0"/>
+              </a:rPr>
+              <a:t> </a:t>
+            </a:r>
+            <a:r>
+              <a:rPr lang="en-US" sz="2700" b="1" dirty="0" err="1" smtClean="0">
+                <a:latin typeface="Times New Roman" pitchFamily="18" charset="0"/>
+                <a:cs typeface="Times New Roman" pitchFamily="18" charset="0"/>
+              </a:rPr>
+              <a:t>thông</a:t>
+            </a:r>
+            <a:r>
+              <a:rPr lang="en-US" sz="2700" b="1" dirty="0" smtClean="0">
+                <a:latin typeface="Times New Roman" pitchFamily="18" charset="0"/>
+                <a:cs typeface="Times New Roman" pitchFamily="18" charset="0"/>
+              </a:rPr>
+              <a:t> tin</a:t>
+            </a:r>
+            <a:r>
+              <a:rPr lang="en-US" sz="3200" dirty="0">
+                <a:latin typeface="Times New Roman" pitchFamily="18" charset="0"/>
+                <a:cs typeface="Times New Roman" pitchFamily="18" charset="0"/>
+              </a:rPr>
+              <a:t/>
+            </a:r>
+            <a:br>
+              <a:rPr lang="en-US" sz="3200" dirty="0">
+                <a:latin typeface="Times New Roman" pitchFamily="18" charset="0"/>
+                <a:cs typeface="Times New Roman" pitchFamily="18" charset="0"/>
+              </a:rPr>
+            </a:br>
+            <a:endParaRPr lang="en-US" sz="3600" b="1" dirty="0">
+              <a:latin typeface="Times New Roman" pitchFamily="18" charset="0"/>
+              <a:cs typeface="Times New Roman" pitchFamily="18" charset="0"/>
+            </a:endParaRPr>
+          </a:p>
+        </p:txBody>
+      </p:sp>
+      <p:sp>
+        <p:nvSpPr>
+          <p:cNvPr id="3" name="Content Placeholder 2"/>
+          <p:cNvSpPr>
+            <a:spLocks noGrp="1"/>
+          </p:cNvSpPr>
+          <p:nvPr>
+            <p:ph idx="1"/>
+          </p:nvPr>
+        </p:nvSpPr>
+        <p:spPr>
+          <a:xfrm>
+            <a:off x="1219200" y="1295400"/>
+            <a:ext cx="7772400" cy="5181600"/>
+          </a:xfrm>
+        </p:spPr>
+        <p:txBody>
+          <a:bodyPr>
+            <a:normAutofit/>
+          </a:bodyPr>
+          <a:lstStyle/>
+          <a:p>
+            <a:r>
+              <a:rPr lang="en-US" sz="2400" dirty="0" err="1" smtClean="0">
+                <a:latin typeface="Times New Roman" pitchFamily="18" charset="0"/>
+                <a:cs typeface="Times New Roman" pitchFamily="18" charset="0"/>
+              </a:rPr>
+              <a:t>Được</a:t>
+            </a:r>
+            <a:r>
+              <a:rPr lang="en-US" sz="2400" dirty="0" smtClean="0">
+                <a:latin typeface="Times New Roman" pitchFamily="18" charset="0"/>
+                <a:cs typeface="Times New Roman" pitchFamily="18" charset="0"/>
+              </a:rPr>
+              <a:t> </a:t>
+            </a:r>
+            <a:r>
+              <a:rPr lang="vi-VN" sz="2400" dirty="0" smtClean="0">
+                <a:latin typeface="Times New Roman" pitchFamily="18" charset="0"/>
+                <a:cs typeface="Times New Roman" pitchFamily="18" charset="0"/>
+              </a:rPr>
+              <a:t>hệ </a:t>
+            </a:r>
+            <a:r>
+              <a:rPr lang="vi-VN" sz="2400" dirty="0">
+                <a:latin typeface="Times New Roman" pitchFamily="18" charset="0"/>
+                <a:cs typeface="Times New Roman" pitchFamily="18" charset="0"/>
+              </a:rPr>
+              <a:t>thống xác định từ chỉ số yêu cầu của đề tài với chỉ số yêu cầu đáp ứng về kỹ năng lập trình của sinh </a:t>
+            </a:r>
+            <a:r>
+              <a:rPr lang="vi-VN" sz="2400" dirty="0" smtClean="0">
+                <a:latin typeface="Times New Roman" pitchFamily="18" charset="0"/>
+                <a:cs typeface="Times New Roman" pitchFamily="18" charset="0"/>
+              </a:rPr>
+              <a:t>viên.</a:t>
+            </a:r>
+            <a:endParaRPr lang="en-US" sz="2400" dirty="0" smtClean="0">
+              <a:latin typeface="Times New Roman" pitchFamily="18" charset="0"/>
+              <a:cs typeface="Times New Roman" pitchFamily="18" charset="0"/>
+            </a:endParaRPr>
+          </a:p>
+          <a:p>
+            <a:r>
+              <a:rPr lang="en-US" sz="2400" dirty="0" err="1" smtClean="0">
+                <a:latin typeface="Times New Roman" pitchFamily="18" charset="0"/>
+                <a:cs typeface="Times New Roman" pitchFamily="18" charset="0"/>
+              </a:rPr>
+              <a:t>Không</a:t>
+            </a:r>
+            <a:r>
+              <a:rPr lang="en-US" sz="2400" dirty="0" smtClean="0">
+                <a:latin typeface="Times New Roman" pitchFamily="18" charset="0"/>
+                <a:cs typeface="Times New Roman" pitchFamily="18" charset="0"/>
+              </a:rPr>
+              <a:t> </a:t>
+            </a:r>
+            <a:r>
+              <a:rPr lang="vi-VN" sz="2400" dirty="0" smtClean="0">
+                <a:latin typeface="Times New Roman" pitchFamily="18" charset="0"/>
+                <a:cs typeface="Times New Roman" pitchFamily="18" charset="0"/>
+              </a:rPr>
+              <a:t>so </a:t>
+            </a:r>
+            <a:r>
+              <a:rPr lang="vi-VN" sz="2400" dirty="0">
+                <a:latin typeface="Times New Roman" pitchFamily="18" charset="0"/>
+                <a:cs typeface="Times New Roman" pitchFamily="18" charset="0"/>
+              </a:rPr>
+              <a:t>khớp về các kỹ năng mềm </a:t>
+            </a:r>
+            <a:endParaRPr lang="en-US" sz="2400" dirty="0" smtClean="0">
+              <a:latin typeface="Times New Roman" pitchFamily="18" charset="0"/>
+              <a:cs typeface="Times New Roman" pitchFamily="18" charset="0"/>
+            </a:endParaRPr>
+          </a:p>
+          <a:p>
+            <a:r>
+              <a:rPr lang="en-US" sz="2400" dirty="0" err="1" smtClean="0">
+                <a:latin typeface="Times New Roman" pitchFamily="18" charset="0"/>
+                <a:cs typeface="Times New Roman" pitchFamily="18" charset="0"/>
+              </a:rPr>
+              <a:t>Người</a:t>
+            </a:r>
+            <a:r>
+              <a:rPr lang="en-US" sz="2400" dirty="0" smtClean="0">
+                <a:latin typeface="Times New Roman" pitchFamily="18" charset="0"/>
+                <a:cs typeface="Times New Roman" pitchFamily="18" charset="0"/>
+              </a:rPr>
+              <a:t> </a:t>
+            </a:r>
+            <a:r>
+              <a:rPr lang="vi-VN" sz="2400" dirty="0" smtClean="0">
+                <a:latin typeface="Times New Roman" pitchFamily="18" charset="0"/>
+                <a:cs typeface="Times New Roman" pitchFamily="18" charset="0"/>
+              </a:rPr>
+              <a:t>dùng </a:t>
+            </a:r>
+            <a:r>
+              <a:rPr lang="vi-VN" sz="2400" dirty="0">
+                <a:latin typeface="Times New Roman" pitchFamily="18" charset="0"/>
+                <a:cs typeface="Times New Roman" pitchFamily="18" charset="0"/>
+              </a:rPr>
+              <a:t>cần phải xác định theo đúng cú pháp quy định trên hệ thống. Điều này là bắt buộc đối với mỗi đề </a:t>
+            </a:r>
+            <a:r>
+              <a:rPr lang="vi-VN" sz="2400" dirty="0" smtClean="0">
+                <a:latin typeface="Times New Roman" pitchFamily="18" charset="0"/>
+                <a:cs typeface="Times New Roman" pitchFamily="18" charset="0"/>
+              </a:rPr>
+              <a:t>tài.</a:t>
+            </a:r>
+            <a:endParaRPr lang="en-US" sz="2400" dirty="0" smtClean="0">
+              <a:latin typeface="Times New Roman" pitchFamily="18" charset="0"/>
+              <a:cs typeface="Times New Roman" pitchFamily="18" charset="0"/>
+            </a:endParaRPr>
+          </a:p>
+          <a:p>
+            <a:r>
+              <a:rPr lang="vi-VN" sz="2400" dirty="0" smtClean="0">
+                <a:latin typeface="Times New Roman" pitchFamily="18" charset="0"/>
+                <a:cs typeface="Times New Roman" pitchFamily="18" charset="0"/>
+              </a:rPr>
+              <a:t>Cú pháp: </a:t>
+            </a:r>
+            <a:r>
+              <a:rPr lang="vi-VN" sz="2400" dirty="0">
+                <a:latin typeface="Times New Roman" pitchFamily="18" charset="0"/>
+                <a:cs typeface="Times New Roman" pitchFamily="18" charset="0"/>
+              </a:rPr>
+              <a:t>[abc-xyz</a:t>
+            </a:r>
+            <a:r>
+              <a:rPr lang="vi-VN" sz="2400" dirty="0" smtClean="0">
+                <a:latin typeface="Times New Roman" pitchFamily="18" charset="0"/>
+                <a:cs typeface="Times New Roman" pitchFamily="18" charset="0"/>
+              </a:rPr>
+              <a:t>]</a:t>
+            </a:r>
+            <a:endParaRPr lang="en-US" sz="2400" dirty="0" smtClean="0">
+              <a:latin typeface="Times New Roman" pitchFamily="18" charset="0"/>
+              <a:cs typeface="Times New Roman" pitchFamily="18" charset="0"/>
+            </a:endParaRPr>
+          </a:p>
+          <a:p>
+            <a:r>
+              <a:rPr lang="vi-VN" sz="2400" dirty="0">
+                <a:latin typeface="Times New Roman" pitchFamily="18" charset="0"/>
+                <a:cs typeface="Times New Roman" pitchFamily="18" charset="0"/>
+              </a:rPr>
+              <a:t>Trong đó, ‘[’ và ‘]’ là các khóa mở của cú pháp, bắt buộc phải khai báo.</a:t>
+            </a:r>
+          </a:p>
+          <a:p>
+            <a:pPr lvl="1"/>
+            <a:r>
+              <a:rPr lang="vi-VN" sz="2400" dirty="0" smtClean="0">
+                <a:latin typeface="Times New Roman" pitchFamily="18" charset="0"/>
+                <a:cs typeface="Times New Roman" pitchFamily="18" charset="0"/>
+              </a:rPr>
+              <a:t>abc </a:t>
+            </a:r>
+            <a:r>
+              <a:rPr lang="vi-VN" sz="2400" dirty="0">
+                <a:latin typeface="Times New Roman" pitchFamily="18" charset="0"/>
+                <a:cs typeface="Times New Roman" pitchFamily="18" charset="0"/>
+              </a:rPr>
+              <a:t>là các ngôn ngữ lập trình, viết bằng chữ thường</a:t>
+            </a:r>
+          </a:p>
+          <a:p>
+            <a:pPr lvl="1"/>
+            <a:r>
+              <a:rPr lang="vi-VN" sz="2400" dirty="0" smtClean="0">
+                <a:latin typeface="Times New Roman" pitchFamily="18" charset="0"/>
+                <a:cs typeface="Times New Roman" pitchFamily="18" charset="0"/>
+              </a:rPr>
+              <a:t>xyz </a:t>
+            </a:r>
+            <a:r>
+              <a:rPr lang="vi-VN" sz="2400" dirty="0">
+                <a:latin typeface="Times New Roman" pitchFamily="18" charset="0"/>
+                <a:cs typeface="Times New Roman" pitchFamily="18" charset="0"/>
+              </a:rPr>
+              <a:t>là các yêu cầu về trình độ của mỗi ngôn ngữ lập trình, viết bằng chữ thường. </a:t>
+            </a:r>
+            <a:endParaRPr lang="en-US" sz="2400" dirty="0" smtClean="0">
+              <a:latin typeface="Times New Roman" pitchFamily="18" charset="0"/>
+              <a:cs typeface="Times New Roman" pitchFamily="18" charset="0"/>
+            </a:endParaRPr>
+          </a:p>
+          <a:p>
+            <a:r>
+              <a:rPr lang="vi-VN" sz="2400" dirty="0" smtClean="0">
+                <a:latin typeface="Times New Roman" pitchFamily="18" charset="0"/>
+                <a:cs typeface="Times New Roman" pitchFamily="18" charset="0"/>
+              </a:rPr>
+              <a:t>Ví </a:t>
+            </a:r>
+            <a:r>
+              <a:rPr lang="vi-VN" sz="2400" dirty="0">
+                <a:latin typeface="Times New Roman" pitchFamily="18" charset="0"/>
+                <a:cs typeface="Times New Roman" pitchFamily="18" charset="0"/>
+              </a:rPr>
+              <a:t>dụ: [java-tot][c-kha][sql-tot][html-tot]</a:t>
+            </a:r>
+          </a:p>
+          <a:p>
+            <a:endParaRPr lang="vi-VN" sz="2400" dirty="0" smtClean="0">
+              <a:latin typeface="Times New Roman" pitchFamily="18" charset="0"/>
+              <a:cs typeface="Times New Roman" pitchFamily="18" charset="0"/>
+            </a:endParaRPr>
+          </a:p>
+          <a:p>
+            <a:pPr marL="0" indent="0">
+              <a:buNone/>
+            </a:pPr>
+            <a:endParaRPr lang="en-US" sz="2400" dirty="0" smtClean="0">
+              <a:latin typeface="Times New Roman" pitchFamily="18" charset="0"/>
+              <a:cs typeface="Times New Roman" pitchFamily="18" charset="0"/>
+            </a:endParaRPr>
+          </a:p>
+        </p:txBody>
+      </p:sp>
+      <p:sp>
+        <p:nvSpPr>
+          <p:cNvPr id="7" name="Date Placeholder 6"/>
+          <p:cNvSpPr>
+            <a:spLocks noGrp="1"/>
+          </p:cNvSpPr>
+          <p:nvPr>
+            <p:ph type="dt" sz="half" idx="10"/>
+          </p:nvPr>
+        </p:nvSpPr>
+        <p:spPr>
+          <a:xfrm>
+            <a:off x="1143000" y="6492875"/>
+            <a:ext cx="2133600" cy="365125"/>
+          </a:xfrm>
+        </p:spPr>
+        <p:txBody>
+          <a:bodyPr/>
+          <a:lstStyle/>
+          <a:p>
+            <a:fld id="{3805247F-6ACC-47F2-B107-A401F66D3D80}" type="datetime1">
+              <a:rPr lang="en-US" smtClean="0"/>
+              <a:t>6/9/2018</a:t>
+            </a:fld>
+            <a:endParaRPr lang="en-US" dirty="0"/>
+          </a:p>
+        </p:txBody>
+      </p:sp>
+      <p:sp>
+        <p:nvSpPr>
+          <p:cNvPr id="8" name="Footer Placeholder 7"/>
+          <p:cNvSpPr>
+            <a:spLocks noGrp="1"/>
+          </p:cNvSpPr>
+          <p:nvPr>
+            <p:ph type="ftr" sz="quarter" idx="11"/>
+          </p:nvPr>
+        </p:nvSpPr>
+        <p:spPr>
+          <a:xfrm>
+            <a:off x="3124200" y="6479020"/>
+            <a:ext cx="2895600" cy="365125"/>
+          </a:xfrm>
+        </p:spPr>
+        <p:txBody>
+          <a:bodyPr/>
+          <a:lstStyle/>
+          <a:p>
+            <a:r>
+              <a:rPr lang="vi-VN" dirty="0" smtClean="0"/>
+              <a:t>Nguyễn Công Sơn _ INPG12 _ K58</a:t>
+            </a:r>
+            <a:endParaRPr lang="en-US" dirty="0"/>
+          </a:p>
+        </p:txBody>
+      </p:sp>
+      <p:sp>
+        <p:nvSpPr>
+          <p:cNvPr id="9" name="Slide Number Placeholder 8"/>
+          <p:cNvSpPr>
+            <a:spLocks noGrp="1"/>
+          </p:cNvSpPr>
+          <p:nvPr>
+            <p:ph type="sldNum" sz="quarter" idx="12"/>
+          </p:nvPr>
+        </p:nvSpPr>
+        <p:spPr>
+          <a:xfrm>
+            <a:off x="6553200" y="6492875"/>
+            <a:ext cx="2133600" cy="365125"/>
+          </a:xfrm>
+        </p:spPr>
+        <p:txBody>
+          <a:bodyPr/>
+          <a:lstStyle/>
+          <a:p>
+            <a:fld id="{1815C771-616B-4028-867A-3CFF73E32554}" type="slidenum">
+              <a:rPr lang="en-US" smtClean="0"/>
+              <a:t>13</a:t>
+            </a:fld>
+            <a:endParaRPr lang="en-US" dirty="0"/>
+          </a:p>
+        </p:txBody>
+      </p:sp>
+    </p:spTree>
+    <p:extLst>
+      <p:ext uri="{BB962C8B-B14F-4D97-AF65-F5344CB8AC3E}">
+        <p14:creationId xmlns:p14="http://schemas.microsoft.com/office/powerpoint/2010/main" val="2176093226"/>
+      </p:ext>
+    </p:extLst>
+  </p:cSld>
+  <p:clrMapOvr>
+    <a:masterClrMapping/>
+  </p:clrMapOvr>
+  <p:timing>
+    <p:tnLst>
+      <p:par>
+        <p:cTn id="1" dur="indefinite" restart="never" nodeType="tmRoot"/>
+      </p:par>
+    </p:tnLst>
+  </p:timing>
+</p:sld>
+</file>
+
+<file path=ppt/slides/slide14.xml><?xml version="1.0" encoding="utf-8"?>
+<p:sld xmlns:a="http://schemas.openxmlformats.org/drawingml/2006/main" xmlns:r="http://schemas.openxmlformats.org/officeDocument/2006/relationships" xmlns:p="http://schemas.openxmlformats.org/presentationml/2006/main">
+  <p:cSld>
+    <p:bg>
+      <p:bgPr>
+        <a:blipFill dpi="0" rotWithShape="1">
+          <a:blip r:embed="rId3">
+            <a:lum/>
+          </a:blip>
+          <a:srcRect/>
+          <a:stretch>
+            <a:fillRect/>
+          </a:stretch>
+        </a:blipFill>
+        <a:effectLst/>
+      </p:bgPr>
+    </p:bg>
+    <p:spTree>
+      <p:nvGrpSpPr>
+        <p:cNvPr id="1" name=""/>
+        <p:cNvGrpSpPr/>
+        <p:nvPr/>
+      </p:nvGrpSpPr>
+      <p:grpSpPr>
+        <a:xfrm>
+          <a:off x="0" y="0"/>
+          <a:ext cx="0" cy="0"/>
+          <a:chOff x="0" y="0"/>
+          <a:chExt cx="0" cy="0"/>
+        </a:xfrm>
+      </p:grpSpPr>
+      <p:sp>
+        <p:nvSpPr>
+          <p:cNvPr id="2" name="Title 1"/>
+          <p:cNvSpPr>
+            <a:spLocks noGrp="1"/>
+          </p:cNvSpPr>
+          <p:nvPr>
+            <p:ph type="title"/>
+          </p:nvPr>
+        </p:nvSpPr>
+        <p:spPr>
+          <a:xfrm>
             <a:off x="1219200" y="76200"/>
             <a:ext cx="7848600" cy="838200"/>
           </a:xfrm>
@@ -6832,6 +9377,62 @@
           <a:lstStyle/>
           <a:p>
             <a:pPr algn="l"/>
+            <a:r>
+              <a:rPr lang="en-US" sz="3600" b="1" dirty="0" smtClean="0">
+                <a:latin typeface="Times New Roman" pitchFamily="18" charset="0"/>
+                <a:cs typeface="Times New Roman" pitchFamily="18" charset="0"/>
+              </a:rPr>
+              <a:t>4. </a:t>
+            </a:r>
+            <a:r>
+              <a:rPr lang="en-US" sz="3600" b="1" dirty="0" err="1" smtClean="0">
+                <a:latin typeface="Times New Roman" pitchFamily="18" charset="0"/>
+                <a:cs typeface="Times New Roman" pitchFamily="18" charset="0"/>
+              </a:rPr>
+              <a:t>Cài</a:t>
+            </a:r>
+            <a:r>
+              <a:rPr lang="en-US" sz="3600" b="1" dirty="0" smtClean="0">
+                <a:latin typeface="Times New Roman" pitchFamily="18" charset="0"/>
+                <a:cs typeface="Times New Roman" pitchFamily="18" charset="0"/>
+              </a:rPr>
+              <a:t> </a:t>
+            </a:r>
+            <a:r>
+              <a:rPr lang="en-US" sz="3600" b="1" dirty="0" err="1" smtClean="0">
+                <a:latin typeface="Times New Roman" pitchFamily="18" charset="0"/>
+                <a:cs typeface="Times New Roman" pitchFamily="18" charset="0"/>
+              </a:rPr>
+              <a:t>đặt</a:t>
+            </a:r>
+            <a:r>
+              <a:rPr lang="en-US" sz="3600" b="1" dirty="0" smtClean="0">
+                <a:latin typeface="Times New Roman" pitchFamily="18" charset="0"/>
+                <a:cs typeface="Times New Roman" pitchFamily="18" charset="0"/>
+              </a:rPr>
+              <a:t> </a:t>
+            </a:r>
+            <a:r>
+              <a:rPr lang="en-US" sz="3600" b="1" dirty="0" err="1" smtClean="0">
+                <a:latin typeface="Times New Roman" pitchFamily="18" charset="0"/>
+                <a:cs typeface="Times New Roman" pitchFamily="18" charset="0"/>
+              </a:rPr>
+              <a:t>thực</a:t>
+            </a:r>
+            <a:r>
+              <a:rPr lang="en-US" sz="3600" b="1" dirty="0" smtClean="0">
+                <a:latin typeface="Times New Roman" pitchFamily="18" charset="0"/>
+                <a:cs typeface="Times New Roman" pitchFamily="18" charset="0"/>
+              </a:rPr>
+              <a:t> </a:t>
+            </a:r>
+            <a:r>
+              <a:rPr lang="en-US" sz="3600" b="1" dirty="0" err="1" smtClean="0">
+                <a:latin typeface="Times New Roman" pitchFamily="18" charset="0"/>
+                <a:cs typeface="Times New Roman" pitchFamily="18" charset="0"/>
+              </a:rPr>
+              <a:t>nghiệm</a:t>
+            </a:r>
             <a:endParaRPr lang="en-US" sz="3600" b="1" dirty="0">
               <a:latin typeface="Times New Roman" pitchFamily="18" charset="0"/>
               <a:cs typeface="Times New Roman" pitchFamily="18" charset="0"/>
@@ -6856,10 +9457,287 @@
           </a:xfrm>
         </p:spPr>
         <p:txBody>
-          <a:bodyPr/>
-          <a:lstStyle/>
-          <a:p>
-            <a:endParaRPr lang="en-US" dirty="0">
+          <a:bodyPr>
+            <a:normAutofit/>
+          </a:bodyPr>
+          <a:lstStyle/>
+          <a:p>
+            <a:pPr marL="0" indent="0">
+              <a:buNone/>
+            </a:pPr>
+            <a:r>
+              <a:rPr lang="en-US" sz="2800" b="1" dirty="0" smtClean="0">
+                <a:latin typeface="Times New Roman" pitchFamily="18" charset="0"/>
+                <a:cs typeface="Times New Roman" pitchFamily="18" charset="0"/>
+              </a:rPr>
+              <a:t>4.1. </a:t>
+            </a:r>
+            <a:r>
+              <a:rPr lang="en-US" sz="2800" b="1" dirty="0" err="1" smtClean="0">
+                <a:latin typeface="Times New Roman" pitchFamily="18" charset="0"/>
+                <a:cs typeface="Times New Roman" pitchFamily="18" charset="0"/>
+              </a:rPr>
+              <a:t>Công</a:t>
+            </a:r>
+            <a:r>
+              <a:rPr lang="en-US" sz="2800" b="1" dirty="0" smtClean="0">
+                <a:latin typeface="Times New Roman" pitchFamily="18" charset="0"/>
+                <a:cs typeface="Times New Roman" pitchFamily="18" charset="0"/>
+              </a:rPr>
+              <a:t> </a:t>
+            </a:r>
+            <a:r>
+              <a:rPr lang="en-US" sz="2800" b="1" dirty="0" err="1" smtClean="0">
+                <a:latin typeface="Times New Roman" pitchFamily="18" charset="0"/>
+                <a:cs typeface="Times New Roman" pitchFamily="18" charset="0"/>
+              </a:rPr>
+              <a:t>cụ</a:t>
+            </a:r>
+            <a:r>
+              <a:rPr lang="en-US" sz="2800" b="1" dirty="0" smtClean="0">
+                <a:latin typeface="Times New Roman" pitchFamily="18" charset="0"/>
+                <a:cs typeface="Times New Roman" pitchFamily="18" charset="0"/>
+              </a:rPr>
+              <a:t> </a:t>
+            </a:r>
+            <a:r>
+              <a:rPr lang="en-US" sz="2800" b="1" dirty="0" err="1" smtClean="0">
+                <a:latin typeface="Times New Roman" pitchFamily="18" charset="0"/>
+                <a:cs typeface="Times New Roman" pitchFamily="18" charset="0"/>
+              </a:rPr>
+              <a:t>lập</a:t>
+            </a:r>
+            <a:r>
+              <a:rPr lang="en-US" sz="2800" b="1" dirty="0" smtClean="0">
+                <a:latin typeface="Times New Roman" pitchFamily="18" charset="0"/>
+                <a:cs typeface="Times New Roman" pitchFamily="18" charset="0"/>
+              </a:rPr>
+              <a:t> </a:t>
+            </a:r>
+            <a:r>
+              <a:rPr lang="en-US" sz="2800" b="1" dirty="0" err="1" smtClean="0">
+                <a:latin typeface="Times New Roman" pitchFamily="18" charset="0"/>
+                <a:cs typeface="Times New Roman" pitchFamily="18" charset="0"/>
+              </a:rPr>
+              <a:t>trình</a:t>
+            </a:r>
+            <a:endParaRPr lang="en-US" sz="2800" b="1" dirty="0">
+              <a:latin typeface="Times New Roman" pitchFamily="18" charset="0"/>
+              <a:cs typeface="Times New Roman" pitchFamily="18" charset="0"/>
+            </a:endParaRPr>
+          </a:p>
+          <a:p>
+            <a:r>
+              <a:rPr lang="vi-VN" sz="2800" dirty="0" smtClean="0">
+                <a:latin typeface="Times New Roman" pitchFamily="18" charset="0"/>
+                <a:cs typeface="Times New Roman" pitchFamily="18" charset="0"/>
+              </a:rPr>
+              <a:t>Chương </a:t>
+            </a:r>
+            <a:r>
+              <a:rPr lang="vi-VN" sz="2800" dirty="0">
+                <a:latin typeface="Times New Roman" pitchFamily="18" charset="0"/>
+                <a:cs typeface="Times New Roman" pitchFamily="18" charset="0"/>
+              </a:rPr>
+              <a:t>trình được viết bằng ngôn ngữ lập trình </a:t>
+            </a:r>
+            <a:r>
+              <a:rPr lang="vi-VN" sz="2800" dirty="0" smtClean="0">
+                <a:latin typeface="Times New Roman" pitchFamily="18" charset="0"/>
+                <a:cs typeface="Times New Roman" pitchFamily="18" charset="0"/>
+              </a:rPr>
+              <a:t>Java.</a:t>
+            </a:r>
+            <a:endParaRPr lang="en-US" sz="2800" dirty="0" smtClean="0">
+              <a:latin typeface="Times New Roman" pitchFamily="18" charset="0"/>
+              <a:cs typeface="Times New Roman" pitchFamily="18" charset="0"/>
+            </a:endParaRPr>
+          </a:p>
+          <a:p>
+            <a:r>
+              <a:rPr lang="vi-VN" sz="2800" dirty="0" smtClean="0">
+                <a:latin typeface="Times New Roman" pitchFamily="18" charset="0"/>
+                <a:cs typeface="Times New Roman" pitchFamily="18" charset="0"/>
+              </a:rPr>
+              <a:t>Công </a:t>
+            </a:r>
+            <a:r>
+              <a:rPr lang="vi-VN" sz="2800" dirty="0">
+                <a:latin typeface="Times New Roman" pitchFamily="18" charset="0"/>
+                <a:cs typeface="Times New Roman" pitchFamily="18" charset="0"/>
+              </a:rPr>
+              <a:t>cụ lập trình: </a:t>
+            </a:r>
+            <a:r>
+              <a:rPr lang="vi-VN" sz="2800" dirty="0" smtClean="0">
+                <a:latin typeface="Times New Roman" pitchFamily="18" charset="0"/>
+                <a:cs typeface="Times New Roman" pitchFamily="18" charset="0"/>
+              </a:rPr>
+              <a:t>NetBeans </a:t>
+            </a:r>
+            <a:r>
+              <a:rPr lang="vi-VN" sz="2800" dirty="0">
+                <a:latin typeface="Times New Roman" pitchFamily="18" charset="0"/>
+                <a:cs typeface="Times New Roman" pitchFamily="18" charset="0"/>
+              </a:rPr>
+              <a:t>IDE 8.2 </a:t>
+            </a:r>
+            <a:r>
+              <a:rPr lang="en-US" sz="2800" dirty="0" smtClean="0">
+                <a:latin typeface="Times New Roman" pitchFamily="18" charset="0"/>
+                <a:cs typeface="Times New Roman" pitchFamily="18" charset="0"/>
+              </a:rPr>
+              <a:t>,</a:t>
+            </a:r>
+            <a:r>
+              <a:rPr lang="vi-VN" sz="2800" dirty="0" smtClean="0">
+                <a:latin typeface="Times New Roman" pitchFamily="18" charset="0"/>
+                <a:cs typeface="Times New Roman" pitchFamily="18" charset="0"/>
+              </a:rPr>
+              <a:t>JDK </a:t>
+            </a:r>
+            <a:r>
+              <a:rPr lang="en-US" sz="2800" dirty="0" smtClean="0">
+                <a:latin typeface="Times New Roman" pitchFamily="18" charset="0"/>
+                <a:cs typeface="Times New Roman" pitchFamily="18" charset="0"/>
+              </a:rPr>
+              <a:t>, </a:t>
+            </a:r>
+            <a:r>
+              <a:rPr lang="vi-VN" sz="2800" dirty="0" smtClean="0">
+                <a:latin typeface="Times New Roman" pitchFamily="18" charset="0"/>
+                <a:cs typeface="Times New Roman" pitchFamily="18" charset="0"/>
+              </a:rPr>
+              <a:t>MySQL </a:t>
+            </a:r>
+            <a:r>
+              <a:rPr lang="vi-VN" sz="2800" dirty="0">
+                <a:latin typeface="Times New Roman" pitchFamily="18" charset="0"/>
+                <a:cs typeface="Times New Roman" pitchFamily="18" charset="0"/>
+              </a:rPr>
+              <a:t>server </a:t>
+            </a:r>
+            <a:r>
+              <a:rPr lang="vi-VN" sz="2800" dirty="0" smtClean="0">
+                <a:latin typeface="Times New Roman" pitchFamily="18" charset="0"/>
+                <a:cs typeface="Times New Roman" pitchFamily="18" charset="0"/>
+              </a:rPr>
+              <a:t>5.</a:t>
+            </a:r>
+            <a:r>
+              <a:rPr lang="en-US" sz="2800" dirty="0" smtClean="0">
+                <a:latin typeface="Times New Roman" pitchFamily="18" charset="0"/>
+                <a:cs typeface="Times New Roman" pitchFamily="18" charset="0"/>
+              </a:rPr>
+              <a:t>7, </a:t>
+            </a:r>
+            <a:r>
+              <a:rPr lang="vi-VN" sz="2800" dirty="0" smtClean="0">
+                <a:latin typeface="Times New Roman" pitchFamily="18" charset="0"/>
+                <a:cs typeface="Times New Roman" pitchFamily="18" charset="0"/>
+              </a:rPr>
+              <a:t>MySQL </a:t>
+            </a:r>
+            <a:r>
+              <a:rPr lang="vi-VN" sz="2800" dirty="0">
+                <a:latin typeface="Times New Roman" pitchFamily="18" charset="0"/>
+                <a:cs typeface="Times New Roman" pitchFamily="18" charset="0"/>
+              </a:rPr>
+              <a:t>Workbeans 6.3 </a:t>
+            </a:r>
+            <a:r>
+              <a:rPr lang="vi-VN" sz="2800" dirty="0" smtClean="0">
+                <a:latin typeface="Times New Roman" pitchFamily="18" charset="0"/>
+                <a:cs typeface="Times New Roman" pitchFamily="18" charset="0"/>
+              </a:rPr>
+              <a:t>CE</a:t>
+            </a:r>
+            <a:r>
+              <a:rPr lang="en-US" sz="2800" dirty="0" smtClean="0">
+                <a:latin typeface="Times New Roman" pitchFamily="18" charset="0"/>
+                <a:cs typeface="Times New Roman" pitchFamily="18" charset="0"/>
+              </a:rPr>
+              <a:t>, </a:t>
+            </a:r>
+            <a:r>
+              <a:rPr lang="vi-VN" sz="2800" dirty="0" smtClean="0">
+                <a:latin typeface="Times New Roman" pitchFamily="18" charset="0"/>
+                <a:cs typeface="Times New Roman" pitchFamily="18" charset="0"/>
+              </a:rPr>
+              <a:t>Phát </a:t>
+            </a:r>
+            <a:r>
+              <a:rPr lang="vi-VN" sz="2800" dirty="0">
+                <a:latin typeface="Times New Roman" pitchFamily="18" charset="0"/>
+                <a:cs typeface="Times New Roman" pitchFamily="18" charset="0"/>
+              </a:rPr>
+              <a:t>triển trên hệ điều hành Windows </a:t>
+            </a:r>
+            <a:r>
+              <a:rPr lang="vi-VN" sz="2800" dirty="0" smtClean="0">
+                <a:latin typeface="Times New Roman" pitchFamily="18" charset="0"/>
+                <a:cs typeface="Times New Roman" pitchFamily="18" charset="0"/>
+              </a:rPr>
+              <a:t>7</a:t>
+            </a:r>
+            <a:endParaRPr lang="en-US" sz="2800" dirty="0" smtClean="0">
+              <a:latin typeface="Times New Roman" pitchFamily="18" charset="0"/>
+              <a:cs typeface="Times New Roman" pitchFamily="18" charset="0"/>
+            </a:endParaRPr>
+          </a:p>
+          <a:p>
+            <a:r>
+              <a:rPr lang="en-US" sz="2800" dirty="0" err="1" smtClean="0">
+                <a:latin typeface="Times New Roman" pitchFamily="18" charset="0"/>
+                <a:cs typeface="Times New Roman" pitchFamily="18" charset="0"/>
+              </a:rPr>
+              <a:t>Sử</a:t>
+            </a:r>
+            <a:r>
+              <a:rPr lang="en-US" sz="2800" dirty="0" smtClean="0">
+                <a:latin typeface="Times New Roman" pitchFamily="18" charset="0"/>
+                <a:cs typeface="Times New Roman" pitchFamily="18" charset="0"/>
+              </a:rPr>
+              <a:t> </a:t>
+            </a:r>
+            <a:r>
+              <a:rPr lang="en-US" sz="2800" dirty="0" err="1" smtClean="0">
+                <a:latin typeface="Times New Roman" pitchFamily="18" charset="0"/>
+                <a:cs typeface="Times New Roman" pitchFamily="18" charset="0"/>
+              </a:rPr>
+              <a:t>dụng</a:t>
+            </a:r>
+            <a:r>
+              <a:rPr lang="en-US" sz="2800" dirty="0" smtClean="0">
+                <a:latin typeface="Times New Roman" pitchFamily="18" charset="0"/>
+                <a:cs typeface="Times New Roman" pitchFamily="18" charset="0"/>
+              </a:rPr>
+              <a:t> Struts 2 </a:t>
+            </a:r>
+            <a:r>
+              <a:rPr lang="en-US" sz="2800" dirty="0" err="1" smtClean="0">
+                <a:latin typeface="Times New Roman" pitchFamily="18" charset="0"/>
+                <a:cs typeface="Times New Roman" pitchFamily="18" charset="0"/>
+              </a:rPr>
+              <a:t>và</a:t>
+            </a:r>
+            <a:r>
+              <a:rPr lang="en-US" sz="2800" dirty="0" smtClean="0">
+                <a:latin typeface="Times New Roman" pitchFamily="18" charset="0"/>
+                <a:cs typeface="Times New Roman" pitchFamily="18" charset="0"/>
+              </a:rPr>
+              <a:t> Hibernate framework</a:t>
+            </a:r>
+            <a:endParaRPr lang="vi-VN" sz="2800" dirty="0">
+              <a:latin typeface="Times New Roman" pitchFamily="18" charset="0"/>
+              <a:cs typeface="Times New Roman" pitchFamily="18" charset="0"/>
+            </a:endParaRPr>
+          </a:p>
+          <a:p>
+            <a:pPr marL="0" indent="0">
+              <a:buNone/>
+            </a:pPr>
+            <a:endParaRPr lang="en-US" sz="2800" dirty="0" smtClean="0">
               <a:latin typeface="Times New Roman" pitchFamily="18" charset="0"/>
               <a:cs typeface="Times New Roman" pitchFamily="18" charset="0"/>
             </a:endParaRPr>
@@ -6888,7 +9766,7 @@
           <a:p>
             <a:fld id="{3805247F-6ACC-47F2-B107-A401F66D3D80}" type="datetime1">
               <a:rPr lang="en-US" smtClean="0"/>
-              <a:t>6/7/2018</a:t>
+              <a:t>6/9/2018</a:t>
             </a:fld>
             <a:endParaRPr lang="en-US" dirty="0"/>
           </a:p>
@@ -6944,7 +9822,7 @@
           <a:p>
             <a:fld id="{1815C771-616B-4028-867A-3CFF73E32554}" type="slidenum">
               <a:rPr lang="en-US" smtClean="0"/>
-              <a:t>13</a:t>
+              <a:t>14</a:t>
             </a:fld>
             <a:endParaRPr lang="en-US" dirty="0"/>
           </a:p>
@@ -6953,7 +9831,1828 @@
     </p:spTree>
     <p:extLst>
       <p:ext uri="{BB962C8B-B14F-4D97-AF65-F5344CB8AC3E}">
-        <p14:creationId xmlns:p14="http://schemas.microsoft.com/office/powerpoint/2010/main" val="408134462"/>
+        <p14:creationId xmlns:p14="http://schemas.microsoft.com/office/powerpoint/2010/main" val="1783788544"/>
+      </p:ext>
+    </p:extLst>
+  </p:cSld>
+  <p:clrMapOvr>
+    <a:masterClrMapping/>
+  </p:clrMapOvr>
+  <p:timing>
+    <p:tnLst>
+      <p:par>
+        <p:cTn id="1" dur="indefinite" restart="never" nodeType="tmRoot"/>
+      </p:par>
+    </p:tnLst>
+  </p:timing>
+</p:sld>
+</file>
+
+<file path=ppt/slides/slide15.xml><?xml version="1.0" encoding="utf-8"?>
+<p:sld xmlns:a="http://schemas.openxmlformats.org/drawingml/2006/main" xmlns:r="http://schemas.openxmlformats.org/officeDocument/2006/relationships" xmlns:p="http://schemas.openxmlformats.org/presentationml/2006/main">
+  <p:cSld>
+    <p:bg>
+      <p:bgPr>
+        <a:blipFill dpi="0" rotWithShape="1">
+          <a:blip r:embed="rId3">
+            <a:lum/>
+          </a:blip>
+          <a:srcRect/>
+          <a:stretch>
+            <a:fillRect/>
+          </a:stretch>
+        </a:blipFill>
+        <a:effectLst/>
+      </p:bgPr>
+    </p:bg>
+    <p:spTree>
+      <p:nvGrpSpPr>
+        <p:cNvPr id="1" name=""/>
+        <p:cNvGrpSpPr/>
+        <p:nvPr/>
+      </p:nvGrpSpPr>
+      <p:grpSpPr>
+        <a:xfrm>
+          <a:off x="0" y="0"/>
+          <a:ext cx="0" cy="0"/>
+          <a:chOff x="0" y="0"/>
+          <a:chExt cx="0" cy="0"/>
+        </a:xfrm>
+      </p:grpSpPr>
+      <p:sp>
+        <p:nvSpPr>
+          <p:cNvPr id="2" name="Title 1"/>
+          <p:cNvSpPr>
+            <a:spLocks noGrp="1"/>
+          </p:cNvSpPr>
+          <p:nvPr>
+            <p:ph type="title"/>
+          </p:nvPr>
+        </p:nvSpPr>
+        <p:spPr>
+          <a:xfrm>
+            <a:off x="1219200" y="76200"/>
+            <a:ext cx="7848600" cy="838200"/>
+          </a:xfrm>
+        </p:spPr>
+        <p:txBody>
+          <a:bodyPr>
+            <a:normAutofit/>
+          </a:bodyPr>
+          <a:lstStyle/>
+          <a:p>
+            <a:pPr algn="l"/>
+            <a:r>
+              <a:rPr lang="en-US" sz="3600" b="1" dirty="0" smtClean="0">
+                <a:latin typeface="Times New Roman" pitchFamily="18" charset="0"/>
+                <a:cs typeface="Times New Roman" pitchFamily="18" charset="0"/>
+              </a:rPr>
+              <a:t>4. </a:t>
+            </a:r>
+            <a:r>
+              <a:rPr lang="en-US" sz="3600" b="1" dirty="0" err="1" smtClean="0">
+                <a:latin typeface="Times New Roman" pitchFamily="18" charset="0"/>
+                <a:cs typeface="Times New Roman" pitchFamily="18" charset="0"/>
+              </a:rPr>
+              <a:t>Cài</a:t>
+            </a:r>
+            <a:r>
+              <a:rPr lang="en-US" sz="3600" b="1" dirty="0" smtClean="0">
+                <a:latin typeface="Times New Roman" pitchFamily="18" charset="0"/>
+                <a:cs typeface="Times New Roman" pitchFamily="18" charset="0"/>
+              </a:rPr>
+              <a:t> </a:t>
+            </a:r>
+            <a:r>
+              <a:rPr lang="en-US" sz="3600" b="1" dirty="0" err="1" smtClean="0">
+                <a:latin typeface="Times New Roman" pitchFamily="18" charset="0"/>
+                <a:cs typeface="Times New Roman" pitchFamily="18" charset="0"/>
+              </a:rPr>
+              <a:t>đặt</a:t>
+            </a:r>
+            <a:r>
+              <a:rPr lang="en-US" sz="3600" b="1" dirty="0" smtClean="0">
+                <a:latin typeface="Times New Roman" pitchFamily="18" charset="0"/>
+                <a:cs typeface="Times New Roman" pitchFamily="18" charset="0"/>
+              </a:rPr>
+              <a:t> </a:t>
+            </a:r>
+            <a:r>
+              <a:rPr lang="en-US" sz="3600" b="1" dirty="0" err="1" smtClean="0">
+                <a:latin typeface="Times New Roman" pitchFamily="18" charset="0"/>
+                <a:cs typeface="Times New Roman" pitchFamily="18" charset="0"/>
+              </a:rPr>
+              <a:t>thực</a:t>
+            </a:r>
+            <a:r>
+              <a:rPr lang="en-US" sz="3600" b="1" dirty="0" smtClean="0">
+                <a:latin typeface="Times New Roman" pitchFamily="18" charset="0"/>
+                <a:cs typeface="Times New Roman" pitchFamily="18" charset="0"/>
+              </a:rPr>
+              <a:t> </a:t>
+            </a:r>
+            <a:r>
+              <a:rPr lang="en-US" sz="3600" b="1" dirty="0" err="1" smtClean="0">
+                <a:latin typeface="Times New Roman" pitchFamily="18" charset="0"/>
+                <a:cs typeface="Times New Roman" pitchFamily="18" charset="0"/>
+              </a:rPr>
+              <a:t>nghiệm</a:t>
+            </a:r>
+            <a:endParaRPr lang="en-US" sz="3600" b="1" dirty="0">
+              <a:latin typeface="Times New Roman" pitchFamily="18" charset="0"/>
+              <a:cs typeface="Times New Roman" pitchFamily="18" charset="0"/>
+            </a:endParaRPr>
+          </a:p>
+        </p:txBody>
+      </p:sp>
+      <p:sp>
+        <p:nvSpPr>
+          <p:cNvPr id="3" name="Content Placeholder 2"/>
+          <p:cNvSpPr>
+            <a:spLocks noGrp="1"/>
+          </p:cNvSpPr>
+          <p:nvPr>
+            <p:ph idx="1"/>
+          </p:nvPr>
+        </p:nvSpPr>
+        <p:spPr>
+          <a:xfrm>
+            <a:off x="1219200" y="1295400"/>
+            <a:ext cx="7848600" cy="5181600"/>
+          </a:xfrm>
+        </p:spPr>
+        <p:txBody>
+          <a:bodyPr>
+            <a:normAutofit/>
+          </a:bodyPr>
+          <a:lstStyle/>
+          <a:p>
+            <a:pPr marL="0" indent="0">
+              <a:buNone/>
+            </a:pPr>
+            <a:r>
+              <a:rPr lang="en-US" sz="2800" b="1" dirty="0" smtClean="0">
+                <a:latin typeface="Times New Roman" pitchFamily="18" charset="0"/>
+                <a:cs typeface="Times New Roman" pitchFamily="18" charset="0"/>
+              </a:rPr>
+              <a:t>4.2. </a:t>
+            </a:r>
+            <a:r>
+              <a:rPr lang="en-US" sz="2800" b="1" dirty="0" smtClean="0">
+                <a:latin typeface="Times New Roman" pitchFamily="18" charset="0"/>
+                <a:cs typeface="Times New Roman" pitchFamily="18" charset="0"/>
+              </a:rPr>
+              <a:t>Apache POI</a:t>
+            </a:r>
+          </a:p>
+          <a:p>
+            <a:pPr marL="0" indent="0">
+              <a:buNone/>
+            </a:pPr>
+            <a:endParaRPr lang="en-US" sz="2800" b="1" dirty="0" smtClean="0">
+              <a:latin typeface="Times New Roman" pitchFamily="18" charset="0"/>
+              <a:cs typeface="Times New Roman" pitchFamily="18" charset="0"/>
+            </a:endParaRPr>
+          </a:p>
+          <a:p>
+            <a:r>
+              <a:rPr lang="vi-VN" sz="2800" dirty="0">
+                <a:latin typeface="Times New Roman" pitchFamily="18" charset="0"/>
+                <a:cs typeface="Times New Roman" pitchFamily="18" charset="0"/>
+              </a:rPr>
+              <a:t>Apache POI là một API phổ biến nhất, cho phép các lập trình viên tạo, chỉnh sửa và hiển thị các file MS Office sử dụng ngôn ngữ Java.</a:t>
+            </a:r>
+          </a:p>
+          <a:p>
+            <a:r>
+              <a:rPr lang="vi-VN" sz="2800" dirty="0">
+                <a:latin typeface="Times New Roman" pitchFamily="18" charset="0"/>
+                <a:cs typeface="Times New Roman" pitchFamily="18" charset="0"/>
+              </a:rPr>
+              <a:t>Apache POI là một thư viện mã nguồn mở được phân phối bởi </a:t>
+            </a:r>
+            <a:r>
+              <a:rPr lang="vi-VN" sz="2800" dirty="0" smtClean="0">
+                <a:latin typeface="Times New Roman" pitchFamily="18" charset="0"/>
+                <a:cs typeface="Times New Roman" pitchFamily="18" charset="0"/>
+              </a:rPr>
+              <a:t>Apache</a:t>
+            </a:r>
+            <a:endParaRPr lang="en-US" sz="2800" dirty="0" smtClean="0">
+              <a:latin typeface="Times New Roman" pitchFamily="18" charset="0"/>
+              <a:cs typeface="Times New Roman" pitchFamily="18" charset="0"/>
+            </a:endParaRPr>
+          </a:p>
+          <a:p>
+            <a:r>
+              <a:rPr lang="vi-VN" sz="2800" dirty="0">
+                <a:latin typeface="Times New Roman" pitchFamily="18" charset="0"/>
+                <a:cs typeface="Times New Roman" pitchFamily="18" charset="0"/>
+              </a:rPr>
+              <a:t>Các thành phần trong Apache POI bao gồm </a:t>
+            </a:r>
+            <a:r>
+              <a:rPr lang="vi-VN" sz="2800" dirty="0" smtClean="0">
+                <a:latin typeface="Times New Roman" pitchFamily="18" charset="0"/>
+                <a:cs typeface="Times New Roman" pitchFamily="18" charset="0"/>
+              </a:rPr>
+              <a:t>có:</a:t>
+            </a:r>
+            <a:r>
+              <a:rPr lang="en-US" sz="2800" dirty="0" smtClean="0">
+                <a:latin typeface="Times New Roman" pitchFamily="18" charset="0"/>
+                <a:cs typeface="Times New Roman" pitchFamily="18" charset="0"/>
+              </a:rPr>
+              <a:t> </a:t>
+            </a:r>
+            <a:r>
+              <a:rPr lang="vi-VN" sz="2800" dirty="0" smtClean="0">
+                <a:latin typeface="Times New Roman" pitchFamily="18" charset="0"/>
+                <a:cs typeface="Times New Roman" pitchFamily="18" charset="0"/>
+              </a:rPr>
+              <a:t>POIFS</a:t>
+            </a:r>
+            <a:r>
+              <a:rPr lang="en-US" sz="2800" dirty="0">
+                <a:latin typeface="Times New Roman" pitchFamily="18" charset="0"/>
+                <a:cs typeface="Times New Roman" pitchFamily="18" charset="0"/>
+              </a:rPr>
+              <a:t>, HSSF, XSSF, HPSF, HWPF</a:t>
+            </a:r>
+            <a:r>
+              <a:rPr lang="en-US" sz="2800" dirty="0" smtClean="0">
+                <a:latin typeface="Times New Roman" pitchFamily="18" charset="0"/>
+                <a:cs typeface="Times New Roman" pitchFamily="18" charset="0"/>
+              </a:rPr>
+              <a:t>, XWPF, …     </a:t>
+            </a:r>
+            <a:r>
+              <a:rPr lang="vi-VN" sz="2800" dirty="0" smtClean="0">
+                <a:latin typeface="Times New Roman" pitchFamily="18" charset="0"/>
+                <a:cs typeface="Times New Roman" pitchFamily="18" charset="0"/>
+              </a:rPr>
+              <a:t> </a:t>
+            </a:r>
+            <a:endParaRPr lang="vi-VN" sz="2800" dirty="0">
+              <a:latin typeface="Times New Roman" pitchFamily="18" charset="0"/>
+              <a:cs typeface="Times New Roman" pitchFamily="18" charset="0"/>
+            </a:endParaRPr>
+          </a:p>
+          <a:p>
+            <a:pPr marL="0" indent="0">
+              <a:buNone/>
+            </a:pPr>
+            <a:endParaRPr lang="en-US" sz="2800" b="1" dirty="0">
+              <a:latin typeface="Times New Roman" pitchFamily="18" charset="0"/>
+              <a:cs typeface="Times New Roman" pitchFamily="18" charset="0"/>
+            </a:endParaRPr>
+          </a:p>
+        </p:txBody>
+      </p:sp>
+      <p:sp>
+        <p:nvSpPr>
+          <p:cNvPr id="7" name="Date Placeholder 6"/>
+          <p:cNvSpPr>
+            <a:spLocks noGrp="1"/>
+          </p:cNvSpPr>
+          <p:nvPr>
+            <p:ph type="dt" sz="half" idx="10"/>
+          </p:nvPr>
+        </p:nvSpPr>
+        <p:spPr>
+          <a:xfrm>
+            <a:off x="1143000" y="6492875"/>
+            <a:ext cx="2133600" cy="365125"/>
+          </a:xfrm>
+        </p:spPr>
+        <p:txBody>
+          <a:bodyPr/>
+          <a:lstStyle/>
+          <a:p>
+            <a:fld id="{3805247F-6ACC-47F2-B107-A401F66D3D80}" type="datetime1">
+              <a:rPr lang="en-US" smtClean="0"/>
+              <a:t>6/9/2018</a:t>
+            </a:fld>
+            <a:endParaRPr lang="en-US" dirty="0"/>
+          </a:p>
+        </p:txBody>
+      </p:sp>
+      <p:sp>
+        <p:nvSpPr>
+          <p:cNvPr id="8" name="Footer Placeholder 7"/>
+          <p:cNvSpPr>
+            <a:spLocks noGrp="1"/>
+          </p:cNvSpPr>
+          <p:nvPr>
+            <p:ph type="ftr" sz="quarter" idx="11"/>
+          </p:nvPr>
+        </p:nvSpPr>
+        <p:spPr>
+          <a:xfrm>
+            <a:off x="3124200" y="6479020"/>
+            <a:ext cx="2895600" cy="365125"/>
+          </a:xfrm>
+        </p:spPr>
+        <p:txBody>
+          <a:bodyPr/>
+          <a:lstStyle/>
+          <a:p>
+            <a:r>
+              <a:rPr lang="vi-VN" dirty="0" smtClean="0"/>
+              <a:t>Nguyễn Công Sơn _ INPG12 _ K58</a:t>
+            </a:r>
+            <a:endParaRPr lang="en-US" dirty="0"/>
+          </a:p>
+        </p:txBody>
+      </p:sp>
+      <p:sp>
+        <p:nvSpPr>
+          <p:cNvPr id="9" name="Slide Number Placeholder 8"/>
+          <p:cNvSpPr>
+            <a:spLocks noGrp="1"/>
+          </p:cNvSpPr>
+          <p:nvPr>
+            <p:ph type="sldNum" sz="quarter" idx="12"/>
+          </p:nvPr>
+        </p:nvSpPr>
+        <p:spPr>
+          <a:xfrm>
+            <a:off x="6553200" y="6492875"/>
+            <a:ext cx="2133600" cy="365125"/>
+          </a:xfrm>
+        </p:spPr>
+        <p:txBody>
+          <a:bodyPr/>
+          <a:lstStyle/>
+          <a:p>
+            <a:fld id="{1815C771-616B-4028-867A-3CFF73E32554}" type="slidenum">
+              <a:rPr lang="en-US" smtClean="0"/>
+              <a:t>15</a:t>
+            </a:fld>
+            <a:endParaRPr lang="en-US" dirty="0"/>
+          </a:p>
+        </p:txBody>
+      </p:sp>
+    </p:spTree>
+    <p:extLst>
+      <p:ext uri="{BB962C8B-B14F-4D97-AF65-F5344CB8AC3E}">
+        <p14:creationId xmlns:p14="http://schemas.microsoft.com/office/powerpoint/2010/main" val="2635333921"/>
+      </p:ext>
+    </p:extLst>
+  </p:cSld>
+  <p:clrMapOvr>
+    <a:masterClrMapping/>
+  </p:clrMapOvr>
+  <p:timing>
+    <p:tnLst>
+      <p:par>
+        <p:cTn id="1" dur="indefinite" restart="never" nodeType="tmRoot"/>
+      </p:par>
+    </p:tnLst>
+  </p:timing>
+</p:sld>
+</file>
+
+<file path=ppt/slides/slide16.xml><?xml version="1.0" encoding="utf-8"?>
+<p:sld xmlns:a="http://schemas.openxmlformats.org/drawingml/2006/main" xmlns:r="http://schemas.openxmlformats.org/officeDocument/2006/relationships" xmlns:p="http://schemas.openxmlformats.org/presentationml/2006/main">
+  <p:cSld>
+    <p:bg>
+      <p:bgPr>
+        <a:blipFill dpi="0" rotWithShape="1">
+          <a:blip r:embed="rId3">
+            <a:lum/>
+          </a:blip>
+          <a:srcRect/>
+          <a:stretch>
+            <a:fillRect/>
+          </a:stretch>
+        </a:blipFill>
+        <a:effectLst/>
+      </p:bgPr>
+    </p:bg>
+    <p:spTree>
+      <p:nvGrpSpPr>
+        <p:cNvPr id="1" name=""/>
+        <p:cNvGrpSpPr/>
+        <p:nvPr/>
+      </p:nvGrpSpPr>
+      <p:grpSpPr>
+        <a:xfrm>
+          <a:off x="0" y="0"/>
+          <a:ext cx="0" cy="0"/>
+          <a:chOff x="0" y="0"/>
+          <a:chExt cx="0" cy="0"/>
+        </a:xfrm>
+      </p:grpSpPr>
+      <p:sp>
+        <p:nvSpPr>
+          <p:cNvPr id="2" name="Title 1"/>
+          <p:cNvSpPr>
+            <a:spLocks noGrp="1"/>
+          </p:cNvSpPr>
+          <p:nvPr>
+            <p:ph type="title"/>
+          </p:nvPr>
+        </p:nvSpPr>
+        <p:spPr>
+          <a:xfrm>
+            <a:off x="1219200" y="76200"/>
+            <a:ext cx="7848600" cy="838200"/>
+          </a:xfrm>
+        </p:spPr>
+        <p:txBody>
+          <a:bodyPr>
+            <a:normAutofit/>
+          </a:bodyPr>
+          <a:lstStyle/>
+          <a:p>
+            <a:pPr algn="l"/>
+            <a:r>
+              <a:rPr lang="en-US" sz="3600" b="1" dirty="0" smtClean="0">
+                <a:latin typeface="Times New Roman" pitchFamily="18" charset="0"/>
+                <a:cs typeface="Times New Roman" pitchFamily="18" charset="0"/>
+              </a:rPr>
+              <a:t>4. </a:t>
+            </a:r>
+            <a:r>
+              <a:rPr lang="en-US" sz="3600" b="1" dirty="0" err="1" smtClean="0">
+                <a:latin typeface="Times New Roman" pitchFamily="18" charset="0"/>
+                <a:cs typeface="Times New Roman" pitchFamily="18" charset="0"/>
+              </a:rPr>
+              <a:t>Cài</a:t>
+            </a:r>
+            <a:r>
+              <a:rPr lang="en-US" sz="3600" b="1" dirty="0" smtClean="0">
+                <a:latin typeface="Times New Roman" pitchFamily="18" charset="0"/>
+                <a:cs typeface="Times New Roman" pitchFamily="18" charset="0"/>
+              </a:rPr>
+              <a:t> </a:t>
+            </a:r>
+            <a:r>
+              <a:rPr lang="en-US" sz="3600" b="1" dirty="0" err="1" smtClean="0">
+                <a:latin typeface="Times New Roman" pitchFamily="18" charset="0"/>
+                <a:cs typeface="Times New Roman" pitchFamily="18" charset="0"/>
+              </a:rPr>
+              <a:t>đặt</a:t>
+            </a:r>
+            <a:r>
+              <a:rPr lang="en-US" sz="3600" b="1" dirty="0" smtClean="0">
+                <a:latin typeface="Times New Roman" pitchFamily="18" charset="0"/>
+                <a:cs typeface="Times New Roman" pitchFamily="18" charset="0"/>
+              </a:rPr>
+              <a:t> </a:t>
+            </a:r>
+            <a:r>
+              <a:rPr lang="en-US" sz="3600" b="1" dirty="0" err="1" smtClean="0">
+                <a:latin typeface="Times New Roman" pitchFamily="18" charset="0"/>
+                <a:cs typeface="Times New Roman" pitchFamily="18" charset="0"/>
+              </a:rPr>
+              <a:t>thực</a:t>
+            </a:r>
+            <a:r>
+              <a:rPr lang="en-US" sz="3600" b="1" dirty="0" smtClean="0">
+                <a:latin typeface="Times New Roman" pitchFamily="18" charset="0"/>
+                <a:cs typeface="Times New Roman" pitchFamily="18" charset="0"/>
+              </a:rPr>
+              <a:t> </a:t>
+            </a:r>
+            <a:r>
+              <a:rPr lang="en-US" sz="3600" b="1" dirty="0" err="1" smtClean="0">
+                <a:latin typeface="Times New Roman" pitchFamily="18" charset="0"/>
+                <a:cs typeface="Times New Roman" pitchFamily="18" charset="0"/>
+              </a:rPr>
+              <a:t>nghiệm</a:t>
+            </a:r>
+            <a:endParaRPr lang="en-US" sz="3600" b="1" dirty="0">
+              <a:latin typeface="Times New Roman" pitchFamily="18" charset="0"/>
+              <a:cs typeface="Times New Roman" pitchFamily="18" charset="0"/>
+            </a:endParaRPr>
+          </a:p>
+        </p:txBody>
+      </p:sp>
+      <p:sp>
+        <p:nvSpPr>
+          <p:cNvPr id="3" name="Content Placeholder 2"/>
+          <p:cNvSpPr>
+            <a:spLocks noGrp="1"/>
+          </p:cNvSpPr>
+          <p:nvPr>
+            <p:ph idx="1"/>
+          </p:nvPr>
+        </p:nvSpPr>
+        <p:spPr>
+          <a:xfrm>
+            <a:off x="1219200" y="1295400"/>
+            <a:ext cx="7848600" cy="5181600"/>
+          </a:xfrm>
+        </p:spPr>
+        <p:txBody>
+          <a:bodyPr>
+            <a:normAutofit/>
+          </a:bodyPr>
+          <a:lstStyle/>
+          <a:p>
+            <a:pPr marL="0" indent="0">
+              <a:buNone/>
+            </a:pPr>
+            <a:r>
+              <a:rPr lang="en-US" sz="2800" b="1" dirty="0" smtClean="0">
+                <a:latin typeface="Times New Roman" pitchFamily="18" charset="0"/>
+                <a:cs typeface="Times New Roman" pitchFamily="18" charset="0"/>
+              </a:rPr>
+              <a:t>4.2. </a:t>
+            </a:r>
+            <a:r>
+              <a:rPr lang="en-US" sz="2800" b="1" dirty="0" smtClean="0">
+                <a:latin typeface="Times New Roman" pitchFamily="18" charset="0"/>
+                <a:cs typeface="Times New Roman" pitchFamily="18" charset="0"/>
+              </a:rPr>
+              <a:t>Apache POI</a:t>
+            </a:r>
+          </a:p>
+          <a:p>
+            <a:pPr marL="0" indent="0">
+              <a:buNone/>
+            </a:pPr>
+            <a:endParaRPr lang="en-US" sz="2800" b="1" dirty="0">
+              <a:latin typeface="Times New Roman" pitchFamily="18" charset="0"/>
+              <a:cs typeface="Times New Roman" pitchFamily="18" charset="0"/>
+            </a:endParaRPr>
+          </a:p>
+        </p:txBody>
+      </p:sp>
+      <p:sp>
+        <p:nvSpPr>
+          <p:cNvPr id="7" name="Date Placeholder 6"/>
+          <p:cNvSpPr>
+            <a:spLocks noGrp="1"/>
+          </p:cNvSpPr>
+          <p:nvPr>
+            <p:ph type="dt" sz="half" idx="10"/>
+          </p:nvPr>
+        </p:nvSpPr>
+        <p:spPr>
+          <a:xfrm>
+            <a:off x="1143000" y="6492875"/>
+            <a:ext cx="2133600" cy="365125"/>
+          </a:xfrm>
+        </p:spPr>
+        <p:txBody>
+          <a:bodyPr/>
+          <a:lstStyle/>
+          <a:p>
+            <a:fld id="{3805247F-6ACC-47F2-B107-A401F66D3D80}" type="datetime1">
+              <a:rPr lang="en-US" smtClean="0"/>
+              <a:t>6/9/2018</a:t>
+            </a:fld>
+            <a:endParaRPr lang="en-US" dirty="0"/>
+          </a:p>
+        </p:txBody>
+      </p:sp>
+      <p:sp>
+        <p:nvSpPr>
+          <p:cNvPr id="8" name="Footer Placeholder 7"/>
+          <p:cNvSpPr>
+            <a:spLocks noGrp="1"/>
+          </p:cNvSpPr>
+          <p:nvPr>
+            <p:ph type="ftr" sz="quarter" idx="11"/>
+          </p:nvPr>
+        </p:nvSpPr>
+        <p:spPr>
+          <a:xfrm>
+            <a:off x="3124200" y="6479020"/>
+            <a:ext cx="2895600" cy="365125"/>
+          </a:xfrm>
+        </p:spPr>
+        <p:txBody>
+          <a:bodyPr/>
+          <a:lstStyle/>
+          <a:p>
+            <a:r>
+              <a:rPr lang="vi-VN" dirty="0" smtClean="0"/>
+              <a:t>Nguyễn Công Sơn _ INPG12 _ K58</a:t>
+            </a:r>
+            <a:endParaRPr lang="en-US" dirty="0"/>
+          </a:p>
+        </p:txBody>
+      </p:sp>
+      <p:sp>
+        <p:nvSpPr>
+          <p:cNvPr id="9" name="Slide Number Placeholder 8"/>
+          <p:cNvSpPr>
+            <a:spLocks noGrp="1"/>
+          </p:cNvSpPr>
+          <p:nvPr>
+            <p:ph type="sldNum" sz="quarter" idx="12"/>
+          </p:nvPr>
+        </p:nvSpPr>
+        <p:spPr>
+          <a:xfrm>
+            <a:off x="6553200" y="6492875"/>
+            <a:ext cx="2133600" cy="365125"/>
+          </a:xfrm>
+        </p:spPr>
+        <p:txBody>
+          <a:bodyPr/>
+          <a:lstStyle/>
+          <a:p>
+            <a:fld id="{1815C771-616B-4028-867A-3CFF73E32554}" type="slidenum">
+              <a:rPr lang="en-US" smtClean="0"/>
+              <a:t>16</a:t>
+            </a:fld>
+            <a:endParaRPr lang="en-US" dirty="0"/>
+          </a:p>
+        </p:txBody>
+      </p:sp>
+      <p:pic>
+        <p:nvPicPr>
+          <p:cNvPr id="10" name="Picture 9"/>
+          <p:cNvPicPr/>
+          <p:nvPr/>
+        </p:nvPicPr>
+        <p:blipFill>
+          <a:blip r:embed="rId4">
+            <a:extLst>
+              <a:ext uri="{28A0092B-C50C-407E-A947-70E740481C1C}">
+                <a14:useLocalDpi xmlns:a14="http://schemas.microsoft.com/office/drawing/2010/main" val="0"/>
+              </a:ext>
+            </a:extLst>
+          </a:blip>
+          <a:stretch>
+            <a:fillRect/>
+          </a:stretch>
+        </p:blipFill>
+        <p:spPr>
+          <a:xfrm>
+            <a:off x="1458884" y="1905000"/>
+            <a:ext cx="3113116" cy="4495800"/>
+          </a:xfrm>
+          <a:prstGeom prst="rect">
+            <a:avLst/>
+          </a:prstGeom>
+          <a:ln w="12700">
+            <a:solidFill>
+              <a:schemeClr val="tx1"/>
+            </a:solidFill>
+          </a:ln>
+        </p:spPr>
+      </p:pic>
+      <p:pic>
+        <p:nvPicPr>
+          <p:cNvPr id="2050" name="Picture 2"/>
+          <p:cNvPicPr>
+            <a:picLocks noChangeAspect="1" noChangeArrowheads="1"/>
+          </p:cNvPicPr>
+          <p:nvPr/>
+        </p:nvPicPr>
+        <p:blipFill>
+          <a:blip r:embed="rId5">
+            <a:extLst>
+              <a:ext uri="{28A0092B-C50C-407E-A947-70E740481C1C}">
+                <a14:useLocalDpi xmlns:a14="http://schemas.microsoft.com/office/drawing/2010/main" val="0"/>
+              </a:ext>
+            </a:extLst>
+          </a:blip>
+          <a:srcRect/>
+          <a:stretch>
+            <a:fillRect/>
+          </a:stretch>
+        </p:blipFill>
+        <p:spPr bwMode="auto">
+          <a:xfrm>
+            <a:off x="5410200" y="1905000"/>
+            <a:ext cx="3113117" cy="4495800"/>
+          </a:xfrm>
+          <a:prstGeom prst="rect">
+            <a:avLst/>
+          </a:prstGeom>
+          <a:noFill/>
+          <a:ln w="9525">
+            <a:solidFill>
+              <a:schemeClr val="tx1"/>
+            </a:solidFill>
+            <a:miter lim="800000"/>
+            <a:headEnd/>
+            <a:tailEnd/>
+          </a:ln>
+          <a:effectLst/>
+          <a:extLst>
+            <a:ext uri="{909E8E84-426E-40DD-AFC4-6F175D3DCCD1}">
+              <a14:hiddenFill xmlns:a14="http://schemas.microsoft.com/office/drawing/2010/main">
+                <a:solidFill>
+                  <a:schemeClr val="accent1"/>
+                </a:solidFill>
+              </a14:hiddenFill>
+            </a:ext>
+            <a:ext uri="{AF507438-7753-43E0-B8FC-AC1667EBCBE1}">
+              <a14:hiddenEffects xmlns:a14="http://schemas.microsoft.com/office/drawing/2010/main">
+                <a:effectLst>
+                  <a:outerShdw dist="35921" dir="2700000" algn="ctr" rotWithShape="0">
+                    <a:schemeClr val="bg2"/>
+                  </a:outerShdw>
+                </a:effectLst>
+              </a14:hiddenEffects>
+            </a:ext>
+          </a:extLst>
+        </p:spPr>
+      </p:pic>
+    </p:spTree>
+    <p:extLst>
+      <p:ext uri="{BB962C8B-B14F-4D97-AF65-F5344CB8AC3E}">
+        <p14:creationId xmlns:p14="http://schemas.microsoft.com/office/powerpoint/2010/main" val="1012378375"/>
+      </p:ext>
+    </p:extLst>
+  </p:cSld>
+  <p:clrMapOvr>
+    <a:masterClrMapping/>
+  </p:clrMapOvr>
+  <p:timing>
+    <p:tnLst>
+      <p:par>
+        <p:cTn id="1" dur="indefinite" restart="never" nodeType="tmRoot"/>
+      </p:par>
+    </p:tnLst>
+  </p:timing>
+</p:sld>
+</file>
+
+<file path=ppt/slides/slide17.xml><?xml version="1.0" encoding="utf-8"?>
+<p:sld xmlns:a="http://schemas.openxmlformats.org/drawingml/2006/main" xmlns:r="http://schemas.openxmlformats.org/officeDocument/2006/relationships" xmlns:p="http://schemas.openxmlformats.org/presentationml/2006/main">
+  <p:cSld>
+    <p:bg>
+      <p:bgPr>
+        <a:blipFill dpi="0" rotWithShape="1">
+          <a:blip r:embed="rId3">
+            <a:lum/>
+          </a:blip>
+          <a:srcRect/>
+          <a:stretch>
+            <a:fillRect/>
+          </a:stretch>
+        </a:blipFill>
+        <a:effectLst/>
+      </p:bgPr>
+    </p:bg>
+    <p:spTree>
+      <p:nvGrpSpPr>
+        <p:cNvPr id="1" name=""/>
+        <p:cNvGrpSpPr/>
+        <p:nvPr/>
+      </p:nvGrpSpPr>
+      <p:grpSpPr>
+        <a:xfrm>
+          <a:off x="0" y="0"/>
+          <a:ext cx="0" cy="0"/>
+          <a:chOff x="0" y="0"/>
+          <a:chExt cx="0" cy="0"/>
+        </a:xfrm>
+      </p:grpSpPr>
+      <p:sp>
+        <p:nvSpPr>
+          <p:cNvPr id="2" name="Title 1"/>
+          <p:cNvSpPr>
+            <a:spLocks noGrp="1"/>
+          </p:cNvSpPr>
+          <p:nvPr>
+            <p:ph type="title"/>
+          </p:nvPr>
+        </p:nvSpPr>
+        <p:spPr>
+          <a:xfrm>
+            <a:off x="1219200" y="76200"/>
+            <a:ext cx="7848600" cy="838200"/>
+          </a:xfrm>
+        </p:spPr>
+        <p:txBody>
+          <a:bodyPr>
+            <a:normAutofit/>
+          </a:bodyPr>
+          <a:lstStyle/>
+          <a:p>
+            <a:pPr algn="l"/>
+            <a:r>
+              <a:rPr lang="en-US" sz="3600" b="1" dirty="0" smtClean="0">
+                <a:latin typeface="Times New Roman" pitchFamily="18" charset="0"/>
+                <a:cs typeface="Times New Roman" pitchFamily="18" charset="0"/>
+              </a:rPr>
+              <a:t>4. </a:t>
+            </a:r>
+            <a:r>
+              <a:rPr lang="en-US" sz="3600" b="1" dirty="0" err="1" smtClean="0">
+                <a:latin typeface="Times New Roman" pitchFamily="18" charset="0"/>
+                <a:cs typeface="Times New Roman" pitchFamily="18" charset="0"/>
+              </a:rPr>
+              <a:t>Cài</a:t>
+            </a:r>
+            <a:r>
+              <a:rPr lang="en-US" sz="3600" b="1" dirty="0" smtClean="0">
+                <a:latin typeface="Times New Roman" pitchFamily="18" charset="0"/>
+                <a:cs typeface="Times New Roman" pitchFamily="18" charset="0"/>
+              </a:rPr>
+              <a:t> </a:t>
+            </a:r>
+            <a:r>
+              <a:rPr lang="en-US" sz="3600" b="1" dirty="0" err="1" smtClean="0">
+                <a:latin typeface="Times New Roman" pitchFamily="18" charset="0"/>
+                <a:cs typeface="Times New Roman" pitchFamily="18" charset="0"/>
+              </a:rPr>
+              <a:t>đặt</a:t>
+            </a:r>
+            <a:r>
+              <a:rPr lang="en-US" sz="3600" b="1" dirty="0" smtClean="0">
+                <a:latin typeface="Times New Roman" pitchFamily="18" charset="0"/>
+                <a:cs typeface="Times New Roman" pitchFamily="18" charset="0"/>
+              </a:rPr>
+              <a:t> </a:t>
+            </a:r>
+            <a:r>
+              <a:rPr lang="en-US" sz="3600" b="1" dirty="0" err="1" smtClean="0">
+                <a:latin typeface="Times New Roman" pitchFamily="18" charset="0"/>
+                <a:cs typeface="Times New Roman" pitchFamily="18" charset="0"/>
+              </a:rPr>
+              <a:t>thực</a:t>
+            </a:r>
+            <a:r>
+              <a:rPr lang="en-US" sz="3600" b="1" dirty="0" smtClean="0">
+                <a:latin typeface="Times New Roman" pitchFamily="18" charset="0"/>
+                <a:cs typeface="Times New Roman" pitchFamily="18" charset="0"/>
+              </a:rPr>
+              <a:t> </a:t>
+            </a:r>
+            <a:r>
+              <a:rPr lang="en-US" sz="3600" b="1" dirty="0" err="1" smtClean="0">
+                <a:latin typeface="Times New Roman" pitchFamily="18" charset="0"/>
+                <a:cs typeface="Times New Roman" pitchFamily="18" charset="0"/>
+              </a:rPr>
+              <a:t>nghiệm</a:t>
+            </a:r>
+            <a:endParaRPr lang="en-US" sz="3600" b="1" dirty="0">
+              <a:latin typeface="Times New Roman" pitchFamily="18" charset="0"/>
+              <a:cs typeface="Times New Roman" pitchFamily="18" charset="0"/>
+            </a:endParaRPr>
+          </a:p>
+        </p:txBody>
+      </p:sp>
+      <p:sp>
+        <p:nvSpPr>
+          <p:cNvPr id="3" name="Content Placeholder 2"/>
+          <p:cNvSpPr>
+            <a:spLocks noGrp="1"/>
+          </p:cNvSpPr>
+          <p:nvPr>
+            <p:ph idx="1"/>
+          </p:nvPr>
+        </p:nvSpPr>
+        <p:spPr>
+          <a:xfrm>
+            <a:off x="1219200" y="1295400"/>
+            <a:ext cx="7848600" cy="5181600"/>
+          </a:xfrm>
+        </p:spPr>
+        <p:txBody>
+          <a:bodyPr>
+            <a:normAutofit/>
+          </a:bodyPr>
+          <a:lstStyle/>
+          <a:p>
+            <a:pPr marL="0" indent="0">
+              <a:buNone/>
+            </a:pPr>
+            <a:r>
+              <a:rPr lang="en-US" sz="2800" b="1" dirty="0" smtClean="0">
+                <a:latin typeface="Times New Roman" pitchFamily="18" charset="0"/>
+                <a:cs typeface="Times New Roman" pitchFamily="18" charset="0"/>
+              </a:rPr>
+              <a:t>4.3. </a:t>
+            </a:r>
+            <a:r>
+              <a:rPr lang="en-US" sz="2800" b="1" dirty="0" err="1" smtClean="0">
+                <a:latin typeface="Times New Roman" pitchFamily="18" charset="0"/>
+                <a:cs typeface="Times New Roman" pitchFamily="18" charset="0"/>
+              </a:rPr>
+              <a:t>Kết</a:t>
+            </a:r>
+            <a:r>
+              <a:rPr lang="en-US" sz="2800" b="1" dirty="0" smtClean="0">
+                <a:latin typeface="Times New Roman" pitchFamily="18" charset="0"/>
+                <a:cs typeface="Times New Roman" pitchFamily="18" charset="0"/>
+              </a:rPr>
+              <a:t> </a:t>
+            </a:r>
+            <a:r>
+              <a:rPr lang="en-US" sz="2800" b="1" dirty="0" err="1" smtClean="0">
+                <a:latin typeface="Times New Roman" pitchFamily="18" charset="0"/>
+                <a:cs typeface="Times New Roman" pitchFamily="18" charset="0"/>
+              </a:rPr>
+              <a:t>quả</a:t>
+            </a:r>
+            <a:r>
+              <a:rPr lang="en-US" sz="2800" b="1" dirty="0" smtClean="0">
+                <a:latin typeface="Times New Roman" pitchFamily="18" charset="0"/>
+                <a:cs typeface="Times New Roman" pitchFamily="18" charset="0"/>
+              </a:rPr>
+              <a:t> </a:t>
+            </a:r>
+            <a:r>
+              <a:rPr lang="en-US" sz="2800" b="1" dirty="0" err="1" smtClean="0">
+                <a:latin typeface="Times New Roman" pitchFamily="18" charset="0"/>
+                <a:cs typeface="Times New Roman" pitchFamily="18" charset="0"/>
+              </a:rPr>
+              <a:t>chương</a:t>
+            </a:r>
+            <a:r>
+              <a:rPr lang="en-US" sz="2800" b="1" dirty="0" smtClean="0">
+                <a:latin typeface="Times New Roman" pitchFamily="18" charset="0"/>
+                <a:cs typeface="Times New Roman" pitchFamily="18" charset="0"/>
+              </a:rPr>
+              <a:t> </a:t>
+            </a:r>
+            <a:r>
+              <a:rPr lang="en-US" sz="2800" b="1" dirty="0" err="1" smtClean="0">
+                <a:latin typeface="Times New Roman" pitchFamily="18" charset="0"/>
+                <a:cs typeface="Times New Roman" pitchFamily="18" charset="0"/>
+              </a:rPr>
+              <a:t>trình</a:t>
+            </a:r>
+            <a:endParaRPr lang="en-US" sz="2800" b="1" dirty="0">
+              <a:latin typeface="Times New Roman" pitchFamily="18" charset="0"/>
+              <a:cs typeface="Times New Roman" pitchFamily="18" charset="0"/>
+            </a:endParaRPr>
+          </a:p>
+        </p:txBody>
+      </p:sp>
+      <p:sp>
+        <p:nvSpPr>
+          <p:cNvPr id="7" name="Date Placeholder 6"/>
+          <p:cNvSpPr>
+            <a:spLocks noGrp="1"/>
+          </p:cNvSpPr>
+          <p:nvPr>
+            <p:ph type="dt" sz="half" idx="10"/>
+          </p:nvPr>
+        </p:nvSpPr>
+        <p:spPr>
+          <a:xfrm>
+            <a:off x="1143000" y="6492875"/>
+            <a:ext cx="2133600" cy="365125"/>
+          </a:xfrm>
+        </p:spPr>
+        <p:txBody>
+          <a:bodyPr/>
+          <a:lstStyle/>
+          <a:p>
+            <a:fld id="{3805247F-6ACC-47F2-B107-A401F66D3D80}" type="datetime1">
+              <a:rPr lang="en-US" smtClean="0"/>
+              <a:t>6/9/2018</a:t>
+            </a:fld>
+            <a:endParaRPr lang="en-US" dirty="0"/>
+          </a:p>
+        </p:txBody>
+      </p:sp>
+      <p:sp>
+        <p:nvSpPr>
+          <p:cNvPr id="8" name="Footer Placeholder 7"/>
+          <p:cNvSpPr>
+            <a:spLocks noGrp="1"/>
+          </p:cNvSpPr>
+          <p:nvPr>
+            <p:ph type="ftr" sz="quarter" idx="11"/>
+          </p:nvPr>
+        </p:nvSpPr>
+        <p:spPr>
+          <a:xfrm>
+            <a:off x="3124200" y="6479020"/>
+            <a:ext cx="2895600" cy="365125"/>
+          </a:xfrm>
+        </p:spPr>
+        <p:txBody>
+          <a:bodyPr/>
+          <a:lstStyle/>
+          <a:p>
+            <a:r>
+              <a:rPr lang="vi-VN" dirty="0" smtClean="0"/>
+              <a:t>Nguyễn Công Sơn _ INPG12 _ K58</a:t>
+            </a:r>
+            <a:endParaRPr lang="en-US" dirty="0"/>
+          </a:p>
+        </p:txBody>
+      </p:sp>
+      <p:sp>
+        <p:nvSpPr>
+          <p:cNvPr id="9" name="Slide Number Placeholder 8"/>
+          <p:cNvSpPr>
+            <a:spLocks noGrp="1"/>
+          </p:cNvSpPr>
+          <p:nvPr>
+            <p:ph type="sldNum" sz="quarter" idx="12"/>
+          </p:nvPr>
+        </p:nvSpPr>
+        <p:spPr>
+          <a:xfrm>
+            <a:off x="6553200" y="6492875"/>
+            <a:ext cx="2133600" cy="365125"/>
+          </a:xfrm>
+        </p:spPr>
+        <p:txBody>
+          <a:bodyPr/>
+          <a:lstStyle/>
+          <a:p>
+            <a:fld id="{1815C771-616B-4028-867A-3CFF73E32554}" type="slidenum">
+              <a:rPr lang="en-US" smtClean="0"/>
+              <a:t>17</a:t>
+            </a:fld>
+            <a:endParaRPr lang="en-US" dirty="0"/>
+          </a:p>
+        </p:txBody>
+      </p:sp>
+      <p:pic>
+        <p:nvPicPr>
+          <p:cNvPr id="11" name="Picture 10"/>
+          <p:cNvPicPr/>
+          <p:nvPr/>
+        </p:nvPicPr>
+        <p:blipFill>
+          <a:blip r:embed="rId4" cstate="print">
+            <a:extLst>
+              <a:ext uri="{28A0092B-C50C-407E-A947-70E740481C1C}">
+                <a14:useLocalDpi xmlns:a14="http://schemas.microsoft.com/office/drawing/2010/main" val="0"/>
+              </a:ext>
+            </a:extLst>
+          </a:blip>
+          <a:stretch>
+            <a:fillRect/>
+          </a:stretch>
+        </p:blipFill>
+        <p:spPr>
+          <a:xfrm>
+            <a:off x="1962784" y="2057400"/>
+            <a:ext cx="6647815" cy="4267200"/>
+          </a:xfrm>
+          <a:prstGeom prst="rect">
+            <a:avLst/>
+          </a:prstGeom>
+          <a:ln w="12700">
+            <a:solidFill>
+              <a:schemeClr val="tx1"/>
+            </a:solidFill>
+          </a:ln>
+        </p:spPr>
+      </p:pic>
+    </p:spTree>
+    <p:extLst>
+      <p:ext uri="{BB962C8B-B14F-4D97-AF65-F5344CB8AC3E}">
+        <p14:creationId xmlns:p14="http://schemas.microsoft.com/office/powerpoint/2010/main" val="2505868292"/>
+      </p:ext>
+    </p:extLst>
+  </p:cSld>
+  <p:clrMapOvr>
+    <a:masterClrMapping/>
+  </p:clrMapOvr>
+  <p:timing>
+    <p:tnLst>
+      <p:par>
+        <p:cTn id="1" dur="indefinite" restart="never" nodeType="tmRoot"/>
+      </p:par>
+    </p:tnLst>
+  </p:timing>
+</p:sld>
+</file>
+
+<file path=ppt/slides/slide18.xml><?xml version="1.0" encoding="utf-8"?>
+<p:sld xmlns:a="http://schemas.openxmlformats.org/drawingml/2006/main" xmlns:r="http://schemas.openxmlformats.org/officeDocument/2006/relationships" xmlns:p="http://schemas.openxmlformats.org/presentationml/2006/main">
+  <p:cSld>
+    <p:bg>
+      <p:bgPr>
+        <a:blipFill dpi="0" rotWithShape="1">
+          <a:blip r:embed="rId3">
+            <a:lum/>
+          </a:blip>
+          <a:srcRect/>
+          <a:stretch>
+            <a:fillRect/>
+          </a:stretch>
+        </a:blipFill>
+        <a:effectLst/>
+      </p:bgPr>
+    </p:bg>
+    <p:spTree>
+      <p:nvGrpSpPr>
+        <p:cNvPr id="1" name=""/>
+        <p:cNvGrpSpPr/>
+        <p:nvPr/>
+      </p:nvGrpSpPr>
+      <p:grpSpPr>
+        <a:xfrm>
+          <a:off x="0" y="0"/>
+          <a:ext cx="0" cy="0"/>
+          <a:chOff x="0" y="0"/>
+          <a:chExt cx="0" cy="0"/>
+        </a:xfrm>
+      </p:grpSpPr>
+      <p:sp>
+        <p:nvSpPr>
+          <p:cNvPr id="2" name="Title 1"/>
+          <p:cNvSpPr>
+            <a:spLocks noGrp="1"/>
+          </p:cNvSpPr>
+          <p:nvPr>
+            <p:ph type="title"/>
+          </p:nvPr>
+        </p:nvSpPr>
+        <p:spPr>
+          <a:xfrm>
+            <a:off x="1219200" y="76200"/>
+            <a:ext cx="7848600" cy="838200"/>
+          </a:xfrm>
+        </p:spPr>
+        <p:txBody>
+          <a:bodyPr>
+            <a:normAutofit/>
+          </a:bodyPr>
+          <a:lstStyle/>
+          <a:p>
+            <a:pPr algn="l"/>
+            <a:r>
+              <a:rPr lang="en-US" sz="3600" b="1" dirty="0" smtClean="0">
+                <a:latin typeface="Times New Roman" pitchFamily="18" charset="0"/>
+                <a:cs typeface="Times New Roman" pitchFamily="18" charset="0"/>
+              </a:rPr>
+              <a:t>4. </a:t>
+            </a:r>
+            <a:r>
+              <a:rPr lang="en-US" sz="3600" b="1" dirty="0" err="1" smtClean="0">
+                <a:latin typeface="Times New Roman" pitchFamily="18" charset="0"/>
+                <a:cs typeface="Times New Roman" pitchFamily="18" charset="0"/>
+              </a:rPr>
+              <a:t>Cài</a:t>
+            </a:r>
+            <a:r>
+              <a:rPr lang="en-US" sz="3600" b="1" dirty="0" smtClean="0">
+                <a:latin typeface="Times New Roman" pitchFamily="18" charset="0"/>
+                <a:cs typeface="Times New Roman" pitchFamily="18" charset="0"/>
+              </a:rPr>
+              <a:t> </a:t>
+            </a:r>
+            <a:r>
+              <a:rPr lang="en-US" sz="3600" b="1" dirty="0" err="1" smtClean="0">
+                <a:latin typeface="Times New Roman" pitchFamily="18" charset="0"/>
+                <a:cs typeface="Times New Roman" pitchFamily="18" charset="0"/>
+              </a:rPr>
+              <a:t>đặt</a:t>
+            </a:r>
+            <a:r>
+              <a:rPr lang="en-US" sz="3600" b="1" dirty="0" smtClean="0">
+                <a:latin typeface="Times New Roman" pitchFamily="18" charset="0"/>
+                <a:cs typeface="Times New Roman" pitchFamily="18" charset="0"/>
+              </a:rPr>
+              <a:t> </a:t>
+            </a:r>
+            <a:r>
+              <a:rPr lang="en-US" sz="3600" b="1" dirty="0" err="1" smtClean="0">
+                <a:latin typeface="Times New Roman" pitchFamily="18" charset="0"/>
+                <a:cs typeface="Times New Roman" pitchFamily="18" charset="0"/>
+              </a:rPr>
+              <a:t>thực</a:t>
+            </a:r>
+            <a:r>
+              <a:rPr lang="en-US" sz="3600" b="1" dirty="0" smtClean="0">
+                <a:latin typeface="Times New Roman" pitchFamily="18" charset="0"/>
+                <a:cs typeface="Times New Roman" pitchFamily="18" charset="0"/>
+              </a:rPr>
+              <a:t> </a:t>
+            </a:r>
+            <a:r>
+              <a:rPr lang="en-US" sz="3600" b="1" dirty="0" err="1" smtClean="0">
+                <a:latin typeface="Times New Roman" pitchFamily="18" charset="0"/>
+                <a:cs typeface="Times New Roman" pitchFamily="18" charset="0"/>
+              </a:rPr>
+              <a:t>nghiệm</a:t>
+            </a:r>
+            <a:endParaRPr lang="en-US" sz="3600" b="1" dirty="0">
+              <a:latin typeface="Times New Roman" pitchFamily="18" charset="0"/>
+              <a:cs typeface="Times New Roman" pitchFamily="18" charset="0"/>
+            </a:endParaRPr>
+          </a:p>
+        </p:txBody>
+      </p:sp>
+      <p:sp>
+        <p:nvSpPr>
+          <p:cNvPr id="3" name="Content Placeholder 2"/>
+          <p:cNvSpPr>
+            <a:spLocks noGrp="1"/>
+          </p:cNvSpPr>
+          <p:nvPr>
+            <p:ph idx="1"/>
+          </p:nvPr>
+        </p:nvSpPr>
+        <p:spPr>
+          <a:xfrm>
+            <a:off x="1219200" y="1295400"/>
+            <a:ext cx="7848600" cy="5181600"/>
+          </a:xfrm>
+        </p:spPr>
+        <p:txBody>
+          <a:bodyPr>
+            <a:normAutofit/>
+          </a:bodyPr>
+          <a:lstStyle/>
+          <a:p>
+            <a:pPr marL="0" indent="0">
+              <a:buNone/>
+            </a:pPr>
+            <a:r>
+              <a:rPr lang="en-US" sz="2800" b="1" dirty="0" smtClean="0">
+                <a:latin typeface="Times New Roman" pitchFamily="18" charset="0"/>
+                <a:cs typeface="Times New Roman" pitchFamily="18" charset="0"/>
+              </a:rPr>
+              <a:t>4.3. </a:t>
+            </a:r>
+            <a:r>
+              <a:rPr lang="en-US" sz="2800" b="1" dirty="0" err="1" smtClean="0">
+                <a:latin typeface="Times New Roman" pitchFamily="18" charset="0"/>
+                <a:cs typeface="Times New Roman" pitchFamily="18" charset="0"/>
+              </a:rPr>
+              <a:t>Kết</a:t>
+            </a:r>
+            <a:r>
+              <a:rPr lang="en-US" sz="2800" b="1" dirty="0" smtClean="0">
+                <a:latin typeface="Times New Roman" pitchFamily="18" charset="0"/>
+                <a:cs typeface="Times New Roman" pitchFamily="18" charset="0"/>
+              </a:rPr>
+              <a:t> </a:t>
+            </a:r>
+            <a:r>
+              <a:rPr lang="en-US" sz="2800" b="1" dirty="0" err="1" smtClean="0">
+                <a:latin typeface="Times New Roman" pitchFamily="18" charset="0"/>
+                <a:cs typeface="Times New Roman" pitchFamily="18" charset="0"/>
+              </a:rPr>
+              <a:t>quả</a:t>
+            </a:r>
+            <a:r>
+              <a:rPr lang="en-US" sz="2800" b="1" dirty="0" smtClean="0">
+                <a:latin typeface="Times New Roman" pitchFamily="18" charset="0"/>
+                <a:cs typeface="Times New Roman" pitchFamily="18" charset="0"/>
+              </a:rPr>
+              <a:t> </a:t>
+            </a:r>
+            <a:r>
+              <a:rPr lang="en-US" sz="2800" b="1" dirty="0" err="1" smtClean="0">
+                <a:latin typeface="Times New Roman" pitchFamily="18" charset="0"/>
+                <a:cs typeface="Times New Roman" pitchFamily="18" charset="0"/>
+              </a:rPr>
+              <a:t>chương</a:t>
+            </a:r>
+            <a:r>
+              <a:rPr lang="en-US" sz="2800" b="1" dirty="0" smtClean="0">
+                <a:latin typeface="Times New Roman" pitchFamily="18" charset="0"/>
+                <a:cs typeface="Times New Roman" pitchFamily="18" charset="0"/>
+              </a:rPr>
+              <a:t> </a:t>
+            </a:r>
+            <a:r>
+              <a:rPr lang="en-US" sz="2800" b="1" dirty="0" err="1" smtClean="0">
+                <a:latin typeface="Times New Roman" pitchFamily="18" charset="0"/>
+                <a:cs typeface="Times New Roman" pitchFamily="18" charset="0"/>
+              </a:rPr>
+              <a:t>trình</a:t>
+            </a:r>
+            <a:endParaRPr lang="en-US" sz="2800" b="1" dirty="0">
+              <a:latin typeface="Times New Roman" pitchFamily="18" charset="0"/>
+              <a:cs typeface="Times New Roman" pitchFamily="18" charset="0"/>
+            </a:endParaRPr>
+          </a:p>
+        </p:txBody>
+      </p:sp>
+      <p:sp>
+        <p:nvSpPr>
+          <p:cNvPr id="7" name="Date Placeholder 6"/>
+          <p:cNvSpPr>
+            <a:spLocks noGrp="1"/>
+          </p:cNvSpPr>
+          <p:nvPr>
+            <p:ph type="dt" sz="half" idx="10"/>
+          </p:nvPr>
+        </p:nvSpPr>
+        <p:spPr>
+          <a:xfrm>
+            <a:off x="1143000" y="6492875"/>
+            <a:ext cx="2133600" cy="365125"/>
+          </a:xfrm>
+        </p:spPr>
+        <p:txBody>
+          <a:bodyPr/>
+          <a:lstStyle/>
+          <a:p>
+            <a:fld id="{3805247F-6ACC-47F2-B107-A401F66D3D80}" type="datetime1">
+              <a:rPr lang="en-US" smtClean="0"/>
+              <a:t>6/9/2018</a:t>
+            </a:fld>
+            <a:endParaRPr lang="en-US" dirty="0"/>
+          </a:p>
+        </p:txBody>
+      </p:sp>
+      <p:sp>
+        <p:nvSpPr>
+          <p:cNvPr id="8" name="Footer Placeholder 7"/>
+          <p:cNvSpPr>
+            <a:spLocks noGrp="1"/>
+          </p:cNvSpPr>
+          <p:nvPr>
+            <p:ph type="ftr" sz="quarter" idx="11"/>
+          </p:nvPr>
+        </p:nvSpPr>
+        <p:spPr>
+          <a:xfrm>
+            <a:off x="3124200" y="6479020"/>
+            <a:ext cx="2895600" cy="365125"/>
+          </a:xfrm>
+        </p:spPr>
+        <p:txBody>
+          <a:bodyPr/>
+          <a:lstStyle/>
+          <a:p>
+            <a:r>
+              <a:rPr lang="vi-VN" dirty="0" smtClean="0"/>
+              <a:t>Nguyễn Công Sơn _ INPG12 _ K58</a:t>
+            </a:r>
+            <a:endParaRPr lang="en-US" dirty="0"/>
+          </a:p>
+        </p:txBody>
+      </p:sp>
+      <p:sp>
+        <p:nvSpPr>
+          <p:cNvPr id="9" name="Slide Number Placeholder 8"/>
+          <p:cNvSpPr>
+            <a:spLocks noGrp="1"/>
+          </p:cNvSpPr>
+          <p:nvPr>
+            <p:ph type="sldNum" sz="quarter" idx="12"/>
+          </p:nvPr>
+        </p:nvSpPr>
+        <p:spPr>
+          <a:xfrm>
+            <a:off x="6553200" y="6492875"/>
+            <a:ext cx="2133600" cy="365125"/>
+          </a:xfrm>
+        </p:spPr>
+        <p:txBody>
+          <a:bodyPr/>
+          <a:lstStyle/>
+          <a:p>
+            <a:fld id="{1815C771-616B-4028-867A-3CFF73E32554}" type="slidenum">
+              <a:rPr lang="en-US" smtClean="0"/>
+              <a:t>18</a:t>
+            </a:fld>
+            <a:endParaRPr lang="en-US" dirty="0"/>
+          </a:p>
+        </p:txBody>
+      </p:sp>
+      <p:pic>
+        <p:nvPicPr>
+          <p:cNvPr id="12" name="Picture 11"/>
+          <p:cNvPicPr/>
+          <p:nvPr/>
+        </p:nvPicPr>
+        <p:blipFill>
+          <a:blip r:embed="rId4" cstate="print">
+            <a:extLst>
+              <a:ext uri="{28A0092B-C50C-407E-A947-70E740481C1C}">
+                <a14:useLocalDpi xmlns:a14="http://schemas.microsoft.com/office/drawing/2010/main" val="0"/>
+              </a:ext>
+            </a:extLst>
+          </a:blip>
+          <a:stretch>
+            <a:fillRect/>
+          </a:stretch>
+        </p:blipFill>
+        <p:spPr>
+          <a:xfrm>
+            <a:off x="1524000" y="1904999"/>
+            <a:ext cx="3048000" cy="4486701"/>
+          </a:xfrm>
+          <a:prstGeom prst="rect">
+            <a:avLst/>
+          </a:prstGeom>
+          <a:ln w="6350">
+            <a:solidFill>
+              <a:schemeClr val="tx1"/>
+            </a:solidFill>
+          </a:ln>
+        </p:spPr>
+      </p:pic>
+      <p:pic>
+        <p:nvPicPr>
+          <p:cNvPr id="13" name="Picture 12"/>
+          <p:cNvPicPr/>
+          <p:nvPr/>
+        </p:nvPicPr>
+        <p:blipFill>
+          <a:blip r:embed="rId5" cstate="print">
+            <a:extLst>
+              <a:ext uri="{28A0092B-C50C-407E-A947-70E740481C1C}">
+                <a14:useLocalDpi xmlns:a14="http://schemas.microsoft.com/office/drawing/2010/main" val="0"/>
+              </a:ext>
+            </a:extLst>
+          </a:blip>
+          <a:stretch>
+            <a:fillRect/>
+          </a:stretch>
+        </p:blipFill>
+        <p:spPr>
+          <a:xfrm>
+            <a:off x="4953000" y="1904999"/>
+            <a:ext cx="3810000" cy="4486702"/>
+          </a:xfrm>
+          <a:prstGeom prst="rect">
+            <a:avLst/>
+          </a:prstGeom>
+          <a:ln w="6350">
+            <a:solidFill>
+              <a:schemeClr val="tx1"/>
+            </a:solidFill>
+          </a:ln>
+        </p:spPr>
+      </p:pic>
+    </p:spTree>
+    <p:extLst>
+      <p:ext uri="{BB962C8B-B14F-4D97-AF65-F5344CB8AC3E}">
+        <p14:creationId xmlns:p14="http://schemas.microsoft.com/office/powerpoint/2010/main" val="4258811907"/>
+      </p:ext>
+    </p:extLst>
+  </p:cSld>
+  <p:clrMapOvr>
+    <a:masterClrMapping/>
+  </p:clrMapOvr>
+  <p:timing>
+    <p:tnLst>
+      <p:par>
+        <p:cTn id="1" dur="indefinite" restart="never" nodeType="tmRoot"/>
+      </p:par>
+    </p:tnLst>
+  </p:timing>
+</p:sld>
+</file>
+
+<file path=ppt/slides/slide19.xml><?xml version="1.0" encoding="utf-8"?>
+<p:sld xmlns:a="http://schemas.openxmlformats.org/drawingml/2006/main" xmlns:r="http://schemas.openxmlformats.org/officeDocument/2006/relationships" xmlns:p="http://schemas.openxmlformats.org/presentationml/2006/main">
+  <p:cSld>
+    <p:bg>
+      <p:bgPr>
+        <a:blipFill dpi="0" rotWithShape="1">
+          <a:blip r:embed="rId3">
+            <a:lum/>
+          </a:blip>
+          <a:srcRect/>
+          <a:stretch>
+            <a:fillRect/>
+          </a:stretch>
+        </a:blipFill>
+        <a:effectLst/>
+      </p:bgPr>
+    </p:bg>
+    <p:spTree>
+      <p:nvGrpSpPr>
+        <p:cNvPr id="1" name=""/>
+        <p:cNvGrpSpPr/>
+        <p:nvPr/>
+      </p:nvGrpSpPr>
+      <p:grpSpPr>
+        <a:xfrm>
+          <a:off x="0" y="0"/>
+          <a:ext cx="0" cy="0"/>
+          <a:chOff x="0" y="0"/>
+          <a:chExt cx="0" cy="0"/>
+        </a:xfrm>
+      </p:grpSpPr>
+      <p:sp>
+        <p:nvSpPr>
+          <p:cNvPr id="2" name="Title 1"/>
+          <p:cNvSpPr>
+            <a:spLocks noGrp="1"/>
+          </p:cNvSpPr>
+          <p:nvPr>
+            <p:ph type="title"/>
+          </p:nvPr>
+        </p:nvSpPr>
+        <p:spPr>
+          <a:xfrm>
+            <a:off x="1219200" y="76200"/>
+            <a:ext cx="7848600" cy="838200"/>
+          </a:xfrm>
+        </p:spPr>
+        <p:txBody>
+          <a:bodyPr>
+            <a:normAutofit/>
+          </a:bodyPr>
+          <a:lstStyle/>
+          <a:p>
+            <a:pPr algn="l"/>
+            <a:r>
+              <a:rPr lang="en-US" sz="3600" b="1" dirty="0" smtClean="0">
+                <a:latin typeface="Times New Roman" pitchFamily="18" charset="0"/>
+                <a:cs typeface="Times New Roman" pitchFamily="18" charset="0"/>
+              </a:rPr>
+              <a:t>4. </a:t>
+            </a:r>
+            <a:r>
+              <a:rPr lang="en-US" sz="3600" b="1" dirty="0" err="1" smtClean="0">
+                <a:latin typeface="Times New Roman" pitchFamily="18" charset="0"/>
+                <a:cs typeface="Times New Roman" pitchFamily="18" charset="0"/>
+              </a:rPr>
+              <a:t>Cài</a:t>
+            </a:r>
+            <a:r>
+              <a:rPr lang="en-US" sz="3600" b="1" dirty="0" smtClean="0">
+                <a:latin typeface="Times New Roman" pitchFamily="18" charset="0"/>
+                <a:cs typeface="Times New Roman" pitchFamily="18" charset="0"/>
+              </a:rPr>
+              <a:t> </a:t>
+            </a:r>
+            <a:r>
+              <a:rPr lang="en-US" sz="3600" b="1" dirty="0" err="1" smtClean="0">
+                <a:latin typeface="Times New Roman" pitchFamily="18" charset="0"/>
+                <a:cs typeface="Times New Roman" pitchFamily="18" charset="0"/>
+              </a:rPr>
+              <a:t>đặt</a:t>
+            </a:r>
+            <a:r>
+              <a:rPr lang="en-US" sz="3600" b="1" dirty="0" smtClean="0">
+                <a:latin typeface="Times New Roman" pitchFamily="18" charset="0"/>
+                <a:cs typeface="Times New Roman" pitchFamily="18" charset="0"/>
+              </a:rPr>
+              <a:t> </a:t>
+            </a:r>
+            <a:r>
+              <a:rPr lang="en-US" sz="3600" b="1" dirty="0" err="1" smtClean="0">
+                <a:latin typeface="Times New Roman" pitchFamily="18" charset="0"/>
+                <a:cs typeface="Times New Roman" pitchFamily="18" charset="0"/>
+              </a:rPr>
+              <a:t>thực</a:t>
+            </a:r>
+            <a:r>
+              <a:rPr lang="en-US" sz="3600" b="1" dirty="0" smtClean="0">
+                <a:latin typeface="Times New Roman" pitchFamily="18" charset="0"/>
+                <a:cs typeface="Times New Roman" pitchFamily="18" charset="0"/>
+              </a:rPr>
+              <a:t> </a:t>
+            </a:r>
+            <a:r>
+              <a:rPr lang="en-US" sz="3600" b="1" dirty="0" err="1" smtClean="0">
+                <a:latin typeface="Times New Roman" pitchFamily="18" charset="0"/>
+                <a:cs typeface="Times New Roman" pitchFamily="18" charset="0"/>
+              </a:rPr>
+              <a:t>nghiệm</a:t>
+            </a:r>
+            <a:endParaRPr lang="en-US" sz="3600" b="1" dirty="0">
+              <a:latin typeface="Times New Roman" pitchFamily="18" charset="0"/>
+              <a:cs typeface="Times New Roman" pitchFamily="18" charset="0"/>
+            </a:endParaRPr>
+          </a:p>
+        </p:txBody>
+      </p:sp>
+      <p:sp>
+        <p:nvSpPr>
+          <p:cNvPr id="3" name="Content Placeholder 2"/>
+          <p:cNvSpPr>
+            <a:spLocks noGrp="1"/>
+          </p:cNvSpPr>
+          <p:nvPr>
+            <p:ph idx="1"/>
+          </p:nvPr>
+        </p:nvSpPr>
+        <p:spPr>
+          <a:xfrm>
+            <a:off x="1219200" y="1295400"/>
+            <a:ext cx="7848600" cy="5181600"/>
+          </a:xfrm>
+        </p:spPr>
+        <p:txBody>
+          <a:bodyPr>
+            <a:normAutofit/>
+          </a:bodyPr>
+          <a:lstStyle/>
+          <a:p>
+            <a:pPr marL="0" indent="0">
+              <a:buNone/>
+            </a:pPr>
+            <a:r>
+              <a:rPr lang="en-US" sz="2800" b="1" dirty="0" smtClean="0">
+                <a:latin typeface="Times New Roman" pitchFamily="18" charset="0"/>
+                <a:cs typeface="Times New Roman" pitchFamily="18" charset="0"/>
+              </a:rPr>
+              <a:t>4.3. </a:t>
+            </a:r>
+            <a:r>
+              <a:rPr lang="en-US" sz="2800" b="1" dirty="0" err="1" smtClean="0">
+                <a:latin typeface="Times New Roman" pitchFamily="18" charset="0"/>
+                <a:cs typeface="Times New Roman" pitchFamily="18" charset="0"/>
+              </a:rPr>
+              <a:t>Kết</a:t>
+            </a:r>
+            <a:r>
+              <a:rPr lang="en-US" sz="2800" b="1" dirty="0" smtClean="0">
+                <a:latin typeface="Times New Roman" pitchFamily="18" charset="0"/>
+                <a:cs typeface="Times New Roman" pitchFamily="18" charset="0"/>
+              </a:rPr>
+              <a:t> </a:t>
+            </a:r>
+            <a:r>
+              <a:rPr lang="en-US" sz="2800" b="1" dirty="0" err="1" smtClean="0">
+                <a:latin typeface="Times New Roman" pitchFamily="18" charset="0"/>
+                <a:cs typeface="Times New Roman" pitchFamily="18" charset="0"/>
+              </a:rPr>
+              <a:t>quả</a:t>
+            </a:r>
+            <a:r>
+              <a:rPr lang="en-US" sz="2800" b="1" dirty="0" smtClean="0">
+                <a:latin typeface="Times New Roman" pitchFamily="18" charset="0"/>
+                <a:cs typeface="Times New Roman" pitchFamily="18" charset="0"/>
+              </a:rPr>
+              <a:t> </a:t>
+            </a:r>
+            <a:r>
+              <a:rPr lang="en-US" sz="2800" b="1" dirty="0" err="1" smtClean="0">
+                <a:latin typeface="Times New Roman" pitchFamily="18" charset="0"/>
+                <a:cs typeface="Times New Roman" pitchFamily="18" charset="0"/>
+              </a:rPr>
+              <a:t>chương</a:t>
+            </a:r>
+            <a:r>
+              <a:rPr lang="en-US" sz="2800" b="1" dirty="0" smtClean="0">
+                <a:latin typeface="Times New Roman" pitchFamily="18" charset="0"/>
+                <a:cs typeface="Times New Roman" pitchFamily="18" charset="0"/>
+              </a:rPr>
+              <a:t> </a:t>
+            </a:r>
+            <a:r>
+              <a:rPr lang="en-US" sz="2800" b="1" dirty="0" err="1" smtClean="0">
+                <a:latin typeface="Times New Roman" pitchFamily="18" charset="0"/>
+                <a:cs typeface="Times New Roman" pitchFamily="18" charset="0"/>
+              </a:rPr>
+              <a:t>trình</a:t>
+            </a:r>
+            <a:endParaRPr lang="en-US" sz="2800" b="1" dirty="0">
+              <a:latin typeface="Times New Roman" pitchFamily="18" charset="0"/>
+              <a:cs typeface="Times New Roman" pitchFamily="18" charset="0"/>
+            </a:endParaRPr>
+          </a:p>
+        </p:txBody>
+      </p:sp>
+      <p:sp>
+        <p:nvSpPr>
+          <p:cNvPr id="7" name="Date Placeholder 6"/>
+          <p:cNvSpPr>
+            <a:spLocks noGrp="1"/>
+          </p:cNvSpPr>
+          <p:nvPr>
+            <p:ph type="dt" sz="half" idx="10"/>
+          </p:nvPr>
+        </p:nvSpPr>
+        <p:spPr>
+          <a:xfrm>
+            <a:off x="1143000" y="6492875"/>
+            <a:ext cx="2133600" cy="365125"/>
+          </a:xfrm>
+        </p:spPr>
+        <p:txBody>
+          <a:bodyPr/>
+          <a:lstStyle/>
+          <a:p>
+            <a:fld id="{3805247F-6ACC-47F2-B107-A401F66D3D80}" type="datetime1">
+              <a:rPr lang="en-US" smtClean="0"/>
+              <a:t>6/10/2018</a:t>
+            </a:fld>
+            <a:endParaRPr lang="en-US" dirty="0"/>
+          </a:p>
+        </p:txBody>
+      </p:sp>
+      <p:sp>
+        <p:nvSpPr>
+          <p:cNvPr id="8" name="Footer Placeholder 7"/>
+          <p:cNvSpPr>
+            <a:spLocks noGrp="1"/>
+          </p:cNvSpPr>
+          <p:nvPr>
+            <p:ph type="ftr" sz="quarter" idx="11"/>
+          </p:nvPr>
+        </p:nvSpPr>
+        <p:spPr>
+          <a:xfrm>
+            <a:off x="3124200" y="6479020"/>
+            <a:ext cx="2895600" cy="365125"/>
+          </a:xfrm>
+        </p:spPr>
+        <p:txBody>
+          <a:bodyPr/>
+          <a:lstStyle/>
+          <a:p>
+            <a:r>
+              <a:rPr lang="vi-VN" dirty="0" smtClean="0"/>
+              <a:t>Nguyễn Công Sơn _ INPG12 _ K58</a:t>
+            </a:r>
+            <a:endParaRPr lang="en-US" dirty="0"/>
+          </a:p>
+        </p:txBody>
+      </p:sp>
+      <p:sp>
+        <p:nvSpPr>
+          <p:cNvPr id="9" name="Slide Number Placeholder 8"/>
+          <p:cNvSpPr>
+            <a:spLocks noGrp="1"/>
+          </p:cNvSpPr>
+          <p:nvPr>
+            <p:ph type="sldNum" sz="quarter" idx="12"/>
+          </p:nvPr>
+        </p:nvSpPr>
+        <p:spPr>
+          <a:xfrm>
+            <a:off x="6553200" y="6492875"/>
+            <a:ext cx="2133600" cy="365125"/>
+          </a:xfrm>
+        </p:spPr>
+        <p:txBody>
+          <a:bodyPr/>
+          <a:lstStyle/>
+          <a:p>
+            <a:fld id="{1815C771-616B-4028-867A-3CFF73E32554}" type="slidenum">
+              <a:rPr lang="en-US" smtClean="0"/>
+              <a:t>19</a:t>
+            </a:fld>
+            <a:endParaRPr lang="en-US" dirty="0"/>
+          </a:p>
+        </p:txBody>
+      </p:sp>
+      <p:pic>
+        <p:nvPicPr>
+          <p:cNvPr id="10" name="Picture 9"/>
+          <p:cNvPicPr/>
+          <p:nvPr/>
+        </p:nvPicPr>
+        <p:blipFill>
+          <a:blip r:embed="rId4" cstate="print">
+            <a:extLst>
+              <a:ext uri="{28A0092B-C50C-407E-A947-70E740481C1C}">
+                <a14:useLocalDpi xmlns:a14="http://schemas.microsoft.com/office/drawing/2010/main" val="0"/>
+              </a:ext>
+            </a:extLst>
+          </a:blip>
+          <a:stretch>
+            <a:fillRect/>
+          </a:stretch>
+        </p:blipFill>
+        <p:spPr>
+          <a:xfrm>
+            <a:off x="1524000" y="1981200"/>
+            <a:ext cx="3276600" cy="4457382"/>
+          </a:xfrm>
+          <a:prstGeom prst="rect">
+            <a:avLst/>
+          </a:prstGeom>
+          <a:ln w="6350">
+            <a:solidFill>
+              <a:schemeClr val="tx1"/>
+            </a:solidFill>
+          </a:ln>
+        </p:spPr>
+      </p:pic>
+      <p:pic>
+        <p:nvPicPr>
+          <p:cNvPr id="11" name="Picture 10"/>
+          <p:cNvPicPr/>
+          <p:nvPr/>
+        </p:nvPicPr>
+        <p:blipFill>
+          <a:blip r:embed="rId5" cstate="print">
+            <a:extLst>
+              <a:ext uri="{28A0092B-C50C-407E-A947-70E740481C1C}">
+                <a14:useLocalDpi xmlns:a14="http://schemas.microsoft.com/office/drawing/2010/main" val="0"/>
+              </a:ext>
+            </a:extLst>
+          </a:blip>
+          <a:stretch>
+            <a:fillRect/>
+          </a:stretch>
+        </p:blipFill>
+        <p:spPr>
+          <a:xfrm>
+            <a:off x="5334000" y="1981201"/>
+            <a:ext cx="3338671" cy="4441460"/>
+          </a:xfrm>
+          <a:prstGeom prst="rect">
+            <a:avLst/>
+          </a:prstGeom>
+          <a:ln w="6350">
+            <a:solidFill>
+              <a:schemeClr val="tx1"/>
+            </a:solidFill>
+          </a:ln>
+        </p:spPr>
+      </p:pic>
+    </p:spTree>
+    <p:extLst>
+      <p:ext uri="{BB962C8B-B14F-4D97-AF65-F5344CB8AC3E}">
+        <p14:creationId xmlns:p14="http://schemas.microsoft.com/office/powerpoint/2010/main" val="1338706096"/>
       </p:ext>
     </p:extLst>
   </p:cSld>
@@ -7379,7 +12078,7 @@
               </a:rPr>
               <a:t>nghiệm</a:t>
             </a:r>
-            <a:endParaRPr lang="en-US" dirty="0" smtClean="0">
+            <a:endParaRPr lang="en-US" dirty="0">
               <a:solidFill>
                 <a:schemeClr val="tx1"/>
               </a:solidFill>
@@ -7421,7 +12120,7 @@
               </a:rPr>
               <a:t>luận</a:t>
             </a:r>
-            <a:endParaRPr lang="en-US" dirty="0" smtClean="0">
+            <a:endParaRPr lang="en-US" dirty="0">
               <a:solidFill>
                 <a:schemeClr val="tx1"/>
               </a:solidFill>
@@ -7547,7 +12246,7 @@
           <a:p>
             <a:fld id="{ACD66DB6-D463-4DB0-B083-26A8364A4CAD}" type="datetime1">
               <a:rPr lang="en-US" smtClean="0"/>
-              <a:t>6/7/2018</a:t>
+              <a:t>6/9/2018</a:t>
             </a:fld>
             <a:endParaRPr lang="en-US" dirty="0"/>
           </a:p>
@@ -8018,6 +12717,968 @@
 </p:sld>
 </file>
 
+<file path=ppt/slides/slide20.xml><?xml version="1.0" encoding="utf-8"?>
+<p:sld xmlns:a="http://schemas.openxmlformats.org/drawingml/2006/main" xmlns:r="http://schemas.openxmlformats.org/officeDocument/2006/relationships" xmlns:p="http://schemas.openxmlformats.org/presentationml/2006/main">
+  <p:cSld>
+    <p:bg>
+      <p:bgPr>
+        <a:blipFill dpi="0" rotWithShape="1">
+          <a:blip r:embed="rId3">
+            <a:lum/>
+          </a:blip>
+          <a:srcRect/>
+          <a:stretch>
+            <a:fillRect/>
+          </a:stretch>
+        </a:blipFill>
+        <a:effectLst/>
+      </p:bgPr>
+    </p:bg>
+    <p:spTree>
+      <p:nvGrpSpPr>
+        <p:cNvPr id="1" name=""/>
+        <p:cNvGrpSpPr/>
+        <p:nvPr/>
+      </p:nvGrpSpPr>
+      <p:grpSpPr>
+        <a:xfrm>
+          <a:off x="0" y="0"/>
+          <a:ext cx="0" cy="0"/>
+          <a:chOff x="0" y="0"/>
+          <a:chExt cx="0" cy="0"/>
+        </a:xfrm>
+      </p:grpSpPr>
+      <p:sp>
+        <p:nvSpPr>
+          <p:cNvPr id="2" name="Title 1"/>
+          <p:cNvSpPr>
+            <a:spLocks noGrp="1"/>
+          </p:cNvSpPr>
+          <p:nvPr>
+            <p:ph type="title"/>
+          </p:nvPr>
+        </p:nvSpPr>
+        <p:spPr>
+          <a:xfrm>
+            <a:off x="1219200" y="76200"/>
+            <a:ext cx="7848600" cy="838200"/>
+          </a:xfrm>
+        </p:spPr>
+        <p:txBody>
+          <a:bodyPr>
+            <a:normAutofit/>
+          </a:bodyPr>
+          <a:lstStyle/>
+          <a:p>
+            <a:pPr algn="l"/>
+            <a:r>
+              <a:rPr lang="en-US" sz="3600" b="1" dirty="0" smtClean="0">
+                <a:latin typeface="Times New Roman" pitchFamily="18" charset="0"/>
+                <a:cs typeface="Times New Roman" pitchFamily="18" charset="0"/>
+              </a:rPr>
+              <a:t>KẾT LUẬN</a:t>
+            </a:r>
+            <a:endParaRPr lang="en-US" sz="3600" b="1" dirty="0">
+              <a:latin typeface="Times New Roman" pitchFamily="18" charset="0"/>
+              <a:cs typeface="Times New Roman" pitchFamily="18" charset="0"/>
+            </a:endParaRPr>
+          </a:p>
+        </p:txBody>
+      </p:sp>
+      <p:sp>
+        <p:nvSpPr>
+          <p:cNvPr id="3" name="Content Placeholder 2"/>
+          <p:cNvSpPr>
+            <a:spLocks noGrp="1"/>
+          </p:cNvSpPr>
+          <p:nvPr>
+            <p:ph idx="1"/>
+          </p:nvPr>
+        </p:nvSpPr>
+        <p:spPr>
+          <a:xfrm>
+            <a:off x="1219200" y="1295400"/>
+            <a:ext cx="7848600" cy="5181600"/>
+          </a:xfrm>
+        </p:spPr>
+        <p:txBody>
+          <a:bodyPr>
+            <a:normAutofit/>
+          </a:bodyPr>
+          <a:lstStyle/>
+          <a:p>
+            <a:r>
+              <a:rPr lang="vi-VN" sz="2800" dirty="0" smtClean="0">
+                <a:latin typeface="Times New Roman" pitchFamily="18" charset="0"/>
+                <a:cs typeface="Times New Roman" pitchFamily="18" charset="0"/>
+              </a:rPr>
+              <a:t>Nghiên </a:t>
+            </a:r>
+            <a:r>
+              <a:rPr lang="vi-VN" sz="2800" dirty="0">
+                <a:latin typeface="Times New Roman" pitchFamily="18" charset="0"/>
+                <a:cs typeface="Times New Roman" pitchFamily="18" charset="0"/>
+              </a:rPr>
+              <a:t>cứu và phát triển công nghệ, nghiên cứu sâu hơn về Struts 2 và Hibernate. Nghiên cứu về apache poi để tạo dữ liệu ra file </a:t>
+            </a:r>
+            <a:endParaRPr lang="en-US" sz="2800" dirty="0">
+              <a:latin typeface="Times New Roman" pitchFamily="18" charset="0"/>
+              <a:cs typeface="Times New Roman" pitchFamily="18" charset="0"/>
+            </a:endParaRPr>
+          </a:p>
+          <a:p>
+            <a:r>
+              <a:rPr lang="vi-VN" sz="2800" dirty="0" smtClean="0">
+                <a:latin typeface="Times New Roman" pitchFamily="18" charset="0"/>
+                <a:cs typeface="Times New Roman" pitchFamily="18" charset="0"/>
+              </a:rPr>
+              <a:t>Phân </a:t>
+            </a:r>
+            <a:r>
+              <a:rPr lang="vi-VN" sz="2800" dirty="0">
+                <a:latin typeface="Times New Roman" pitchFamily="18" charset="0"/>
+                <a:cs typeface="Times New Roman" pitchFamily="18" charset="0"/>
+              </a:rPr>
+              <a:t>tích và thiết kế giao diện </a:t>
+            </a:r>
+            <a:r>
+              <a:rPr lang="en-US" sz="2800" dirty="0" err="1" smtClean="0">
+                <a:latin typeface="Times New Roman" pitchFamily="18" charset="0"/>
+                <a:cs typeface="Times New Roman" pitchFamily="18" charset="0"/>
+              </a:rPr>
+              <a:t>hoàn</a:t>
+            </a:r>
+            <a:r>
+              <a:rPr lang="en-US" sz="2800" dirty="0" smtClean="0">
+                <a:latin typeface="Times New Roman" pitchFamily="18" charset="0"/>
+                <a:cs typeface="Times New Roman" pitchFamily="18" charset="0"/>
+              </a:rPr>
+              <a:t> </a:t>
+            </a:r>
+            <a:r>
+              <a:rPr lang="en-US" sz="2800" dirty="0" err="1" smtClean="0">
+                <a:latin typeface="Times New Roman" pitchFamily="18" charset="0"/>
+                <a:cs typeface="Times New Roman" pitchFamily="18" charset="0"/>
+              </a:rPr>
+              <a:t>thành</a:t>
+            </a:r>
+            <a:endParaRPr lang="vi-VN" sz="2800" dirty="0">
+              <a:latin typeface="Times New Roman" pitchFamily="18" charset="0"/>
+              <a:cs typeface="Times New Roman" pitchFamily="18" charset="0"/>
+            </a:endParaRPr>
+          </a:p>
+          <a:p>
+            <a:r>
+              <a:rPr lang="vi-VN" sz="2800" dirty="0" smtClean="0">
+                <a:latin typeface="Times New Roman" pitchFamily="18" charset="0"/>
+                <a:cs typeface="Times New Roman" pitchFamily="18" charset="0"/>
+              </a:rPr>
+              <a:t>Hoàn </a:t>
+            </a:r>
+            <a:r>
+              <a:rPr lang="vi-VN" sz="2800" dirty="0">
+                <a:latin typeface="Times New Roman" pitchFamily="18" charset="0"/>
+                <a:cs typeface="Times New Roman" pitchFamily="18" charset="0"/>
+              </a:rPr>
+              <a:t>thành hệ thống đăng ký và quản lý thực tập tại doanh nghiệp tới 90% trong toàn bộ nghiệp </a:t>
+            </a:r>
+            <a:r>
+              <a:rPr lang="vi-VN" sz="2800" dirty="0" smtClean="0">
+                <a:latin typeface="Times New Roman" pitchFamily="18" charset="0"/>
+                <a:cs typeface="Times New Roman" pitchFamily="18" charset="0"/>
+              </a:rPr>
+              <a:t>vụ.</a:t>
+            </a:r>
+            <a:endParaRPr lang="en-US" sz="2800" dirty="0">
+              <a:latin typeface="Times New Roman" pitchFamily="18" charset="0"/>
+              <a:cs typeface="Times New Roman" pitchFamily="18" charset="0"/>
+            </a:endParaRPr>
+          </a:p>
+          <a:p>
+            <a:r>
+              <a:rPr lang="en-US" sz="2800" dirty="0" err="1" smtClean="0">
+                <a:latin typeface="Times New Roman" pitchFamily="18" charset="0"/>
+                <a:cs typeface="Times New Roman" pitchFamily="18" charset="0"/>
+              </a:rPr>
+              <a:t>Tồn</a:t>
+            </a:r>
+            <a:r>
+              <a:rPr lang="en-US" sz="2800" dirty="0" smtClean="0">
+                <a:latin typeface="Times New Roman" pitchFamily="18" charset="0"/>
+                <a:cs typeface="Times New Roman" pitchFamily="18" charset="0"/>
+              </a:rPr>
+              <a:t> </a:t>
+            </a:r>
+            <a:r>
+              <a:rPr lang="en-US" sz="2800" dirty="0" err="1" smtClean="0">
+                <a:latin typeface="Times New Roman" pitchFamily="18" charset="0"/>
+                <a:cs typeface="Times New Roman" pitchFamily="18" charset="0"/>
+              </a:rPr>
+              <a:t>tại</a:t>
+            </a:r>
+            <a:r>
+              <a:rPr lang="en-US" sz="2800" dirty="0" smtClean="0">
+                <a:latin typeface="Times New Roman" pitchFamily="18" charset="0"/>
+                <a:cs typeface="Times New Roman" pitchFamily="18" charset="0"/>
+              </a:rPr>
+              <a:t>: </a:t>
+            </a:r>
+          </a:p>
+          <a:p>
+            <a:pPr lvl="1"/>
+            <a:r>
+              <a:rPr lang="vi-VN" dirty="0" smtClean="0">
+                <a:latin typeface="Times New Roman" pitchFamily="18" charset="0"/>
+                <a:cs typeface="Times New Roman" pitchFamily="18" charset="0"/>
+              </a:rPr>
+              <a:t>Một </a:t>
+            </a:r>
+            <a:r>
+              <a:rPr lang="vi-VN" dirty="0">
+                <a:latin typeface="Times New Roman" pitchFamily="18" charset="0"/>
+                <a:cs typeface="Times New Roman" pitchFamily="18" charset="0"/>
+              </a:rPr>
+              <a:t>số nhỏ nghiệp vụ của ứng dụng chưa được phân </a:t>
+            </a:r>
+            <a:r>
+              <a:rPr lang="en-US" dirty="0" err="1" smtClean="0">
+                <a:latin typeface="Times New Roman" pitchFamily="18" charset="0"/>
+                <a:cs typeface="Times New Roman" pitchFamily="18" charset="0"/>
+              </a:rPr>
+              <a:t>tích</a:t>
+            </a:r>
+            <a:r>
+              <a:rPr lang="vi-VN" dirty="0" smtClean="0">
+                <a:latin typeface="Times New Roman" pitchFamily="18" charset="0"/>
+                <a:cs typeface="Times New Roman" pitchFamily="18" charset="0"/>
+              </a:rPr>
+              <a:t> </a:t>
+            </a:r>
+            <a:r>
+              <a:rPr lang="vi-VN" dirty="0">
+                <a:latin typeface="Times New Roman" pitchFamily="18" charset="0"/>
+                <a:cs typeface="Times New Roman" pitchFamily="18" charset="0"/>
+              </a:rPr>
+              <a:t>chi tiết</a:t>
+            </a:r>
+            <a:r>
+              <a:rPr lang="en-US" dirty="0">
+                <a:latin typeface="Times New Roman" pitchFamily="18" charset="0"/>
+                <a:cs typeface="Times New Roman" pitchFamily="18" charset="0"/>
+              </a:rPr>
+              <a:t>.</a:t>
+            </a:r>
+          </a:p>
+          <a:p>
+            <a:pPr lvl="1"/>
+            <a:r>
+              <a:rPr lang="vi-VN" dirty="0">
+                <a:latin typeface="Times New Roman" pitchFamily="18" charset="0"/>
+                <a:cs typeface="Times New Roman" pitchFamily="18" charset="0"/>
+              </a:rPr>
+              <a:t>Chưa triển khai thực tế</a:t>
+            </a:r>
+          </a:p>
+          <a:p>
+            <a:endParaRPr lang="vi-VN" sz="2800" dirty="0">
+              <a:latin typeface="Times New Roman" pitchFamily="18" charset="0"/>
+              <a:cs typeface="Times New Roman" pitchFamily="18" charset="0"/>
+            </a:endParaRPr>
+          </a:p>
+        </p:txBody>
+      </p:sp>
+      <p:sp>
+        <p:nvSpPr>
+          <p:cNvPr id="7" name="Date Placeholder 6"/>
+          <p:cNvSpPr>
+            <a:spLocks noGrp="1"/>
+          </p:cNvSpPr>
+          <p:nvPr>
+            <p:ph type="dt" sz="half" idx="10"/>
+          </p:nvPr>
+        </p:nvSpPr>
+        <p:spPr>
+          <a:xfrm>
+            <a:off x="1143000" y="6492875"/>
+            <a:ext cx="2133600" cy="365125"/>
+          </a:xfrm>
+        </p:spPr>
+        <p:txBody>
+          <a:bodyPr/>
+          <a:lstStyle/>
+          <a:p>
+            <a:fld id="{3805247F-6ACC-47F2-B107-A401F66D3D80}" type="datetime1">
+              <a:rPr lang="en-US" smtClean="0"/>
+              <a:t>6/9/2018</a:t>
+            </a:fld>
+            <a:endParaRPr lang="en-US" dirty="0"/>
+          </a:p>
+        </p:txBody>
+      </p:sp>
+      <p:sp>
+        <p:nvSpPr>
+          <p:cNvPr id="8" name="Footer Placeholder 7"/>
+          <p:cNvSpPr>
+            <a:spLocks noGrp="1"/>
+          </p:cNvSpPr>
+          <p:nvPr>
+            <p:ph type="ftr" sz="quarter" idx="11"/>
+          </p:nvPr>
+        </p:nvSpPr>
+        <p:spPr>
+          <a:xfrm>
+            <a:off x="3124200" y="6479020"/>
+            <a:ext cx="2895600" cy="365125"/>
+          </a:xfrm>
+        </p:spPr>
+        <p:txBody>
+          <a:bodyPr/>
+          <a:lstStyle/>
+          <a:p>
+            <a:r>
+              <a:rPr lang="vi-VN" dirty="0" smtClean="0"/>
+              <a:t>Nguyễn Công Sơn _ INPG12 _ K58</a:t>
+            </a:r>
+            <a:endParaRPr lang="en-US" dirty="0"/>
+          </a:p>
+        </p:txBody>
+      </p:sp>
+      <p:sp>
+        <p:nvSpPr>
+          <p:cNvPr id="9" name="Slide Number Placeholder 8"/>
+          <p:cNvSpPr>
+            <a:spLocks noGrp="1"/>
+          </p:cNvSpPr>
+          <p:nvPr>
+            <p:ph type="sldNum" sz="quarter" idx="12"/>
+          </p:nvPr>
+        </p:nvSpPr>
+        <p:spPr>
+          <a:xfrm>
+            <a:off x="6553200" y="6492875"/>
+            <a:ext cx="2133600" cy="365125"/>
+          </a:xfrm>
+        </p:spPr>
+        <p:txBody>
+          <a:bodyPr/>
+          <a:lstStyle/>
+          <a:p>
+            <a:fld id="{1815C771-616B-4028-867A-3CFF73E32554}" type="slidenum">
+              <a:rPr lang="en-US" smtClean="0"/>
+              <a:t>20</a:t>
+            </a:fld>
+            <a:endParaRPr lang="en-US" dirty="0"/>
+          </a:p>
+        </p:txBody>
+      </p:sp>
+    </p:spTree>
+    <p:extLst>
+      <p:ext uri="{BB962C8B-B14F-4D97-AF65-F5344CB8AC3E}">
+        <p14:creationId xmlns:p14="http://schemas.microsoft.com/office/powerpoint/2010/main" val="3379053331"/>
+      </p:ext>
+    </p:extLst>
+  </p:cSld>
+  <p:clrMapOvr>
+    <a:masterClrMapping/>
+  </p:clrMapOvr>
+  <p:timing>
+    <p:tnLst>
+      <p:par>
+        <p:cTn id="1" dur="indefinite" restart="never" nodeType="tmRoot"/>
+      </p:par>
+    </p:tnLst>
+  </p:timing>
+</p:sld>
+</file>
+
+<file path=ppt/slides/slide21.xml><?xml version="1.0" encoding="utf-8"?>
+<p:sld xmlns:a="http://schemas.openxmlformats.org/drawingml/2006/main" xmlns:r="http://schemas.openxmlformats.org/officeDocument/2006/relationships" xmlns:p="http://schemas.openxmlformats.org/presentationml/2006/main">
+  <p:cSld>
+    <p:bg>
+      <p:bgPr>
+        <a:blipFill dpi="0" rotWithShape="1">
+          <a:blip r:embed="rId3">
+            <a:lum/>
+          </a:blip>
+          <a:srcRect/>
+          <a:stretch>
+            <a:fillRect/>
+          </a:stretch>
+        </a:blipFill>
+        <a:effectLst/>
+      </p:bgPr>
+    </p:bg>
+    <p:spTree>
+      <p:nvGrpSpPr>
+        <p:cNvPr id="1" name=""/>
+        <p:cNvGrpSpPr/>
+        <p:nvPr/>
+      </p:nvGrpSpPr>
+      <p:grpSpPr>
+        <a:xfrm>
+          <a:off x="0" y="0"/>
+          <a:ext cx="0" cy="0"/>
+          <a:chOff x="0" y="0"/>
+          <a:chExt cx="0" cy="0"/>
+        </a:xfrm>
+      </p:grpSpPr>
+      <p:sp>
+        <p:nvSpPr>
+          <p:cNvPr id="2" name="Title 1"/>
+          <p:cNvSpPr>
+            <a:spLocks noGrp="1"/>
+          </p:cNvSpPr>
+          <p:nvPr>
+            <p:ph type="title"/>
+          </p:nvPr>
+        </p:nvSpPr>
+        <p:spPr>
+          <a:xfrm>
+            <a:off x="1219200" y="76200"/>
+            <a:ext cx="7848600" cy="838200"/>
+          </a:xfrm>
+        </p:spPr>
+        <p:txBody>
+          <a:bodyPr>
+            <a:normAutofit/>
+          </a:bodyPr>
+          <a:lstStyle/>
+          <a:p>
+            <a:pPr algn="l"/>
+            <a:r>
+              <a:rPr lang="en-US" sz="3600" b="1" dirty="0" smtClean="0">
+                <a:latin typeface="Times New Roman" pitchFamily="18" charset="0"/>
+                <a:cs typeface="Times New Roman" pitchFamily="18" charset="0"/>
+              </a:rPr>
+              <a:t>TÀI LIỆU THAM KHẢO</a:t>
+            </a:r>
+            <a:endParaRPr lang="en-US" sz="3600" b="1" dirty="0">
+              <a:latin typeface="Times New Roman" pitchFamily="18" charset="0"/>
+              <a:cs typeface="Times New Roman" pitchFamily="18" charset="0"/>
+            </a:endParaRPr>
+          </a:p>
+        </p:txBody>
+      </p:sp>
+      <p:sp>
+        <p:nvSpPr>
+          <p:cNvPr id="3" name="Content Placeholder 2"/>
+          <p:cNvSpPr>
+            <a:spLocks noGrp="1"/>
+          </p:cNvSpPr>
+          <p:nvPr>
+            <p:ph idx="1"/>
+          </p:nvPr>
+        </p:nvSpPr>
+        <p:spPr>
+          <a:xfrm>
+            <a:off x="1219200" y="1295400"/>
+            <a:ext cx="7848600" cy="5181600"/>
+          </a:xfrm>
+        </p:spPr>
+        <p:txBody>
+          <a:bodyPr>
+            <a:normAutofit fontScale="92500"/>
+          </a:bodyPr>
+          <a:lstStyle/>
+          <a:p>
+            <a:pPr marL="0" indent="0">
+              <a:buNone/>
+            </a:pPr>
+            <a:r>
+              <a:rPr lang="en-US" sz="2800" dirty="0">
+                <a:latin typeface="Times New Roman" pitchFamily="18" charset="0"/>
+                <a:cs typeface="Times New Roman" pitchFamily="18" charset="0"/>
+              </a:rPr>
+              <a:t>1] Cay S. </a:t>
+            </a:r>
+            <a:r>
+              <a:rPr lang="en-US" sz="2800" dirty="0" err="1">
+                <a:latin typeface="Times New Roman" pitchFamily="18" charset="0"/>
+                <a:cs typeface="Times New Roman" pitchFamily="18" charset="0"/>
+              </a:rPr>
+              <a:t>Horstmann</a:t>
+            </a:r>
+            <a:r>
+              <a:rPr lang="en-US" sz="2800" dirty="0">
+                <a:latin typeface="Times New Roman" pitchFamily="18" charset="0"/>
+                <a:cs typeface="Times New Roman" pitchFamily="18" charset="0"/>
+              </a:rPr>
+              <a:t>, Gary Cornell. Core Java 2, Volume I--Fundamentals, 7th Edition. 11 </a:t>
+            </a:r>
+            <a:r>
+              <a:rPr lang="en-US" sz="2800" dirty="0" err="1">
+                <a:latin typeface="Times New Roman" pitchFamily="18" charset="0"/>
+                <a:cs typeface="Times New Roman" pitchFamily="18" charset="0"/>
+              </a:rPr>
+              <a:t>Septembre</a:t>
+            </a:r>
+            <a:r>
+              <a:rPr lang="en-US" sz="2800" dirty="0">
+                <a:latin typeface="Times New Roman" pitchFamily="18" charset="0"/>
+                <a:cs typeface="Times New Roman" pitchFamily="18" charset="0"/>
+              </a:rPr>
+              <a:t> 2007.</a:t>
+            </a:r>
+          </a:p>
+          <a:p>
+            <a:pPr marL="0" indent="0">
+              <a:buNone/>
+            </a:pPr>
+            <a:r>
+              <a:rPr lang="en-US" sz="2800" dirty="0">
+                <a:latin typeface="Times New Roman" pitchFamily="18" charset="0"/>
+                <a:cs typeface="Times New Roman" pitchFamily="18" charset="0"/>
+              </a:rPr>
+              <a:t>[2] Jon </a:t>
+            </a:r>
+            <a:r>
+              <a:rPr lang="en-US" sz="2800" dirty="0" err="1">
+                <a:latin typeface="Times New Roman" pitchFamily="18" charset="0"/>
+                <a:cs typeface="Times New Roman" pitchFamily="18" charset="0"/>
+              </a:rPr>
+              <a:t>Duckett</a:t>
+            </a:r>
+            <a:r>
+              <a:rPr lang="en-US" sz="2800" dirty="0">
+                <a:latin typeface="Times New Roman" pitchFamily="18" charset="0"/>
+                <a:cs typeface="Times New Roman" pitchFamily="18" charset="0"/>
+              </a:rPr>
+              <a:t>. HTML; CSS Design; Build Websites. Publisher: </a:t>
+            </a:r>
+            <a:r>
+              <a:rPr lang="en-US" sz="2800" dirty="0" err="1">
+                <a:latin typeface="Times New Roman" pitchFamily="18" charset="0"/>
+                <a:cs typeface="Times New Roman" pitchFamily="18" charset="0"/>
+              </a:rPr>
+              <a:t>Whiley</a:t>
+            </a:r>
+            <a:r>
+              <a:rPr lang="en-US" sz="2800" dirty="0">
+                <a:latin typeface="Times New Roman" pitchFamily="18" charset="0"/>
+                <a:cs typeface="Times New Roman" pitchFamily="18" charset="0"/>
+              </a:rPr>
+              <a:t>. Pages 514</a:t>
+            </a:r>
+          </a:p>
+          <a:p>
+            <a:pPr marL="0" indent="0">
+              <a:buNone/>
+            </a:pPr>
+            <a:r>
+              <a:rPr lang="en-US" sz="2800" dirty="0">
+                <a:latin typeface="Times New Roman" pitchFamily="18" charset="0"/>
+                <a:cs typeface="Times New Roman" pitchFamily="18" charset="0"/>
+              </a:rPr>
+              <a:t>[3] Duane K. Fields, Mark A. Kolb, Shawn Bayern. Web Development with </a:t>
+            </a:r>
+            <a:r>
+              <a:rPr lang="en-US" sz="2800" dirty="0" err="1">
+                <a:latin typeface="Times New Roman" pitchFamily="18" charset="0"/>
+                <a:cs typeface="Times New Roman" pitchFamily="18" charset="0"/>
+              </a:rPr>
+              <a:t>JavaServer</a:t>
+            </a:r>
+            <a:r>
+              <a:rPr lang="en-US" sz="2800" dirty="0">
+                <a:latin typeface="Times New Roman" pitchFamily="18" charset="0"/>
+                <a:cs typeface="Times New Roman" pitchFamily="18" charset="0"/>
+              </a:rPr>
+              <a:t> Pages. Second </a:t>
+            </a:r>
+            <a:r>
+              <a:rPr lang="en-US" sz="2800" dirty="0" err="1">
+                <a:latin typeface="Times New Roman" pitchFamily="18" charset="0"/>
+                <a:cs typeface="Times New Roman" pitchFamily="18" charset="0"/>
+              </a:rPr>
+              <a:t>edittion</a:t>
+            </a:r>
+            <a:r>
+              <a:rPr lang="en-US" sz="2800" dirty="0">
+                <a:latin typeface="Times New Roman" pitchFamily="18" charset="0"/>
+                <a:cs typeface="Times New Roman" pitchFamily="18" charset="0"/>
+              </a:rPr>
+              <a:t>.</a:t>
+            </a:r>
+          </a:p>
+          <a:p>
+            <a:pPr marL="0" indent="0">
+              <a:buNone/>
+            </a:pPr>
+            <a:r>
+              <a:rPr lang="en-US" sz="2800" dirty="0">
+                <a:latin typeface="Times New Roman" pitchFamily="18" charset="0"/>
+                <a:cs typeface="Times New Roman" pitchFamily="18" charset="0"/>
+              </a:rPr>
+              <a:t>[4] www.tutorialspoint.com/ </a:t>
+            </a:r>
+          </a:p>
+          <a:p>
+            <a:pPr marL="0" indent="0">
+              <a:buNone/>
+            </a:pPr>
+            <a:r>
+              <a:rPr lang="en-US" sz="2800" dirty="0">
+                <a:latin typeface="Times New Roman" pitchFamily="18" charset="0"/>
+                <a:cs typeface="Times New Roman" pitchFamily="18" charset="0"/>
+              </a:rPr>
+              <a:t>[5] https://struts.apache.org/</a:t>
+            </a:r>
+          </a:p>
+          <a:p>
+            <a:pPr marL="0" indent="0">
+              <a:buNone/>
+            </a:pPr>
+            <a:r>
+              <a:rPr lang="en-US" sz="2800" dirty="0">
+                <a:latin typeface="Times New Roman" pitchFamily="18" charset="0"/>
+                <a:cs typeface="Times New Roman" pitchFamily="18" charset="0"/>
+              </a:rPr>
+              <a:t>[6] http://viettuts.vn/hibernate </a:t>
+            </a:r>
+          </a:p>
+          <a:p>
+            <a:pPr marL="0" indent="0">
+              <a:buNone/>
+            </a:pPr>
+            <a:r>
+              <a:rPr lang="en-US" sz="2800" dirty="0">
+                <a:latin typeface="Times New Roman" pitchFamily="18" charset="0"/>
+                <a:cs typeface="Times New Roman" pitchFamily="18" charset="0"/>
+              </a:rPr>
+              <a:t>[7] http://vietjack.com/struts_2/ </a:t>
+            </a:r>
+          </a:p>
+          <a:p>
+            <a:pPr marL="0" indent="0">
+              <a:buNone/>
+            </a:pPr>
+            <a:r>
+              <a:rPr lang="en-US" sz="2800" dirty="0">
+                <a:latin typeface="Times New Roman" pitchFamily="18" charset="0"/>
+                <a:cs typeface="Times New Roman" pitchFamily="18" charset="0"/>
+              </a:rPr>
+              <a:t>[8] https://www.w3schools.com/ </a:t>
+            </a:r>
+          </a:p>
+          <a:p>
+            <a:pPr marL="0" indent="0">
+              <a:buNone/>
+            </a:pPr>
+            <a:endParaRPr lang="en-US" sz="2800" dirty="0" smtClean="0">
+              <a:latin typeface="Times New Roman" pitchFamily="18" charset="0"/>
+              <a:cs typeface="Times New Roman" pitchFamily="18" charset="0"/>
+            </a:endParaRPr>
+          </a:p>
+        </p:txBody>
+      </p:sp>
+      <p:sp>
+        <p:nvSpPr>
+          <p:cNvPr id="7" name="Date Placeholder 6"/>
+          <p:cNvSpPr>
+            <a:spLocks noGrp="1"/>
+          </p:cNvSpPr>
+          <p:nvPr>
+            <p:ph type="dt" sz="half" idx="10"/>
+          </p:nvPr>
+        </p:nvSpPr>
+        <p:spPr>
+          <a:xfrm>
+            <a:off x="1143000" y="6492875"/>
+            <a:ext cx="2133600" cy="365125"/>
+          </a:xfrm>
+        </p:spPr>
+        <p:txBody>
+          <a:bodyPr/>
+          <a:lstStyle/>
+          <a:p>
+            <a:fld id="{3805247F-6ACC-47F2-B107-A401F66D3D80}" type="datetime1">
+              <a:rPr lang="en-US" smtClean="0"/>
+              <a:t>6/9/2018</a:t>
+            </a:fld>
+            <a:endParaRPr lang="en-US" dirty="0"/>
+          </a:p>
+        </p:txBody>
+      </p:sp>
+      <p:sp>
+        <p:nvSpPr>
+          <p:cNvPr id="8" name="Footer Placeholder 7"/>
+          <p:cNvSpPr>
+            <a:spLocks noGrp="1"/>
+          </p:cNvSpPr>
+          <p:nvPr>
+            <p:ph type="ftr" sz="quarter" idx="11"/>
+          </p:nvPr>
+        </p:nvSpPr>
+        <p:spPr>
+          <a:xfrm>
+            <a:off x="3124200" y="6479020"/>
+            <a:ext cx="2895600" cy="365125"/>
+          </a:xfrm>
+        </p:spPr>
+        <p:txBody>
+          <a:bodyPr/>
+          <a:lstStyle/>
+          <a:p>
+            <a:r>
+              <a:rPr lang="vi-VN" dirty="0" smtClean="0"/>
+              <a:t>Nguyễn Công Sơn _ INPG12 _ K58</a:t>
+            </a:r>
+            <a:endParaRPr lang="en-US" dirty="0"/>
+          </a:p>
+        </p:txBody>
+      </p:sp>
+      <p:sp>
+        <p:nvSpPr>
+          <p:cNvPr id="9" name="Slide Number Placeholder 8"/>
+          <p:cNvSpPr>
+            <a:spLocks noGrp="1"/>
+          </p:cNvSpPr>
+          <p:nvPr>
+            <p:ph type="sldNum" sz="quarter" idx="12"/>
+          </p:nvPr>
+        </p:nvSpPr>
+        <p:spPr>
+          <a:xfrm>
+            <a:off x="6553200" y="6492875"/>
+            <a:ext cx="2133600" cy="365125"/>
+          </a:xfrm>
+        </p:spPr>
+        <p:txBody>
+          <a:bodyPr/>
+          <a:lstStyle/>
+          <a:p>
+            <a:fld id="{1815C771-616B-4028-867A-3CFF73E32554}" type="slidenum">
+              <a:rPr lang="en-US" smtClean="0"/>
+              <a:t>21</a:t>
+            </a:fld>
+            <a:endParaRPr lang="en-US" dirty="0"/>
+          </a:p>
+        </p:txBody>
+      </p:sp>
+    </p:spTree>
+    <p:extLst>
+      <p:ext uri="{BB962C8B-B14F-4D97-AF65-F5344CB8AC3E}">
+        <p14:creationId xmlns:p14="http://schemas.microsoft.com/office/powerpoint/2010/main" val="825785582"/>
+      </p:ext>
+    </p:extLst>
+  </p:cSld>
+  <p:clrMapOvr>
+    <a:masterClrMapping/>
+  </p:clrMapOvr>
+  <p:timing>
+    <p:tnLst>
+      <p:par>
+        <p:cTn id="1" dur="indefinite" restart="never" nodeType="tmRoot"/>
+      </p:par>
+    </p:tnLst>
+  </p:timing>
+</p:sld>
+</file>
+
+<file path=ppt/slides/slide22.xml><?xml version="1.0" encoding="utf-8"?>
+<p:sld xmlns:a="http://schemas.openxmlformats.org/drawingml/2006/main" xmlns:r="http://schemas.openxmlformats.org/officeDocument/2006/relationships" xmlns:p="http://schemas.openxmlformats.org/presentationml/2006/main">
+  <p:cSld>
+    <p:bg>
+      <p:bgPr>
+        <a:blipFill dpi="0" rotWithShape="1">
+          <a:blip r:embed="rId3">
+            <a:lum/>
+          </a:blip>
+          <a:srcRect/>
+          <a:stretch>
+            <a:fillRect/>
+          </a:stretch>
+        </a:blipFill>
+        <a:effectLst/>
+      </p:bgPr>
+    </p:bg>
+    <p:spTree>
+      <p:nvGrpSpPr>
+        <p:cNvPr id="1" name=""/>
+        <p:cNvGrpSpPr/>
+        <p:nvPr/>
+      </p:nvGrpSpPr>
+      <p:grpSpPr>
+        <a:xfrm>
+          <a:off x="0" y="0"/>
+          <a:ext cx="0" cy="0"/>
+          <a:chOff x="0" y="0"/>
+          <a:chExt cx="0" cy="0"/>
+        </a:xfrm>
+      </p:grpSpPr>
+      <p:sp>
+        <p:nvSpPr>
+          <p:cNvPr id="2" name="Title 1"/>
+          <p:cNvSpPr>
+            <a:spLocks noGrp="1"/>
+          </p:cNvSpPr>
+          <p:nvPr>
+            <p:ph type="title"/>
+          </p:nvPr>
+        </p:nvSpPr>
+        <p:spPr>
+          <a:xfrm>
+            <a:off x="1219200" y="76200"/>
+            <a:ext cx="7848600" cy="838200"/>
+          </a:xfrm>
+        </p:spPr>
+        <p:txBody>
+          <a:bodyPr>
+            <a:normAutofit/>
+          </a:bodyPr>
+          <a:lstStyle/>
+          <a:p>
+            <a:pPr algn="l"/>
+            <a:endParaRPr lang="en-US" sz="3600" b="1" dirty="0">
+              <a:latin typeface="Times New Roman" pitchFamily="18" charset="0"/>
+              <a:cs typeface="Times New Roman" pitchFamily="18" charset="0"/>
+            </a:endParaRPr>
+          </a:p>
+        </p:txBody>
+      </p:sp>
+      <p:sp>
+        <p:nvSpPr>
+          <p:cNvPr id="3" name="Content Placeholder 2"/>
+          <p:cNvSpPr>
+            <a:spLocks noGrp="1"/>
+          </p:cNvSpPr>
+          <p:nvPr>
+            <p:ph idx="1"/>
+          </p:nvPr>
+        </p:nvSpPr>
+        <p:spPr>
+          <a:xfrm>
+            <a:off x="2209800" y="2667000"/>
+            <a:ext cx="5638800" cy="990600"/>
+          </a:xfrm>
+        </p:spPr>
+        <p:txBody>
+          <a:bodyPr>
+            <a:normAutofit/>
+          </a:bodyPr>
+          <a:lstStyle/>
+          <a:p>
+            <a:pPr marL="0" indent="0">
+              <a:buNone/>
+            </a:pPr>
+            <a:r>
+              <a:rPr lang="en-US" b="1" dirty="0" smtClean="0">
+                <a:latin typeface="Times New Roman" pitchFamily="18" charset="0"/>
+                <a:cs typeface="Times New Roman" pitchFamily="18" charset="0"/>
+              </a:rPr>
+              <a:t>CẢM ƠN ĐÃ LẮNG NGHE !</a:t>
+            </a:r>
+            <a:endParaRPr lang="en-US" b="1" dirty="0">
+              <a:latin typeface="Times New Roman" pitchFamily="18" charset="0"/>
+              <a:cs typeface="Times New Roman" pitchFamily="18" charset="0"/>
+            </a:endParaRPr>
+          </a:p>
+        </p:txBody>
+      </p:sp>
+      <p:sp>
+        <p:nvSpPr>
+          <p:cNvPr id="7" name="Date Placeholder 6"/>
+          <p:cNvSpPr>
+            <a:spLocks noGrp="1"/>
+          </p:cNvSpPr>
+          <p:nvPr>
+            <p:ph type="dt" sz="half" idx="10"/>
+          </p:nvPr>
+        </p:nvSpPr>
+        <p:spPr>
+          <a:xfrm>
+            <a:off x="1143000" y="6492875"/>
+            <a:ext cx="2133600" cy="365125"/>
+          </a:xfrm>
+        </p:spPr>
+        <p:txBody>
+          <a:bodyPr/>
+          <a:lstStyle/>
+          <a:p>
+            <a:fld id="{3805247F-6ACC-47F2-B107-A401F66D3D80}" type="datetime1">
+              <a:rPr lang="en-US" smtClean="0"/>
+              <a:t>6/9/2018</a:t>
+            </a:fld>
+            <a:endParaRPr lang="en-US" dirty="0"/>
+          </a:p>
+        </p:txBody>
+      </p:sp>
+      <p:sp>
+        <p:nvSpPr>
+          <p:cNvPr id="8" name="Footer Placeholder 7"/>
+          <p:cNvSpPr>
+            <a:spLocks noGrp="1"/>
+          </p:cNvSpPr>
+          <p:nvPr>
+            <p:ph type="ftr" sz="quarter" idx="11"/>
+          </p:nvPr>
+        </p:nvSpPr>
+        <p:spPr>
+          <a:xfrm>
+            <a:off x="3124200" y="6479020"/>
+            <a:ext cx="2895600" cy="365125"/>
+          </a:xfrm>
+        </p:spPr>
+        <p:txBody>
+          <a:bodyPr/>
+          <a:lstStyle/>
+          <a:p>
+            <a:r>
+              <a:rPr lang="vi-VN" dirty="0" smtClean="0"/>
+              <a:t>Nguyễn Công Sơn _ INPG12 _ K58</a:t>
+            </a:r>
+            <a:endParaRPr lang="en-US" dirty="0"/>
+          </a:p>
+        </p:txBody>
+      </p:sp>
+      <p:sp>
+        <p:nvSpPr>
+          <p:cNvPr id="9" name="Slide Number Placeholder 8"/>
+          <p:cNvSpPr>
+            <a:spLocks noGrp="1"/>
+          </p:cNvSpPr>
+          <p:nvPr>
+            <p:ph type="sldNum" sz="quarter" idx="12"/>
+          </p:nvPr>
+        </p:nvSpPr>
+        <p:spPr>
+          <a:xfrm>
+            <a:off x="6553200" y="6492875"/>
+            <a:ext cx="2133600" cy="365125"/>
+          </a:xfrm>
+        </p:spPr>
+        <p:txBody>
+          <a:bodyPr/>
+          <a:lstStyle/>
+          <a:p>
+            <a:fld id="{1815C771-616B-4028-867A-3CFF73E32554}" type="slidenum">
+              <a:rPr lang="en-US" smtClean="0"/>
+              <a:t>22</a:t>
+            </a:fld>
+            <a:endParaRPr lang="en-US" dirty="0"/>
+          </a:p>
+        </p:txBody>
+      </p:sp>
+    </p:spTree>
+    <p:extLst>
+      <p:ext uri="{BB962C8B-B14F-4D97-AF65-F5344CB8AC3E}">
+        <p14:creationId xmlns:p14="http://schemas.microsoft.com/office/powerpoint/2010/main" val="408134462"/>
+      </p:ext>
+    </p:extLst>
+  </p:cSld>
+  <p:clrMapOvr>
+    <a:masterClrMapping/>
+  </p:clrMapOvr>
+  <p:timing>
+    <p:tnLst>
+      <p:par>
+        <p:cTn id="1" dur="indefinite" restart="never" nodeType="tmRoot"/>
+      </p:par>
+    </p:tnLst>
+  </p:timing>
+</p:sld>
+</file>
+
 <file path=ppt/slides/slide3.xml><?xml version="1.0" encoding="utf-8"?>
 <p:sld xmlns:a="http://schemas.openxmlformats.org/drawingml/2006/main" xmlns:r="http://schemas.openxmlformats.org/officeDocument/2006/relationships" xmlns:p="http://schemas.openxmlformats.org/presentationml/2006/main">
   <p:cSld>
@@ -9157,7 +14818,7 @@
           <a:p>
             <a:fld id="{3805247F-6ACC-47F2-B107-A401F66D3D80}" type="datetime1">
               <a:rPr lang="en-US" smtClean="0"/>
-              <a:t>6/7/2018</a:t>
+              <a:t>6/9/2018</a:t>
             </a:fld>
             <a:endParaRPr lang="en-US" dirty="0"/>
           </a:p>
@@ -9298,14 +14959,14 @@
                 <a:latin typeface="Times New Roman" pitchFamily="18" charset="0"/>
                 <a:cs typeface="Times New Roman" pitchFamily="18" charset="0"/>
               </a:rPr>
-              <a:t>2. </a:t>
+              <a:t>1. </a:t>
             </a:r>
             <a:r>
               <a:rPr lang="en-US" sz="3600" b="1" dirty="0" err="1" smtClean="0">
                 <a:latin typeface="Times New Roman" pitchFamily="18" charset="0"/>
                 <a:cs typeface="Times New Roman" pitchFamily="18" charset="0"/>
               </a:rPr>
-              <a:t>Phân</a:t>
+              <a:t>Khảo</a:t>
             </a:r>
             <a:r>
               <a:rPr lang="en-US" sz="3600" b="1" dirty="0" smtClean="0">
@@ -9319,7 +14980,7 @@
                 <a:latin typeface="Times New Roman" pitchFamily="18" charset="0"/>
                 <a:cs typeface="Times New Roman" pitchFamily="18" charset="0"/>
               </a:rPr>
-              <a:t>tích</a:t>
+              <a:t>sát</a:t>
             </a:r>
             <a:r>
               <a:rPr lang="en-US" sz="3600" b="1" dirty="0" smtClean="0">
@@ -9333,7 +14994,7 @@
                 <a:latin typeface="Times New Roman" pitchFamily="18" charset="0"/>
                 <a:cs typeface="Times New Roman" pitchFamily="18" charset="0"/>
               </a:rPr>
-              <a:t>hệ</a:t>
+              <a:t>yêu</a:t>
             </a:r>
             <a:r>
               <a:rPr lang="en-US" sz="3600" b="1" dirty="0" smtClean="0">
@@ -9347,7 +15008,7 @@
                 <a:latin typeface="Times New Roman" pitchFamily="18" charset="0"/>
                 <a:cs typeface="Times New Roman" pitchFamily="18" charset="0"/>
               </a:rPr>
-              <a:t>thống</a:t>
+              <a:t>cầu</a:t>
             </a:r>
             <a:endParaRPr lang="en-US" sz="3600" b="1" dirty="0">
               <a:latin typeface="Times New Roman" pitchFamily="18" charset="0"/>
@@ -9373,13 +15034,89 @@
           </a:xfrm>
         </p:spPr>
         <p:txBody>
-          <a:bodyPr/>
-          <a:lstStyle/>
-          <a:p>
-            <a:pPr marL="0" indent="0">
-              <a:buNone/>
-            </a:pPr>
-            <a:endParaRPr lang="en-US" dirty="0">
+          <a:bodyPr>
+            <a:normAutofit fontScale="92500" lnSpcReduction="20000"/>
+          </a:bodyPr>
+          <a:lstStyle/>
+          <a:p>
+            <a:r>
+              <a:rPr lang="vi-VN" sz="2800" dirty="0">
+                <a:latin typeface="Times New Roman" pitchFamily="18" charset="0"/>
+                <a:cs typeface="Times New Roman" pitchFamily="18" charset="0"/>
+              </a:rPr>
+              <a:t>HTDKQLTT là một hệ thống cho phép hai bên là nhà trường và DN (đơn vị thực tập) liên kết </a:t>
+            </a:r>
+            <a:r>
+              <a:rPr lang="vi-VN" sz="2800" dirty="0" smtClean="0">
+                <a:latin typeface="Times New Roman" pitchFamily="18" charset="0"/>
+                <a:cs typeface="Times New Roman" pitchFamily="18" charset="0"/>
+              </a:rPr>
+              <a:t>để </a:t>
+            </a:r>
+            <a:r>
+              <a:rPr lang="vi-VN" sz="2800" dirty="0">
+                <a:latin typeface="Times New Roman" pitchFamily="18" charset="0"/>
+                <a:cs typeface="Times New Roman" pitchFamily="18" charset="0"/>
+              </a:rPr>
+              <a:t>quản lý sinh viên. </a:t>
+            </a:r>
+            <a:endParaRPr lang="en-US" sz="2800" dirty="0" smtClean="0">
+              <a:latin typeface="Times New Roman" pitchFamily="18" charset="0"/>
+              <a:cs typeface="Times New Roman" pitchFamily="18" charset="0"/>
+            </a:endParaRPr>
+          </a:p>
+          <a:p>
+            <a:r>
+              <a:rPr lang="vi-VN" sz="2800" dirty="0" smtClean="0">
+                <a:latin typeface="Times New Roman" pitchFamily="18" charset="0"/>
+                <a:cs typeface="Times New Roman" pitchFamily="18" charset="0"/>
+              </a:rPr>
+              <a:t>Đối </a:t>
+            </a:r>
+            <a:r>
+              <a:rPr lang="vi-VN" sz="2800" dirty="0">
+                <a:latin typeface="Times New Roman" pitchFamily="18" charset="0"/>
+                <a:cs typeface="Times New Roman" pitchFamily="18" charset="0"/>
+              </a:rPr>
+              <a:t>với nhà trường, hệ thống sẽ quản lý sinh viên thực tập tại DN như một môn học, từ đó đưa ra các yêu cầu và đánh giá sinh viên về mức độ thực tập tại DN của sinh viên. </a:t>
+            </a:r>
+            <a:endParaRPr lang="en-US" sz="2800" dirty="0" smtClean="0">
+              <a:latin typeface="Times New Roman" pitchFamily="18" charset="0"/>
+              <a:cs typeface="Times New Roman" pitchFamily="18" charset="0"/>
+            </a:endParaRPr>
+          </a:p>
+          <a:p>
+            <a:r>
+              <a:rPr lang="vi-VN" sz="2800" dirty="0" smtClean="0">
+                <a:latin typeface="Times New Roman" pitchFamily="18" charset="0"/>
+                <a:cs typeface="Times New Roman" pitchFamily="18" charset="0"/>
+              </a:rPr>
+              <a:t>Đối </a:t>
+            </a:r>
+            <a:r>
+              <a:rPr lang="vi-VN" sz="2800" dirty="0">
+                <a:latin typeface="Times New Roman" pitchFamily="18" charset="0"/>
+                <a:cs typeface="Times New Roman" pitchFamily="18" charset="0"/>
+              </a:rPr>
+              <a:t>với DN, đây có thể là một kênh trực truyến để tìm kiếm nguồn nhân lực tương lai hoặc sinh viên muốn đăng ký thực tập tại công ty.</a:t>
+            </a:r>
+          </a:p>
+          <a:p>
+            <a:r>
+              <a:rPr lang="vi-VN" sz="2800" dirty="0">
+                <a:latin typeface="Times New Roman" pitchFamily="18" charset="0"/>
+                <a:cs typeface="Times New Roman" pitchFamily="18" charset="0"/>
+              </a:rPr>
+              <a:t>HTDKQLTT cho phép sinh viên lựa chọn các đề tài phù hợp với trình độ và khả năng thực tế của bản thân bao gồm: kiến thức, chuyên môn, ngại ngữ, các kỹ năng mềm</a:t>
+            </a:r>
+            <a:r>
+              <a:rPr lang="vi-VN" sz="2800" dirty="0" smtClean="0">
+                <a:latin typeface="Times New Roman" pitchFamily="18" charset="0"/>
+                <a:cs typeface="Times New Roman" pitchFamily="18" charset="0"/>
+              </a:rPr>
+              <a:t>,…</a:t>
+            </a:r>
+            <a:endParaRPr lang="en-US" dirty="0" smtClean="0">
               <a:latin typeface="Times New Roman" pitchFamily="18" charset="0"/>
               <a:cs typeface="Times New Roman" pitchFamily="18" charset="0"/>
             </a:endParaRPr>
@@ -9408,7 +15145,7 @@
           <a:p>
             <a:fld id="{3805247F-6ACC-47F2-B107-A401F66D3D80}" type="datetime1">
               <a:rPr lang="en-US" smtClean="0"/>
-              <a:t>6/7/2018</a:t>
+              <a:t>6/9/2018</a:t>
             </a:fld>
             <a:endParaRPr lang="en-US" dirty="0"/>
           </a:p>
@@ -9473,7 +15210,7 @@
     </p:spTree>
     <p:extLst>
       <p:ext uri="{BB962C8B-B14F-4D97-AF65-F5344CB8AC3E}">
-        <p14:creationId xmlns:p14="http://schemas.microsoft.com/office/powerpoint/2010/main" val="985905462"/>
+        <p14:creationId xmlns:p14="http://schemas.microsoft.com/office/powerpoint/2010/main" val="4284657721"/>
       </p:ext>
     </p:extLst>
   </p:cSld>
@@ -9549,14 +15286,14 @@
                 <a:latin typeface="Times New Roman" pitchFamily="18" charset="0"/>
                 <a:cs typeface="Times New Roman" pitchFamily="18" charset="0"/>
               </a:rPr>
-              <a:t>3. </a:t>
+              <a:t>2. </a:t>
             </a:r>
             <a:r>
               <a:rPr lang="en-US" sz="3600" b="1" dirty="0" err="1" smtClean="0">
                 <a:latin typeface="Times New Roman" pitchFamily="18" charset="0"/>
                 <a:cs typeface="Times New Roman" pitchFamily="18" charset="0"/>
               </a:rPr>
-              <a:t>Thiết</a:t>
+              <a:t>Phân</a:t>
             </a:r>
             <a:r>
               <a:rPr lang="en-US" sz="3600" b="1" dirty="0" smtClean="0">
@@ -9570,7 +15307,7 @@
                 <a:latin typeface="Times New Roman" pitchFamily="18" charset="0"/>
                 <a:cs typeface="Times New Roman" pitchFamily="18" charset="0"/>
               </a:rPr>
-              <a:t>kế</a:t>
+              <a:t>tích</a:t>
             </a:r>
             <a:r>
               <a:rPr lang="en-US" sz="3600" b="1" dirty="0" smtClean="0">
@@ -9594,260 +15331,13 @@
               <a:t> </a:t>
             </a:r>
             <a:r>
-              <a:rPr lang="en-US" sz="3600" b="1" dirty="0" err="1">
-                <a:latin typeface="Times New Roman" pitchFamily="18" charset="0"/>
-                <a:cs typeface="Times New Roman" pitchFamily="18" charset="0"/>
-              </a:rPr>
-              <a:t>t</a:t>
-            </a:r>
-            <a:r>
               <a:rPr lang="en-US" sz="3600" b="1" dirty="0" err="1" smtClean="0">
                 <a:latin typeface="Times New Roman" pitchFamily="18" charset="0"/>
                 <a:cs typeface="Times New Roman" pitchFamily="18" charset="0"/>
               </a:rPr>
-              <a:t>hống</a:t>
+              <a:t>thống</a:t>
             </a:r>
             <a:endParaRPr lang="en-US" sz="3600" b="1" dirty="0">
-              <a:latin typeface="Times New Roman" pitchFamily="18" charset="0"/>
-              <a:cs typeface="Times New Roman" pitchFamily="18" charset="0"/>
-            </a:endParaRPr>
-          </a:p>
-        </p:txBody>
-      </p:sp>
-      <p:sp>
-        <p:nvSpPr>
-          <p:cNvPr id="3" name="Content Placeholder 2"/>
-          <p:cNvSpPr>
-            <a:spLocks noGrp="1"/>
-          </p:cNvSpPr>
-          <p:nvPr>
-            <p:ph idx="1"/>
-          </p:nvPr>
-        </p:nvSpPr>
-        <p:spPr>
-          <a:xfrm>
-            <a:off x="1219200" y="1295400"/>
-            <a:ext cx="7848600" cy="5181600"/>
-          </a:xfrm>
-        </p:spPr>
-        <p:txBody>
-          <a:bodyPr/>
-          <a:lstStyle/>
-          <a:p>
-            <a:pPr marL="0" indent="0">
-              <a:buNone/>
-            </a:pPr>
-            <a:r>
-              <a:rPr lang="en-US" sz="2400" dirty="0" smtClean="0">
-                <a:latin typeface="Times New Roman" pitchFamily="18" charset="0"/>
-                <a:cs typeface="Times New Roman" pitchFamily="18" charset="0"/>
-              </a:rPr>
-              <a:t>3.1. </a:t>
-            </a:r>
-            <a:r>
-              <a:rPr lang="en-US" sz="2400" dirty="0" err="1" smtClean="0">
-                <a:latin typeface="Times New Roman" pitchFamily="18" charset="0"/>
-                <a:cs typeface="Times New Roman" pitchFamily="18" charset="0"/>
-              </a:rPr>
-              <a:t>Thiết</a:t>
-            </a:r>
-            <a:r>
-              <a:rPr lang="en-US" sz="2400" dirty="0" smtClean="0">
-                <a:latin typeface="Times New Roman" pitchFamily="18" charset="0"/>
-                <a:cs typeface="Times New Roman" pitchFamily="18" charset="0"/>
-              </a:rPr>
-              <a:t> </a:t>
-            </a:r>
-            <a:r>
-              <a:rPr lang="en-US" sz="2400" dirty="0" err="1" smtClean="0">
-                <a:latin typeface="Times New Roman" pitchFamily="18" charset="0"/>
-                <a:cs typeface="Times New Roman" pitchFamily="18" charset="0"/>
-              </a:rPr>
-              <a:t>kế</a:t>
-            </a:r>
-            <a:r>
-              <a:rPr lang="en-US" sz="2400" dirty="0" smtClean="0">
-                <a:latin typeface="Times New Roman" pitchFamily="18" charset="0"/>
-                <a:cs typeface="Times New Roman" pitchFamily="18" charset="0"/>
-              </a:rPr>
-              <a:t> </a:t>
-            </a:r>
-            <a:r>
-              <a:rPr lang="en-US" sz="2400" dirty="0" err="1" smtClean="0">
-                <a:latin typeface="Times New Roman" pitchFamily="18" charset="0"/>
-                <a:cs typeface="Times New Roman" pitchFamily="18" charset="0"/>
-              </a:rPr>
-              <a:t>tổng</a:t>
-            </a:r>
-            <a:r>
-              <a:rPr lang="en-US" sz="2400" dirty="0" smtClean="0">
-                <a:latin typeface="Times New Roman" pitchFamily="18" charset="0"/>
-                <a:cs typeface="Times New Roman" pitchFamily="18" charset="0"/>
-              </a:rPr>
-              <a:t> </a:t>
-            </a:r>
-            <a:r>
-              <a:rPr lang="en-US" sz="2400" dirty="0" err="1" smtClean="0">
-                <a:latin typeface="Times New Roman" pitchFamily="18" charset="0"/>
-                <a:cs typeface="Times New Roman" pitchFamily="18" charset="0"/>
-              </a:rPr>
-              <a:t>thể</a:t>
-            </a:r>
-            <a:endParaRPr lang="en-US" sz="2400" dirty="0" smtClean="0">
-              <a:latin typeface="Times New Roman" pitchFamily="18" charset="0"/>
-              <a:cs typeface="Times New Roman" pitchFamily="18" charset="0"/>
-            </a:endParaRPr>
-          </a:p>
-          <a:p>
-            <a:pPr marL="0" indent="0">
-              <a:buNone/>
-            </a:pPr>
-            <a:r>
-              <a:rPr lang="en-US" sz="2400" dirty="0">
-                <a:latin typeface="Times New Roman" pitchFamily="18" charset="0"/>
-                <a:cs typeface="Times New Roman" pitchFamily="18" charset="0"/>
-              </a:rPr>
-              <a:t> </a:t>
-            </a:r>
-            <a:r>
-              <a:rPr lang="en-US" sz="2400" dirty="0" smtClean="0">
-                <a:latin typeface="Times New Roman" pitchFamily="18" charset="0"/>
-                <a:cs typeface="Times New Roman" pitchFamily="18" charset="0"/>
-              </a:rPr>
-              <a:t>  </a:t>
-            </a:r>
-            <a:r>
-              <a:rPr lang="en-US" sz="2400" dirty="0" err="1" smtClean="0">
-                <a:latin typeface="Times New Roman" pitchFamily="18" charset="0"/>
-                <a:cs typeface="Times New Roman" pitchFamily="18" charset="0"/>
-              </a:rPr>
-              <a:t>Nền</a:t>
-            </a:r>
-            <a:r>
-              <a:rPr lang="en-US" sz="2400" dirty="0" smtClean="0">
-                <a:latin typeface="Times New Roman" pitchFamily="18" charset="0"/>
-                <a:cs typeface="Times New Roman" pitchFamily="18" charset="0"/>
-              </a:rPr>
-              <a:t> </a:t>
-            </a:r>
-            <a:r>
-              <a:rPr lang="en-US" sz="2400" dirty="0" err="1" smtClean="0">
-                <a:latin typeface="Times New Roman" pitchFamily="18" charset="0"/>
-                <a:cs typeface="Times New Roman" pitchFamily="18" charset="0"/>
-              </a:rPr>
-              <a:t>tảng</a:t>
-            </a:r>
-            <a:r>
-              <a:rPr lang="en-US" sz="2400" dirty="0" smtClean="0">
-                <a:latin typeface="Times New Roman" pitchFamily="18" charset="0"/>
-                <a:cs typeface="Times New Roman" pitchFamily="18" charset="0"/>
-              </a:rPr>
-              <a:t> web, </a:t>
-            </a:r>
-            <a:r>
-              <a:rPr lang="en-US" sz="2400" dirty="0" err="1" smtClean="0">
-                <a:latin typeface="Times New Roman" pitchFamily="18" charset="0"/>
-                <a:cs typeface="Times New Roman" pitchFamily="18" charset="0"/>
-              </a:rPr>
-              <a:t>m</a:t>
-            </a:r>
-            <a:r>
-              <a:rPr lang="en-US" sz="2400" dirty="0" err="1" smtClean="0">
-                <a:latin typeface="Times New Roman" pitchFamily="18" charset="0"/>
-                <a:cs typeface="Times New Roman" pitchFamily="18" charset="0"/>
-              </a:rPr>
-              <a:t>ô</a:t>
-            </a:r>
-            <a:r>
-              <a:rPr lang="en-US" sz="2400" dirty="0" smtClean="0">
-                <a:latin typeface="Times New Roman" pitchFamily="18" charset="0"/>
-                <a:cs typeface="Times New Roman" pitchFamily="18" charset="0"/>
-              </a:rPr>
-              <a:t> </a:t>
-            </a:r>
-            <a:r>
-              <a:rPr lang="en-US" sz="2400" dirty="0" err="1" smtClean="0">
-                <a:latin typeface="Times New Roman" pitchFamily="18" charset="0"/>
-                <a:cs typeface="Times New Roman" pitchFamily="18" charset="0"/>
-              </a:rPr>
-              <a:t>hình</a:t>
-            </a:r>
-            <a:r>
-              <a:rPr lang="en-US" sz="2400" dirty="0" smtClean="0">
-                <a:latin typeface="Times New Roman" pitchFamily="18" charset="0"/>
-                <a:cs typeface="Times New Roman" pitchFamily="18" charset="0"/>
-              </a:rPr>
-              <a:t> MVC, </a:t>
-            </a:r>
-            <a:r>
-              <a:rPr lang="en-US" sz="2400" dirty="0" err="1" smtClean="0">
-                <a:latin typeface="Times New Roman" pitchFamily="18" charset="0"/>
-                <a:cs typeface="Times New Roman" pitchFamily="18" charset="0"/>
-              </a:rPr>
-              <a:t>tích</a:t>
-            </a:r>
-            <a:r>
-              <a:rPr lang="en-US" sz="2400" dirty="0" smtClean="0">
-                <a:latin typeface="Times New Roman" pitchFamily="18" charset="0"/>
-                <a:cs typeface="Times New Roman" pitchFamily="18" charset="0"/>
-              </a:rPr>
-              <a:t> </a:t>
-            </a:r>
-            <a:r>
-              <a:rPr lang="en-US" sz="2400" dirty="0" err="1" smtClean="0">
-                <a:latin typeface="Times New Roman" pitchFamily="18" charset="0"/>
-                <a:cs typeface="Times New Roman" pitchFamily="18" charset="0"/>
-              </a:rPr>
-              <a:t>hợp</a:t>
-            </a:r>
-            <a:r>
-              <a:rPr lang="en-US" sz="2400" dirty="0" smtClean="0">
-                <a:latin typeface="Times New Roman" pitchFamily="18" charset="0"/>
-                <a:cs typeface="Times New Roman" pitchFamily="18" charset="0"/>
-              </a:rPr>
-              <a:t> Gmail </a:t>
-            </a:r>
-            <a:r>
-              <a:rPr lang="en-US" sz="2400" dirty="0" err="1" smtClean="0">
-                <a:latin typeface="Times New Roman" pitchFamily="18" charset="0"/>
-                <a:cs typeface="Times New Roman" pitchFamily="18" charset="0"/>
-              </a:rPr>
-              <a:t>và</a:t>
-            </a:r>
-            <a:r>
-              <a:rPr lang="en-US" sz="2400" dirty="0" smtClean="0">
-                <a:latin typeface="Times New Roman" pitchFamily="18" charset="0"/>
-                <a:cs typeface="Times New Roman" pitchFamily="18" charset="0"/>
-              </a:rPr>
-              <a:t> </a:t>
-            </a:r>
-            <a:r>
-              <a:rPr lang="en-US" sz="2400" dirty="0" err="1" smtClean="0">
-                <a:latin typeface="Times New Roman" pitchFamily="18" charset="0"/>
-                <a:cs typeface="Times New Roman" pitchFamily="18" charset="0"/>
-              </a:rPr>
-              <a:t>eSMS</a:t>
-            </a:r>
-            <a:r>
-              <a:rPr lang="en-US" sz="2400" dirty="0" smtClean="0">
-                <a:latin typeface="Times New Roman" pitchFamily="18" charset="0"/>
-                <a:cs typeface="Times New Roman" pitchFamily="18" charset="0"/>
-              </a:rPr>
-              <a:t>,   CSDL MySQL, server Tomcat 8</a:t>
-            </a:r>
-          </a:p>
-          <a:p>
-            <a:pPr marL="0" indent="0">
-              <a:buNone/>
-            </a:pPr>
-            <a:r>
-              <a:rPr lang="en-US" dirty="0" smtClean="0">
-                <a:latin typeface="Times New Roman" pitchFamily="18" charset="0"/>
-                <a:cs typeface="Times New Roman" pitchFamily="18" charset="0"/>
-              </a:rPr>
-              <a:t> </a:t>
-            </a:r>
-            <a:endParaRPr lang="en-US" sz="2400" dirty="0">
               <a:latin typeface="Times New Roman" pitchFamily="18" charset="0"/>
               <a:cs typeface="Times New Roman" pitchFamily="18" charset="0"/>
             </a:endParaRPr>
@@ -9876,7 +15366,7 @@
           <a:p>
             <a:fld id="{3805247F-6ACC-47F2-B107-A401F66D3D80}" type="datetime1">
               <a:rPr lang="en-US" smtClean="0"/>
-              <a:t>6/7/2018</a:t>
+              <a:t>6/9/2018</a:t>
             </a:fld>
             <a:endParaRPr lang="en-US" dirty="0"/>
           </a:p>
@@ -9938,10 +15428,127 @@
           </a:p>
         </p:txBody>
       </p:sp>
+      <p:sp>
+        <p:nvSpPr>
+          <p:cNvPr id="4" name="Content Placeholder 3"/>
+          <p:cNvSpPr>
+            <a:spLocks noGrp="1"/>
+          </p:cNvSpPr>
+          <p:nvPr>
+            <p:ph idx="1"/>
+          </p:nvPr>
+        </p:nvSpPr>
+        <p:spPr>
+          <a:xfrm>
+            <a:off x="1219200" y="1219200"/>
+            <a:ext cx="7848600" cy="5257800"/>
+          </a:xfrm>
+        </p:spPr>
+        <p:txBody>
+          <a:bodyPr/>
+          <a:lstStyle/>
+          <a:p>
+            <a:pPr marL="0" indent="0">
+              <a:buNone/>
+            </a:pPr>
+            <a:r>
+              <a:rPr lang="en-US" sz="2800" b="1" dirty="0" smtClean="0">
+                <a:latin typeface="Times New Roman" pitchFamily="18" charset="0"/>
+                <a:cs typeface="Times New Roman" pitchFamily="18" charset="0"/>
+              </a:rPr>
+              <a:t>2.1. </a:t>
+            </a:r>
+            <a:r>
+              <a:rPr lang="en-US" sz="2800" b="1" dirty="0" err="1" smtClean="0">
+                <a:latin typeface="Times New Roman" pitchFamily="18" charset="0"/>
+                <a:cs typeface="Times New Roman" pitchFamily="18" charset="0"/>
+              </a:rPr>
+              <a:t>Biểu</a:t>
+            </a:r>
+            <a:r>
+              <a:rPr lang="en-US" sz="2800" b="1" dirty="0" smtClean="0">
+                <a:latin typeface="Times New Roman" pitchFamily="18" charset="0"/>
+                <a:cs typeface="Times New Roman" pitchFamily="18" charset="0"/>
+              </a:rPr>
+              <a:t> </a:t>
+            </a:r>
+            <a:r>
+              <a:rPr lang="en-US" sz="2800" b="1" dirty="0" err="1" smtClean="0">
+                <a:latin typeface="Times New Roman" pitchFamily="18" charset="0"/>
+                <a:cs typeface="Times New Roman" pitchFamily="18" charset="0"/>
+              </a:rPr>
+              <a:t>đồ</a:t>
+            </a:r>
+            <a:r>
+              <a:rPr lang="en-US" sz="2800" b="1" dirty="0" smtClean="0">
+                <a:latin typeface="Times New Roman" pitchFamily="18" charset="0"/>
+                <a:cs typeface="Times New Roman" pitchFamily="18" charset="0"/>
+              </a:rPr>
+              <a:t> use-case </a:t>
+            </a:r>
+            <a:r>
+              <a:rPr lang="en-US" sz="2800" b="1" dirty="0" err="1" smtClean="0">
+                <a:latin typeface="Times New Roman" pitchFamily="18" charset="0"/>
+                <a:cs typeface="Times New Roman" pitchFamily="18" charset="0"/>
+              </a:rPr>
+              <a:t>tổng</a:t>
+            </a:r>
+            <a:r>
+              <a:rPr lang="en-US" sz="2800" b="1" dirty="0" smtClean="0">
+                <a:latin typeface="Times New Roman" pitchFamily="18" charset="0"/>
+                <a:cs typeface="Times New Roman" pitchFamily="18" charset="0"/>
+              </a:rPr>
+              <a:t> </a:t>
+            </a:r>
+            <a:r>
+              <a:rPr lang="en-US" sz="2800" b="1" dirty="0" err="1" smtClean="0">
+                <a:latin typeface="Times New Roman" pitchFamily="18" charset="0"/>
+                <a:cs typeface="Times New Roman" pitchFamily="18" charset="0"/>
+              </a:rPr>
+              <a:t>quan</a:t>
+            </a:r>
+            <a:endParaRPr lang="en-US" sz="2800" b="1" dirty="0" smtClean="0">
+              <a:latin typeface="Times New Roman" pitchFamily="18" charset="0"/>
+              <a:cs typeface="Times New Roman" pitchFamily="18" charset="0"/>
+            </a:endParaRPr>
+          </a:p>
+          <a:p>
+            <a:endParaRPr lang="en-US" dirty="0"/>
+          </a:p>
+        </p:txBody>
+      </p:sp>
+      <p:pic>
+        <p:nvPicPr>
+          <p:cNvPr id="11" name="Picture 10"/>
+          <p:cNvPicPr/>
+          <p:nvPr/>
+        </p:nvPicPr>
+        <p:blipFill>
+          <a:blip r:embed="rId4" cstate="print">
+            <a:extLst>
+              <a:ext uri="{28A0092B-C50C-407E-A947-70E740481C1C}">
+                <a14:useLocalDpi xmlns:a14="http://schemas.microsoft.com/office/drawing/2010/main" val="0"/>
+              </a:ext>
+            </a:extLst>
+          </a:blip>
+          <a:stretch>
+            <a:fillRect/>
+          </a:stretch>
+        </p:blipFill>
+        <p:spPr>
+          <a:xfrm>
+            <a:off x="2438400" y="1905000"/>
+            <a:ext cx="5462516" cy="4514850"/>
+          </a:xfrm>
+          <a:prstGeom prst="rect">
+            <a:avLst/>
+          </a:prstGeom>
+        </p:spPr>
+      </p:pic>
     </p:spTree>
     <p:extLst>
       <p:ext uri="{BB962C8B-B14F-4D97-AF65-F5344CB8AC3E}">
-        <p14:creationId xmlns:p14="http://schemas.microsoft.com/office/powerpoint/2010/main" val="3617619488"/>
+        <p14:creationId xmlns:p14="http://schemas.microsoft.com/office/powerpoint/2010/main" val="985905462"/>
       </p:ext>
     </p:extLst>
   </p:cSld>
@@ -10001,324 +15608,74 @@
         </p:nvSpPr>
         <p:spPr>
           <a:xfrm>
-            <a:off x="1257300" y="533400"/>
-            <a:ext cx="7848600" cy="609600"/>
+            <a:off x="1219200" y="76200"/>
+            <a:ext cx="7848600" cy="838200"/>
           </a:xfrm>
         </p:spPr>
         <p:txBody>
           <a:bodyPr>
-            <a:normAutofit fontScale="90000"/>
+            <a:normAutofit/>
           </a:bodyPr>
           <a:lstStyle/>
           <a:p>
             <a:pPr algn="l"/>
             <a:r>
-              <a:rPr lang="en-US" sz="3100" b="1" dirty="0" smtClean="0">
-                <a:latin typeface="Times New Roman" pitchFamily="18" charset="0"/>
-                <a:cs typeface="Times New Roman" pitchFamily="18" charset="0"/>
-              </a:rPr>
-              <a:t>3. </a:t>
-            </a:r>
-            <a:r>
-              <a:rPr lang="en-US" sz="3100" b="1" dirty="0" err="1" smtClean="0">
-                <a:latin typeface="Times New Roman" pitchFamily="18" charset="0"/>
-                <a:cs typeface="Times New Roman" pitchFamily="18" charset="0"/>
-              </a:rPr>
-              <a:t>Thiết</a:t>
-            </a:r>
-            <a:r>
-              <a:rPr lang="en-US" sz="3100" b="1" dirty="0" smtClean="0">
-                <a:latin typeface="Times New Roman" pitchFamily="18" charset="0"/>
-                <a:cs typeface="Times New Roman" pitchFamily="18" charset="0"/>
-              </a:rPr>
-              <a:t> </a:t>
-            </a:r>
-            <a:r>
-              <a:rPr lang="en-US" sz="3100" b="1" dirty="0" err="1" smtClean="0">
-                <a:latin typeface="Times New Roman" pitchFamily="18" charset="0"/>
-                <a:cs typeface="Times New Roman" pitchFamily="18" charset="0"/>
-              </a:rPr>
-              <a:t>kế</a:t>
-            </a:r>
-            <a:r>
-              <a:rPr lang="en-US" sz="3100" b="1" dirty="0" smtClean="0">
-                <a:latin typeface="Times New Roman" pitchFamily="18" charset="0"/>
-                <a:cs typeface="Times New Roman" pitchFamily="18" charset="0"/>
-              </a:rPr>
-              <a:t> </a:t>
-            </a:r>
-            <a:r>
-              <a:rPr lang="en-US" sz="3100" b="1" dirty="0" err="1" smtClean="0">
+              <a:rPr lang="en-US" sz="3600" b="1" dirty="0" smtClean="0">
+                <a:latin typeface="Times New Roman" pitchFamily="18" charset="0"/>
+                <a:cs typeface="Times New Roman" pitchFamily="18" charset="0"/>
+              </a:rPr>
+              <a:t>2. </a:t>
+            </a:r>
+            <a:r>
+              <a:rPr lang="en-US" sz="3600" b="1" dirty="0" err="1" smtClean="0">
+                <a:latin typeface="Times New Roman" pitchFamily="18" charset="0"/>
+                <a:cs typeface="Times New Roman" pitchFamily="18" charset="0"/>
+              </a:rPr>
+              <a:t>Phân</a:t>
+            </a:r>
+            <a:r>
+              <a:rPr lang="en-US" sz="3600" b="1" dirty="0" smtClean="0">
+                <a:latin typeface="Times New Roman" pitchFamily="18" charset="0"/>
+                <a:cs typeface="Times New Roman" pitchFamily="18" charset="0"/>
+              </a:rPr>
+              <a:t> </a:t>
+            </a:r>
+            <a:r>
+              <a:rPr lang="en-US" sz="3600" b="1" dirty="0" err="1" smtClean="0">
+                <a:latin typeface="Times New Roman" pitchFamily="18" charset="0"/>
+                <a:cs typeface="Times New Roman" pitchFamily="18" charset="0"/>
+              </a:rPr>
+              <a:t>tích</a:t>
+            </a:r>
+            <a:r>
+              <a:rPr lang="en-US" sz="3600" b="1" dirty="0" smtClean="0">
+                <a:latin typeface="Times New Roman" pitchFamily="18" charset="0"/>
+                <a:cs typeface="Times New Roman" pitchFamily="18" charset="0"/>
+              </a:rPr>
+              <a:t> </a:t>
+            </a:r>
+            <a:r>
+              <a:rPr lang="en-US" sz="3600" b="1" dirty="0" err="1" smtClean="0">
                 <a:latin typeface="Times New Roman" pitchFamily="18" charset="0"/>
                 <a:cs typeface="Times New Roman" pitchFamily="18" charset="0"/>
               </a:rPr>
               <a:t>hệ</a:t>
             </a:r>
             <a:r>
-              <a:rPr lang="en-US" sz="3100" b="1" dirty="0" smtClean="0">
-                <a:latin typeface="Times New Roman" pitchFamily="18" charset="0"/>
-                <a:cs typeface="Times New Roman" pitchFamily="18" charset="0"/>
-              </a:rPr>
-              <a:t> </a:t>
-            </a:r>
-            <a:r>
-              <a:rPr lang="en-US" sz="3100" b="1" dirty="0" err="1" smtClean="0">
-                <a:latin typeface="Times New Roman" pitchFamily="18" charset="0"/>
-                <a:cs typeface="Times New Roman" pitchFamily="18" charset="0"/>
-              </a:rPr>
-              <a:t>t</a:t>
-            </a:r>
-            <a:r>
-              <a:rPr lang="en-US" sz="3100" b="1" dirty="0" err="1" smtClean="0">
-                <a:latin typeface="Times New Roman" pitchFamily="18" charset="0"/>
-                <a:cs typeface="Times New Roman" pitchFamily="18" charset="0"/>
-              </a:rPr>
-              <a:t>hống</a:t>
-            </a:r>
-            <a:r>
               <a:rPr lang="en-US" sz="3600" b="1" dirty="0" smtClean="0">
                 <a:latin typeface="Times New Roman" pitchFamily="18" charset="0"/>
                 <a:cs typeface="Times New Roman" pitchFamily="18" charset="0"/>
               </a:rPr>
-              <a:t/>
-            </a:r>
-            <a:br>
-              <a:rPr lang="en-US" sz="3600" b="1" dirty="0" smtClean="0">
-                <a:latin typeface="Times New Roman" pitchFamily="18" charset="0"/>
-                <a:cs typeface="Times New Roman" pitchFamily="18" charset="0"/>
-              </a:rPr>
-            </a:br>
-            <a:r>
-              <a:rPr lang="en-US" sz="3600" b="1" dirty="0" smtClean="0">
-                <a:latin typeface="Times New Roman" pitchFamily="18" charset="0"/>
-                <a:cs typeface="Times New Roman" pitchFamily="18" charset="0"/>
-              </a:rPr>
-              <a:t>   </a:t>
-            </a:r>
-            <a:r>
-              <a:rPr lang="en-US" sz="2700" b="1" dirty="0" smtClean="0">
-                <a:latin typeface="Times New Roman" pitchFamily="18" charset="0"/>
-                <a:cs typeface="Times New Roman" pitchFamily="18" charset="0"/>
-              </a:rPr>
-              <a:t>3.1</a:t>
-            </a:r>
-            <a:r>
-              <a:rPr lang="en-US" sz="2700" b="1" dirty="0">
-                <a:latin typeface="Times New Roman" pitchFamily="18" charset="0"/>
-                <a:cs typeface="Times New Roman" pitchFamily="18" charset="0"/>
-              </a:rPr>
-              <a:t>. </a:t>
-            </a:r>
-            <a:r>
-              <a:rPr lang="en-US" sz="2700" b="1" dirty="0" err="1">
-                <a:latin typeface="Times New Roman" pitchFamily="18" charset="0"/>
-                <a:cs typeface="Times New Roman" pitchFamily="18" charset="0"/>
-              </a:rPr>
-              <a:t>Thiết</a:t>
-            </a:r>
-            <a:r>
-              <a:rPr lang="en-US" sz="2700" b="1" dirty="0">
-                <a:latin typeface="Times New Roman" pitchFamily="18" charset="0"/>
-                <a:cs typeface="Times New Roman" pitchFamily="18" charset="0"/>
-              </a:rPr>
-              <a:t> </a:t>
-            </a:r>
-            <a:r>
-              <a:rPr lang="en-US" sz="2700" b="1" dirty="0" err="1">
-                <a:latin typeface="Times New Roman" pitchFamily="18" charset="0"/>
-                <a:cs typeface="Times New Roman" pitchFamily="18" charset="0"/>
-              </a:rPr>
-              <a:t>kế</a:t>
-            </a:r>
-            <a:r>
-              <a:rPr lang="en-US" sz="2700" b="1" dirty="0">
-                <a:latin typeface="Times New Roman" pitchFamily="18" charset="0"/>
-                <a:cs typeface="Times New Roman" pitchFamily="18" charset="0"/>
-              </a:rPr>
-              <a:t> </a:t>
-            </a:r>
-            <a:r>
-              <a:rPr lang="en-US" sz="2700" b="1" dirty="0" err="1">
-                <a:latin typeface="Times New Roman" pitchFamily="18" charset="0"/>
-                <a:cs typeface="Times New Roman" pitchFamily="18" charset="0"/>
-              </a:rPr>
-              <a:t>tổng</a:t>
-            </a:r>
-            <a:r>
-              <a:rPr lang="en-US" sz="2700" b="1" dirty="0">
-                <a:latin typeface="Times New Roman" pitchFamily="18" charset="0"/>
-                <a:cs typeface="Times New Roman" pitchFamily="18" charset="0"/>
-              </a:rPr>
-              <a:t> </a:t>
-            </a:r>
-            <a:r>
-              <a:rPr lang="en-US" sz="2700" b="1" dirty="0" err="1">
-                <a:latin typeface="Times New Roman" pitchFamily="18" charset="0"/>
-                <a:cs typeface="Times New Roman" pitchFamily="18" charset="0"/>
-              </a:rPr>
-              <a:t>thể</a:t>
-            </a:r>
-            <a:r>
-              <a:rPr lang="en-US" sz="3200" dirty="0">
-                <a:latin typeface="Times New Roman" pitchFamily="18" charset="0"/>
-                <a:cs typeface="Times New Roman" pitchFamily="18" charset="0"/>
-              </a:rPr>
-              <a:t/>
-            </a:r>
-            <a:br>
-              <a:rPr lang="en-US" sz="3200" dirty="0">
-                <a:latin typeface="Times New Roman" pitchFamily="18" charset="0"/>
-                <a:cs typeface="Times New Roman" pitchFamily="18" charset="0"/>
-              </a:rPr>
-            </a:br>
+              <a:t> </a:t>
+            </a:r>
+            <a:r>
+              <a:rPr lang="en-US" sz="3600" b="1" dirty="0" err="1" smtClean="0">
+                <a:latin typeface="Times New Roman" pitchFamily="18" charset="0"/>
+                <a:cs typeface="Times New Roman" pitchFamily="18" charset="0"/>
+              </a:rPr>
+              <a:t>thống</a:t>
+            </a:r>
             <a:endParaRPr lang="en-US" sz="3600" b="1" dirty="0">
-              <a:latin typeface="Times New Roman" pitchFamily="18" charset="0"/>
-              <a:cs typeface="Times New Roman" pitchFamily="18" charset="0"/>
-            </a:endParaRPr>
-          </a:p>
-        </p:txBody>
-      </p:sp>
-      <p:sp>
-        <p:nvSpPr>
-          <p:cNvPr id="3" name="Content Placeholder 2"/>
-          <p:cNvSpPr>
-            <a:spLocks noGrp="1"/>
-          </p:cNvSpPr>
-          <p:nvPr>
-            <p:ph idx="1"/>
-          </p:nvPr>
-        </p:nvSpPr>
-        <p:spPr>
-          <a:xfrm>
-            <a:off x="1219200" y="1295400"/>
-            <a:ext cx="7848600" cy="5181600"/>
-          </a:xfrm>
-        </p:spPr>
-        <p:txBody>
-          <a:bodyPr/>
-          <a:lstStyle/>
-          <a:p>
-            <a:pPr marL="0" indent="0">
-              <a:buNone/>
-            </a:pPr>
-            <a:r>
-              <a:rPr lang="en-US" sz="2400" dirty="0" err="1" smtClean="0">
-                <a:latin typeface="Times New Roman" pitchFamily="18" charset="0"/>
-                <a:cs typeface="Times New Roman" pitchFamily="18" charset="0"/>
-              </a:rPr>
-              <a:t>Nền</a:t>
-            </a:r>
-            <a:r>
-              <a:rPr lang="en-US" sz="2400" dirty="0" smtClean="0">
-                <a:latin typeface="Times New Roman" pitchFamily="18" charset="0"/>
-                <a:cs typeface="Times New Roman" pitchFamily="18" charset="0"/>
-              </a:rPr>
-              <a:t> </a:t>
-            </a:r>
-            <a:r>
-              <a:rPr lang="en-US" sz="2400" dirty="0" err="1">
-                <a:latin typeface="Times New Roman" pitchFamily="18" charset="0"/>
-                <a:cs typeface="Times New Roman" pitchFamily="18" charset="0"/>
-              </a:rPr>
-              <a:t>tảng</a:t>
-            </a:r>
-            <a:r>
-              <a:rPr lang="en-US" sz="2400" dirty="0">
-                <a:latin typeface="Times New Roman" pitchFamily="18" charset="0"/>
-                <a:cs typeface="Times New Roman" pitchFamily="18" charset="0"/>
-              </a:rPr>
-              <a:t> web, </a:t>
-            </a:r>
-            <a:r>
-              <a:rPr lang="en-US" sz="2400" dirty="0" err="1">
-                <a:latin typeface="Times New Roman" pitchFamily="18" charset="0"/>
-                <a:cs typeface="Times New Roman" pitchFamily="18" charset="0"/>
-              </a:rPr>
-              <a:t>mô</a:t>
-            </a:r>
-            <a:r>
-              <a:rPr lang="en-US" sz="2400" dirty="0">
-                <a:latin typeface="Times New Roman" pitchFamily="18" charset="0"/>
-                <a:cs typeface="Times New Roman" pitchFamily="18" charset="0"/>
-              </a:rPr>
-              <a:t> </a:t>
-            </a:r>
-            <a:r>
-              <a:rPr lang="en-US" sz="2400" dirty="0" err="1">
-                <a:latin typeface="Times New Roman" pitchFamily="18" charset="0"/>
-                <a:cs typeface="Times New Roman" pitchFamily="18" charset="0"/>
-              </a:rPr>
-              <a:t>hình</a:t>
-            </a:r>
-            <a:r>
-              <a:rPr lang="en-US" sz="2400" dirty="0">
-                <a:latin typeface="Times New Roman" pitchFamily="18" charset="0"/>
-                <a:cs typeface="Times New Roman" pitchFamily="18" charset="0"/>
-              </a:rPr>
-              <a:t> MVC, </a:t>
-            </a:r>
-            <a:r>
-              <a:rPr lang="en-US" sz="2400" dirty="0" err="1">
-                <a:latin typeface="Times New Roman" pitchFamily="18" charset="0"/>
-                <a:cs typeface="Times New Roman" pitchFamily="18" charset="0"/>
-              </a:rPr>
-              <a:t>tích</a:t>
-            </a:r>
-            <a:r>
-              <a:rPr lang="en-US" sz="2400" dirty="0">
-                <a:latin typeface="Times New Roman" pitchFamily="18" charset="0"/>
-                <a:cs typeface="Times New Roman" pitchFamily="18" charset="0"/>
-              </a:rPr>
-              <a:t> </a:t>
-            </a:r>
-            <a:r>
-              <a:rPr lang="en-US" sz="2400" dirty="0" err="1">
-                <a:latin typeface="Times New Roman" pitchFamily="18" charset="0"/>
-                <a:cs typeface="Times New Roman" pitchFamily="18" charset="0"/>
-              </a:rPr>
-              <a:t>hợp</a:t>
-            </a:r>
-            <a:r>
-              <a:rPr lang="en-US" sz="2400" dirty="0">
-                <a:latin typeface="Times New Roman" pitchFamily="18" charset="0"/>
-                <a:cs typeface="Times New Roman" pitchFamily="18" charset="0"/>
-              </a:rPr>
-              <a:t> Gmail </a:t>
-            </a:r>
-            <a:r>
-              <a:rPr lang="en-US" sz="2400" dirty="0" err="1">
-                <a:latin typeface="Times New Roman" pitchFamily="18" charset="0"/>
-                <a:cs typeface="Times New Roman" pitchFamily="18" charset="0"/>
-              </a:rPr>
-              <a:t>và</a:t>
-            </a:r>
-            <a:r>
-              <a:rPr lang="en-US" sz="2400" dirty="0">
-                <a:latin typeface="Times New Roman" pitchFamily="18" charset="0"/>
-                <a:cs typeface="Times New Roman" pitchFamily="18" charset="0"/>
-              </a:rPr>
-              <a:t> </a:t>
-            </a:r>
-            <a:r>
-              <a:rPr lang="en-US" sz="2400" dirty="0" err="1">
-                <a:latin typeface="Times New Roman" pitchFamily="18" charset="0"/>
-                <a:cs typeface="Times New Roman" pitchFamily="18" charset="0"/>
-              </a:rPr>
-              <a:t>eSMS</a:t>
-            </a:r>
-            <a:r>
-              <a:rPr lang="en-US" sz="2400" dirty="0">
-                <a:latin typeface="Times New Roman" pitchFamily="18" charset="0"/>
-                <a:cs typeface="Times New Roman" pitchFamily="18" charset="0"/>
-              </a:rPr>
-              <a:t>,   CSDL MySQL, server Tomcat 8</a:t>
-            </a:r>
-          </a:p>
-          <a:p>
-            <a:pPr marL="0" indent="0">
-              <a:buNone/>
-            </a:pPr>
-            <a:endParaRPr lang="en-US" dirty="0">
               <a:latin typeface="Times New Roman" pitchFamily="18" charset="0"/>
               <a:cs typeface="Times New Roman" pitchFamily="18" charset="0"/>
             </a:endParaRPr>
@@ -10347,7 +15704,7 @@
           <a:p>
             <a:fld id="{3805247F-6ACC-47F2-B107-A401F66D3D80}" type="datetime1">
               <a:rPr lang="en-US" smtClean="0"/>
-              <a:t>6/7/2018</a:t>
+              <a:t>6/9/2018</a:t>
             </a:fld>
             <a:endParaRPr lang="en-US" dirty="0"/>
           </a:p>
@@ -10405,6 +15762,89 @@
               <a:rPr lang="en-US" smtClean="0"/>
               <a:t>6</a:t>
             </a:fld>
+            <a:endParaRPr lang="en-US" dirty="0"/>
+          </a:p>
+        </p:txBody>
+      </p:sp>
+      <p:sp>
+        <p:nvSpPr>
+          <p:cNvPr id="4" name="Content Placeholder 3"/>
+          <p:cNvSpPr>
+            <a:spLocks noGrp="1"/>
+          </p:cNvSpPr>
+          <p:nvPr>
+            <p:ph idx="1"/>
+          </p:nvPr>
+        </p:nvSpPr>
+        <p:spPr>
+          <a:xfrm>
+            <a:off x="1219200" y="1219200"/>
+            <a:ext cx="7848600" cy="5257800"/>
+          </a:xfrm>
+        </p:spPr>
+        <p:txBody>
+          <a:bodyPr/>
+          <a:lstStyle/>
+          <a:p>
+            <a:pPr marL="0" indent="0">
+              <a:buNone/>
+            </a:pPr>
+            <a:r>
+              <a:rPr lang="en-US" sz="2800" b="1" dirty="0" smtClean="0">
+                <a:latin typeface="Times New Roman" pitchFamily="18" charset="0"/>
+                <a:cs typeface="Times New Roman" pitchFamily="18" charset="0"/>
+              </a:rPr>
+              <a:t>2.2. </a:t>
+            </a:r>
+            <a:r>
+              <a:rPr lang="en-US" sz="2800" b="1" dirty="0" err="1" smtClean="0">
+                <a:latin typeface="Times New Roman" pitchFamily="18" charset="0"/>
+                <a:cs typeface="Times New Roman" pitchFamily="18" charset="0"/>
+              </a:rPr>
+              <a:t>Biểu</a:t>
+            </a:r>
+            <a:r>
+              <a:rPr lang="en-US" sz="2800" b="1" dirty="0" smtClean="0">
+                <a:latin typeface="Times New Roman" pitchFamily="18" charset="0"/>
+                <a:cs typeface="Times New Roman" pitchFamily="18" charset="0"/>
+              </a:rPr>
+              <a:t> </a:t>
+            </a:r>
+            <a:r>
+              <a:rPr lang="en-US" sz="2800" b="1" dirty="0" err="1" smtClean="0">
+                <a:latin typeface="Times New Roman" pitchFamily="18" charset="0"/>
+                <a:cs typeface="Times New Roman" pitchFamily="18" charset="0"/>
+              </a:rPr>
+              <a:t>đồ</a:t>
+            </a:r>
+            <a:r>
+              <a:rPr lang="en-US" sz="2800" b="1" dirty="0" smtClean="0">
+                <a:latin typeface="Times New Roman" pitchFamily="18" charset="0"/>
+                <a:cs typeface="Times New Roman" pitchFamily="18" charset="0"/>
+              </a:rPr>
+              <a:t> use-case </a:t>
+            </a:r>
+            <a:r>
+              <a:rPr lang="en-US" sz="2800" b="1" dirty="0" err="1" smtClean="0">
+                <a:latin typeface="Times New Roman" pitchFamily="18" charset="0"/>
+                <a:cs typeface="Times New Roman" pitchFamily="18" charset="0"/>
+              </a:rPr>
+              <a:t>sinh</a:t>
+            </a:r>
+            <a:r>
+              <a:rPr lang="en-US" sz="2800" b="1" dirty="0" smtClean="0">
+                <a:latin typeface="Times New Roman" pitchFamily="18" charset="0"/>
+                <a:cs typeface="Times New Roman" pitchFamily="18" charset="0"/>
+              </a:rPr>
+              <a:t> </a:t>
+            </a:r>
+            <a:r>
+              <a:rPr lang="en-US" sz="2800" b="1" dirty="0" err="1" smtClean="0">
+                <a:latin typeface="Times New Roman" pitchFamily="18" charset="0"/>
+                <a:cs typeface="Times New Roman" pitchFamily="18" charset="0"/>
+              </a:rPr>
+              <a:t>viên</a:t>
+            </a:r>
             <a:endParaRPr lang="en-US" dirty="0"/>
           </a:p>
         </p:txBody>
@@ -10416,7 +15856,7 @@
           <p:nvPr/>
         </p:nvPicPr>
         <p:blipFill>
-          <a:blip r:embed="rId4" cstate="print">
+          <a:blip r:embed="rId4">
             <a:extLst>
               <a:ext uri="{28A0092B-C50C-407E-A947-70E740481C1C}">
                 <a14:useLocalDpi xmlns:a14="http://schemas.microsoft.com/office/drawing/2010/main" val="0"/>
@@ -10429,32 +15869,18 @@
         </p:blipFill>
         <p:spPr>
           <a:xfrm>
-            <a:off x="1676400" y="2514600"/>
-            <a:ext cx="7010400" cy="3581400"/>
+            <a:off x="2438400" y="1752600"/>
+            <a:ext cx="4920615" cy="4724400"/>
           </a:xfrm>
           <a:prstGeom prst="rect">
             <a:avLst/>
           </a:prstGeom>
-          <a:ln w="3175" cap="sq">
-            <a:solidFill>
-              <a:srgbClr val="000000"/>
-            </a:solidFill>
-            <a:prstDash val="solid"/>
-            <a:miter lim="800000"/>
-          </a:ln>
-          <a:effectLst>
-            <a:outerShdw blurRad="50800" dist="38100" dir="2700000" algn="tl" rotWithShape="0">
-              <a:srgbClr val="000000">
-                <a:alpha val="43000"/>
-              </a:srgbClr>
-            </a:outerShdw>
-          </a:effectLst>
         </p:spPr>
       </p:pic>
     </p:spTree>
     <p:extLst>
       <p:ext uri="{BB962C8B-B14F-4D97-AF65-F5344CB8AC3E}">
-        <p14:creationId xmlns:p14="http://schemas.microsoft.com/office/powerpoint/2010/main" val="1883078648"/>
+        <p14:creationId xmlns:p14="http://schemas.microsoft.com/office/powerpoint/2010/main" val="3678044667"/>
       </p:ext>
     </p:extLst>
   </p:cSld>
@@ -10514,446 +15940,77 @@
         </p:nvSpPr>
         <p:spPr>
           <a:xfrm>
-            <a:off x="1257300" y="533400"/>
-            <a:ext cx="7848600" cy="609600"/>
+            <a:off x="1219200" y="76200"/>
+            <a:ext cx="7848600" cy="838200"/>
           </a:xfrm>
         </p:spPr>
         <p:txBody>
           <a:bodyPr>
-            <a:normAutofit fontScale="90000"/>
+            <a:normAutofit/>
           </a:bodyPr>
           <a:lstStyle/>
           <a:p>
             <a:pPr algn="l"/>
             <a:r>
-              <a:rPr lang="en-US" sz="3100" b="1" dirty="0" smtClean="0">
-                <a:latin typeface="Times New Roman" pitchFamily="18" charset="0"/>
-                <a:cs typeface="Times New Roman" pitchFamily="18" charset="0"/>
-              </a:rPr>
-              <a:t>3. </a:t>
-            </a:r>
-            <a:r>
-              <a:rPr lang="en-US" sz="3100" b="1" dirty="0" err="1" smtClean="0">
-                <a:latin typeface="Times New Roman" pitchFamily="18" charset="0"/>
-                <a:cs typeface="Times New Roman" pitchFamily="18" charset="0"/>
-              </a:rPr>
-              <a:t>Thiết</a:t>
-            </a:r>
-            <a:r>
-              <a:rPr lang="en-US" sz="3100" b="1" dirty="0" smtClean="0">
-                <a:latin typeface="Times New Roman" pitchFamily="18" charset="0"/>
-                <a:cs typeface="Times New Roman" pitchFamily="18" charset="0"/>
-              </a:rPr>
-              <a:t> </a:t>
-            </a:r>
-            <a:r>
-              <a:rPr lang="en-US" sz="3100" b="1" dirty="0" err="1" smtClean="0">
-                <a:latin typeface="Times New Roman" pitchFamily="18" charset="0"/>
-                <a:cs typeface="Times New Roman" pitchFamily="18" charset="0"/>
-              </a:rPr>
-              <a:t>kế</a:t>
-            </a:r>
-            <a:r>
-              <a:rPr lang="en-US" sz="3100" b="1" dirty="0" smtClean="0">
-                <a:latin typeface="Times New Roman" pitchFamily="18" charset="0"/>
-                <a:cs typeface="Times New Roman" pitchFamily="18" charset="0"/>
-              </a:rPr>
-              <a:t> </a:t>
-            </a:r>
-            <a:r>
-              <a:rPr lang="en-US" sz="3100" b="1" dirty="0" err="1" smtClean="0">
+              <a:rPr lang="en-US" sz="3600" b="1" dirty="0" smtClean="0">
+                <a:latin typeface="Times New Roman" pitchFamily="18" charset="0"/>
+                <a:cs typeface="Times New Roman" pitchFamily="18" charset="0"/>
+              </a:rPr>
+              <a:t>2. </a:t>
+            </a:r>
+            <a:r>
+              <a:rPr lang="en-US" sz="3600" b="1" dirty="0" err="1" smtClean="0">
+                <a:latin typeface="Times New Roman" pitchFamily="18" charset="0"/>
+                <a:cs typeface="Times New Roman" pitchFamily="18" charset="0"/>
+              </a:rPr>
+              <a:t>Phân</a:t>
+            </a:r>
+            <a:r>
+              <a:rPr lang="en-US" sz="3600" b="1" dirty="0" smtClean="0">
+                <a:latin typeface="Times New Roman" pitchFamily="18" charset="0"/>
+                <a:cs typeface="Times New Roman" pitchFamily="18" charset="0"/>
+              </a:rPr>
+              <a:t> </a:t>
+            </a:r>
+            <a:r>
+              <a:rPr lang="en-US" sz="3600" b="1" dirty="0" err="1" smtClean="0">
+                <a:latin typeface="Times New Roman" pitchFamily="18" charset="0"/>
+                <a:cs typeface="Times New Roman" pitchFamily="18" charset="0"/>
+              </a:rPr>
+              <a:t>tích</a:t>
+            </a:r>
+            <a:r>
+              <a:rPr lang="en-US" sz="3600" b="1" dirty="0" smtClean="0">
+                <a:latin typeface="Times New Roman" pitchFamily="18" charset="0"/>
+                <a:cs typeface="Times New Roman" pitchFamily="18" charset="0"/>
+              </a:rPr>
+              <a:t> </a:t>
+            </a:r>
+            <a:r>
+              <a:rPr lang="en-US" sz="3600" b="1" dirty="0" err="1" smtClean="0">
                 <a:latin typeface="Times New Roman" pitchFamily="18" charset="0"/>
                 <a:cs typeface="Times New Roman" pitchFamily="18" charset="0"/>
               </a:rPr>
               <a:t>hệ</a:t>
             </a:r>
             <a:r>
-              <a:rPr lang="en-US" sz="3100" b="1" dirty="0" smtClean="0">
-                <a:latin typeface="Times New Roman" pitchFamily="18" charset="0"/>
-                <a:cs typeface="Times New Roman" pitchFamily="18" charset="0"/>
-              </a:rPr>
-              <a:t> </a:t>
-            </a:r>
-            <a:r>
-              <a:rPr lang="en-US" sz="3100" b="1" dirty="0" err="1" smtClean="0">
-                <a:latin typeface="Times New Roman" pitchFamily="18" charset="0"/>
-                <a:cs typeface="Times New Roman" pitchFamily="18" charset="0"/>
-              </a:rPr>
-              <a:t>t</a:t>
-            </a:r>
-            <a:r>
-              <a:rPr lang="en-US" sz="3100" b="1" dirty="0" err="1" smtClean="0">
-                <a:latin typeface="Times New Roman" pitchFamily="18" charset="0"/>
-                <a:cs typeface="Times New Roman" pitchFamily="18" charset="0"/>
-              </a:rPr>
-              <a:t>hống</a:t>
-            </a:r>
-            <a:r>
               <a:rPr lang="en-US" sz="3600" b="1" dirty="0" smtClean="0">
                 <a:latin typeface="Times New Roman" pitchFamily="18" charset="0"/>
                 <a:cs typeface="Times New Roman" pitchFamily="18" charset="0"/>
               </a:rPr>
-              <a:t/>
-            </a:r>
-            <a:br>
-              <a:rPr lang="en-US" sz="3600" b="1" dirty="0" smtClean="0">
-                <a:latin typeface="Times New Roman" pitchFamily="18" charset="0"/>
-                <a:cs typeface="Times New Roman" pitchFamily="18" charset="0"/>
-              </a:rPr>
-            </a:br>
-            <a:r>
-              <a:rPr lang="en-US" sz="3600" b="1" dirty="0" smtClean="0">
-                <a:latin typeface="Times New Roman" pitchFamily="18" charset="0"/>
-                <a:cs typeface="Times New Roman" pitchFamily="18" charset="0"/>
-              </a:rPr>
-              <a:t>   </a:t>
-            </a:r>
-            <a:r>
-              <a:rPr lang="en-US" sz="2700" b="1" dirty="0" smtClean="0">
-                <a:latin typeface="Times New Roman" pitchFamily="18" charset="0"/>
-                <a:cs typeface="Times New Roman" pitchFamily="18" charset="0"/>
-              </a:rPr>
-              <a:t>3.2. </a:t>
-            </a:r>
-            <a:r>
-              <a:rPr lang="en-US" sz="2700" b="1" dirty="0" err="1">
-                <a:latin typeface="Times New Roman" pitchFamily="18" charset="0"/>
-                <a:cs typeface="Times New Roman" pitchFamily="18" charset="0"/>
-              </a:rPr>
-              <a:t>Thiết</a:t>
-            </a:r>
-            <a:r>
-              <a:rPr lang="en-US" sz="2700" b="1" dirty="0">
-                <a:latin typeface="Times New Roman" pitchFamily="18" charset="0"/>
-                <a:cs typeface="Times New Roman" pitchFamily="18" charset="0"/>
-              </a:rPr>
-              <a:t> </a:t>
-            </a:r>
-            <a:r>
-              <a:rPr lang="en-US" sz="2700" b="1" dirty="0" err="1">
-                <a:latin typeface="Times New Roman" pitchFamily="18" charset="0"/>
-                <a:cs typeface="Times New Roman" pitchFamily="18" charset="0"/>
-              </a:rPr>
-              <a:t>kế</a:t>
-            </a:r>
-            <a:r>
-              <a:rPr lang="en-US" sz="2700" b="1" dirty="0">
-                <a:latin typeface="Times New Roman" pitchFamily="18" charset="0"/>
-                <a:cs typeface="Times New Roman" pitchFamily="18" charset="0"/>
-              </a:rPr>
-              <a:t> </a:t>
-            </a:r>
-            <a:r>
-              <a:rPr lang="en-US" sz="2700" b="1" dirty="0" err="1" smtClean="0">
-                <a:latin typeface="Times New Roman" pitchFamily="18" charset="0"/>
-                <a:cs typeface="Times New Roman" pitchFamily="18" charset="0"/>
-              </a:rPr>
-              <a:t>giao</a:t>
-            </a:r>
-            <a:r>
-              <a:rPr lang="en-US" sz="2700" b="1" dirty="0" smtClean="0">
-                <a:latin typeface="Times New Roman" pitchFamily="18" charset="0"/>
-                <a:cs typeface="Times New Roman" pitchFamily="18" charset="0"/>
-              </a:rPr>
-              <a:t> </a:t>
-            </a:r>
-            <a:r>
-              <a:rPr lang="en-US" sz="2700" b="1" dirty="0" err="1" smtClean="0">
-                <a:latin typeface="Times New Roman" pitchFamily="18" charset="0"/>
-                <a:cs typeface="Times New Roman" pitchFamily="18" charset="0"/>
-              </a:rPr>
-              <a:t>diện</a:t>
-            </a:r>
-            <a:r>
-              <a:rPr lang="en-US" sz="3200" dirty="0">
-                <a:latin typeface="Times New Roman" pitchFamily="18" charset="0"/>
-                <a:cs typeface="Times New Roman" pitchFamily="18" charset="0"/>
-              </a:rPr>
-              <a:t/>
-            </a:r>
-            <a:br>
-              <a:rPr lang="en-US" sz="3200" dirty="0">
-                <a:latin typeface="Times New Roman" pitchFamily="18" charset="0"/>
-                <a:cs typeface="Times New Roman" pitchFamily="18" charset="0"/>
-              </a:rPr>
-            </a:br>
+              <a:t> </a:t>
+            </a:r>
+            <a:r>
+              <a:rPr lang="en-US" sz="3600" b="1" dirty="0" err="1" smtClean="0">
+                <a:latin typeface="Times New Roman" pitchFamily="18" charset="0"/>
+                <a:cs typeface="Times New Roman" pitchFamily="18" charset="0"/>
+              </a:rPr>
+              <a:t>thống</a:t>
+            </a:r>
             <a:endParaRPr lang="en-US" sz="3600" b="1" dirty="0">
               <a:latin typeface="Times New Roman" pitchFamily="18" charset="0"/>
               <a:cs typeface="Times New Roman" pitchFamily="18" charset="0"/>
             </a:endParaRPr>
-          </a:p>
-        </p:txBody>
-      </p:sp>
-      <p:sp>
-        <p:nvSpPr>
-          <p:cNvPr id="3" name="Content Placeholder 2"/>
-          <p:cNvSpPr>
-            <a:spLocks noGrp="1"/>
-          </p:cNvSpPr>
-          <p:nvPr>
-            <p:ph idx="1"/>
-          </p:nvPr>
-        </p:nvSpPr>
-        <p:spPr>
-          <a:xfrm>
-            <a:off x="1219200" y="1295400"/>
-            <a:ext cx="3886200" cy="5181600"/>
-          </a:xfrm>
-        </p:spPr>
-        <p:txBody>
-          <a:bodyPr>
-            <a:normAutofit/>
-          </a:bodyPr>
-          <a:lstStyle/>
-          <a:p>
-            <a:pPr marL="0" indent="0">
-              <a:buNone/>
-            </a:pPr>
-            <a:r>
-              <a:rPr lang="en-US" sz="2400" dirty="0" err="1" smtClean="0">
-                <a:latin typeface="Times New Roman" pitchFamily="18" charset="0"/>
-                <a:cs typeface="Times New Roman" pitchFamily="18" charset="0"/>
-              </a:rPr>
-              <a:t>Giao</a:t>
-            </a:r>
-            <a:r>
-              <a:rPr lang="en-US" sz="2400" dirty="0" smtClean="0">
-                <a:latin typeface="Times New Roman" pitchFamily="18" charset="0"/>
-                <a:cs typeface="Times New Roman" pitchFamily="18" charset="0"/>
-              </a:rPr>
-              <a:t> </a:t>
-            </a:r>
-            <a:r>
-              <a:rPr lang="en-US" sz="2400" dirty="0" err="1" smtClean="0">
-                <a:latin typeface="Times New Roman" pitchFamily="18" charset="0"/>
-                <a:cs typeface="Times New Roman" pitchFamily="18" charset="0"/>
-              </a:rPr>
-              <a:t>diện</a:t>
-            </a:r>
-            <a:r>
-              <a:rPr lang="en-US" sz="2400" dirty="0" smtClean="0">
-                <a:latin typeface="Times New Roman" pitchFamily="18" charset="0"/>
-                <a:cs typeface="Times New Roman" pitchFamily="18" charset="0"/>
-              </a:rPr>
-              <a:t> </a:t>
-            </a:r>
-            <a:r>
-              <a:rPr lang="en-US" sz="2400" dirty="0" err="1" smtClean="0">
-                <a:latin typeface="Times New Roman" pitchFamily="18" charset="0"/>
-                <a:cs typeface="Times New Roman" pitchFamily="18" charset="0"/>
-              </a:rPr>
-              <a:t>được</a:t>
-            </a:r>
-            <a:r>
-              <a:rPr lang="en-US" sz="2400" dirty="0" smtClean="0">
-                <a:latin typeface="Times New Roman" pitchFamily="18" charset="0"/>
-                <a:cs typeface="Times New Roman" pitchFamily="18" charset="0"/>
-              </a:rPr>
-              <a:t> </a:t>
-            </a:r>
-            <a:r>
-              <a:rPr lang="en-US" sz="2400" dirty="0" err="1" smtClean="0">
-                <a:latin typeface="Times New Roman" pitchFamily="18" charset="0"/>
-                <a:cs typeface="Times New Roman" pitchFamily="18" charset="0"/>
-              </a:rPr>
-              <a:t>xây</a:t>
-            </a:r>
-            <a:r>
-              <a:rPr lang="en-US" sz="2400" dirty="0" smtClean="0">
-                <a:latin typeface="Times New Roman" pitchFamily="18" charset="0"/>
-                <a:cs typeface="Times New Roman" pitchFamily="18" charset="0"/>
-              </a:rPr>
-              <a:t> </a:t>
-            </a:r>
-            <a:r>
-              <a:rPr lang="en-US" sz="2400" dirty="0" err="1" smtClean="0">
-                <a:latin typeface="Times New Roman" pitchFamily="18" charset="0"/>
-                <a:cs typeface="Times New Roman" pitchFamily="18" charset="0"/>
-              </a:rPr>
-              <a:t>dựng</a:t>
-            </a:r>
-            <a:r>
-              <a:rPr lang="en-US" sz="2400" dirty="0" smtClean="0">
-                <a:latin typeface="Times New Roman" pitchFamily="18" charset="0"/>
-                <a:cs typeface="Times New Roman" pitchFamily="18" charset="0"/>
-              </a:rPr>
-              <a:t> </a:t>
-            </a:r>
-            <a:r>
-              <a:rPr lang="en-US" sz="2400" dirty="0" err="1" smtClean="0">
-                <a:latin typeface="Times New Roman" pitchFamily="18" charset="0"/>
-                <a:cs typeface="Times New Roman" pitchFamily="18" charset="0"/>
-              </a:rPr>
-              <a:t>bằng</a:t>
-            </a:r>
-            <a:r>
-              <a:rPr lang="en-US" sz="2400" dirty="0" smtClean="0">
-                <a:latin typeface="Times New Roman" pitchFamily="18" charset="0"/>
-                <a:cs typeface="Times New Roman" pitchFamily="18" charset="0"/>
-              </a:rPr>
-              <a:t> JSP/HTML/CSS/JS</a:t>
-            </a:r>
-          </a:p>
-          <a:p>
-            <a:pPr marL="0" indent="0">
-              <a:buNone/>
-            </a:pPr>
-            <a:r>
-              <a:rPr lang="en-US" sz="2400" dirty="0" err="1" smtClean="0">
-                <a:latin typeface="Times New Roman" pitchFamily="18" charset="0"/>
-                <a:cs typeface="Times New Roman" pitchFamily="18" charset="0"/>
-              </a:rPr>
-              <a:t>Sử</a:t>
-            </a:r>
-            <a:r>
-              <a:rPr lang="en-US" sz="2400" dirty="0" smtClean="0">
-                <a:latin typeface="Times New Roman" pitchFamily="18" charset="0"/>
-                <a:cs typeface="Times New Roman" pitchFamily="18" charset="0"/>
-              </a:rPr>
-              <a:t> </a:t>
-            </a:r>
-            <a:r>
-              <a:rPr lang="en-US" sz="2400" dirty="0" err="1" smtClean="0">
-                <a:latin typeface="Times New Roman" pitchFamily="18" charset="0"/>
-                <a:cs typeface="Times New Roman" pitchFamily="18" charset="0"/>
-              </a:rPr>
-              <a:t>dụng</a:t>
-            </a:r>
-            <a:r>
-              <a:rPr lang="en-US" sz="2400" dirty="0" smtClean="0">
-                <a:latin typeface="Times New Roman" pitchFamily="18" charset="0"/>
-                <a:cs typeface="Times New Roman" pitchFamily="18" charset="0"/>
-              </a:rPr>
-              <a:t> Bootstrap 4</a:t>
-            </a:r>
-          </a:p>
-          <a:p>
-            <a:pPr marL="0" indent="0">
-              <a:buNone/>
-            </a:pPr>
-            <a:r>
-              <a:rPr lang="en-US" sz="2400" dirty="0" err="1" smtClean="0">
-                <a:latin typeface="Times New Roman" pitchFamily="18" charset="0"/>
-                <a:cs typeface="Times New Roman" pitchFamily="18" charset="0"/>
-              </a:rPr>
-              <a:t>Các</a:t>
-            </a:r>
-            <a:r>
-              <a:rPr lang="en-US" sz="2400" dirty="0" smtClean="0">
-                <a:latin typeface="Times New Roman" pitchFamily="18" charset="0"/>
-                <a:cs typeface="Times New Roman" pitchFamily="18" charset="0"/>
-              </a:rPr>
-              <a:t> </a:t>
-            </a:r>
-            <a:r>
-              <a:rPr lang="en-US" sz="2400" dirty="0" err="1" smtClean="0">
-                <a:latin typeface="Times New Roman" pitchFamily="18" charset="0"/>
-                <a:cs typeface="Times New Roman" pitchFamily="18" charset="0"/>
-              </a:rPr>
-              <a:t>thành</a:t>
-            </a:r>
-            <a:r>
-              <a:rPr lang="en-US" sz="2400" dirty="0" smtClean="0">
-                <a:latin typeface="Times New Roman" pitchFamily="18" charset="0"/>
-                <a:cs typeface="Times New Roman" pitchFamily="18" charset="0"/>
-              </a:rPr>
-              <a:t> </a:t>
-            </a:r>
-            <a:r>
-              <a:rPr lang="en-US" sz="2400" dirty="0" err="1" smtClean="0">
-                <a:latin typeface="Times New Roman" pitchFamily="18" charset="0"/>
-                <a:cs typeface="Times New Roman" pitchFamily="18" charset="0"/>
-              </a:rPr>
-              <a:t>phần</a:t>
-            </a:r>
-            <a:r>
-              <a:rPr lang="en-US" sz="2400" dirty="0" smtClean="0">
-                <a:latin typeface="Times New Roman" pitchFamily="18" charset="0"/>
-                <a:cs typeface="Times New Roman" pitchFamily="18" charset="0"/>
-              </a:rPr>
-              <a:t> </a:t>
-            </a:r>
-            <a:r>
-              <a:rPr lang="en-US" sz="2400" dirty="0" err="1" smtClean="0">
-                <a:latin typeface="Times New Roman" pitchFamily="18" charset="0"/>
-                <a:cs typeface="Times New Roman" pitchFamily="18" charset="0"/>
-              </a:rPr>
-              <a:t>bao</a:t>
-            </a:r>
-            <a:r>
-              <a:rPr lang="en-US" sz="2400" dirty="0" smtClean="0">
-                <a:latin typeface="Times New Roman" pitchFamily="18" charset="0"/>
-                <a:cs typeface="Times New Roman" pitchFamily="18" charset="0"/>
-              </a:rPr>
-              <a:t> </a:t>
-            </a:r>
-            <a:r>
-              <a:rPr lang="en-US" sz="2400" dirty="0" err="1" smtClean="0">
-                <a:latin typeface="Times New Roman" pitchFamily="18" charset="0"/>
-                <a:cs typeface="Times New Roman" pitchFamily="18" charset="0"/>
-              </a:rPr>
-              <a:t>gồm</a:t>
-            </a:r>
-            <a:r>
-              <a:rPr lang="en-US" sz="2400" dirty="0" smtClean="0">
-                <a:latin typeface="Times New Roman" pitchFamily="18" charset="0"/>
-                <a:cs typeface="Times New Roman" pitchFamily="18" charset="0"/>
-              </a:rPr>
-              <a:t>:</a:t>
-            </a:r>
-          </a:p>
-          <a:p>
-            <a:pPr>
-              <a:buFontTx/>
-              <a:buChar char="-"/>
-            </a:pPr>
-            <a:r>
-              <a:rPr lang="en-US" sz="2400" dirty="0" smtClean="0">
-                <a:latin typeface="Times New Roman" pitchFamily="18" charset="0"/>
-                <a:cs typeface="Times New Roman" pitchFamily="18" charset="0"/>
-              </a:rPr>
-              <a:t>Header (</a:t>
-            </a:r>
-            <a:r>
-              <a:rPr lang="en-US" sz="2400" dirty="0" err="1" smtClean="0">
-                <a:latin typeface="Times New Roman" pitchFamily="18" charset="0"/>
-                <a:cs typeface="Times New Roman" pitchFamily="18" charset="0"/>
-              </a:rPr>
-              <a:t>nav</a:t>
-            </a:r>
-            <a:r>
-              <a:rPr lang="en-US" sz="2400" dirty="0" smtClean="0">
-                <a:latin typeface="Times New Roman" pitchFamily="18" charset="0"/>
-                <a:cs typeface="Times New Roman" pitchFamily="18" charset="0"/>
-              </a:rPr>
-              <a:t> and banner)</a:t>
-            </a:r>
-          </a:p>
-          <a:p>
-            <a:pPr>
-              <a:buFontTx/>
-              <a:buChar char="-"/>
-            </a:pPr>
-            <a:r>
-              <a:rPr lang="en-US" sz="2400" dirty="0" smtClean="0">
-                <a:latin typeface="Times New Roman" pitchFamily="18" charset="0"/>
-                <a:cs typeface="Times New Roman" pitchFamily="18" charset="0"/>
-              </a:rPr>
-              <a:t>Content( right and left)</a:t>
-            </a:r>
-          </a:p>
-          <a:p>
-            <a:pPr>
-              <a:buFontTx/>
-              <a:buChar char="-"/>
-            </a:pPr>
-            <a:r>
-              <a:rPr lang="en-US" sz="2400" dirty="0" smtClean="0">
-                <a:latin typeface="Times New Roman" pitchFamily="18" charset="0"/>
-                <a:cs typeface="Times New Roman" pitchFamily="18" charset="0"/>
-              </a:rPr>
-              <a:t>Footer</a:t>
-            </a:r>
           </a:p>
         </p:txBody>
       </p:sp>
@@ -10979,7 +16036,7 @@
           <a:p>
             <a:fld id="{3805247F-6ACC-47F2-B107-A401F66D3D80}" type="datetime1">
               <a:rPr lang="en-US" smtClean="0"/>
-              <a:t>6/7/2018</a:t>
+              <a:t>6/9/2018</a:t>
             </a:fld>
             <a:endParaRPr lang="en-US" dirty="0"/>
           </a:p>
@@ -11041,14 +16098,125 @@
           </a:p>
         </p:txBody>
       </p:sp>
+      <p:sp>
+        <p:nvSpPr>
+          <p:cNvPr id="4" name="Content Placeholder 3"/>
+          <p:cNvSpPr>
+            <a:spLocks noGrp="1"/>
+          </p:cNvSpPr>
+          <p:nvPr>
+            <p:ph idx="1"/>
+          </p:nvPr>
+        </p:nvSpPr>
+        <p:spPr>
+          <a:xfrm>
+            <a:off x="1219200" y="1219200"/>
+            <a:ext cx="7848600" cy="5257800"/>
+          </a:xfrm>
+        </p:spPr>
+        <p:txBody>
+          <a:bodyPr/>
+          <a:lstStyle/>
+          <a:p>
+            <a:pPr marL="0" indent="0">
+              <a:buNone/>
+            </a:pPr>
+            <a:r>
+              <a:rPr lang="en-US" sz="2800" b="1" dirty="0" smtClean="0">
+                <a:latin typeface="Times New Roman" pitchFamily="18" charset="0"/>
+                <a:cs typeface="Times New Roman" pitchFamily="18" charset="0"/>
+              </a:rPr>
+              <a:t>2.3. </a:t>
+            </a:r>
+            <a:r>
+              <a:rPr lang="en-US" sz="2800" b="1" dirty="0" err="1" smtClean="0">
+                <a:latin typeface="Times New Roman" pitchFamily="18" charset="0"/>
+                <a:cs typeface="Times New Roman" pitchFamily="18" charset="0"/>
+              </a:rPr>
+              <a:t>Biểu</a:t>
+            </a:r>
+            <a:r>
+              <a:rPr lang="en-US" sz="2800" b="1" dirty="0" smtClean="0">
+                <a:latin typeface="Times New Roman" pitchFamily="18" charset="0"/>
+                <a:cs typeface="Times New Roman" pitchFamily="18" charset="0"/>
+              </a:rPr>
+              <a:t> </a:t>
+            </a:r>
+            <a:r>
+              <a:rPr lang="en-US" sz="2800" b="1" dirty="0" err="1" smtClean="0">
+                <a:latin typeface="Times New Roman" pitchFamily="18" charset="0"/>
+                <a:cs typeface="Times New Roman" pitchFamily="18" charset="0"/>
+              </a:rPr>
+              <a:t>đồ</a:t>
+            </a:r>
+            <a:r>
+              <a:rPr lang="en-US" sz="2800" b="1" dirty="0" smtClean="0">
+                <a:latin typeface="Times New Roman" pitchFamily="18" charset="0"/>
+                <a:cs typeface="Times New Roman" pitchFamily="18" charset="0"/>
+              </a:rPr>
+              <a:t> use-case </a:t>
+            </a:r>
+            <a:r>
+              <a:rPr lang="en-US" sz="2800" b="1" dirty="0" err="1" smtClean="0">
+                <a:latin typeface="Times New Roman" pitchFamily="18" charset="0"/>
+                <a:cs typeface="Times New Roman" pitchFamily="18" charset="0"/>
+              </a:rPr>
+              <a:t>giảng</a:t>
+            </a:r>
+            <a:r>
+              <a:rPr lang="en-US" sz="2800" b="1" dirty="0" smtClean="0">
+                <a:latin typeface="Times New Roman" pitchFamily="18" charset="0"/>
+                <a:cs typeface="Times New Roman" pitchFamily="18" charset="0"/>
+              </a:rPr>
+              <a:t> </a:t>
+            </a:r>
+            <a:r>
+              <a:rPr lang="en-US" sz="2800" b="1" dirty="0" err="1" smtClean="0">
+                <a:latin typeface="Times New Roman" pitchFamily="18" charset="0"/>
+                <a:cs typeface="Times New Roman" pitchFamily="18" charset="0"/>
+              </a:rPr>
+              <a:t>viên</a:t>
+            </a:r>
+            <a:r>
+              <a:rPr lang="en-US" sz="2800" b="1" dirty="0" smtClean="0">
+                <a:latin typeface="Times New Roman" pitchFamily="18" charset="0"/>
+                <a:cs typeface="Times New Roman" pitchFamily="18" charset="0"/>
+              </a:rPr>
+              <a:t> </a:t>
+            </a:r>
+            <a:r>
+              <a:rPr lang="en-US" sz="2800" b="1" dirty="0" err="1" smtClean="0">
+                <a:latin typeface="Times New Roman" pitchFamily="18" charset="0"/>
+                <a:cs typeface="Times New Roman" pitchFamily="18" charset="0"/>
+              </a:rPr>
+              <a:t>hướng</a:t>
+            </a:r>
+            <a:r>
+              <a:rPr lang="en-US" sz="2800" b="1" dirty="0" smtClean="0">
+                <a:latin typeface="Times New Roman" pitchFamily="18" charset="0"/>
+                <a:cs typeface="Times New Roman" pitchFamily="18" charset="0"/>
+              </a:rPr>
+              <a:t> </a:t>
+            </a:r>
+            <a:r>
+              <a:rPr lang="en-US" sz="2800" b="1" dirty="0" err="1" smtClean="0">
+                <a:latin typeface="Times New Roman" pitchFamily="18" charset="0"/>
+                <a:cs typeface="Times New Roman" pitchFamily="18" charset="0"/>
+              </a:rPr>
+              <a:t>dẫn</a:t>
+            </a:r>
+            <a:endParaRPr lang="en-US" dirty="0"/>
+          </a:p>
+        </p:txBody>
+      </p:sp>
       <p:pic>
         <p:nvPicPr>
-          <p:cNvPr id="12" name="Picture 11"/>
+          <p:cNvPr id="11" name="Picture 10"/>
           <p:cNvPicPr/>
           <p:nvPr/>
         </p:nvPicPr>
         <p:blipFill>
-          <a:blip r:embed="rId4" cstate="print">
+          <a:blip r:embed="rId4">
             <a:extLst>
               <a:ext uri="{28A0092B-C50C-407E-A947-70E740481C1C}">
                 <a14:useLocalDpi xmlns:a14="http://schemas.microsoft.com/office/drawing/2010/main" val="0"/>
@@ -11061,8 +16229,8 @@
         </p:blipFill>
         <p:spPr>
           <a:xfrm>
-            <a:off x="5791200" y="1295400"/>
-            <a:ext cx="3159125" cy="5105400"/>
+            <a:off x="2057400" y="1905000"/>
+            <a:ext cx="6248400" cy="4419600"/>
           </a:xfrm>
           <a:prstGeom prst="rect">
             <a:avLst/>
@@ -11072,7 +16240,7 @@
     </p:spTree>
     <p:extLst>
       <p:ext uri="{BB962C8B-B14F-4D97-AF65-F5344CB8AC3E}">
-        <p14:creationId xmlns:p14="http://schemas.microsoft.com/office/powerpoint/2010/main" val="1559180425"/>
+        <p14:creationId xmlns:p14="http://schemas.microsoft.com/office/powerpoint/2010/main" val="178774920"/>
       </p:ext>
     </p:extLst>
   </p:cSld>
@@ -11132,176 +16300,8 @@
         </p:nvSpPr>
         <p:spPr>
           <a:xfrm>
-            <a:off x="1257300" y="533400"/>
-            <a:ext cx="7848600" cy="609600"/>
-          </a:xfrm>
-        </p:spPr>
-        <p:txBody>
-          <a:bodyPr>
-            <a:normAutofit fontScale="90000"/>
-          </a:bodyPr>
-          <a:lstStyle/>
-          <a:p>
-            <a:pPr algn="l"/>
-            <a:r>
-              <a:rPr lang="en-US" sz="3100" b="1" dirty="0" smtClean="0">
-                <a:latin typeface="Times New Roman" pitchFamily="18" charset="0"/>
-                <a:cs typeface="Times New Roman" pitchFamily="18" charset="0"/>
-              </a:rPr>
-              <a:t>3. </a:t>
-            </a:r>
-            <a:r>
-              <a:rPr lang="en-US" sz="3100" b="1" dirty="0" err="1" smtClean="0">
-                <a:latin typeface="Times New Roman" pitchFamily="18" charset="0"/>
-                <a:cs typeface="Times New Roman" pitchFamily="18" charset="0"/>
-              </a:rPr>
-              <a:t>Thiết</a:t>
-            </a:r>
-            <a:r>
-              <a:rPr lang="en-US" sz="3100" b="1" dirty="0" smtClean="0">
-                <a:latin typeface="Times New Roman" pitchFamily="18" charset="0"/>
-                <a:cs typeface="Times New Roman" pitchFamily="18" charset="0"/>
-              </a:rPr>
-              <a:t> </a:t>
-            </a:r>
-            <a:r>
-              <a:rPr lang="en-US" sz="3100" b="1" dirty="0" err="1" smtClean="0">
-                <a:latin typeface="Times New Roman" pitchFamily="18" charset="0"/>
-                <a:cs typeface="Times New Roman" pitchFamily="18" charset="0"/>
-              </a:rPr>
-              <a:t>kế</a:t>
-            </a:r>
-            <a:r>
-              <a:rPr lang="en-US" sz="3100" b="1" dirty="0" smtClean="0">
-                <a:latin typeface="Times New Roman" pitchFamily="18" charset="0"/>
-                <a:cs typeface="Times New Roman" pitchFamily="18" charset="0"/>
-              </a:rPr>
-              <a:t> </a:t>
-            </a:r>
-            <a:r>
-              <a:rPr lang="en-US" sz="3100" b="1" dirty="0" err="1" smtClean="0">
-                <a:latin typeface="Times New Roman" pitchFamily="18" charset="0"/>
-                <a:cs typeface="Times New Roman" pitchFamily="18" charset="0"/>
-              </a:rPr>
-              <a:t>hệ</a:t>
-            </a:r>
-            <a:r>
-              <a:rPr lang="en-US" sz="3100" b="1" dirty="0" smtClean="0">
-                <a:latin typeface="Times New Roman" pitchFamily="18" charset="0"/>
-                <a:cs typeface="Times New Roman" pitchFamily="18" charset="0"/>
-              </a:rPr>
-              <a:t> </a:t>
-            </a:r>
-            <a:r>
-              <a:rPr lang="en-US" sz="3100" b="1" dirty="0" err="1" smtClean="0">
-                <a:latin typeface="Times New Roman" pitchFamily="18" charset="0"/>
-                <a:cs typeface="Times New Roman" pitchFamily="18" charset="0"/>
-              </a:rPr>
-              <a:t>t</a:t>
-            </a:r>
-            <a:r>
-              <a:rPr lang="en-US" sz="3100" b="1" dirty="0" err="1" smtClean="0">
-                <a:latin typeface="Times New Roman" pitchFamily="18" charset="0"/>
-                <a:cs typeface="Times New Roman" pitchFamily="18" charset="0"/>
-              </a:rPr>
-              <a:t>hống</a:t>
-            </a:r>
-            <a:r>
-              <a:rPr lang="en-US" sz="3600" b="1" dirty="0" smtClean="0">
-                <a:latin typeface="Times New Roman" pitchFamily="18" charset="0"/>
-                <a:cs typeface="Times New Roman" pitchFamily="18" charset="0"/>
-              </a:rPr>
-              <a:t/>
-            </a:r>
-            <a:br>
-              <a:rPr lang="en-US" sz="3600" b="1" dirty="0" smtClean="0">
-                <a:latin typeface="Times New Roman" pitchFamily="18" charset="0"/>
-                <a:cs typeface="Times New Roman" pitchFamily="18" charset="0"/>
-              </a:rPr>
-            </a:br>
-            <a:r>
-              <a:rPr lang="en-US" sz="3600" b="1" dirty="0" smtClean="0">
-                <a:latin typeface="Times New Roman" pitchFamily="18" charset="0"/>
-                <a:cs typeface="Times New Roman" pitchFamily="18" charset="0"/>
-              </a:rPr>
-              <a:t>   </a:t>
-            </a:r>
-            <a:r>
-              <a:rPr lang="en-US" sz="2700" b="1" dirty="0" smtClean="0">
-                <a:latin typeface="Times New Roman" pitchFamily="18" charset="0"/>
-                <a:cs typeface="Times New Roman" pitchFamily="18" charset="0"/>
-              </a:rPr>
-              <a:t>3.3. </a:t>
-            </a:r>
-            <a:r>
-              <a:rPr lang="en-US" sz="2700" b="1" dirty="0" err="1">
-                <a:latin typeface="Times New Roman" pitchFamily="18" charset="0"/>
-                <a:cs typeface="Times New Roman" pitchFamily="18" charset="0"/>
-              </a:rPr>
-              <a:t>T</a:t>
-            </a:r>
-            <a:r>
-              <a:rPr lang="en-US" sz="2700" b="1" dirty="0" err="1" smtClean="0">
-                <a:latin typeface="Times New Roman" pitchFamily="18" charset="0"/>
-                <a:cs typeface="Times New Roman" pitchFamily="18" charset="0"/>
-              </a:rPr>
-              <a:t>hiết</a:t>
-            </a:r>
-            <a:r>
-              <a:rPr lang="en-US" sz="2700" b="1" dirty="0" smtClean="0">
-                <a:latin typeface="Times New Roman" pitchFamily="18" charset="0"/>
-                <a:cs typeface="Times New Roman" pitchFamily="18" charset="0"/>
-              </a:rPr>
-              <a:t> </a:t>
-            </a:r>
-            <a:r>
-              <a:rPr lang="en-US" sz="2700" b="1" dirty="0" err="1" smtClean="0">
-                <a:latin typeface="Times New Roman" pitchFamily="18" charset="0"/>
-                <a:cs typeface="Times New Roman" pitchFamily="18" charset="0"/>
-              </a:rPr>
-              <a:t>kế</a:t>
-            </a:r>
-            <a:r>
-              <a:rPr lang="en-US" sz="2700" b="1" dirty="0" smtClean="0">
-                <a:latin typeface="Times New Roman" pitchFamily="18" charset="0"/>
-                <a:cs typeface="Times New Roman" pitchFamily="18" charset="0"/>
-              </a:rPr>
-              <a:t> CSDL</a:t>
-            </a:r>
-            <a:r>
-              <a:rPr lang="en-US" sz="3200" dirty="0">
-                <a:latin typeface="Times New Roman" pitchFamily="18" charset="0"/>
-                <a:cs typeface="Times New Roman" pitchFamily="18" charset="0"/>
-              </a:rPr>
-              <a:t/>
-            </a:r>
-            <a:br>
-              <a:rPr lang="en-US" sz="3200" dirty="0">
-                <a:latin typeface="Times New Roman" pitchFamily="18" charset="0"/>
-                <a:cs typeface="Times New Roman" pitchFamily="18" charset="0"/>
-              </a:rPr>
-            </a:br>
-            <a:endParaRPr lang="en-US" sz="3600" b="1" dirty="0">
-              <a:latin typeface="Times New Roman" pitchFamily="18" charset="0"/>
-              <a:cs typeface="Times New Roman" pitchFamily="18" charset="0"/>
-            </a:endParaRPr>
-          </a:p>
-        </p:txBody>
-      </p:sp>
-      <p:sp>
-        <p:nvSpPr>
-          <p:cNvPr id="3" name="Content Placeholder 2"/>
-          <p:cNvSpPr>
-            <a:spLocks noGrp="1"/>
-          </p:cNvSpPr>
-          <p:nvPr>
-            <p:ph idx="1"/>
-          </p:nvPr>
-        </p:nvSpPr>
-        <p:spPr>
-          <a:xfrm>
-            <a:off x="1219200" y="1295400"/>
-            <a:ext cx="7772400" cy="5181600"/>
+            <a:off x="1219200" y="76200"/>
+            <a:ext cx="7848600" cy="838200"/>
           </a:xfrm>
         </p:spPr>
         <p:txBody>
@@ -11310,10 +16310,64 @@
           </a:bodyPr>
           <a:lstStyle/>
           <a:p>
-            <a:pPr marL="0" indent="0">
-              <a:buNone/>
-            </a:pPr>
-            <a:endParaRPr lang="en-US" sz="2400" dirty="0" smtClean="0">
+            <a:pPr algn="l"/>
+            <a:r>
+              <a:rPr lang="en-US" sz="3600" b="1" dirty="0" smtClean="0">
+                <a:latin typeface="Times New Roman" pitchFamily="18" charset="0"/>
+                <a:cs typeface="Times New Roman" pitchFamily="18" charset="0"/>
+              </a:rPr>
+              <a:t>2. </a:t>
+            </a:r>
+            <a:r>
+              <a:rPr lang="en-US" sz="3600" b="1" dirty="0" err="1" smtClean="0">
+                <a:latin typeface="Times New Roman" pitchFamily="18" charset="0"/>
+                <a:cs typeface="Times New Roman" pitchFamily="18" charset="0"/>
+              </a:rPr>
+              <a:t>Phân</a:t>
+            </a:r>
+            <a:r>
+              <a:rPr lang="en-US" sz="3600" b="1" dirty="0" smtClean="0">
+                <a:latin typeface="Times New Roman" pitchFamily="18" charset="0"/>
+                <a:cs typeface="Times New Roman" pitchFamily="18" charset="0"/>
+              </a:rPr>
+              <a:t> </a:t>
+            </a:r>
+            <a:r>
+              <a:rPr lang="en-US" sz="3600" b="1" dirty="0" err="1" smtClean="0">
+                <a:latin typeface="Times New Roman" pitchFamily="18" charset="0"/>
+                <a:cs typeface="Times New Roman" pitchFamily="18" charset="0"/>
+              </a:rPr>
+              <a:t>tích</a:t>
+            </a:r>
+            <a:r>
+              <a:rPr lang="en-US" sz="3600" b="1" dirty="0" smtClean="0">
+                <a:latin typeface="Times New Roman" pitchFamily="18" charset="0"/>
+                <a:cs typeface="Times New Roman" pitchFamily="18" charset="0"/>
+              </a:rPr>
+              <a:t> </a:t>
+            </a:r>
+            <a:r>
+              <a:rPr lang="en-US" sz="3600" b="1" dirty="0" err="1" smtClean="0">
+                <a:latin typeface="Times New Roman" pitchFamily="18" charset="0"/>
+                <a:cs typeface="Times New Roman" pitchFamily="18" charset="0"/>
+              </a:rPr>
+              <a:t>hệ</a:t>
+            </a:r>
+            <a:r>
+              <a:rPr lang="en-US" sz="3600" b="1" dirty="0" smtClean="0">
+                <a:latin typeface="Times New Roman" pitchFamily="18" charset="0"/>
+                <a:cs typeface="Times New Roman" pitchFamily="18" charset="0"/>
+              </a:rPr>
+              <a:t> </a:t>
+            </a:r>
+            <a:r>
+              <a:rPr lang="en-US" sz="3600" b="1" dirty="0" err="1" smtClean="0">
+                <a:latin typeface="Times New Roman" pitchFamily="18" charset="0"/>
+                <a:cs typeface="Times New Roman" pitchFamily="18" charset="0"/>
+              </a:rPr>
+              <a:t>thống</a:t>
+            </a:r>
+            <a:endParaRPr lang="en-US" sz="3600" b="1" dirty="0">
               <a:latin typeface="Times New Roman" pitchFamily="18" charset="0"/>
               <a:cs typeface="Times New Roman" pitchFamily="18" charset="0"/>
             </a:endParaRPr>
@@ -11342,7 +16396,7 @@
           <a:p>
             <a:fld id="{3805247F-6ACC-47F2-B107-A401F66D3D80}" type="datetime1">
               <a:rPr lang="en-US" smtClean="0"/>
-              <a:t>6/7/2018</a:t>
+              <a:t>6/9/2018</a:t>
             </a:fld>
             <a:endParaRPr lang="en-US" dirty="0"/>
           </a:p>
@@ -11404,10 +16458,135 @@
           </a:p>
         </p:txBody>
       </p:sp>
+      <p:sp>
+        <p:nvSpPr>
+          <p:cNvPr id="4" name="Content Placeholder 3"/>
+          <p:cNvSpPr>
+            <a:spLocks noGrp="1"/>
+          </p:cNvSpPr>
+          <p:nvPr>
+            <p:ph idx="1"/>
+          </p:nvPr>
+        </p:nvSpPr>
+        <p:spPr>
+          <a:xfrm>
+            <a:off x="1219200" y="1219200"/>
+            <a:ext cx="7848600" cy="5257800"/>
+          </a:xfrm>
+        </p:spPr>
+        <p:txBody>
+          <a:bodyPr/>
+          <a:lstStyle/>
+          <a:p>
+            <a:pPr marL="0" indent="0">
+              <a:buNone/>
+            </a:pPr>
+            <a:r>
+              <a:rPr lang="en-US" sz="2800" b="1" dirty="0" smtClean="0">
+                <a:latin typeface="Times New Roman" pitchFamily="18" charset="0"/>
+                <a:cs typeface="Times New Roman" pitchFamily="18" charset="0"/>
+              </a:rPr>
+              <a:t>2.4. </a:t>
+            </a:r>
+            <a:r>
+              <a:rPr lang="en-US" sz="2800" b="1" dirty="0" err="1" smtClean="0">
+                <a:latin typeface="Times New Roman" pitchFamily="18" charset="0"/>
+                <a:cs typeface="Times New Roman" pitchFamily="18" charset="0"/>
+              </a:rPr>
+              <a:t>Biểu</a:t>
+            </a:r>
+            <a:r>
+              <a:rPr lang="en-US" sz="2800" b="1" dirty="0" smtClean="0">
+                <a:latin typeface="Times New Roman" pitchFamily="18" charset="0"/>
+                <a:cs typeface="Times New Roman" pitchFamily="18" charset="0"/>
+              </a:rPr>
+              <a:t> </a:t>
+            </a:r>
+            <a:r>
+              <a:rPr lang="en-US" sz="2800" b="1" dirty="0" err="1" smtClean="0">
+                <a:latin typeface="Times New Roman" pitchFamily="18" charset="0"/>
+                <a:cs typeface="Times New Roman" pitchFamily="18" charset="0"/>
+              </a:rPr>
+              <a:t>đồ</a:t>
+            </a:r>
+            <a:r>
+              <a:rPr lang="en-US" sz="2800" b="1" dirty="0" smtClean="0">
+                <a:latin typeface="Times New Roman" pitchFamily="18" charset="0"/>
+                <a:cs typeface="Times New Roman" pitchFamily="18" charset="0"/>
+              </a:rPr>
+              <a:t> use-case </a:t>
+            </a:r>
+            <a:r>
+              <a:rPr lang="en-US" sz="2800" b="1" dirty="0" err="1" smtClean="0">
+                <a:latin typeface="Times New Roman" pitchFamily="18" charset="0"/>
+                <a:cs typeface="Times New Roman" pitchFamily="18" charset="0"/>
+              </a:rPr>
+              <a:t>người</a:t>
+            </a:r>
+            <a:r>
+              <a:rPr lang="en-US" sz="2800" b="1" dirty="0" smtClean="0">
+                <a:latin typeface="Times New Roman" pitchFamily="18" charset="0"/>
+                <a:cs typeface="Times New Roman" pitchFamily="18" charset="0"/>
+              </a:rPr>
+              <a:t> </a:t>
+            </a:r>
+            <a:r>
+              <a:rPr lang="en-US" sz="2800" b="1" dirty="0" err="1" smtClean="0">
+                <a:latin typeface="Times New Roman" pitchFamily="18" charset="0"/>
+                <a:cs typeface="Times New Roman" pitchFamily="18" charset="0"/>
+              </a:rPr>
+              <a:t>hướng</a:t>
+            </a:r>
+            <a:r>
+              <a:rPr lang="en-US" sz="2800" b="1" dirty="0" smtClean="0">
+                <a:latin typeface="Times New Roman" pitchFamily="18" charset="0"/>
+                <a:cs typeface="Times New Roman" pitchFamily="18" charset="0"/>
+              </a:rPr>
+              <a:t> </a:t>
+            </a:r>
+            <a:r>
+              <a:rPr lang="en-US" sz="2800" b="1" dirty="0" err="1" smtClean="0">
+                <a:latin typeface="Times New Roman" pitchFamily="18" charset="0"/>
+                <a:cs typeface="Times New Roman" pitchFamily="18" charset="0"/>
+              </a:rPr>
+              <a:t>dẫn</a:t>
+            </a:r>
+            <a:endParaRPr lang="en-US" dirty="0"/>
+          </a:p>
+        </p:txBody>
+      </p:sp>
+      <p:pic>
+        <p:nvPicPr>
+          <p:cNvPr id="10" name="Picture 9"/>
+          <p:cNvPicPr/>
+          <p:nvPr/>
+        </p:nvPicPr>
+        <p:blipFill>
+          <a:blip r:embed="rId4">
+            <a:extLst>
+              <a:ext uri="{28A0092B-C50C-407E-A947-70E740481C1C}">
+                <a14:useLocalDpi xmlns:a14="http://schemas.microsoft.com/office/drawing/2010/main" val="0"/>
+              </a:ext>
+            </a:extLst>
+          </a:blip>
+          <a:stretch>
+            <a:fillRect/>
+          </a:stretch>
+        </p:blipFill>
+        <p:spPr>
+          <a:xfrm>
+            <a:off x="2115184" y="1830704"/>
+            <a:ext cx="6724016" cy="4646295"/>
+          </a:xfrm>
+          <a:prstGeom prst="rect">
+            <a:avLst/>
+          </a:prstGeom>
+        </p:spPr>
+      </p:pic>
     </p:spTree>
     <p:extLst>
       <p:ext uri="{BB962C8B-B14F-4D97-AF65-F5344CB8AC3E}">
-        <p14:creationId xmlns:p14="http://schemas.microsoft.com/office/powerpoint/2010/main" val="3075892855"/>
+        <p14:creationId xmlns:p14="http://schemas.microsoft.com/office/powerpoint/2010/main" val="256777398"/>
       </p:ext>
     </p:extLst>
   </p:cSld>
@@ -11467,211 +16646,8 @@
         </p:nvSpPr>
         <p:spPr>
           <a:xfrm>
-            <a:off x="1257300" y="533400"/>
-            <a:ext cx="7848600" cy="609600"/>
-          </a:xfrm>
-        </p:spPr>
-        <p:txBody>
-          <a:bodyPr>
-            <a:normAutofit fontScale="90000"/>
-          </a:bodyPr>
-          <a:lstStyle/>
-          <a:p>
-            <a:pPr algn="l"/>
-            <a:r>
-              <a:rPr lang="en-US" sz="3100" b="1" dirty="0" smtClean="0">
-                <a:latin typeface="Times New Roman" pitchFamily="18" charset="0"/>
-                <a:cs typeface="Times New Roman" pitchFamily="18" charset="0"/>
-              </a:rPr>
-              <a:t>3. </a:t>
-            </a:r>
-            <a:r>
-              <a:rPr lang="en-US" sz="3100" b="1" dirty="0" err="1" smtClean="0">
-                <a:latin typeface="Times New Roman" pitchFamily="18" charset="0"/>
-                <a:cs typeface="Times New Roman" pitchFamily="18" charset="0"/>
-              </a:rPr>
-              <a:t>Thiết</a:t>
-            </a:r>
-            <a:r>
-              <a:rPr lang="en-US" sz="3100" b="1" dirty="0" smtClean="0">
-                <a:latin typeface="Times New Roman" pitchFamily="18" charset="0"/>
-                <a:cs typeface="Times New Roman" pitchFamily="18" charset="0"/>
-              </a:rPr>
-              <a:t> </a:t>
-            </a:r>
-            <a:r>
-              <a:rPr lang="en-US" sz="3100" b="1" dirty="0" err="1" smtClean="0">
-                <a:latin typeface="Times New Roman" pitchFamily="18" charset="0"/>
-                <a:cs typeface="Times New Roman" pitchFamily="18" charset="0"/>
-              </a:rPr>
-              <a:t>kế</a:t>
-            </a:r>
-            <a:r>
-              <a:rPr lang="en-US" sz="3100" b="1" dirty="0" smtClean="0">
-                <a:latin typeface="Times New Roman" pitchFamily="18" charset="0"/>
-                <a:cs typeface="Times New Roman" pitchFamily="18" charset="0"/>
-              </a:rPr>
-              <a:t> </a:t>
-            </a:r>
-            <a:r>
-              <a:rPr lang="en-US" sz="3100" b="1" dirty="0" err="1" smtClean="0">
-                <a:latin typeface="Times New Roman" pitchFamily="18" charset="0"/>
-                <a:cs typeface="Times New Roman" pitchFamily="18" charset="0"/>
-              </a:rPr>
-              <a:t>hệ</a:t>
-            </a:r>
-            <a:r>
-              <a:rPr lang="en-US" sz="3100" b="1" dirty="0" smtClean="0">
-                <a:latin typeface="Times New Roman" pitchFamily="18" charset="0"/>
-                <a:cs typeface="Times New Roman" pitchFamily="18" charset="0"/>
-              </a:rPr>
-              <a:t> </a:t>
-            </a:r>
-            <a:r>
-              <a:rPr lang="en-US" sz="3100" b="1" dirty="0" err="1" smtClean="0">
-                <a:latin typeface="Times New Roman" pitchFamily="18" charset="0"/>
-                <a:cs typeface="Times New Roman" pitchFamily="18" charset="0"/>
-              </a:rPr>
-              <a:t>t</a:t>
-            </a:r>
-            <a:r>
-              <a:rPr lang="en-US" sz="3100" b="1" dirty="0" err="1" smtClean="0">
-                <a:latin typeface="Times New Roman" pitchFamily="18" charset="0"/>
-                <a:cs typeface="Times New Roman" pitchFamily="18" charset="0"/>
-              </a:rPr>
-              <a:t>hống</a:t>
-            </a:r>
-            <a:r>
-              <a:rPr lang="en-US" sz="3600" b="1" dirty="0" smtClean="0">
-                <a:latin typeface="Times New Roman" pitchFamily="18" charset="0"/>
-                <a:cs typeface="Times New Roman" pitchFamily="18" charset="0"/>
-              </a:rPr>
-              <a:t/>
-            </a:r>
-            <a:br>
-              <a:rPr lang="en-US" sz="3600" b="1" dirty="0" smtClean="0">
-                <a:latin typeface="Times New Roman" pitchFamily="18" charset="0"/>
-                <a:cs typeface="Times New Roman" pitchFamily="18" charset="0"/>
-              </a:rPr>
-            </a:br>
-            <a:r>
-              <a:rPr lang="en-US" sz="3600" b="1" dirty="0" smtClean="0">
-                <a:latin typeface="Times New Roman" pitchFamily="18" charset="0"/>
-                <a:cs typeface="Times New Roman" pitchFamily="18" charset="0"/>
-              </a:rPr>
-              <a:t>   </a:t>
-            </a:r>
-            <a:r>
-              <a:rPr lang="en-US" sz="2700" b="1" dirty="0" smtClean="0">
-                <a:latin typeface="Times New Roman" pitchFamily="18" charset="0"/>
-                <a:cs typeface="Times New Roman" pitchFamily="18" charset="0"/>
-              </a:rPr>
-              <a:t>3.3. </a:t>
-            </a:r>
-            <a:r>
-              <a:rPr lang="en-US" sz="2700" b="1" dirty="0" err="1">
-                <a:latin typeface="Times New Roman" pitchFamily="18" charset="0"/>
-                <a:cs typeface="Times New Roman" pitchFamily="18" charset="0"/>
-              </a:rPr>
-              <a:t>T</a:t>
-            </a:r>
-            <a:r>
-              <a:rPr lang="en-US" sz="2700" b="1" dirty="0" err="1" smtClean="0">
-                <a:latin typeface="Times New Roman" pitchFamily="18" charset="0"/>
-                <a:cs typeface="Times New Roman" pitchFamily="18" charset="0"/>
-              </a:rPr>
-              <a:t>hiết</a:t>
-            </a:r>
-            <a:r>
-              <a:rPr lang="en-US" sz="2700" b="1" dirty="0" smtClean="0">
-                <a:latin typeface="Times New Roman" pitchFamily="18" charset="0"/>
-                <a:cs typeface="Times New Roman" pitchFamily="18" charset="0"/>
-              </a:rPr>
-              <a:t> </a:t>
-            </a:r>
-            <a:r>
-              <a:rPr lang="en-US" sz="2700" b="1" dirty="0" err="1" smtClean="0">
-                <a:latin typeface="Times New Roman" pitchFamily="18" charset="0"/>
-                <a:cs typeface="Times New Roman" pitchFamily="18" charset="0"/>
-              </a:rPr>
-              <a:t>kế</a:t>
-            </a:r>
-            <a:r>
-              <a:rPr lang="en-US" sz="2700" b="1" dirty="0">
-                <a:latin typeface="Times New Roman" pitchFamily="18" charset="0"/>
-                <a:cs typeface="Times New Roman" pitchFamily="18" charset="0"/>
-              </a:rPr>
-              <a:t> </a:t>
-            </a:r>
-            <a:r>
-              <a:rPr lang="en-US" sz="2700" b="1" dirty="0" smtClean="0">
-                <a:latin typeface="Times New Roman" pitchFamily="18" charset="0"/>
-                <a:cs typeface="Times New Roman" pitchFamily="18" charset="0"/>
-              </a:rPr>
-              <a:t>so </a:t>
-            </a:r>
-            <a:r>
-              <a:rPr lang="en-US" sz="2700" b="1" dirty="0" err="1" smtClean="0">
-                <a:latin typeface="Times New Roman" pitchFamily="18" charset="0"/>
-                <a:cs typeface="Times New Roman" pitchFamily="18" charset="0"/>
-              </a:rPr>
-              <a:t>khớp</a:t>
-            </a:r>
-            <a:r>
-              <a:rPr lang="en-US" sz="2700" b="1" dirty="0" smtClean="0">
-                <a:latin typeface="Times New Roman" pitchFamily="18" charset="0"/>
-                <a:cs typeface="Times New Roman" pitchFamily="18" charset="0"/>
-              </a:rPr>
-              <a:t> </a:t>
-            </a:r>
-            <a:r>
-              <a:rPr lang="en-US" sz="2700" b="1" dirty="0" err="1" smtClean="0">
-                <a:latin typeface="Times New Roman" pitchFamily="18" charset="0"/>
-                <a:cs typeface="Times New Roman" pitchFamily="18" charset="0"/>
-              </a:rPr>
-              <a:t>thông</a:t>
-            </a:r>
-            <a:r>
-              <a:rPr lang="en-US" sz="2700" b="1" dirty="0" smtClean="0">
-                <a:latin typeface="Times New Roman" pitchFamily="18" charset="0"/>
-                <a:cs typeface="Times New Roman" pitchFamily="18" charset="0"/>
-              </a:rPr>
-              <a:t> tin</a:t>
-            </a:r>
-            <a:r>
-              <a:rPr lang="en-US" sz="3200" dirty="0">
-                <a:latin typeface="Times New Roman" pitchFamily="18" charset="0"/>
-                <a:cs typeface="Times New Roman" pitchFamily="18" charset="0"/>
-              </a:rPr>
-              <a:t/>
-            </a:r>
-            <a:br>
-              <a:rPr lang="en-US" sz="3200" dirty="0">
-                <a:latin typeface="Times New Roman" pitchFamily="18" charset="0"/>
-                <a:cs typeface="Times New Roman" pitchFamily="18" charset="0"/>
-              </a:rPr>
-            </a:br>
-            <a:endParaRPr lang="en-US" sz="3600" b="1" dirty="0">
-              <a:latin typeface="Times New Roman" pitchFamily="18" charset="0"/>
-              <a:cs typeface="Times New Roman" pitchFamily="18" charset="0"/>
-            </a:endParaRPr>
-          </a:p>
-        </p:txBody>
-      </p:sp>
-      <p:sp>
-        <p:nvSpPr>
-          <p:cNvPr id="3" name="Content Placeholder 2"/>
-          <p:cNvSpPr>
-            <a:spLocks noGrp="1"/>
-          </p:cNvSpPr>
-          <p:nvPr>
-            <p:ph idx="1"/>
-          </p:nvPr>
-        </p:nvSpPr>
-        <p:spPr>
-          <a:xfrm>
-            <a:off x="1219200" y="1295400"/>
-            <a:ext cx="7772400" cy="5181600"/>
+            <a:off x="1219200" y="76200"/>
+            <a:ext cx="7848600" cy="838200"/>
           </a:xfrm>
         </p:spPr>
         <p:txBody>
@@ -11680,10 +16656,64 @@
           </a:bodyPr>
           <a:lstStyle/>
           <a:p>
-            <a:pPr marL="0" indent="0">
-              <a:buNone/>
-            </a:pPr>
-            <a:endParaRPr lang="en-US" sz="2400" dirty="0" smtClean="0">
+            <a:pPr algn="l"/>
+            <a:r>
+              <a:rPr lang="en-US" sz="3600" b="1" dirty="0" smtClean="0">
+                <a:latin typeface="Times New Roman" pitchFamily="18" charset="0"/>
+                <a:cs typeface="Times New Roman" pitchFamily="18" charset="0"/>
+              </a:rPr>
+              <a:t>2. </a:t>
+            </a:r>
+            <a:r>
+              <a:rPr lang="en-US" sz="3600" b="1" dirty="0" err="1" smtClean="0">
+                <a:latin typeface="Times New Roman" pitchFamily="18" charset="0"/>
+                <a:cs typeface="Times New Roman" pitchFamily="18" charset="0"/>
+              </a:rPr>
+              <a:t>Phân</a:t>
+            </a:r>
+            <a:r>
+              <a:rPr lang="en-US" sz="3600" b="1" dirty="0" smtClean="0">
+                <a:latin typeface="Times New Roman" pitchFamily="18" charset="0"/>
+                <a:cs typeface="Times New Roman" pitchFamily="18" charset="0"/>
+              </a:rPr>
+              <a:t> </a:t>
+            </a:r>
+            <a:r>
+              <a:rPr lang="en-US" sz="3600" b="1" dirty="0" err="1" smtClean="0">
+                <a:latin typeface="Times New Roman" pitchFamily="18" charset="0"/>
+                <a:cs typeface="Times New Roman" pitchFamily="18" charset="0"/>
+              </a:rPr>
+              <a:t>tích</a:t>
+            </a:r>
+            <a:r>
+              <a:rPr lang="en-US" sz="3600" b="1" dirty="0" smtClean="0">
+                <a:latin typeface="Times New Roman" pitchFamily="18" charset="0"/>
+                <a:cs typeface="Times New Roman" pitchFamily="18" charset="0"/>
+              </a:rPr>
+              <a:t> </a:t>
+            </a:r>
+            <a:r>
+              <a:rPr lang="en-US" sz="3600" b="1" dirty="0" err="1" smtClean="0">
+                <a:latin typeface="Times New Roman" pitchFamily="18" charset="0"/>
+                <a:cs typeface="Times New Roman" pitchFamily="18" charset="0"/>
+              </a:rPr>
+              <a:t>hệ</a:t>
+            </a:r>
+            <a:r>
+              <a:rPr lang="en-US" sz="3600" b="1" dirty="0" smtClean="0">
+                <a:latin typeface="Times New Roman" pitchFamily="18" charset="0"/>
+                <a:cs typeface="Times New Roman" pitchFamily="18" charset="0"/>
+              </a:rPr>
+              <a:t> </a:t>
+            </a:r>
+            <a:r>
+              <a:rPr lang="en-US" sz="3600" b="1" dirty="0" err="1" smtClean="0">
+                <a:latin typeface="Times New Roman" pitchFamily="18" charset="0"/>
+                <a:cs typeface="Times New Roman" pitchFamily="18" charset="0"/>
+              </a:rPr>
+              <a:t>thống</a:t>
+            </a:r>
+            <a:endParaRPr lang="en-US" sz="3600" b="1" dirty="0">
               <a:latin typeface="Times New Roman" pitchFamily="18" charset="0"/>
               <a:cs typeface="Times New Roman" pitchFamily="18" charset="0"/>
             </a:endParaRPr>
@@ -11712,7 +16742,7 @@
           <a:p>
             <a:fld id="{3805247F-6ACC-47F2-B107-A401F66D3D80}" type="datetime1">
               <a:rPr lang="en-US" smtClean="0"/>
-              <a:t>6/7/2018</a:t>
+              <a:t>6/9/2018</a:t>
             </a:fld>
             <a:endParaRPr lang="en-US" dirty="0"/>
           </a:p>
@@ -11774,10 +16804,151 @@
           </a:p>
         </p:txBody>
       </p:sp>
+      <p:sp>
+        <p:nvSpPr>
+          <p:cNvPr id="4" name="Content Placeholder 3"/>
+          <p:cNvSpPr>
+            <a:spLocks noGrp="1"/>
+          </p:cNvSpPr>
+          <p:nvPr>
+            <p:ph idx="1"/>
+          </p:nvPr>
+        </p:nvSpPr>
+        <p:spPr>
+          <a:xfrm>
+            <a:off x="1219200" y="1219200"/>
+            <a:ext cx="7848600" cy="5257800"/>
+          </a:xfrm>
+        </p:spPr>
+        <p:txBody>
+          <a:bodyPr/>
+          <a:lstStyle/>
+          <a:p>
+            <a:pPr marL="0" indent="0">
+              <a:buNone/>
+            </a:pPr>
+            <a:r>
+              <a:rPr lang="en-US" sz="2800" b="1" dirty="0" smtClean="0">
+                <a:latin typeface="Times New Roman" pitchFamily="18" charset="0"/>
+                <a:cs typeface="Times New Roman" pitchFamily="18" charset="0"/>
+              </a:rPr>
+              <a:t>2.4. </a:t>
+            </a:r>
+            <a:r>
+              <a:rPr lang="en-US" sz="2800" b="1" dirty="0" err="1" smtClean="0">
+                <a:latin typeface="Times New Roman" pitchFamily="18" charset="0"/>
+                <a:cs typeface="Times New Roman" pitchFamily="18" charset="0"/>
+              </a:rPr>
+              <a:t>Biểu</a:t>
+            </a:r>
+            <a:r>
+              <a:rPr lang="en-US" sz="2800" b="1" dirty="0" smtClean="0">
+                <a:latin typeface="Times New Roman" pitchFamily="18" charset="0"/>
+                <a:cs typeface="Times New Roman" pitchFamily="18" charset="0"/>
+              </a:rPr>
+              <a:t> </a:t>
+            </a:r>
+            <a:r>
+              <a:rPr lang="en-US" sz="2800" b="1" dirty="0" err="1" smtClean="0">
+                <a:latin typeface="Times New Roman" pitchFamily="18" charset="0"/>
+                <a:cs typeface="Times New Roman" pitchFamily="18" charset="0"/>
+              </a:rPr>
+              <a:t>đồ</a:t>
+            </a:r>
+            <a:r>
+              <a:rPr lang="en-US" sz="2800" b="1" dirty="0" smtClean="0">
+                <a:latin typeface="Times New Roman" pitchFamily="18" charset="0"/>
+                <a:cs typeface="Times New Roman" pitchFamily="18" charset="0"/>
+              </a:rPr>
+              <a:t> use-case </a:t>
+            </a:r>
+            <a:r>
+              <a:rPr lang="en-US" sz="2800" b="1" dirty="0" err="1" smtClean="0">
+                <a:latin typeface="Times New Roman" pitchFamily="18" charset="0"/>
+                <a:cs typeface="Times New Roman" pitchFamily="18" charset="0"/>
+              </a:rPr>
+              <a:t>đại</a:t>
+            </a:r>
+            <a:r>
+              <a:rPr lang="en-US" sz="2800" b="1" dirty="0" smtClean="0">
+                <a:latin typeface="Times New Roman" pitchFamily="18" charset="0"/>
+                <a:cs typeface="Times New Roman" pitchFamily="18" charset="0"/>
+              </a:rPr>
+              <a:t> </a:t>
+            </a:r>
+            <a:r>
+              <a:rPr lang="en-US" sz="2800" b="1" dirty="0" err="1" smtClean="0">
+                <a:latin typeface="Times New Roman" pitchFamily="18" charset="0"/>
+                <a:cs typeface="Times New Roman" pitchFamily="18" charset="0"/>
+              </a:rPr>
+              <a:t>diện</a:t>
+            </a:r>
+            <a:r>
+              <a:rPr lang="en-US" sz="2800" b="1" dirty="0" smtClean="0">
+                <a:latin typeface="Times New Roman" pitchFamily="18" charset="0"/>
+                <a:cs typeface="Times New Roman" pitchFamily="18" charset="0"/>
+              </a:rPr>
+              <a:t> </a:t>
+            </a:r>
+            <a:r>
+              <a:rPr lang="en-US" sz="2800" b="1" dirty="0" err="1" smtClean="0">
+                <a:latin typeface="Times New Roman" pitchFamily="18" charset="0"/>
+                <a:cs typeface="Times New Roman" pitchFamily="18" charset="0"/>
+              </a:rPr>
+              <a:t>công</a:t>
+            </a:r>
+            <a:r>
+              <a:rPr lang="en-US" sz="2800" b="1" dirty="0" smtClean="0">
+                <a:latin typeface="Times New Roman" pitchFamily="18" charset="0"/>
+                <a:cs typeface="Times New Roman" pitchFamily="18" charset="0"/>
+              </a:rPr>
+              <a:t> </a:t>
+            </a:r>
+            <a:r>
+              <a:rPr lang="en-US" sz="2800" b="1" dirty="0" err="1" smtClean="0">
+                <a:latin typeface="Times New Roman" pitchFamily="18" charset="0"/>
+                <a:cs typeface="Times New Roman" pitchFamily="18" charset="0"/>
+              </a:rPr>
+              <a:t>ty</a:t>
+            </a:r>
+            <a:endParaRPr lang="en-US" dirty="0"/>
+          </a:p>
+        </p:txBody>
+      </p:sp>
+      <p:pic>
+        <p:nvPicPr>
+          <p:cNvPr id="3" name="Picture 2"/>
+          <p:cNvPicPr>
+            <a:picLocks noChangeAspect="1"/>
+          </p:cNvPicPr>
+          <p:nvPr/>
+        </p:nvPicPr>
+        <p:blipFill>
+          <a:blip r:embed="rId4">
+            <a:extLst>
+              <a:ext uri="{28A0092B-C50C-407E-A947-70E740481C1C}">
+                <a14:useLocalDpi xmlns:a14="http://schemas.microsoft.com/office/drawing/2010/main" val="0"/>
+              </a:ext>
+            </a:extLst>
+          </a:blip>
+          <a:stretch>
+            <a:fillRect/>
+          </a:stretch>
+        </p:blipFill>
+        <p:spPr>
+          <a:xfrm>
+            <a:off x="2396318" y="1905000"/>
+            <a:ext cx="5985681" cy="4572000"/>
+          </a:xfrm>
+          <a:prstGeom prst="rect">
+            <a:avLst/>
+          </a:prstGeom>
+        </p:spPr>
+      </p:pic>
     </p:spTree>
     <p:extLst>
       <p:ext uri="{BB962C8B-B14F-4D97-AF65-F5344CB8AC3E}">
-        <p14:creationId xmlns:p14="http://schemas.microsoft.com/office/powerpoint/2010/main" val="2176093226"/>
+        <p14:creationId xmlns:p14="http://schemas.microsoft.com/office/powerpoint/2010/main" val="4009452196"/>
       </p:ext>
     </p:extLst>
   </p:cSld>
